--- a/used car prediction.pptx
+++ b/used car prediction.pptx
@@ -9,9 +9,11 @@
     <p:sldId id="257" r:id="rId3"/>
     <p:sldId id="261" r:id="rId4"/>
     <p:sldId id="258" r:id="rId5"/>
-    <p:sldId id="259" r:id="rId6"/>
-    <p:sldId id="262" r:id="rId7"/>
-    <p:sldId id="263" r:id="rId8"/>
+    <p:sldId id="264" r:id="rId6"/>
+    <p:sldId id="265" r:id="rId7"/>
+    <p:sldId id="266" r:id="rId8"/>
+    <p:sldId id="267" r:id="rId9"/>
+    <p:sldId id="268" r:id="rId10"/>
   </p:sldIdLst>
   <p:sldSz cx="12192000" cy="6858000"/>
   <p:notesSz cx="6858000" cy="9144000"/>
@@ -4341,7 +4343,7 @@
         </p:nvSpPr>
         <p:spPr>
           <a:xfrm>
-            <a:off x="4110174" y="4596992"/>
+            <a:off x="3959116" y="4180399"/>
             <a:ext cx="4117336" cy="1141851"/>
           </a:xfrm>
           <a:noFill/>
@@ -4443,7 +4445,7 @@
                 <a:latin typeface="Times New Roman" panose="02020603050405020304" pitchFamily="18" charset="0"/>
                 <a:ea typeface="Calibri" panose="020F0502020204030204" pitchFamily="34" charset="0"/>
               </a:rPr>
-              <a:t>used car price prediction price in Saudi Arabia</a:t>
+              <a:t>used cars price prediction price in Saudi Arabia</a:t>
             </a:r>
             <a:br>
               <a:rPr lang="en-US" sz="2400" b="1" dirty="0">
@@ -6770,8 +6772,8 @@
         </p:nvSpPr>
         <p:spPr>
           <a:xfrm>
-            <a:off x="1449705" y="2384214"/>
-            <a:ext cx="9833548" cy="2693976"/>
+            <a:off x="768626" y="2384214"/>
+            <a:ext cx="10514627" cy="2693976"/>
           </a:xfrm>
         </p:spPr>
         <p:txBody>
@@ -6802,17 +6804,36 @@
                 <a:latin typeface="Times New Roman" panose="02020603050405020304" pitchFamily="18" charset="0"/>
                 <a:ea typeface="Times New Roman" panose="02020603050405020304" pitchFamily="18" charset="0"/>
               </a:rPr>
-              <a:t>to applied regression model to predict price of cars in Saudi country that change according to certain attributes and companies</a:t>
-            </a:r>
-          </a:p>
-          <a:p>
+              <a:t>to applied regression model to predict price of the used cars in Saudi </a:t>
+            </a:r>
+            <a:r>
+              <a:rPr lang="en-US" sz="1800" dirty="0">
+                <a:latin typeface="Times New Roman" panose="02020603050405020304" pitchFamily="18" charset="0"/>
+                <a:ea typeface="Times New Roman" panose="02020603050405020304" pitchFamily="18" charset="0"/>
+              </a:rPr>
+              <a:t>Arabia</a:t>
+            </a:r>
+            <a:endParaRPr lang="en-US" sz="1800" dirty="0">
+              <a:effectLst/>
+              <a:latin typeface="Times New Roman" panose="02020603050405020304" pitchFamily="18" charset="0"/>
+              <a:ea typeface="Times New Roman" panose="02020603050405020304" pitchFamily="18" charset="0"/>
+            </a:endParaRPr>
+          </a:p>
+          <a:p>
+            <a:r>
+              <a:rPr lang="en-US" sz="1800" dirty="0">
+                <a:latin typeface="Times New Roman" panose="02020603050405020304" pitchFamily="18" charset="0"/>
+                <a:ea typeface="Times New Roman" panose="02020603050405020304" pitchFamily="18" charset="0"/>
+              </a:rPr>
+              <a:t>T</a:t>
+            </a:r>
             <a:r>
               <a:rPr lang="en-US" sz="1800" dirty="0">
                 <a:effectLst/>
                 <a:latin typeface="Times New Roman" panose="02020603050405020304" pitchFamily="18" charset="0"/>
                 <a:ea typeface="Times New Roman" panose="02020603050405020304" pitchFamily="18" charset="0"/>
               </a:rPr>
-              <a:t>this project may help people to have a clear vision about car prices and what the main factors that has highly influence</a:t>
+              <a:t>his project may help people to have a clear vision about use car prices and what the main factors that has a higher influence</a:t>
             </a:r>
             <a:endParaRPr lang="en-US" sz="1800" dirty="0">
               <a:latin typeface="Times New Roman" panose="02020603050405020304" pitchFamily="18" charset="0"/>
@@ -6842,7 +6863,7 @@
                 <a:latin typeface="Times New Roman" panose="02020603050405020304" pitchFamily="18" charset="0"/>
                 <a:ea typeface="Times New Roman" panose="02020603050405020304" pitchFamily="18" charset="0"/>
               </a:rPr>
-              <a:t> web site </a:t>
+              <a:t> web site (web scraping and selenium)</a:t>
             </a:r>
           </a:p>
           <a:p>
@@ -6852,29 +6873,48 @@
                 <a:latin typeface="Times New Roman" panose="02020603050405020304" pitchFamily="18" charset="0"/>
                 <a:ea typeface="Times New Roman" panose="02020603050405020304" pitchFamily="18" charset="0"/>
               </a:rPr>
-              <a:t>I applied multi leaner regression such as : simple leaner regression ,Lasso and polynomial regression</a:t>
-            </a:r>
-          </a:p>
-          <a:p>
+              <a:t>I applied </a:t>
+            </a:r>
+            <a:r>
+              <a:rPr lang="en-US" sz="1800" dirty="0">
+                <a:latin typeface="Times New Roman" panose="02020603050405020304" pitchFamily="18" charset="0"/>
+                <a:ea typeface="Times New Roman" panose="02020603050405020304" pitchFamily="18" charset="0"/>
+              </a:rPr>
+              <a:t>non</a:t>
+            </a:r>
             <a:r>
               <a:rPr lang="en-US" sz="1800" dirty="0">
                 <a:effectLst/>
                 <a:latin typeface="Times New Roman" panose="02020603050405020304" pitchFamily="18" charset="0"/>
                 <a:ea typeface="Times New Roman" panose="02020603050405020304" pitchFamily="18" charset="0"/>
-                <a:cs typeface="Arial" panose="020B0604020202020204" pitchFamily="34" charset="0"/>
               </a:rPr>
-              <a:t>R^2 in lasso and simple leaner regression are  worst which represent under fitting prediction for them overcome that by building polynomial regression  which give a good prediction model  </a:t>
-            </a:r>
-          </a:p>
-          <a:p>
-            <a:endParaRPr lang="en-US" sz="1800" dirty="0">
-              <a:solidFill>
-                <a:schemeClr val="tx2"/>
-              </a:solidFill>
-              <a:latin typeface="Times New Roman" panose="02020603050405020304" pitchFamily="18" charset="0"/>
-              <a:ea typeface="Calibri" panose="020F0502020204030204" pitchFamily="34" charset="0"/>
-              <a:cs typeface="Arial" panose="020B0604020202020204" pitchFamily="34" charset="0"/>
-            </a:endParaRPr>
+              <a:t>linear regression </a:t>
+            </a:r>
+            <a:r>
+              <a:rPr lang="en-US" sz="1800" dirty="0">
+                <a:latin typeface="Times New Roman" panose="02020603050405020304" pitchFamily="18" charset="0"/>
+                <a:ea typeface="Times New Roman" panose="02020603050405020304" pitchFamily="18" charset="0"/>
+              </a:rPr>
+              <a:t>(</a:t>
+            </a:r>
+            <a:r>
+              <a:rPr lang="en-US" sz="1800" dirty="0">
+                <a:effectLst/>
+                <a:latin typeface="Times New Roman" panose="02020603050405020304" pitchFamily="18" charset="0"/>
+                <a:ea typeface="Times New Roman" panose="02020603050405020304" pitchFamily="18" charset="0"/>
+              </a:rPr>
+              <a:t>polynomial regression)</a:t>
+            </a:r>
+          </a:p>
+          <a:p>
+            <a:r>
+              <a:rPr lang="en-US" sz="1800" dirty="0">
+                <a:effectLst/>
+                <a:latin typeface="Times New Roman" panose="02020603050405020304" pitchFamily="18" charset="0"/>
+                <a:ea typeface="Times New Roman" panose="02020603050405020304" pitchFamily="18" charset="0"/>
+              </a:rPr>
+              <a:t>I applied four models to reach to the best score of error</a:t>
+            </a:r>
           </a:p>
           <a:p>
             <a:endParaRPr lang="en-SA" sz="1800" dirty="0">
@@ -12588,13 +12628,13 @@
         </p:nvSpPr>
         <p:spPr>
           <a:xfrm>
-            <a:off x="7768848" y="1450270"/>
-            <a:ext cx="4318430" cy="5419588"/>
+            <a:off x="6962546" y="25615"/>
+            <a:ext cx="5225900" cy="7653209"/>
           </a:xfrm>
         </p:spPr>
         <p:txBody>
           <a:bodyPr anchor="ctr">
-            <a:normAutofit/>
+            <a:normAutofit fontScale="85000" lnSpcReduction="20000"/>
           </a:bodyPr>
           <a:lstStyle/>
           <a:p>
@@ -12602,97 +12642,245 @@
               <a:buFont typeface="+mj-lt"/>
               <a:buAutoNum type="arabicPeriod"/>
             </a:pPr>
-            <a:r>
-              <a:rPr lang="en-US" sz="2000" dirty="0">
+            <a:endParaRPr lang="en-US" sz="2600" dirty="0">
+              <a:effectLst/>
+              <a:latin typeface="Times" pitchFamily="2" charset="0"/>
+              <a:ea typeface="Calibri" panose="020F0502020204030204" pitchFamily="34" charset="0"/>
+              <a:cs typeface="Arial" panose="020B0604020202020204" pitchFamily="34" charset="0"/>
+            </a:endParaRPr>
+          </a:p>
+          <a:p>
+            <a:pPr>
+              <a:buFont typeface="Wingdings" pitchFamily="2" charset="2"/>
+              <a:buChar char="Ø"/>
+            </a:pPr>
+            <a:r>
+              <a:rPr lang="en-US" sz="2600" dirty="0">
                 <a:effectLst/>
                 <a:latin typeface="Times" pitchFamily="2" charset="0"/>
                 <a:ea typeface="Calibri" panose="020F0502020204030204" pitchFamily="34" charset="0"/>
                 <a:cs typeface="Arial" panose="020B0604020202020204" pitchFamily="34" charset="0"/>
               </a:rPr>
-              <a:t>handling missing values and outlier some feature</a:t>
-            </a:r>
+              <a:t> visualized distribution and correlation of features </a:t>
+            </a:r>
+            <a:endParaRPr lang="en-US" sz="2600" dirty="0">
+              <a:latin typeface="Times" pitchFamily="2" charset="0"/>
+              <a:ea typeface="Calibri" panose="020F0502020204030204" pitchFamily="34" charset="0"/>
+              <a:cs typeface="Arial" panose="020B0604020202020204" pitchFamily="34" charset="0"/>
+            </a:endParaRPr>
           </a:p>
           <a:p>
             <a:pPr marL="342900" indent="-342900">
               <a:buFont typeface="+mj-lt"/>
               <a:buAutoNum type="arabicPeriod"/>
             </a:pPr>
-            <a:r>
-              <a:rPr lang="en-US" sz="2000" dirty="0">
+            <a:endParaRPr lang="en-US" sz="2600" b="1" dirty="0">
+              <a:latin typeface="Times" pitchFamily="2" charset="0"/>
+              <a:ea typeface="Calibri" panose="020F0502020204030204" pitchFamily="34" charset="0"/>
+              <a:cs typeface="Arial" panose="020B0604020202020204" pitchFamily="34" charset="0"/>
+            </a:endParaRPr>
+          </a:p>
+          <a:p>
+            <a:pPr>
+              <a:buFont typeface="Wingdings" pitchFamily="2" charset="2"/>
+              <a:buChar char="Ø"/>
+            </a:pPr>
+            <a:r>
+              <a:rPr lang="en-US" sz="2600" dirty="0">
                 <a:effectLst/>
                 <a:latin typeface="Times" pitchFamily="2" charset="0"/>
                 <a:ea typeface="Calibri" panose="020F0502020204030204" pitchFamily="34" charset="0"/>
                 <a:cs typeface="Arial" panose="020B0604020202020204" pitchFamily="34" charset="0"/>
               </a:rPr>
-              <a:t>visualized distribution and correlation of features </a:t>
-            </a:r>
-            <a:endParaRPr lang="en-US" sz="2000" dirty="0">
-              <a:latin typeface="Times" pitchFamily="2" charset="0"/>
-              <a:ea typeface="Calibri" panose="020F0502020204030204" pitchFamily="34" charset="0"/>
-              <a:cs typeface="Arial" panose="020B0604020202020204" pitchFamily="34" charset="0"/>
-            </a:endParaRPr>
-          </a:p>
-          <a:p>
-            <a:pPr marL="342900" indent="-342900">
-              <a:buFont typeface="+mj-lt"/>
-              <a:buAutoNum type="arabicPeriod"/>
+              <a:t> handling missing values and outlier</a:t>
+            </a:r>
+          </a:p>
+          <a:p>
+            <a:pPr marL="0" indent="0">
+              <a:buNone/>
             </a:pPr>
             <a:r>
-              <a:rPr lang="en-US" sz="2000" dirty="0">
+              <a:rPr lang="en-US" sz="2600" dirty="0">
                 <a:effectLst/>
                 <a:latin typeface="Times" pitchFamily="2" charset="0"/>
                 <a:ea typeface="Calibri" panose="020F0502020204030204" pitchFamily="34" charset="0"/>
                 <a:cs typeface="Arial" panose="020B0604020202020204" pitchFamily="34" charset="0"/>
               </a:rPr>
-              <a:t>detect </a:t>
-            </a:r>
-            <a:r>
-              <a:rPr lang="en-US" sz="2000" dirty="0" err="1">
+              <a:t> </a:t>
+            </a:r>
+            <a:r>
+              <a:rPr lang="en-US" sz="2600" dirty="0">
+                <a:solidFill>
+                  <a:srgbClr val="C00000"/>
+                </a:solidFill>
                 <a:effectLst/>
                 <a:latin typeface="Times" pitchFamily="2" charset="0"/>
                 <a:ea typeface="Calibri" panose="020F0502020204030204" pitchFamily="34" charset="0"/>
                 <a:cs typeface="Arial" panose="020B0604020202020204" pitchFamily="34" charset="0"/>
               </a:rPr>
-              <a:t>multicolleanerity</a:t>
-            </a:r>
-            <a:r>
-              <a:rPr lang="en-US" sz="2000" dirty="0">
+              <a:t>IQR</a:t>
+            </a:r>
+          </a:p>
+          <a:p>
+            <a:r>
+              <a:rPr lang="en-US" sz="2100" dirty="0">
+                <a:latin typeface="Times" pitchFamily="2" charset="0"/>
+              </a:rPr>
+              <a:t>skewness value of Price: 3.6917   after </a:t>
+            </a:r>
+            <a:r>
+              <a:rPr lang="en-SA" sz="2100" dirty="0">
+                <a:latin typeface="Times" pitchFamily="2" charset="0"/>
+              </a:rPr>
+              <a:t>0.8908</a:t>
+            </a:r>
+            <a:endParaRPr lang="en-US" sz="2100" dirty="0">
+              <a:latin typeface="Times" pitchFamily="2" charset="0"/>
+            </a:endParaRPr>
+          </a:p>
+          <a:p>
+            <a:r>
+              <a:rPr lang="en-US" sz="2100" dirty="0">
+                <a:latin typeface="Times" pitchFamily="2" charset="0"/>
+              </a:rPr>
+              <a:t>skewness value of Mileage: 39.755  after   </a:t>
+            </a:r>
+            <a:r>
+              <a:rPr lang="en-SA" sz="2100" dirty="0">
+                <a:latin typeface="Times" pitchFamily="2" charset="0"/>
+              </a:rPr>
+              <a:t>0.97886</a:t>
+            </a:r>
+            <a:endParaRPr lang="en-US" sz="2100" dirty="0">
+              <a:latin typeface="Times" pitchFamily="2" charset="0"/>
+            </a:endParaRPr>
+          </a:p>
+          <a:p>
+            <a:r>
+              <a:rPr lang="en-US" sz="2100" dirty="0">
+                <a:latin typeface="Times" pitchFamily="2" charset="0"/>
+              </a:rPr>
+              <a:t>skewness value of Engine Size: 1.0074</a:t>
+            </a:r>
+            <a:endParaRPr lang="en-US" sz="2100" dirty="0">
+              <a:latin typeface="Times" pitchFamily="2" charset="0"/>
+              <a:cs typeface="Arial" panose="020B0604020202020204" pitchFamily="34" charset="0"/>
+            </a:endParaRPr>
+          </a:p>
+          <a:p>
+            <a:pPr>
+              <a:buFont typeface="Wingdings" pitchFamily="2" charset="2"/>
+              <a:buChar char="Ø"/>
+            </a:pPr>
+            <a:r>
+              <a:rPr lang="en-US" sz="2600" dirty="0">
                 <a:effectLst/>
                 <a:latin typeface="Times" pitchFamily="2" charset="0"/>
                 <a:ea typeface="Calibri" panose="020F0502020204030204" pitchFamily="34" charset="0"/>
                 <a:cs typeface="Arial" panose="020B0604020202020204" pitchFamily="34" charset="0"/>
               </a:rPr>
-              <a:t> by Variance Inflation Factor</a:t>
-            </a:r>
-          </a:p>
-          <a:p>
-            <a:pPr marL="342900" indent="-342900">
-              <a:buFont typeface="+mj-lt"/>
-              <a:buAutoNum type="arabicPeriod"/>
+              <a:t> detect multicollinearity by Variance Inflation    Factor</a:t>
+            </a:r>
+          </a:p>
+          <a:p>
+            <a:pPr marL="0" indent="0">
+              <a:buNone/>
             </a:pPr>
             <a:r>
-              <a:rPr lang="en-US" sz="2000" dirty="0">
+              <a:rPr lang="en-US" sz="1900" b="1" dirty="0">
+                <a:solidFill>
+                  <a:srgbClr val="C00000"/>
+                </a:solidFill>
+                <a:latin typeface="Times" pitchFamily="2" charset="0"/>
+              </a:rPr>
+              <a:t>feature VIF</a:t>
+            </a:r>
+          </a:p>
+          <a:p>
+            <a:r>
+              <a:rPr lang="en-US" sz="2100" dirty="0"/>
+              <a:t> </a:t>
+            </a:r>
+            <a:r>
+              <a:rPr lang="en-US" sz="2100" dirty="0">
+                <a:latin typeface="Times" pitchFamily="2" charset="0"/>
+              </a:rPr>
+              <a:t>Year 2.841255 </a:t>
+            </a:r>
+          </a:p>
+          <a:p>
+            <a:r>
+              <a:rPr lang="en-US" sz="2100" dirty="0">
+                <a:latin typeface="Times" pitchFamily="2" charset="0"/>
+              </a:rPr>
+              <a:t>Mileage 2.815823 </a:t>
+            </a:r>
+          </a:p>
+          <a:p>
+            <a:r>
+              <a:rPr lang="en-US" sz="2100" dirty="0" err="1">
+                <a:latin typeface="Times" pitchFamily="2" charset="0"/>
+              </a:rPr>
+              <a:t>Engine_Size</a:t>
+            </a:r>
+            <a:r>
+              <a:rPr lang="en-US" sz="2100" dirty="0">
+                <a:latin typeface="Times" pitchFamily="2" charset="0"/>
+              </a:rPr>
+              <a:t> 2.741316</a:t>
+            </a:r>
+          </a:p>
+          <a:p>
+            <a:endParaRPr lang="en-US" sz="2100" dirty="0">
+              <a:effectLst/>
+              <a:latin typeface="Times" pitchFamily="2" charset="0"/>
+              <a:ea typeface="Calibri" panose="020F0502020204030204" pitchFamily="34" charset="0"/>
+              <a:cs typeface="Arial" panose="020B0604020202020204" pitchFamily="34" charset="0"/>
+            </a:endParaRPr>
+          </a:p>
+          <a:p>
+            <a:pPr>
+              <a:buFont typeface="Wingdings" pitchFamily="2" charset="2"/>
+              <a:buChar char="Ø"/>
+            </a:pPr>
+            <a:r>
+              <a:rPr lang="en-US" sz="2600" dirty="0">
                 <a:effectLst/>
                 <a:latin typeface="Times" pitchFamily="2" charset="0"/>
                 <a:ea typeface="Calibri" panose="020F0502020204030204" pitchFamily="34" charset="0"/>
                 <a:cs typeface="Arial" panose="020B0604020202020204" pitchFamily="34" charset="0"/>
               </a:rPr>
-              <a:t>Generated ‘car age column’ and ‘fuel economy’</a:t>
-            </a:r>
-          </a:p>
-          <a:p>
-            <a:pPr marL="342900" indent="-342900">
-              <a:buFont typeface="+mj-lt"/>
-              <a:buAutoNum type="arabicPeriod"/>
+              <a:t> Generated ‘car age column’ and ‘fuel economy’</a:t>
+            </a:r>
+          </a:p>
+          <a:p>
+            <a:pPr>
+              <a:buFont typeface="Wingdings" pitchFamily="2" charset="2"/>
+              <a:buChar char="Ø"/>
             </a:pPr>
             <a:r>
-              <a:rPr lang="en-US" sz="2000" dirty="0">
+              <a:rPr lang="en-US" sz="2600" dirty="0">
                 <a:effectLst/>
                 <a:latin typeface="Times" pitchFamily="2" charset="0"/>
                 <a:ea typeface="Calibri" panose="020F0502020204030204" pitchFamily="34" charset="0"/>
                 <a:cs typeface="Arial" panose="020B0604020202020204" pitchFamily="34" charset="0"/>
               </a:rPr>
-              <a:t>Label encoding for categorical columns </a:t>
+              <a:t> Label encoding for categorical columns </a:t>
+            </a:r>
+          </a:p>
+          <a:p>
+            <a:pPr>
+              <a:buFont typeface="Wingdings" pitchFamily="2" charset="2"/>
+              <a:buChar char="Ø"/>
+            </a:pPr>
+            <a:r>
+              <a:rPr lang="en-US" sz="2600" dirty="0">
+                <a:effectLst/>
+                <a:latin typeface="Times" pitchFamily="2" charset="0"/>
+                <a:ea typeface="Calibri" panose="020F0502020204030204" pitchFamily="34" charset="0"/>
+                <a:cs typeface="Arial" panose="020B0604020202020204" pitchFamily="34" charset="0"/>
+              </a:rPr>
+              <a:t> Std scaling </a:t>
             </a:r>
           </a:p>
           <a:p>
@@ -13882,7 +14070,7 @@
         <p:spPr>
           <a:xfrm>
             <a:off x="-305" y="846960"/>
-            <a:ext cx="7471665" cy="6010520"/>
+            <a:ext cx="6962851" cy="6010520"/>
           </a:xfrm>
           <a:prstGeom prst="rect">
             <a:avLst/>
@@ -13905,14 +14093,6 @@
 <file path=ppt/slides/slide5.xml><?xml version="1.0" encoding="utf-8"?>
 <p:sld xmlns:a="http://schemas.openxmlformats.org/drawingml/2006/main" xmlns:r="http://schemas.openxmlformats.org/officeDocument/2006/relationships" xmlns:p="http://schemas.openxmlformats.org/presentationml/2006/main">
   <p:cSld>
-    <p:bg>
-      <p:bgPr>
-        <a:solidFill>
-          <a:schemeClr val="bg1"/>
-        </a:solidFill>
-        <a:effectLst/>
-      </p:bgPr>
-    </p:bg>
     <p:spTree>
       <p:nvGrpSpPr>
         <p:cNvPr id="1" name=""/>
@@ -13927,55 +14107,49 @@
           <a:chExt cx="0" cy="0"/>
         </a:xfrm>
       </p:grpSpPr>
-      <p:sp useBgFill="1">
+      <p:sp>
         <p:nvSpPr>
-          <p:cNvPr id="8" name="Rectangle 7">
-            <a:extLst>
-              <a:ext uri="{FF2B5EF4-FFF2-40B4-BE49-F238E27FC236}">
-                <a16:creationId xmlns:a16="http://schemas.microsoft.com/office/drawing/2014/main" id="{43C823D3-D619-407C-89E0-C6F6B1E7A42A}"/>
-              </a:ext>
-              <a:ext uri="{C183D7F6-B498-43B3-948B-1728B52AA6E4}">
-                <adec:decorative xmlns:adec="http://schemas.microsoft.com/office/drawing/2017/decorative" val="1"/>
-              </a:ext>
-            </a:extLst>
-          </p:cNvPr>
-          <p:cNvSpPr>
-            <a:spLocks noGrp="1" noRot="1" noChangeAspect="1" noMove="1" noResize="1" noEditPoints="1" noAdjustHandles="1" noChangeArrowheads="1" noChangeShapeType="1" noTextEdit="1"/>
-          </p:cNvSpPr>
-          <p:nvPr>
-            <p:extLst>
-              <p:ext uri="{386F3935-93C4-4BCD-93E2-E3B085C9AB24}">
-                <p16:designElem xmlns:p16="http://schemas.microsoft.com/office/powerpoint/2015/main" val="1"/>
-              </p:ext>
-            </p:extLst>
-          </p:nvPr>
+          <p:cNvPr id="4" name="Rectangle 3">
+            <a:extLst>
+              <a:ext uri="{FF2B5EF4-FFF2-40B4-BE49-F238E27FC236}">
+                <a16:creationId xmlns:a16="http://schemas.microsoft.com/office/drawing/2014/main" id="{5B4650C2-00CA-214B-8F92-44566B60D7CA}"/>
+              </a:ext>
+            </a:extLst>
+          </p:cNvPr>
+          <p:cNvSpPr/>
+          <p:nvPr/>
         </p:nvSpPr>
         <p:spPr>
           <a:xfrm>
-            <a:off x="0" y="1"/>
-            <a:ext cx="12191695" cy="6858000"/>
+            <a:off x="344557" y="2096016"/>
+            <a:ext cx="4373217" cy="2831032"/>
           </a:xfrm>
           <a:prstGeom prst="rect">
             <a:avLst/>
           </a:prstGeom>
-          <a:ln>
-            <a:noFill/>
+          <a:noFill/>
+          <a:ln w="9525" cap="flat" cmpd="sng" algn="ctr">
+            <a:solidFill>
+              <a:schemeClr val="dk1"/>
+            </a:solidFill>
+            <a:prstDash val="solid"/>
+            <a:round/>
+            <a:headEnd type="none" w="med" len="med"/>
+            <a:tailEnd type="none" w="med" len="med"/>
           </a:ln>
         </p:spPr>
         <p:style>
-          <a:lnRef idx="2">
-            <a:schemeClr val="accent1">
-              <a:shade val="50000"/>
-            </a:schemeClr>
+          <a:lnRef idx="0">
+            <a:scrgbClr r="0" g="0" b="0"/>
           </a:lnRef>
-          <a:fillRef idx="1">
-            <a:schemeClr val="accent1"/>
+          <a:fillRef idx="0">
+            <a:scrgbClr r="0" g="0" b="0"/>
           </a:fillRef>
           <a:effectRef idx="0">
-            <a:schemeClr val="accent1"/>
+            <a:scrgbClr r="0" g="0" b="0"/>
           </a:effectRef>
           <a:fontRef idx="minor">
-            <a:schemeClr val="lt1"/>
+            <a:schemeClr val="dk1"/>
           </a:fontRef>
         </p:style>
         <p:txBody>
@@ -13983,7 +14157,246 @@
           <a:lstStyle/>
           <a:p>
             <a:pPr algn="ctr"/>
-            <a:endParaRPr lang="en-US"/>
+            <a:endParaRPr lang="en-SA"/>
+          </a:p>
+        </p:txBody>
+      </p:sp>
+      <p:sp>
+        <p:nvSpPr>
+          <p:cNvPr id="5" name="Rectangle 4">
+            <a:extLst>
+              <a:ext uri="{FF2B5EF4-FFF2-40B4-BE49-F238E27FC236}">
+                <a16:creationId xmlns:a16="http://schemas.microsoft.com/office/drawing/2014/main" id="{94DB3046-1141-804F-B36F-31B808D0DCB2}"/>
+              </a:ext>
+            </a:extLst>
+          </p:cNvPr>
+          <p:cNvSpPr/>
+          <p:nvPr/>
+        </p:nvSpPr>
+        <p:spPr>
+          <a:xfrm>
+            <a:off x="344557" y="2223052"/>
+            <a:ext cx="1417982" cy="599662"/>
+          </a:xfrm>
+          <a:prstGeom prst="rect">
+            <a:avLst/>
+          </a:prstGeom>
+        </p:spPr>
+        <p:style>
+          <a:lnRef idx="1">
+            <a:schemeClr val="accent2"/>
+          </a:lnRef>
+          <a:fillRef idx="2">
+            <a:schemeClr val="accent2"/>
+          </a:fillRef>
+          <a:effectRef idx="1">
+            <a:schemeClr val="accent2"/>
+          </a:effectRef>
+          <a:fontRef idx="minor">
+            <a:schemeClr val="dk1"/>
+          </a:fontRef>
+        </p:style>
+        <p:txBody>
+          <a:bodyPr rtlCol="0" anchor="ctr"/>
+          <a:lstStyle/>
+          <a:p>
+            <a:pPr algn="ctr"/>
+            <a:r>
+              <a:rPr lang="en-US" dirty="0"/>
+              <a:t>L</a:t>
+            </a:r>
+            <a:r>
+              <a:rPr lang="en-SA" dirty="0"/>
+              <a:t>inear reg </a:t>
+            </a:r>
+          </a:p>
+        </p:txBody>
+      </p:sp>
+      <p:sp>
+        <p:nvSpPr>
+          <p:cNvPr id="6" name="Rectangle 5">
+            <a:extLst>
+              <a:ext uri="{FF2B5EF4-FFF2-40B4-BE49-F238E27FC236}">
+                <a16:creationId xmlns:a16="http://schemas.microsoft.com/office/drawing/2014/main" id="{8C8A0C31-1F2F-4047-8BD4-9A5D682B3B2C}"/>
+              </a:ext>
+            </a:extLst>
+          </p:cNvPr>
+          <p:cNvSpPr/>
+          <p:nvPr/>
+        </p:nvSpPr>
+        <p:spPr>
+          <a:xfrm>
+            <a:off x="344557" y="3149254"/>
+            <a:ext cx="1417982" cy="599662"/>
+          </a:xfrm>
+          <a:prstGeom prst="rect">
+            <a:avLst/>
+          </a:prstGeom>
+        </p:spPr>
+        <p:style>
+          <a:lnRef idx="1">
+            <a:schemeClr val="accent2"/>
+          </a:lnRef>
+          <a:fillRef idx="2">
+            <a:schemeClr val="accent2"/>
+          </a:fillRef>
+          <a:effectRef idx="1">
+            <a:schemeClr val="accent2"/>
+          </a:effectRef>
+          <a:fontRef idx="minor">
+            <a:schemeClr val="dk1"/>
+          </a:fontRef>
+        </p:style>
+        <p:txBody>
+          <a:bodyPr rtlCol="0" anchor="ctr"/>
+          <a:lstStyle/>
+          <a:p>
+            <a:pPr algn="ctr"/>
+            <a:r>
+              <a:rPr lang="en-SA" dirty="0"/>
+              <a:t>lasso</a:t>
+            </a:r>
+          </a:p>
+        </p:txBody>
+      </p:sp>
+      <p:sp>
+        <p:nvSpPr>
+          <p:cNvPr id="7" name="Rectangle 6">
+            <a:extLst>
+              <a:ext uri="{FF2B5EF4-FFF2-40B4-BE49-F238E27FC236}">
+                <a16:creationId xmlns:a16="http://schemas.microsoft.com/office/drawing/2014/main" id="{C132AE2A-AC98-7C49-A2EB-0D85D1028E96}"/>
+              </a:ext>
+            </a:extLst>
+          </p:cNvPr>
+          <p:cNvSpPr/>
+          <p:nvPr/>
+        </p:nvSpPr>
+        <p:spPr>
+          <a:xfrm>
+            <a:off x="344557" y="4075457"/>
+            <a:ext cx="1417982" cy="599662"/>
+          </a:xfrm>
+          <a:prstGeom prst="rect">
+            <a:avLst/>
+          </a:prstGeom>
+        </p:spPr>
+        <p:style>
+          <a:lnRef idx="1">
+            <a:schemeClr val="accent2"/>
+          </a:lnRef>
+          <a:fillRef idx="2">
+            <a:schemeClr val="accent2"/>
+          </a:fillRef>
+          <a:effectRef idx="1">
+            <a:schemeClr val="accent2"/>
+          </a:effectRef>
+          <a:fontRef idx="minor">
+            <a:schemeClr val="dk1"/>
+          </a:fontRef>
+        </p:style>
+        <p:txBody>
+          <a:bodyPr rtlCol="0" anchor="ctr"/>
+          <a:lstStyle/>
+          <a:p>
+            <a:pPr algn="ctr"/>
+            <a:r>
+              <a:rPr lang="en-SA" dirty="0"/>
+              <a:t>Ridge</a:t>
+            </a:r>
+          </a:p>
+        </p:txBody>
+      </p:sp>
+      <p:sp>
+        <p:nvSpPr>
+          <p:cNvPr id="8" name="Rectangle 7">
+            <a:extLst>
+              <a:ext uri="{FF2B5EF4-FFF2-40B4-BE49-F238E27FC236}">
+                <a16:creationId xmlns:a16="http://schemas.microsoft.com/office/drawing/2014/main" id="{5382AD5B-958A-EF48-AE0B-4A16C3E1053D}"/>
+              </a:ext>
+            </a:extLst>
+          </p:cNvPr>
+          <p:cNvSpPr/>
+          <p:nvPr/>
+        </p:nvSpPr>
+        <p:spPr>
+          <a:xfrm>
+            <a:off x="2199859" y="2223052"/>
+            <a:ext cx="980662" cy="599662"/>
+          </a:xfrm>
+          <a:prstGeom prst="rect">
+            <a:avLst/>
+          </a:prstGeom>
+        </p:spPr>
+        <p:style>
+          <a:lnRef idx="1">
+            <a:schemeClr val="accent3"/>
+          </a:lnRef>
+          <a:fillRef idx="2">
+            <a:schemeClr val="accent3"/>
+          </a:fillRef>
+          <a:effectRef idx="1">
+            <a:schemeClr val="accent3"/>
+          </a:effectRef>
+          <a:fontRef idx="minor">
+            <a:schemeClr val="dk1"/>
+          </a:fontRef>
+        </p:style>
+        <p:txBody>
+          <a:bodyPr rtlCol="0" anchor="ctr"/>
+          <a:lstStyle/>
+          <a:p>
+            <a:pPr algn="ctr"/>
+            <a:r>
+              <a:rPr lang="en-SA" dirty="0"/>
+              <a:t>0.54</a:t>
+            </a:r>
+          </a:p>
+        </p:txBody>
+      </p:sp>
+      <p:sp>
+        <p:nvSpPr>
+          <p:cNvPr id="9" name="Rectangle 8">
+            <a:extLst>
+              <a:ext uri="{FF2B5EF4-FFF2-40B4-BE49-F238E27FC236}">
+                <a16:creationId xmlns:a16="http://schemas.microsoft.com/office/drawing/2014/main" id="{E296ECAC-A2F3-3A41-A523-4C95A44B7F0E}"/>
+              </a:ext>
+            </a:extLst>
+          </p:cNvPr>
+          <p:cNvSpPr/>
+          <p:nvPr/>
+        </p:nvSpPr>
+        <p:spPr>
+          <a:xfrm>
+            <a:off x="2199860" y="3135794"/>
+            <a:ext cx="980661" cy="599662"/>
+          </a:xfrm>
+          <a:prstGeom prst="rect">
+            <a:avLst/>
+          </a:prstGeom>
+        </p:spPr>
+        <p:style>
+          <a:lnRef idx="1">
+            <a:schemeClr val="accent3"/>
+          </a:lnRef>
+          <a:fillRef idx="2">
+            <a:schemeClr val="accent3"/>
+          </a:fillRef>
+          <a:effectRef idx="1">
+            <a:schemeClr val="accent3"/>
+          </a:effectRef>
+          <a:fontRef idx="minor">
+            <a:schemeClr val="dk1"/>
+          </a:fontRef>
+        </p:style>
+        <p:txBody>
+          <a:bodyPr rtlCol="0" anchor="ctr"/>
+          <a:lstStyle/>
+          <a:p>
+            <a:pPr algn="ctr"/>
+            <a:r>
+              <a:rPr lang="en-SA" dirty="0"/>
+              <a:t>0.58</a:t>
+            </a:r>
           </a:p>
         </p:txBody>
       </p:sp>
@@ -13992,53 +14405,34 @@
           <p:cNvPr id="10" name="Rectangle 9">
             <a:extLst>
               <a:ext uri="{FF2B5EF4-FFF2-40B4-BE49-F238E27FC236}">
-                <a16:creationId xmlns:a16="http://schemas.microsoft.com/office/drawing/2014/main" id="{047F8E3E-2FFA-4A0F-B3C7-E57ADDCFB415}"/>
-              </a:ext>
-              <a:ext uri="{C183D7F6-B498-43B3-948B-1728B52AA6E4}">
-                <adec:decorative xmlns:adec="http://schemas.microsoft.com/office/drawing/2017/decorative" val="1"/>
-              </a:ext>
-            </a:extLst>
-          </p:cNvPr>
-          <p:cNvSpPr>
-            <a:spLocks noGrp="1" noRot="1" noChangeAspect="1" noMove="1" noResize="1" noEditPoints="1" noAdjustHandles="1" noChangeArrowheads="1" noChangeShapeType="1" noTextEdit="1"/>
-          </p:cNvSpPr>
-          <p:nvPr>
-            <p:extLst>
-              <p:ext uri="{386F3935-93C4-4BCD-93E2-E3B085C9AB24}">
-                <p16:designElem xmlns:p16="http://schemas.microsoft.com/office/powerpoint/2015/main" val="1"/>
-              </p:ext>
-            </p:extLst>
-          </p:nvPr>
+                <a16:creationId xmlns:a16="http://schemas.microsoft.com/office/drawing/2014/main" id="{1462AE90-6D6C-2C4A-A263-9550C784F4D0}"/>
+              </a:ext>
+            </a:extLst>
+          </p:cNvPr>
+          <p:cNvSpPr/>
+          <p:nvPr/>
         </p:nvSpPr>
         <p:spPr>
           <a:xfrm>
-            <a:off x="305" y="0"/>
-            <a:ext cx="12191695" cy="6858000"/>
+            <a:off x="2199860" y="4051023"/>
+            <a:ext cx="980662" cy="599662"/>
           </a:xfrm>
           <a:prstGeom prst="rect">
             <a:avLst/>
           </a:prstGeom>
-          <a:solidFill>
-            <a:schemeClr val="bg1"/>
-          </a:solidFill>
-          <a:ln>
-            <a:noFill/>
-          </a:ln>
         </p:spPr>
         <p:style>
-          <a:lnRef idx="2">
-            <a:schemeClr val="accent1">
-              <a:shade val="50000"/>
-            </a:schemeClr>
+          <a:lnRef idx="1">
+            <a:schemeClr val="accent3"/>
           </a:lnRef>
-          <a:fillRef idx="1">
-            <a:schemeClr val="accent1"/>
+          <a:fillRef idx="2">
+            <a:schemeClr val="accent3"/>
           </a:fillRef>
-          <a:effectRef idx="0">
-            <a:schemeClr val="accent1"/>
+          <a:effectRef idx="1">
+            <a:schemeClr val="accent3"/>
           </a:effectRef>
           <a:fontRef idx="minor">
-            <a:schemeClr val="lt1"/>
+            <a:schemeClr val="dk1"/>
           </a:fontRef>
         </p:style>
         <p:txBody>
@@ -14046,3888 +14440,1677 @@
           <a:lstStyle/>
           <a:p>
             <a:pPr algn="ctr"/>
-            <a:endParaRPr lang="en-US" sz="800"/>
+            <a:r>
+              <a:rPr lang="en-SA" dirty="0"/>
+              <a:t>0.60</a:t>
+            </a:r>
           </a:p>
         </p:txBody>
       </p:sp>
       <p:sp>
         <p:nvSpPr>
-          <p:cNvPr id="2" name="Title 1">
-            <a:extLst>
-              <a:ext uri="{FF2B5EF4-FFF2-40B4-BE49-F238E27FC236}">
-                <a16:creationId xmlns:a16="http://schemas.microsoft.com/office/drawing/2014/main" id="{764FE4D2-0765-E64F-A22F-EF23CF028BA5}"/>
-              </a:ext>
-            </a:extLst>
-          </p:cNvPr>
-          <p:cNvSpPr>
-            <a:spLocks noGrp="1"/>
-          </p:cNvSpPr>
-          <p:nvPr>
-            <p:ph type="title"/>
-          </p:nvPr>
+          <p:cNvPr id="11" name="Rectangle 10">
+            <a:extLst>
+              <a:ext uri="{FF2B5EF4-FFF2-40B4-BE49-F238E27FC236}">
+                <a16:creationId xmlns:a16="http://schemas.microsoft.com/office/drawing/2014/main" id="{F5E80175-CEBD-5C42-9B0D-6276E50F16DC}"/>
+              </a:ext>
+            </a:extLst>
+          </p:cNvPr>
+          <p:cNvSpPr/>
+          <p:nvPr/>
         </p:nvSpPr>
         <p:spPr>
           <a:xfrm>
-            <a:off x="1179226" y="143837"/>
-            <a:ext cx="9833548" cy="932609"/>
-          </a:xfrm>
-        </p:spPr>
-        <p:txBody>
-          <a:bodyPr anchor="b">
-            <a:normAutofit/>
-          </a:bodyPr>
-          <a:lstStyle/>
-          <a:p>
-            <a:pPr algn="ctr"/>
-            <a:r>
-              <a:rPr lang="en-SA" sz="3600" dirty="0">
-                <a:latin typeface="Times" pitchFamily="2" charset="0"/>
-              </a:rPr>
-              <a:t>Simple leainer regression</a:t>
-            </a:r>
-          </a:p>
-        </p:txBody>
-      </p:sp>
-      <p:grpSp>
-        <p:nvGrpSpPr>
-          <p:cNvPr id="12" name="Group 11">
-            <a:extLst>
-              <a:ext uri="{FF2B5EF4-FFF2-40B4-BE49-F238E27FC236}">
-                <a16:creationId xmlns:a16="http://schemas.microsoft.com/office/drawing/2014/main" id="{33D939F1-7ABE-4D0E-946A-43F37F556AFD}"/>
-              </a:ext>
-              <a:ext uri="{C183D7F6-B498-43B3-948B-1728B52AA6E4}">
-                <adec:decorative xmlns:adec="http://schemas.microsoft.com/office/drawing/2017/decorative" val="1"/>
-              </a:ext>
-            </a:extLst>
-          </p:cNvPr>
-          <p:cNvGrpSpPr>
-            <a:grpSpLocks noGrp="1" noUngrp="1" noRot="1" noChangeAspect="1" noMove="1" noResize="1"/>
-          </p:cNvGrpSpPr>
-          <p:nvPr>
-            <p:extLst>
-              <p:ext uri="{386F3935-93C4-4BCD-93E2-E3B085C9AB24}">
-                <p16:designElem xmlns:p16="http://schemas.microsoft.com/office/powerpoint/2015/main" val="1"/>
-              </p:ext>
-            </p:extLst>
-          </p:nvPr>
-        </p:nvGrpSpPr>
-        <p:grpSpPr>
-          <a:xfrm>
-            <a:off x="0" y="0"/>
-            <a:ext cx="3346102" cy="2510865"/>
-            <a:chOff x="-305" y="-1"/>
-            <a:chExt cx="3832880" cy="2876136"/>
-          </a:xfrm>
-        </p:grpSpPr>
-        <p:sp>
-          <p:nvSpPr>
-            <p:cNvPr id="13" name="Freeform: Shape 12">
-              <a:extLst>
-                <a:ext uri="{FF2B5EF4-FFF2-40B4-BE49-F238E27FC236}">
-                  <a16:creationId xmlns:a16="http://schemas.microsoft.com/office/drawing/2014/main" id="{63FE0426-0FE4-451E-A8BB-08DA6A6AC200}"/>
-                </a:ext>
-                <a:ext uri="{C183D7F6-B498-43B3-948B-1728B52AA6E4}">
-                  <adec:decorative xmlns:adec="http://schemas.microsoft.com/office/drawing/2017/decorative" val="1"/>
-                </a:ext>
-              </a:extLst>
-            </p:cNvPr>
-            <p:cNvSpPr/>
-            <p:nvPr>
-              <p:extLst>
-                <p:ext uri="{386F3935-93C4-4BCD-93E2-E3B085C9AB24}">
-                  <p16:designElem xmlns:p16="http://schemas.microsoft.com/office/powerpoint/2015/main" val="1"/>
-                </p:ext>
-              </p:extLst>
-            </p:nvPr>
-          </p:nvSpPr>
-          <p:spPr>
-            <a:xfrm>
-              <a:off x="305" y="1"/>
-              <a:ext cx="3815424" cy="2653659"/>
-            </a:xfrm>
-            <a:custGeom>
-              <a:avLst/>
-              <a:gdLst>
-                <a:gd name="connsiteX0" fmla="*/ 3203055 w 3815424"/>
-                <a:gd name="connsiteY0" fmla="*/ 0 h 2653659"/>
-                <a:gd name="connsiteX1" fmla="*/ 3815424 w 3815424"/>
-                <a:gd name="connsiteY1" fmla="*/ 0 h 2653659"/>
-                <a:gd name="connsiteX2" fmla="*/ 3801025 w 3815424"/>
-                <a:gd name="connsiteY2" fmla="*/ 214243 h 2653659"/>
-                <a:gd name="connsiteX3" fmla="*/ 587142 w 3815424"/>
-                <a:gd name="connsiteY3" fmla="*/ 2653659 h 2653659"/>
-                <a:gd name="connsiteX4" fmla="*/ 53389 w 3815424"/>
-                <a:gd name="connsiteY4" fmla="*/ 2605041 h 2653659"/>
-                <a:gd name="connsiteX5" fmla="*/ 0 w 3815424"/>
-                <a:gd name="connsiteY5" fmla="*/ 2593136 h 2653659"/>
-                <a:gd name="connsiteX6" fmla="*/ 0 w 3815424"/>
-                <a:gd name="connsiteY6" fmla="*/ 1994836 h 2653659"/>
-                <a:gd name="connsiteX7" fmla="*/ 159710 w 3815424"/>
-                <a:gd name="connsiteY7" fmla="*/ 2035054 h 2653659"/>
-                <a:gd name="connsiteX8" fmla="*/ 587142 w 3815424"/>
-                <a:gd name="connsiteY8" fmla="*/ 2075152 h 2653659"/>
-                <a:gd name="connsiteX9" fmla="*/ 1549283 w 3815424"/>
-                <a:gd name="connsiteY9" fmla="*/ 1900153 h 2653659"/>
-                <a:gd name="connsiteX10" fmla="*/ 2406698 w 3815424"/>
-                <a:gd name="connsiteY10" fmla="*/ 1418450 h 2653659"/>
-                <a:gd name="connsiteX11" fmla="*/ 2996069 w 3815424"/>
-                <a:gd name="connsiteY11" fmla="*/ 728678 h 2653659"/>
-                <a:gd name="connsiteX12" fmla="*/ 3193967 w 3815424"/>
-                <a:gd name="connsiteY12" fmla="*/ 137719 h 2653659"/>
-              </a:gdLst>
-              <a:ahLst/>
-              <a:cxnLst>
-                <a:cxn ang="0">
-                  <a:pos x="connsiteX0" y="connsiteY0"/>
-                </a:cxn>
-                <a:cxn ang="0">
-                  <a:pos x="connsiteX1" y="connsiteY1"/>
-                </a:cxn>
-                <a:cxn ang="0">
-                  <a:pos x="connsiteX2" y="connsiteY2"/>
-                </a:cxn>
-                <a:cxn ang="0">
-                  <a:pos x="connsiteX3" y="connsiteY3"/>
-                </a:cxn>
-                <a:cxn ang="0">
-                  <a:pos x="connsiteX4" y="connsiteY4"/>
-                </a:cxn>
-                <a:cxn ang="0">
-                  <a:pos x="connsiteX5" y="connsiteY5"/>
-                </a:cxn>
-                <a:cxn ang="0">
-                  <a:pos x="connsiteX6" y="connsiteY6"/>
-                </a:cxn>
-                <a:cxn ang="0">
-                  <a:pos x="connsiteX7" y="connsiteY7"/>
-                </a:cxn>
-                <a:cxn ang="0">
-                  <a:pos x="connsiteX8" y="connsiteY8"/>
-                </a:cxn>
-                <a:cxn ang="0">
-                  <a:pos x="connsiteX9" y="connsiteY9"/>
-                </a:cxn>
-                <a:cxn ang="0">
-                  <a:pos x="connsiteX10" y="connsiteY10"/>
-                </a:cxn>
-                <a:cxn ang="0">
-                  <a:pos x="connsiteX11" y="connsiteY11"/>
-                </a:cxn>
-                <a:cxn ang="0">
-                  <a:pos x="connsiteX12" y="connsiteY12"/>
-                </a:cxn>
-              </a:cxnLst>
-              <a:rect l="l" t="t" r="r" b="b"/>
-              <a:pathLst>
-                <a:path w="3815424" h="2653659">
-                  <a:moveTo>
-                    <a:pt x="3203055" y="0"/>
-                  </a:moveTo>
-                  <a:lnTo>
-                    <a:pt x="3815424" y="0"/>
-                  </a:lnTo>
-                  <a:lnTo>
-                    <a:pt x="3801025" y="214243"/>
-                  </a:lnTo>
-                  <a:cubicBezTo>
-                    <a:pt x="3616317" y="1584467"/>
-                    <a:pt x="2091637" y="2653659"/>
-                    <a:pt x="587142" y="2653659"/>
-                  </a:cubicBezTo>
-                  <a:cubicBezTo>
-                    <a:pt x="400192" y="2653659"/>
-                    <a:pt x="222112" y="2636953"/>
-                    <a:pt x="53389" y="2605041"/>
-                  </a:cubicBezTo>
-                  <a:lnTo>
-                    <a:pt x="0" y="2593136"/>
-                  </a:lnTo>
-                  <a:lnTo>
-                    <a:pt x="0" y="1994836"/>
-                  </a:lnTo>
-                  <a:lnTo>
-                    <a:pt x="159710" y="2035054"/>
-                  </a:lnTo>
-                  <a:cubicBezTo>
-                    <a:pt x="295467" y="2061726"/>
-                    <a:pt x="438268" y="2075152"/>
-                    <a:pt x="587142" y="2075152"/>
-                  </a:cubicBezTo>
-                  <a:cubicBezTo>
-                    <a:pt x="901731" y="2075152"/>
-                    <a:pt x="1234490" y="2014697"/>
-                    <a:pt x="1549283" y="1900153"/>
-                  </a:cubicBezTo>
-                  <a:cubicBezTo>
-                    <a:pt x="1860709" y="1786959"/>
-                    <a:pt x="2157231" y="1620350"/>
-                    <a:pt x="2406698" y="1418450"/>
-                  </a:cubicBezTo>
-                  <a:cubicBezTo>
-                    <a:pt x="2655859" y="1216840"/>
-                    <a:pt x="2859596" y="978302"/>
-                    <a:pt x="2996069" y="728678"/>
-                  </a:cubicBezTo>
-                  <a:cubicBezTo>
-                    <a:pt x="3101178" y="536396"/>
-                    <a:pt x="3167417" y="338366"/>
-                    <a:pt x="3193967" y="137719"/>
-                  </a:cubicBezTo>
-                  <a:close/>
-                </a:path>
-              </a:pathLst>
-            </a:custGeom>
-            <a:gradFill>
-              <a:gsLst>
-                <a:gs pos="2000">
-                  <a:schemeClr val="bg1">
-                    <a:alpha val="10000"/>
-                  </a:schemeClr>
-                </a:gs>
-                <a:gs pos="16000">
-                  <a:schemeClr val="accent6">
-                    <a:alpha val="10000"/>
-                  </a:schemeClr>
-                </a:gs>
-                <a:gs pos="100000">
-                  <a:schemeClr val="bg1">
-                    <a:alpha val="10000"/>
-                  </a:schemeClr>
-                </a:gs>
-                <a:gs pos="85000">
-                  <a:schemeClr val="accent1">
-                    <a:alpha val="10000"/>
-                  </a:schemeClr>
-                </a:gs>
-              </a:gsLst>
-              <a:lin ang="12000000" scaled="0"/>
-            </a:gradFill>
-            <a:ln>
-              <a:noFill/>
-            </a:ln>
-          </p:spPr>
-          <p:style>
-            <a:lnRef idx="2">
-              <a:schemeClr val="accent1">
-                <a:shade val="50000"/>
-              </a:schemeClr>
-            </a:lnRef>
-            <a:fillRef idx="1">
-              <a:schemeClr val="accent1"/>
-            </a:fillRef>
-            <a:effectRef idx="0">
-              <a:schemeClr val="accent1"/>
-            </a:effectRef>
-            <a:fontRef idx="minor">
-              <a:schemeClr val="lt1"/>
-            </a:fontRef>
-          </p:style>
-          <p:txBody>
-            <a:bodyPr rtlCol="0" anchor="ctr"/>
-            <a:lstStyle/>
-            <a:p>
-              <a:pPr algn="ctr"/>
-              <a:endParaRPr lang="en-US"/>
-            </a:p>
-          </p:txBody>
-        </p:sp>
-        <p:sp>
-          <p:nvSpPr>
-            <p:cNvPr id="14" name="Freeform: Shape 13">
-              <a:extLst>
-                <a:ext uri="{FF2B5EF4-FFF2-40B4-BE49-F238E27FC236}">
-                  <a16:creationId xmlns:a16="http://schemas.microsoft.com/office/drawing/2014/main" id="{4A32F7E8-35B4-451F-AA07-AECF7CA1D532}"/>
-                </a:ext>
-                <a:ext uri="{C183D7F6-B498-43B3-948B-1728B52AA6E4}">
-                  <adec:decorative xmlns:adec="http://schemas.microsoft.com/office/drawing/2017/decorative" val="1"/>
-                </a:ext>
-              </a:extLst>
-            </p:cNvPr>
-            <p:cNvSpPr/>
-            <p:nvPr>
-              <p:extLst>
-                <p:ext uri="{386F3935-93C4-4BCD-93E2-E3B085C9AB24}">
-                  <p16:designElem xmlns:p16="http://schemas.microsoft.com/office/powerpoint/2015/main" val="1"/>
-                </p:ext>
-              </p:extLst>
-            </p:nvPr>
-          </p:nvSpPr>
-          <p:spPr>
-            <a:xfrm>
-              <a:off x="305" y="-1"/>
-              <a:ext cx="3815424" cy="2653660"/>
-            </a:xfrm>
-            <a:custGeom>
-              <a:avLst/>
-              <a:gdLst>
-                <a:gd name="connsiteX0" fmla="*/ 3305038 w 3815424"/>
-                <a:gd name="connsiteY0" fmla="*/ 0 h 2653660"/>
-                <a:gd name="connsiteX1" fmla="*/ 3815424 w 3815424"/>
-                <a:gd name="connsiteY1" fmla="*/ 0 h 2653660"/>
-                <a:gd name="connsiteX2" fmla="*/ 3801025 w 3815424"/>
-                <a:gd name="connsiteY2" fmla="*/ 214244 h 2653660"/>
-                <a:gd name="connsiteX3" fmla="*/ 587142 w 3815424"/>
-                <a:gd name="connsiteY3" fmla="*/ 2653660 h 2653660"/>
-                <a:gd name="connsiteX4" fmla="*/ 53389 w 3815424"/>
-                <a:gd name="connsiteY4" fmla="*/ 2605042 h 2653660"/>
-                <a:gd name="connsiteX5" fmla="*/ 0 w 3815424"/>
-                <a:gd name="connsiteY5" fmla="*/ 2593137 h 2653660"/>
-                <a:gd name="connsiteX6" fmla="*/ 0 w 3815424"/>
-                <a:gd name="connsiteY6" fmla="*/ 2094444 h 2653660"/>
-                <a:gd name="connsiteX7" fmla="*/ 137675 w 3815424"/>
-                <a:gd name="connsiteY7" fmla="*/ 2129195 h 2653660"/>
-                <a:gd name="connsiteX8" fmla="*/ 587142 w 3815424"/>
-                <a:gd name="connsiteY8" fmla="*/ 2171571 h 2653660"/>
-                <a:gd name="connsiteX9" fmla="*/ 1585826 w 3815424"/>
-                <a:gd name="connsiteY9" fmla="*/ 1990112 h 2653660"/>
-                <a:gd name="connsiteX10" fmla="*/ 2473046 w 3815424"/>
-                <a:gd name="connsiteY10" fmla="*/ 1491633 h 2653660"/>
-                <a:gd name="connsiteX11" fmla="*/ 3086710 w 3815424"/>
-                <a:gd name="connsiteY11" fmla="*/ 772838 h 2653660"/>
-                <a:gd name="connsiteX12" fmla="*/ 3295217 w 3815424"/>
-                <a:gd name="connsiteY12" fmla="*/ 149229 h 2653660"/>
-              </a:gdLst>
-              <a:ahLst/>
-              <a:cxnLst>
-                <a:cxn ang="0">
-                  <a:pos x="connsiteX0" y="connsiteY0"/>
-                </a:cxn>
-                <a:cxn ang="0">
-                  <a:pos x="connsiteX1" y="connsiteY1"/>
-                </a:cxn>
-                <a:cxn ang="0">
-                  <a:pos x="connsiteX2" y="connsiteY2"/>
-                </a:cxn>
-                <a:cxn ang="0">
-                  <a:pos x="connsiteX3" y="connsiteY3"/>
-                </a:cxn>
-                <a:cxn ang="0">
-                  <a:pos x="connsiteX4" y="connsiteY4"/>
-                </a:cxn>
-                <a:cxn ang="0">
-                  <a:pos x="connsiteX5" y="connsiteY5"/>
-                </a:cxn>
-                <a:cxn ang="0">
-                  <a:pos x="connsiteX6" y="connsiteY6"/>
-                </a:cxn>
-                <a:cxn ang="0">
-                  <a:pos x="connsiteX7" y="connsiteY7"/>
-                </a:cxn>
-                <a:cxn ang="0">
-                  <a:pos x="connsiteX8" y="connsiteY8"/>
-                </a:cxn>
-                <a:cxn ang="0">
-                  <a:pos x="connsiteX9" y="connsiteY9"/>
-                </a:cxn>
-                <a:cxn ang="0">
-                  <a:pos x="connsiteX10" y="connsiteY10"/>
-                </a:cxn>
-                <a:cxn ang="0">
-                  <a:pos x="connsiteX11" y="connsiteY11"/>
-                </a:cxn>
-                <a:cxn ang="0">
-                  <a:pos x="connsiteX12" y="connsiteY12"/>
-                </a:cxn>
-              </a:cxnLst>
-              <a:rect l="l" t="t" r="r" b="b"/>
-              <a:pathLst>
-                <a:path w="3815424" h="2653660">
-                  <a:moveTo>
-                    <a:pt x="3305038" y="0"/>
-                  </a:moveTo>
-                  <a:lnTo>
-                    <a:pt x="3815424" y="0"/>
-                  </a:lnTo>
-                  <a:lnTo>
-                    <a:pt x="3801025" y="214244"/>
-                  </a:lnTo>
-                  <a:cubicBezTo>
-                    <a:pt x="3616317" y="1584467"/>
-                    <a:pt x="2091637" y="2653660"/>
-                    <a:pt x="587142" y="2653660"/>
-                  </a:cubicBezTo>
-                  <a:cubicBezTo>
-                    <a:pt x="400192" y="2653660"/>
-                    <a:pt x="222112" y="2636954"/>
-                    <a:pt x="53389" y="2605042"/>
-                  </a:cubicBezTo>
-                  <a:lnTo>
-                    <a:pt x="0" y="2593137"/>
-                  </a:lnTo>
-                  <a:lnTo>
-                    <a:pt x="0" y="2094444"/>
-                  </a:lnTo>
-                  <a:lnTo>
-                    <a:pt x="137675" y="2129195"/>
-                  </a:lnTo>
-                  <a:cubicBezTo>
-                    <a:pt x="280616" y="2157374"/>
-                    <a:pt x="430766" y="2171571"/>
-                    <a:pt x="587142" y="2171571"/>
-                  </a:cubicBezTo>
-                  <a:cubicBezTo>
-                    <a:pt x="918879" y="2171571"/>
-                    <a:pt x="1254904" y="2110634"/>
-                    <a:pt x="1585826" y="1990112"/>
-                  </a:cubicBezTo>
-                  <a:cubicBezTo>
-                    <a:pt x="1908071" y="1873061"/>
-                    <a:pt x="2214800" y="1700666"/>
-                    <a:pt x="2473046" y="1491633"/>
-                  </a:cubicBezTo>
-                  <a:cubicBezTo>
-                    <a:pt x="2735782" y="1279031"/>
-                    <a:pt x="2942276" y="1037118"/>
-                    <a:pt x="3086710" y="772838"/>
-                  </a:cubicBezTo>
-                  <a:cubicBezTo>
-                    <a:pt x="3197408" y="570216"/>
-                    <a:pt x="3267226" y="361248"/>
-                    <a:pt x="3295217" y="149229"/>
-                  </a:cubicBezTo>
-                  <a:close/>
-                </a:path>
-              </a:pathLst>
-            </a:custGeom>
-            <a:gradFill>
-              <a:gsLst>
-                <a:gs pos="2000">
-                  <a:schemeClr val="bg1">
-                    <a:alpha val="10000"/>
-                  </a:schemeClr>
-                </a:gs>
-                <a:gs pos="16000">
-                  <a:schemeClr val="accent6">
-                    <a:alpha val="10000"/>
-                  </a:schemeClr>
-                </a:gs>
-                <a:gs pos="100000">
-                  <a:schemeClr val="bg1">
-                    <a:alpha val="10000"/>
-                  </a:schemeClr>
-                </a:gs>
-                <a:gs pos="85000">
-                  <a:schemeClr val="accent1">
-                    <a:alpha val="10000"/>
-                  </a:schemeClr>
-                </a:gs>
-              </a:gsLst>
-              <a:lin ang="12000000" scaled="0"/>
-            </a:gradFill>
-            <a:ln>
-              <a:noFill/>
-            </a:ln>
-          </p:spPr>
-          <p:style>
-            <a:lnRef idx="2">
-              <a:schemeClr val="accent1">
-                <a:shade val="50000"/>
-              </a:schemeClr>
-            </a:lnRef>
-            <a:fillRef idx="1">
-              <a:schemeClr val="accent1"/>
-            </a:fillRef>
-            <a:effectRef idx="0">
-              <a:schemeClr val="accent1"/>
-            </a:effectRef>
-            <a:fontRef idx="minor">
-              <a:schemeClr val="lt1"/>
-            </a:fontRef>
-          </p:style>
-          <p:txBody>
-            <a:bodyPr rtlCol="0" anchor="ctr"/>
-            <a:lstStyle/>
-            <a:p>
-              <a:pPr algn="ctr"/>
-              <a:endParaRPr lang="en-US"/>
-            </a:p>
-          </p:txBody>
-        </p:sp>
-        <p:sp>
-          <p:nvSpPr>
-            <p:cNvPr id="15" name="Freeform: Shape 14">
-              <a:extLst>
-                <a:ext uri="{FF2B5EF4-FFF2-40B4-BE49-F238E27FC236}">
-                  <a16:creationId xmlns:a16="http://schemas.microsoft.com/office/drawing/2014/main" id="{E1097796-C3C8-4772-9EBD-9F5CA368F5A2}"/>
-                </a:ext>
-                <a:ext uri="{C183D7F6-B498-43B3-948B-1728B52AA6E4}">
-                  <adec:decorative xmlns:adec="http://schemas.microsoft.com/office/drawing/2017/decorative" val="1"/>
-                </a:ext>
-              </a:extLst>
-            </p:cNvPr>
-            <p:cNvSpPr/>
-            <p:nvPr>
-              <p:extLst>
-                <p:ext uri="{386F3935-93C4-4BCD-93E2-E3B085C9AB24}">
-                  <p16:designElem xmlns:p16="http://schemas.microsoft.com/office/powerpoint/2015/main" val="1"/>
-                </p:ext>
-              </p:extLst>
-            </p:nvPr>
-          </p:nvSpPr>
-          <p:spPr>
-            <a:xfrm>
-              <a:off x="-305" y="1"/>
-              <a:ext cx="3815986" cy="2675935"/>
-            </a:xfrm>
-            <a:custGeom>
-              <a:avLst/>
-              <a:gdLst>
-                <a:gd name="connsiteX0" fmla="*/ 3648768 w 3815986"/>
-                <a:gd name="connsiteY0" fmla="*/ 0 h 2675935"/>
-                <a:gd name="connsiteX1" fmla="*/ 3815986 w 3815986"/>
-                <a:gd name="connsiteY1" fmla="*/ 0 h 2675935"/>
-                <a:gd name="connsiteX2" fmla="*/ 3804695 w 3815986"/>
-                <a:gd name="connsiteY2" fmla="*/ 200084 h 2675935"/>
-                <a:gd name="connsiteX3" fmla="*/ 3762590 w 3815986"/>
-                <a:gd name="connsiteY3" fmla="*/ 455543 h 2675935"/>
-                <a:gd name="connsiteX4" fmla="*/ 3592332 w 3815986"/>
-                <a:gd name="connsiteY4" fmla="*/ 947274 h 2675935"/>
-                <a:gd name="connsiteX5" fmla="*/ 2953967 w 3815986"/>
-                <a:gd name="connsiteY5" fmla="*/ 1782349 h 2675935"/>
-                <a:gd name="connsiteX6" fmla="*/ 2530669 w 3815986"/>
-                <a:gd name="connsiteY6" fmla="*/ 2109494 h 2675935"/>
-                <a:gd name="connsiteX7" fmla="*/ 2057561 w 3815986"/>
-                <a:gd name="connsiteY7" fmla="*/ 2369245 h 2675935"/>
-                <a:gd name="connsiteX8" fmla="*/ 1007330 w 3815986"/>
-                <a:gd name="connsiteY8" fmla="*/ 2655701 h 2675935"/>
-                <a:gd name="connsiteX9" fmla="*/ 732765 w 3815986"/>
-                <a:gd name="connsiteY9" fmla="*/ 2674696 h 2675935"/>
-                <a:gd name="connsiteX10" fmla="*/ 457666 w 3815986"/>
-                <a:gd name="connsiteY10" fmla="*/ 2670839 h 2675935"/>
-                <a:gd name="connsiteX11" fmla="*/ 183574 w 3815986"/>
-                <a:gd name="connsiteY11" fmla="*/ 2643312 h 2675935"/>
-                <a:gd name="connsiteX12" fmla="*/ 0 w 3815986"/>
-                <a:gd name="connsiteY12" fmla="*/ 2607798 h 2675935"/>
-                <a:gd name="connsiteX13" fmla="*/ 0 w 3815986"/>
-                <a:gd name="connsiteY13" fmla="*/ 2356652 h 2675935"/>
-                <a:gd name="connsiteX14" fmla="*/ 222195 w 3815986"/>
-                <a:gd name="connsiteY14" fmla="*/ 2396940 h 2675935"/>
-                <a:gd name="connsiteX15" fmla="*/ 472364 w 3815986"/>
-                <a:gd name="connsiteY15" fmla="*/ 2419092 h 2675935"/>
-                <a:gd name="connsiteX16" fmla="*/ 974972 w 3815986"/>
-                <a:gd name="connsiteY16" fmla="*/ 2402122 h 2675935"/>
-                <a:gd name="connsiteX17" fmla="*/ 1468292 w 3815986"/>
-                <a:gd name="connsiteY17" fmla="*/ 2304162 h 2675935"/>
-                <a:gd name="connsiteX18" fmla="*/ 1940176 w 3815986"/>
-                <a:gd name="connsiteY18" fmla="*/ 2133695 h 2675935"/>
-                <a:gd name="connsiteX19" fmla="*/ 2783403 w 3815986"/>
-                <a:gd name="connsiteY19" fmla="*/ 1609954 h 2675935"/>
-                <a:gd name="connsiteX20" fmla="*/ 3128104 w 3815986"/>
-                <a:gd name="connsiteY20" fmla="*/ 1260439 h 2675935"/>
-                <a:gd name="connsiteX21" fmla="*/ 3400639 w 3815986"/>
-                <a:gd name="connsiteY21" fmla="*/ 859052 h 2675935"/>
-                <a:gd name="connsiteX22" fmla="*/ 3585595 w 3815986"/>
-                <a:gd name="connsiteY22" fmla="*/ 415336 h 2675935"/>
-                <a:gd name="connsiteX23" fmla="*/ 3635918 w 3815986"/>
-                <a:gd name="connsiteY23" fmla="*/ 181137 h 2675935"/>
-              </a:gdLst>
-              <a:ahLst/>
-              <a:cxnLst>
-                <a:cxn ang="0">
-                  <a:pos x="connsiteX0" y="connsiteY0"/>
-                </a:cxn>
-                <a:cxn ang="0">
-                  <a:pos x="connsiteX1" y="connsiteY1"/>
-                </a:cxn>
-                <a:cxn ang="0">
-                  <a:pos x="connsiteX2" y="connsiteY2"/>
-                </a:cxn>
-                <a:cxn ang="0">
-                  <a:pos x="connsiteX3" y="connsiteY3"/>
-                </a:cxn>
-                <a:cxn ang="0">
-                  <a:pos x="connsiteX4" y="connsiteY4"/>
-                </a:cxn>
-                <a:cxn ang="0">
-                  <a:pos x="connsiteX5" y="connsiteY5"/>
-                </a:cxn>
-                <a:cxn ang="0">
-                  <a:pos x="connsiteX6" y="connsiteY6"/>
-                </a:cxn>
-                <a:cxn ang="0">
-                  <a:pos x="connsiteX7" y="connsiteY7"/>
-                </a:cxn>
-                <a:cxn ang="0">
-                  <a:pos x="connsiteX8" y="connsiteY8"/>
-                </a:cxn>
-                <a:cxn ang="0">
-                  <a:pos x="connsiteX9" y="connsiteY9"/>
-                </a:cxn>
-                <a:cxn ang="0">
-                  <a:pos x="connsiteX10" y="connsiteY10"/>
-                </a:cxn>
-                <a:cxn ang="0">
-                  <a:pos x="connsiteX11" y="connsiteY11"/>
-                </a:cxn>
-                <a:cxn ang="0">
-                  <a:pos x="connsiteX12" y="connsiteY12"/>
-                </a:cxn>
-                <a:cxn ang="0">
-                  <a:pos x="connsiteX13" y="connsiteY13"/>
-                </a:cxn>
-                <a:cxn ang="0">
-                  <a:pos x="connsiteX14" y="connsiteY14"/>
-                </a:cxn>
-                <a:cxn ang="0">
-                  <a:pos x="connsiteX15" y="connsiteY15"/>
-                </a:cxn>
-                <a:cxn ang="0">
-                  <a:pos x="connsiteX16" y="connsiteY16"/>
-                </a:cxn>
-                <a:cxn ang="0">
-                  <a:pos x="connsiteX17" y="connsiteY17"/>
-                </a:cxn>
-                <a:cxn ang="0">
-                  <a:pos x="connsiteX18" y="connsiteY18"/>
-                </a:cxn>
-                <a:cxn ang="0">
-                  <a:pos x="connsiteX19" y="connsiteY19"/>
-                </a:cxn>
-                <a:cxn ang="0">
-                  <a:pos x="connsiteX20" y="connsiteY20"/>
-                </a:cxn>
-                <a:cxn ang="0">
-                  <a:pos x="connsiteX21" y="connsiteY21"/>
-                </a:cxn>
-                <a:cxn ang="0">
-                  <a:pos x="connsiteX22" y="connsiteY22"/>
-                </a:cxn>
-                <a:cxn ang="0">
-                  <a:pos x="connsiteX23" y="connsiteY23"/>
-                </a:cxn>
-              </a:cxnLst>
-              <a:rect l="l" t="t" r="r" b="b"/>
-              <a:pathLst>
-                <a:path w="3815986" h="2675935">
-                  <a:moveTo>
-                    <a:pt x="3648768" y="0"/>
-                  </a:moveTo>
-                  <a:lnTo>
-                    <a:pt x="3815986" y="0"/>
-                  </a:lnTo>
-                  <a:lnTo>
-                    <a:pt x="3804695" y="200084"/>
-                  </a:lnTo>
-                  <a:cubicBezTo>
-                    <a:pt x="3795228" y="285751"/>
-                    <a:pt x="3781167" y="371032"/>
-                    <a:pt x="3762590" y="455543"/>
-                  </a:cubicBezTo>
-                  <a:cubicBezTo>
-                    <a:pt x="3725537" y="624467"/>
-                    <a:pt x="3668784" y="790112"/>
-                    <a:pt x="3592332" y="947274"/>
-                  </a:cubicBezTo>
-                  <a:cubicBezTo>
-                    <a:pt x="3438712" y="1261596"/>
-                    <a:pt x="3216091" y="1542847"/>
-                    <a:pt x="2953967" y="1782349"/>
-                  </a:cubicBezTo>
-                  <a:cubicBezTo>
-                    <a:pt x="2822599" y="1902099"/>
-                    <a:pt x="2680615" y="2011341"/>
-                    <a:pt x="2530669" y="2109494"/>
-                  </a:cubicBezTo>
-                  <a:cubicBezTo>
-                    <a:pt x="2380520" y="2207551"/>
-                    <a:pt x="2222510" y="2294906"/>
-                    <a:pt x="2057561" y="2369245"/>
-                  </a:cubicBezTo>
-                  <a:cubicBezTo>
-                    <a:pt x="1727252" y="2516859"/>
-                    <a:pt x="1371629" y="2614434"/>
-                    <a:pt x="1007330" y="2655701"/>
-                  </a:cubicBezTo>
-                  <a:cubicBezTo>
-                    <a:pt x="916281" y="2665873"/>
-                    <a:pt x="824568" y="2672188"/>
-                    <a:pt x="732765" y="2674696"/>
-                  </a:cubicBezTo>
-                  <a:cubicBezTo>
-                    <a:pt x="640963" y="2677203"/>
-                    <a:pt x="549072" y="2675901"/>
-                    <a:pt x="457666" y="2670839"/>
-                  </a:cubicBezTo>
-                  <a:cubicBezTo>
-                    <a:pt x="366106" y="2665584"/>
-                    <a:pt x="274572" y="2656521"/>
-                    <a:pt x="183574" y="2643312"/>
-                  </a:cubicBezTo>
-                  <a:lnTo>
-                    <a:pt x="0" y="2607798"/>
-                  </a:lnTo>
-                  <a:lnTo>
-                    <a:pt x="0" y="2356652"/>
-                  </a:lnTo>
-                  <a:lnTo>
-                    <a:pt x="222195" y="2396940"/>
-                  </a:lnTo>
-                  <a:cubicBezTo>
-                    <a:pt x="304990" y="2407980"/>
-                    <a:pt x="388511" y="2415283"/>
-                    <a:pt x="472364" y="2419092"/>
-                  </a:cubicBezTo>
-                  <a:cubicBezTo>
-                    <a:pt x="640376" y="2427095"/>
-                    <a:pt x="808184" y="2421791"/>
-                    <a:pt x="974972" y="2402122"/>
-                  </a:cubicBezTo>
-                  <a:cubicBezTo>
-                    <a:pt x="1141658" y="2382358"/>
-                    <a:pt x="1306812" y="2349286"/>
-                    <a:pt x="1468292" y="2304162"/>
-                  </a:cubicBezTo>
-                  <a:cubicBezTo>
-                    <a:pt x="1629874" y="2259231"/>
-                    <a:pt x="1787475" y="2201091"/>
-                    <a:pt x="1940176" y="2133695"/>
-                  </a:cubicBezTo>
-                  <a:cubicBezTo>
-                    <a:pt x="2246498" y="2000349"/>
-                    <a:pt x="2532507" y="1823520"/>
-                    <a:pt x="2783403" y="1609954"/>
-                  </a:cubicBezTo>
-                  <a:cubicBezTo>
-                    <a:pt x="2908442" y="1502833"/>
-                    <a:pt x="3024295" y="1385975"/>
-                    <a:pt x="3128104" y="1260439"/>
-                  </a:cubicBezTo>
-                  <a:cubicBezTo>
-                    <a:pt x="3232116" y="1135096"/>
-                    <a:pt x="3323881" y="1000689"/>
-                    <a:pt x="3400639" y="859052"/>
-                  </a:cubicBezTo>
-                  <a:cubicBezTo>
-                    <a:pt x="3477399" y="717510"/>
-                    <a:pt x="3541296" y="569316"/>
-                    <a:pt x="3585595" y="415336"/>
-                  </a:cubicBezTo>
-                  <a:cubicBezTo>
-                    <a:pt x="3607796" y="338540"/>
-                    <a:pt x="3624638" y="260224"/>
-                    <a:pt x="3635918" y="181137"/>
-                  </a:cubicBezTo>
-                  <a:close/>
-                </a:path>
-              </a:pathLst>
-            </a:custGeom>
-            <a:gradFill>
-              <a:gsLst>
-                <a:gs pos="2000">
-                  <a:schemeClr val="bg1">
-                    <a:alpha val="10000"/>
-                  </a:schemeClr>
-                </a:gs>
-                <a:gs pos="16000">
-                  <a:schemeClr val="accent6">
-                    <a:alpha val="10000"/>
-                  </a:schemeClr>
-                </a:gs>
-                <a:gs pos="100000">
-                  <a:schemeClr val="bg1">
-                    <a:alpha val="10000"/>
-                  </a:schemeClr>
-                </a:gs>
-                <a:gs pos="85000">
-                  <a:schemeClr val="accent1">
-                    <a:alpha val="10000"/>
-                  </a:schemeClr>
-                </a:gs>
-              </a:gsLst>
-              <a:lin ang="12000000" scaled="0"/>
-            </a:gradFill>
-            <a:ln>
-              <a:noFill/>
-            </a:ln>
-          </p:spPr>
-          <p:style>
-            <a:lnRef idx="2">
-              <a:schemeClr val="accent1">
-                <a:shade val="50000"/>
-              </a:schemeClr>
-            </a:lnRef>
-            <a:fillRef idx="1">
-              <a:schemeClr val="accent1"/>
-            </a:fillRef>
-            <a:effectRef idx="0">
-              <a:schemeClr val="accent1"/>
-            </a:effectRef>
-            <a:fontRef idx="minor">
-              <a:schemeClr val="lt1"/>
-            </a:fontRef>
-          </p:style>
-          <p:txBody>
-            <a:bodyPr rtlCol="0" anchor="ctr"/>
-            <a:lstStyle/>
-            <a:p>
-              <a:pPr algn="ctr"/>
-              <a:endParaRPr lang="en-US"/>
-            </a:p>
-          </p:txBody>
-        </p:sp>
-        <p:sp>
-          <p:nvSpPr>
-            <p:cNvPr id="16" name="Freeform: Shape 15">
-              <a:extLst>
-                <a:ext uri="{FF2B5EF4-FFF2-40B4-BE49-F238E27FC236}">
-                  <a16:creationId xmlns:a16="http://schemas.microsoft.com/office/drawing/2014/main" id="{EC4BC137-BB50-4235-A83F-4B4EEE15904C}"/>
-                </a:ext>
-                <a:ext uri="{C183D7F6-B498-43B3-948B-1728B52AA6E4}">
-                  <adec:decorative xmlns:adec="http://schemas.microsoft.com/office/drawing/2017/decorative" val="1"/>
-                </a:ext>
-              </a:extLst>
-            </p:cNvPr>
-            <p:cNvSpPr/>
-            <p:nvPr>
-              <p:extLst>
-                <p:ext uri="{386F3935-93C4-4BCD-93E2-E3B085C9AB24}">
-                  <p16:designElem xmlns:p16="http://schemas.microsoft.com/office/powerpoint/2015/main" val="1"/>
-                </p:ext>
-              </p:extLst>
-            </p:nvPr>
-          </p:nvSpPr>
-          <p:spPr>
-            <a:xfrm>
-              <a:off x="305" y="-1"/>
-              <a:ext cx="3832270" cy="2876136"/>
-            </a:xfrm>
-            <a:custGeom>
-              <a:avLst/>
-              <a:gdLst>
-                <a:gd name="connsiteX0" fmla="*/ 3800718 w 3832270"/>
-                <a:gd name="connsiteY0" fmla="*/ 0 h 2876136"/>
-                <a:gd name="connsiteX1" fmla="*/ 3832270 w 3832270"/>
-                <a:gd name="connsiteY1" fmla="*/ 0 h 2876136"/>
-                <a:gd name="connsiteX2" fmla="*/ 3824562 w 3832270"/>
-                <a:gd name="connsiteY2" fmla="*/ 143769 h 2876136"/>
-                <a:gd name="connsiteX3" fmla="*/ 3628155 w 3832270"/>
-                <a:gd name="connsiteY3" fmla="*/ 922055 h 2876136"/>
-                <a:gd name="connsiteX4" fmla="*/ 3514853 w 3832270"/>
-                <a:gd name="connsiteY4" fmla="*/ 1169078 h 2876136"/>
-                <a:gd name="connsiteX5" fmla="*/ 3379198 w 3832270"/>
-                <a:gd name="connsiteY5" fmla="*/ 1407037 h 2876136"/>
-                <a:gd name="connsiteX6" fmla="*/ 3043787 w 3832270"/>
-                <a:gd name="connsiteY6" fmla="*/ 1848342 h 2876136"/>
-                <a:gd name="connsiteX7" fmla="*/ 2845661 w 3832270"/>
-                <a:gd name="connsiteY7" fmla="*/ 2047444 h 2876136"/>
-                <a:gd name="connsiteX8" fmla="*/ 2793197 w 3832270"/>
-                <a:gd name="connsiteY8" fmla="*/ 2094689 h 2876136"/>
-                <a:gd name="connsiteX9" fmla="*/ 2739710 w 3832270"/>
-                <a:gd name="connsiteY9" fmla="*/ 2140969 h 2876136"/>
-                <a:gd name="connsiteX10" fmla="*/ 2629166 w 3832270"/>
-                <a:gd name="connsiteY10" fmla="*/ 2229867 h 2876136"/>
-                <a:gd name="connsiteX11" fmla="*/ 2145952 w 3832270"/>
-                <a:gd name="connsiteY11" fmla="*/ 2535994 h 2876136"/>
-                <a:gd name="connsiteX12" fmla="*/ 1034987 w 3832270"/>
-                <a:gd name="connsiteY12" fmla="*/ 2863910 h 2876136"/>
-                <a:gd name="connsiteX13" fmla="*/ 741909 w 3832270"/>
-                <a:gd name="connsiteY13" fmla="*/ 2875939 h 2876136"/>
-                <a:gd name="connsiteX14" fmla="*/ 450208 w 3832270"/>
-                <a:gd name="connsiteY14" fmla="*/ 2857451 h 2876136"/>
-                <a:gd name="connsiteX15" fmla="*/ 22215 w 3832270"/>
-                <a:gd name="connsiteY15" fmla="*/ 2775923 h 2876136"/>
-                <a:gd name="connsiteX16" fmla="*/ 0 w 3832270"/>
-                <a:gd name="connsiteY16" fmla="*/ 2769256 h 2876136"/>
-                <a:gd name="connsiteX17" fmla="*/ 0 w 3832270"/>
-                <a:gd name="connsiteY17" fmla="*/ 2590612 h 2876136"/>
-                <a:gd name="connsiteX18" fmla="*/ 199046 w 3832270"/>
-                <a:gd name="connsiteY18" fmla="*/ 2627410 h 2876136"/>
-                <a:gd name="connsiteX19" fmla="*/ 468174 w 3832270"/>
-                <a:gd name="connsiteY19" fmla="*/ 2649670 h 2876136"/>
-                <a:gd name="connsiteX20" fmla="*/ 1003650 w 3832270"/>
-                <a:gd name="connsiteY20" fmla="*/ 2622480 h 2876136"/>
-                <a:gd name="connsiteX21" fmla="*/ 1266489 w 3832270"/>
-                <a:gd name="connsiteY21" fmla="*/ 2573982 h 2876136"/>
-                <a:gd name="connsiteX22" fmla="*/ 1524223 w 3832270"/>
-                <a:gd name="connsiteY22" fmla="*/ 2504657 h 2876136"/>
-                <a:gd name="connsiteX23" fmla="*/ 1775731 w 3832270"/>
-                <a:gd name="connsiteY23" fmla="*/ 2416243 h 2876136"/>
-                <a:gd name="connsiteX24" fmla="*/ 2019789 w 3832270"/>
-                <a:gd name="connsiteY24" fmla="*/ 2309412 h 2876136"/>
-                <a:gd name="connsiteX25" fmla="*/ 2482486 w 3832270"/>
-                <a:gd name="connsiteY25" fmla="*/ 2046962 h 2876136"/>
-                <a:gd name="connsiteX26" fmla="*/ 2591908 w 3832270"/>
-                <a:gd name="connsiteY26" fmla="*/ 1971371 h 2876136"/>
-                <a:gd name="connsiteX27" fmla="*/ 2645702 w 3832270"/>
-                <a:gd name="connsiteY27" fmla="*/ 1932321 h 2876136"/>
-                <a:gd name="connsiteX28" fmla="*/ 2698779 w 3832270"/>
-                <a:gd name="connsiteY28" fmla="*/ 1892309 h 2876136"/>
-                <a:gd name="connsiteX29" fmla="*/ 2903537 w 3832270"/>
-                <a:gd name="connsiteY29" fmla="*/ 1722516 h 2876136"/>
-                <a:gd name="connsiteX30" fmla="*/ 3269061 w 3832270"/>
-                <a:gd name="connsiteY30" fmla="*/ 1337327 h 2876136"/>
-                <a:gd name="connsiteX31" fmla="*/ 3424928 w 3832270"/>
-                <a:gd name="connsiteY31" fmla="*/ 1122508 h 2876136"/>
-                <a:gd name="connsiteX32" fmla="*/ 3557622 w 3832270"/>
-                <a:gd name="connsiteY32" fmla="*/ 893226 h 2876136"/>
-                <a:gd name="connsiteX33" fmla="*/ 3587019 w 3832270"/>
-                <a:gd name="connsiteY33" fmla="*/ 833929 h 2876136"/>
-                <a:gd name="connsiteX34" fmla="*/ 3601310 w 3832270"/>
-                <a:gd name="connsiteY34" fmla="*/ 804040 h 2876136"/>
-                <a:gd name="connsiteX35" fmla="*/ 3614885 w 3832270"/>
-                <a:gd name="connsiteY35" fmla="*/ 773861 h 2876136"/>
-                <a:gd name="connsiteX36" fmla="*/ 3640812 w 3832270"/>
-                <a:gd name="connsiteY36" fmla="*/ 713022 h 2876136"/>
-                <a:gd name="connsiteX37" fmla="*/ 3665105 w 3832270"/>
-                <a:gd name="connsiteY37" fmla="*/ 651506 h 2876136"/>
-                <a:gd name="connsiteX38" fmla="*/ 3744110 w 3832270"/>
-                <a:gd name="connsiteY38" fmla="*/ 399567 h 2876136"/>
-                <a:gd name="connsiteX39" fmla="*/ 3792123 w 3832270"/>
-                <a:gd name="connsiteY39" fmla="*/ 140444 h 2876136"/>
-              </a:gdLst>
-              <a:ahLst/>
-              <a:cxnLst>
-                <a:cxn ang="0">
-                  <a:pos x="connsiteX0" y="connsiteY0"/>
-                </a:cxn>
-                <a:cxn ang="0">
-                  <a:pos x="connsiteX1" y="connsiteY1"/>
-                </a:cxn>
-                <a:cxn ang="0">
-                  <a:pos x="connsiteX2" y="connsiteY2"/>
-                </a:cxn>
-                <a:cxn ang="0">
-                  <a:pos x="connsiteX3" y="connsiteY3"/>
-                </a:cxn>
-                <a:cxn ang="0">
-                  <a:pos x="connsiteX4" y="connsiteY4"/>
-                </a:cxn>
-                <a:cxn ang="0">
-                  <a:pos x="connsiteX5" y="connsiteY5"/>
-                </a:cxn>
-                <a:cxn ang="0">
-                  <a:pos x="connsiteX6" y="connsiteY6"/>
-                </a:cxn>
-                <a:cxn ang="0">
-                  <a:pos x="connsiteX7" y="connsiteY7"/>
-                </a:cxn>
-                <a:cxn ang="0">
-                  <a:pos x="connsiteX8" y="connsiteY8"/>
-                </a:cxn>
-                <a:cxn ang="0">
-                  <a:pos x="connsiteX9" y="connsiteY9"/>
-                </a:cxn>
-                <a:cxn ang="0">
-                  <a:pos x="connsiteX10" y="connsiteY10"/>
-                </a:cxn>
-                <a:cxn ang="0">
-                  <a:pos x="connsiteX11" y="connsiteY11"/>
-                </a:cxn>
-                <a:cxn ang="0">
-                  <a:pos x="connsiteX12" y="connsiteY12"/>
-                </a:cxn>
-                <a:cxn ang="0">
-                  <a:pos x="connsiteX13" y="connsiteY13"/>
-                </a:cxn>
-                <a:cxn ang="0">
-                  <a:pos x="connsiteX14" y="connsiteY14"/>
-                </a:cxn>
-                <a:cxn ang="0">
-                  <a:pos x="connsiteX15" y="connsiteY15"/>
-                </a:cxn>
-                <a:cxn ang="0">
-                  <a:pos x="connsiteX16" y="connsiteY16"/>
-                </a:cxn>
-                <a:cxn ang="0">
-                  <a:pos x="connsiteX17" y="connsiteY17"/>
-                </a:cxn>
-                <a:cxn ang="0">
-                  <a:pos x="connsiteX18" y="connsiteY18"/>
-                </a:cxn>
-                <a:cxn ang="0">
-                  <a:pos x="connsiteX19" y="connsiteY19"/>
-                </a:cxn>
-                <a:cxn ang="0">
-                  <a:pos x="connsiteX20" y="connsiteY20"/>
-                </a:cxn>
-                <a:cxn ang="0">
-                  <a:pos x="connsiteX21" y="connsiteY21"/>
-                </a:cxn>
-                <a:cxn ang="0">
-                  <a:pos x="connsiteX22" y="connsiteY22"/>
-                </a:cxn>
-                <a:cxn ang="0">
-                  <a:pos x="connsiteX23" y="connsiteY23"/>
-                </a:cxn>
-                <a:cxn ang="0">
-                  <a:pos x="connsiteX24" y="connsiteY24"/>
-                </a:cxn>
-                <a:cxn ang="0">
-                  <a:pos x="connsiteX25" y="connsiteY25"/>
-                </a:cxn>
-                <a:cxn ang="0">
-                  <a:pos x="connsiteX26" y="connsiteY26"/>
-                </a:cxn>
-                <a:cxn ang="0">
-                  <a:pos x="connsiteX27" y="connsiteY27"/>
-                </a:cxn>
-                <a:cxn ang="0">
-                  <a:pos x="connsiteX28" y="connsiteY28"/>
-                </a:cxn>
-                <a:cxn ang="0">
-                  <a:pos x="connsiteX29" y="connsiteY29"/>
-                </a:cxn>
-                <a:cxn ang="0">
-                  <a:pos x="connsiteX30" y="connsiteY30"/>
-                </a:cxn>
-                <a:cxn ang="0">
-                  <a:pos x="connsiteX31" y="connsiteY31"/>
-                </a:cxn>
-                <a:cxn ang="0">
-                  <a:pos x="connsiteX32" y="connsiteY32"/>
-                </a:cxn>
-                <a:cxn ang="0">
-                  <a:pos x="connsiteX33" y="connsiteY33"/>
-                </a:cxn>
-                <a:cxn ang="0">
-                  <a:pos x="connsiteX34" y="connsiteY34"/>
-                </a:cxn>
-                <a:cxn ang="0">
-                  <a:pos x="connsiteX35" y="connsiteY35"/>
-                </a:cxn>
-                <a:cxn ang="0">
-                  <a:pos x="connsiteX36" y="connsiteY36"/>
-                </a:cxn>
-                <a:cxn ang="0">
-                  <a:pos x="connsiteX37" y="connsiteY37"/>
-                </a:cxn>
-                <a:cxn ang="0">
-                  <a:pos x="connsiteX38" y="connsiteY38"/>
-                </a:cxn>
-                <a:cxn ang="0">
-                  <a:pos x="connsiteX39" y="connsiteY39"/>
-                </a:cxn>
-              </a:cxnLst>
-              <a:rect l="l" t="t" r="r" b="b"/>
-              <a:pathLst>
-                <a:path w="3832270" h="2876136">
-                  <a:moveTo>
-                    <a:pt x="3800718" y="0"/>
-                  </a:moveTo>
-                  <a:lnTo>
-                    <a:pt x="3832270" y="0"/>
-                  </a:lnTo>
-                  <a:lnTo>
-                    <a:pt x="3824562" y="143769"/>
-                  </a:lnTo>
-                  <a:cubicBezTo>
-                    <a:pt x="3797131" y="409191"/>
-                    <a:pt x="3730585" y="671345"/>
-                    <a:pt x="3628155" y="922055"/>
-                  </a:cubicBezTo>
-                  <a:cubicBezTo>
-                    <a:pt x="3593858" y="1005553"/>
-                    <a:pt x="3556704" y="1088280"/>
-                    <a:pt x="3514853" y="1169078"/>
-                  </a:cubicBezTo>
-                  <a:cubicBezTo>
-                    <a:pt x="3473616" y="1250166"/>
-                    <a:pt x="3428194" y="1329517"/>
-                    <a:pt x="3379198" y="1407037"/>
-                  </a:cubicBezTo>
-                  <a:cubicBezTo>
-                    <a:pt x="3281106" y="1561980"/>
-                    <a:pt x="3169132" y="1710174"/>
-                    <a:pt x="3043787" y="1848342"/>
-                  </a:cubicBezTo>
-                  <a:cubicBezTo>
-                    <a:pt x="2980806" y="1917184"/>
-                    <a:pt x="2915071" y="1984001"/>
-                    <a:pt x="2845661" y="2047444"/>
-                  </a:cubicBezTo>
-                  <a:cubicBezTo>
-                    <a:pt x="2828411" y="2063450"/>
-                    <a:pt x="2811060" y="2079263"/>
-                    <a:pt x="2793197" y="2094689"/>
-                  </a:cubicBezTo>
-                  <a:cubicBezTo>
-                    <a:pt x="2775436" y="2110213"/>
-                    <a:pt x="2757982" y="2126025"/>
-                    <a:pt x="2739710" y="2140969"/>
-                  </a:cubicBezTo>
-                  <a:cubicBezTo>
-                    <a:pt x="2703576" y="2171341"/>
-                    <a:pt x="2666524" y="2200749"/>
-                    <a:pt x="2629166" y="2229867"/>
-                  </a:cubicBezTo>
-                  <a:cubicBezTo>
-                    <a:pt x="2479015" y="2345569"/>
-                    <a:pt x="2316821" y="2448061"/>
-                    <a:pt x="2145952" y="2535994"/>
-                  </a:cubicBezTo>
-                  <a:cubicBezTo>
-                    <a:pt x="1804312" y="2711957"/>
-                    <a:pt x="1424600" y="2826982"/>
-                    <a:pt x="1034987" y="2863910"/>
-                  </a:cubicBezTo>
-                  <a:cubicBezTo>
-                    <a:pt x="937762" y="2873167"/>
-                    <a:pt x="839720" y="2877096"/>
-                    <a:pt x="741909" y="2875939"/>
-                  </a:cubicBezTo>
-                  <a:cubicBezTo>
-                    <a:pt x="644097" y="2874782"/>
-                    <a:pt x="546515" y="2868539"/>
-                    <a:pt x="450208" y="2857451"/>
-                  </a:cubicBezTo>
-                  <a:cubicBezTo>
-                    <a:pt x="305520" y="2840674"/>
-                    <a:pt x="162095" y="2813810"/>
-                    <a:pt x="22215" y="2775923"/>
-                  </a:cubicBezTo>
-                  <a:lnTo>
-                    <a:pt x="0" y="2769256"/>
-                  </a:lnTo>
-                  <a:lnTo>
-                    <a:pt x="0" y="2590612"/>
-                  </a:lnTo>
-                  <a:lnTo>
-                    <a:pt x="199046" y="2627410"/>
-                  </a:lnTo>
-                  <a:cubicBezTo>
-                    <a:pt x="288321" y="2639209"/>
-                    <a:pt x="378197" y="2646537"/>
-                    <a:pt x="468174" y="2649670"/>
-                  </a:cubicBezTo>
-                  <a:cubicBezTo>
-                    <a:pt x="648333" y="2656805"/>
-                    <a:pt x="826655" y="2647163"/>
-                    <a:pt x="1003650" y="2622480"/>
-                  </a:cubicBezTo>
-                  <a:cubicBezTo>
-                    <a:pt x="1091943" y="2609658"/>
-                    <a:pt x="1179725" y="2593747"/>
-                    <a:pt x="1266489" y="2573982"/>
-                  </a:cubicBezTo>
-                  <a:cubicBezTo>
-                    <a:pt x="1353250" y="2553927"/>
-                    <a:pt x="1439298" y="2531076"/>
-                    <a:pt x="1524223" y="2504657"/>
-                  </a:cubicBezTo>
-                  <a:cubicBezTo>
-                    <a:pt x="1609149" y="2478336"/>
-                    <a:pt x="1693052" y="2448833"/>
-                    <a:pt x="1775731" y="2416243"/>
-                  </a:cubicBezTo>
-                  <a:cubicBezTo>
-                    <a:pt x="1858309" y="2383557"/>
-                    <a:pt x="1939764" y="2347882"/>
-                    <a:pt x="2019789" y="2309412"/>
-                  </a:cubicBezTo>
-                  <a:cubicBezTo>
-                    <a:pt x="2179839" y="2232567"/>
-                    <a:pt x="2334583" y="2144923"/>
-                    <a:pt x="2482486" y="2046962"/>
-                  </a:cubicBezTo>
-                  <a:cubicBezTo>
-                    <a:pt x="2519334" y="2022376"/>
-                    <a:pt x="2556081" y="1997403"/>
-                    <a:pt x="2591908" y="1971371"/>
-                  </a:cubicBezTo>
-                  <a:cubicBezTo>
-                    <a:pt x="2610077" y="1958644"/>
-                    <a:pt x="2627838" y="1945434"/>
-                    <a:pt x="2645702" y="1932321"/>
-                  </a:cubicBezTo>
-                  <a:cubicBezTo>
-                    <a:pt x="2663666" y="1919305"/>
-                    <a:pt x="2681325" y="1905903"/>
-                    <a:pt x="2698779" y="1892309"/>
-                  </a:cubicBezTo>
-                  <a:cubicBezTo>
-                    <a:pt x="2768903" y="1838025"/>
-                    <a:pt x="2837496" y="1781717"/>
-                    <a:pt x="2903537" y="1722516"/>
-                  </a:cubicBezTo>
-                  <a:cubicBezTo>
-                    <a:pt x="3035926" y="1604501"/>
-                    <a:pt x="3158720" y="1475784"/>
-                    <a:pt x="3269061" y="1337327"/>
-                  </a:cubicBezTo>
-                  <a:cubicBezTo>
-                    <a:pt x="3324182" y="1268099"/>
-                    <a:pt x="3376341" y="1196461"/>
-                    <a:pt x="3424928" y="1122508"/>
-                  </a:cubicBezTo>
-                  <a:cubicBezTo>
-                    <a:pt x="3472697" y="1048170"/>
-                    <a:pt x="3517814" y="972000"/>
-                    <a:pt x="3557622" y="893226"/>
-                  </a:cubicBezTo>
-                  <a:cubicBezTo>
-                    <a:pt x="3567931" y="873654"/>
-                    <a:pt x="3577526" y="853791"/>
-                    <a:pt x="3587019" y="833929"/>
-                  </a:cubicBezTo>
-                  <a:lnTo>
-                    <a:pt x="3601310" y="804040"/>
-                  </a:lnTo>
-                  <a:lnTo>
-                    <a:pt x="3614885" y="773861"/>
-                  </a:lnTo>
-                  <a:cubicBezTo>
-                    <a:pt x="3623766" y="753709"/>
-                    <a:pt x="3632748" y="733559"/>
-                    <a:pt x="3640812" y="713022"/>
-                  </a:cubicBezTo>
-                  <a:cubicBezTo>
-                    <a:pt x="3648876" y="692485"/>
-                    <a:pt x="3657756" y="672236"/>
-                    <a:pt x="3665105" y="651506"/>
-                  </a:cubicBezTo>
-                  <a:cubicBezTo>
-                    <a:pt x="3696544" y="569166"/>
-                    <a:pt x="3723185" y="485089"/>
-                    <a:pt x="3744110" y="399567"/>
-                  </a:cubicBezTo>
-                  <a:cubicBezTo>
-                    <a:pt x="3765341" y="314238"/>
-                    <a:pt x="3781392" y="227654"/>
-                    <a:pt x="3792123" y="140444"/>
-                  </a:cubicBezTo>
-                  <a:close/>
-                </a:path>
-              </a:pathLst>
-            </a:custGeom>
-            <a:gradFill>
-              <a:gsLst>
-                <a:gs pos="2000">
-                  <a:schemeClr val="bg1">
-                    <a:alpha val="10000"/>
-                  </a:schemeClr>
-                </a:gs>
-                <a:gs pos="16000">
-                  <a:schemeClr val="accent6">
-                    <a:alpha val="10000"/>
-                  </a:schemeClr>
-                </a:gs>
-                <a:gs pos="100000">
-                  <a:schemeClr val="bg1">
-                    <a:alpha val="10000"/>
-                  </a:schemeClr>
-                </a:gs>
-                <a:gs pos="85000">
-                  <a:schemeClr val="accent1">
-                    <a:alpha val="10000"/>
-                  </a:schemeClr>
-                </a:gs>
-              </a:gsLst>
-              <a:lin ang="12000000" scaled="0"/>
-            </a:gradFill>
-            <a:ln>
-              <a:noFill/>
-            </a:ln>
-          </p:spPr>
-          <p:style>
-            <a:lnRef idx="2">
-              <a:schemeClr val="accent1">
-                <a:shade val="50000"/>
-              </a:schemeClr>
-            </a:lnRef>
-            <a:fillRef idx="1">
-              <a:schemeClr val="accent1"/>
-            </a:fillRef>
-            <a:effectRef idx="0">
-              <a:schemeClr val="accent1"/>
-            </a:effectRef>
-            <a:fontRef idx="minor">
-              <a:schemeClr val="lt1"/>
-            </a:fontRef>
-          </p:style>
-          <p:txBody>
-            <a:bodyPr rtlCol="0" anchor="ctr"/>
-            <a:lstStyle/>
-            <a:p>
-              <a:pPr algn="ctr"/>
-              <a:endParaRPr lang="en-US"/>
-            </a:p>
-          </p:txBody>
-        </p:sp>
-      </p:grpSp>
-      <p:grpSp>
-        <p:nvGrpSpPr>
-          <p:cNvPr id="18" name="Group 17">
-            <a:extLst>
-              <a:ext uri="{FF2B5EF4-FFF2-40B4-BE49-F238E27FC236}">
-                <a16:creationId xmlns:a16="http://schemas.microsoft.com/office/drawing/2014/main" id="{9DB3963A-4187-4A72-9DA4-CA6BADE22931}"/>
-              </a:ext>
-              <a:ext uri="{C183D7F6-B498-43B3-948B-1728B52AA6E4}">
-                <adec:decorative xmlns:adec="http://schemas.microsoft.com/office/drawing/2017/decorative" val="1"/>
-              </a:ext>
-            </a:extLst>
-          </p:cNvPr>
-          <p:cNvGrpSpPr>
-            <a:grpSpLocks noGrp="1" noUngrp="1" noRot="1" noChangeAspect="1" noMove="1" noResize="1"/>
-          </p:cNvGrpSpPr>
-          <p:nvPr>
-            <p:extLst>
-              <p:ext uri="{386F3935-93C4-4BCD-93E2-E3B085C9AB24}">
-                <p16:designElem xmlns:p16="http://schemas.microsoft.com/office/powerpoint/2015/main" val="1"/>
-              </p:ext>
-            </p:extLst>
-          </p:nvPr>
-        </p:nvGrpSpPr>
-        <p:grpSpPr>
-          <a:xfrm rot="5400000">
-            <a:off x="9072780" y="3734338"/>
-            <a:ext cx="3878664" cy="2368659"/>
-            <a:chOff x="6867015" y="-1"/>
-            <a:chExt cx="5324985" cy="3251912"/>
-          </a:xfrm>
-          <a:solidFill>
-            <a:schemeClr val="accent5">
-              <a:alpha val="10000"/>
-            </a:schemeClr>
-          </a:solidFill>
-        </p:grpSpPr>
-        <p:sp>
-          <p:nvSpPr>
-            <p:cNvPr id="19" name="Freeform: Shape 18">
-              <a:extLst>
-                <a:ext uri="{FF2B5EF4-FFF2-40B4-BE49-F238E27FC236}">
-                  <a16:creationId xmlns:a16="http://schemas.microsoft.com/office/drawing/2014/main" id="{2428E75E-001A-4568-B035-574F1303EF58}"/>
-                </a:ext>
-                <a:ext uri="{C183D7F6-B498-43B3-948B-1728B52AA6E4}">
-                  <adec:decorative xmlns:adec="http://schemas.microsoft.com/office/drawing/2017/decorative" val="1"/>
-                </a:ext>
-              </a:extLst>
-            </p:cNvPr>
-            <p:cNvSpPr/>
-            <p:nvPr>
-              <p:extLst>
-                <p:ext uri="{386F3935-93C4-4BCD-93E2-E3B085C9AB24}">
-                  <p16:designElem xmlns:p16="http://schemas.microsoft.com/office/powerpoint/2015/main" val="1"/>
-                </p:ext>
-              </p:extLst>
-            </p:nvPr>
-          </p:nvSpPr>
-          <p:spPr>
-            <a:xfrm>
-              <a:off x="6867015" y="-1"/>
-              <a:ext cx="5324985" cy="3251912"/>
-            </a:xfrm>
-            <a:custGeom>
-              <a:avLst/>
-              <a:gdLst>
-                <a:gd name="connsiteX0" fmla="*/ 0 w 5324985"/>
-                <a:gd name="connsiteY0" fmla="*/ 0 h 3251912"/>
-                <a:gd name="connsiteX1" fmla="*/ 36826 w 5324985"/>
-                <a:gd name="connsiteY1" fmla="*/ 0 h 3251912"/>
-                <a:gd name="connsiteX2" fmla="*/ 45003 w 5324985"/>
-                <a:gd name="connsiteY2" fmla="*/ 152909 h 3251912"/>
-                <a:gd name="connsiteX3" fmla="*/ 68956 w 5324985"/>
-                <a:gd name="connsiteY3" fmla="*/ 308600 h 3251912"/>
-                <a:gd name="connsiteX4" fmla="*/ 167774 w 5324985"/>
-                <a:gd name="connsiteY4" fmla="*/ 607968 h 3251912"/>
-                <a:gd name="connsiteX5" fmla="*/ 201857 w 5324985"/>
-                <a:gd name="connsiteY5" fmla="*/ 679539 h 3251912"/>
-                <a:gd name="connsiteX6" fmla="*/ 239741 w 5324985"/>
-                <a:gd name="connsiteY6" fmla="*/ 749488 h 3251912"/>
-                <a:gd name="connsiteX7" fmla="*/ 323724 w 5324985"/>
-                <a:gd name="connsiteY7" fmla="*/ 885101 h 3251912"/>
-                <a:gd name="connsiteX8" fmla="*/ 416412 w 5324985"/>
-                <a:gd name="connsiteY8" fmla="*/ 1016081 h 3251912"/>
-                <a:gd name="connsiteX9" fmla="*/ 515719 w 5324985"/>
-                <a:gd name="connsiteY9" fmla="*/ 1143356 h 3251912"/>
-                <a:gd name="connsiteX10" fmla="*/ 722427 w 5324985"/>
-                <a:gd name="connsiteY10" fmla="*/ 1395127 h 3251912"/>
-                <a:gd name="connsiteX11" fmla="*/ 825780 w 5324985"/>
-                <a:gd name="connsiteY11" fmla="*/ 1522749 h 3251912"/>
-                <a:gd name="connsiteX12" fmla="*/ 926314 w 5324985"/>
-                <a:gd name="connsiteY12" fmla="*/ 1651992 h 3251912"/>
-                <a:gd name="connsiteX13" fmla="*/ 1026848 w 5324985"/>
-                <a:gd name="connsiteY13" fmla="*/ 1776836 h 3251912"/>
-                <a:gd name="connsiteX14" fmla="*/ 1131918 w 5324985"/>
-                <a:gd name="connsiteY14" fmla="*/ 1897393 h 3251912"/>
-                <a:gd name="connsiteX15" fmla="*/ 1354688 w 5324985"/>
-                <a:gd name="connsiteY15" fmla="*/ 2124728 h 3251912"/>
-                <a:gd name="connsiteX16" fmla="*/ 1855027 w 5324985"/>
-                <a:gd name="connsiteY16" fmla="*/ 2504236 h 3251912"/>
-                <a:gd name="connsiteX17" fmla="*/ 2131618 w 5324985"/>
-                <a:gd name="connsiteY17" fmla="*/ 2646913 h 3251912"/>
-                <a:gd name="connsiteX18" fmla="*/ 2423534 w 5324985"/>
-                <a:gd name="connsiteY18" fmla="*/ 2754732 h 3251912"/>
-                <a:gd name="connsiteX19" fmla="*/ 2727588 w 5324985"/>
-                <a:gd name="connsiteY19" fmla="*/ 2829197 h 3251912"/>
-                <a:gd name="connsiteX20" fmla="*/ 3041083 w 5324985"/>
-                <a:gd name="connsiteY20" fmla="*/ 2870890 h 3251912"/>
-                <a:gd name="connsiteX21" fmla="*/ 3360340 w 5324985"/>
-                <a:gd name="connsiteY21" fmla="*/ 2883976 h 3251912"/>
-                <a:gd name="connsiteX22" fmla="*/ 3439663 w 5324985"/>
-                <a:gd name="connsiteY22" fmla="*/ 2883396 h 3251912"/>
-                <a:gd name="connsiteX23" fmla="*/ 3478529 w 5324985"/>
-                <a:gd name="connsiteY23" fmla="*/ 2882471 h 3251912"/>
-                <a:gd name="connsiteX24" fmla="*/ 3517271 w 5324985"/>
-                <a:gd name="connsiteY24" fmla="*/ 2880616 h 3251912"/>
-                <a:gd name="connsiteX25" fmla="*/ 3671260 w 5324985"/>
-                <a:gd name="connsiteY25" fmla="*/ 2867878 h 3251912"/>
-                <a:gd name="connsiteX26" fmla="*/ 4265268 w 5324985"/>
-                <a:gd name="connsiteY26" fmla="*/ 2716283 h 3251912"/>
-                <a:gd name="connsiteX27" fmla="*/ 4546395 w 5324985"/>
-                <a:gd name="connsiteY27" fmla="*/ 2584724 h 3251912"/>
-                <a:gd name="connsiteX28" fmla="*/ 4817837 w 5324985"/>
-                <a:gd name="connsiteY28" fmla="*/ 2424674 h 3251912"/>
-                <a:gd name="connsiteX29" fmla="*/ 5081677 w 5324985"/>
-                <a:gd name="connsiteY29" fmla="*/ 2243548 h 3251912"/>
-                <a:gd name="connsiteX30" fmla="*/ 5211881 w 5324985"/>
-                <a:gd name="connsiteY30" fmla="*/ 2147658 h 3251912"/>
-                <a:gd name="connsiteX31" fmla="*/ 5324985 w 5324985"/>
-                <a:gd name="connsiteY31" fmla="*/ 2062128 h 3251912"/>
-                <a:gd name="connsiteX32" fmla="*/ 5324985 w 5324985"/>
-                <a:gd name="connsiteY32" fmla="*/ 2514993 h 3251912"/>
-                <a:gd name="connsiteX33" fmla="*/ 5314867 w 5324985"/>
-                <a:gd name="connsiteY33" fmla="*/ 2522881 h 3251912"/>
-                <a:gd name="connsiteX34" fmla="*/ 5038276 w 5324985"/>
-                <a:gd name="connsiteY34" fmla="*/ 2722421 h 3251912"/>
-                <a:gd name="connsiteX35" fmla="*/ 4741701 w 5324985"/>
-                <a:gd name="connsiteY35" fmla="*/ 2904937 h 3251912"/>
-                <a:gd name="connsiteX36" fmla="*/ 4420728 w 5324985"/>
-                <a:gd name="connsiteY36" fmla="*/ 3058848 h 3251912"/>
-                <a:gd name="connsiteX37" fmla="*/ 3717481 w 5324985"/>
-                <a:gd name="connsiteY37" fmla="*/ 3237079 h 3251912"/>
-                <a:gd name="connsiteX38" fmla="*/ 3535661 w 5324985"/>
-                <a:gd name="connsiteY38" fmla="*/ 3249934 h 3251912"/>
-                <a:gd name="connsiteX39" fmla="*/ 3490175 w 5324985"/>
-                <a:gd name="connsiteY39" fmla="*/ 3251555 h 3251912"/>
-                <a:gd name="connsiteX40" fmla="*/ 3444813 w 5324985"/>
-                <a:gd name="connsiteY40" fmla="*/ 3251787 h 3251912"/>
-                <a:gd name="connsiteX41" fmla="*/ 3355681 w 5324985"/>
-                <a:gd name="connsiteY41" fmla="*/ 3250745 h 3251912"/>
-                <a:gd name="connsiteX42" fmla="*/ 3179011 w 5324985"/>
-                <a:gd name="connsiteY42" fmla="*/ 3243795 h 3251912"/>
-                <a:gd name="connsiteX43" fmla="*/ 3002217 w 5324985"/>
-                <a:gd name="connsiteY43" fmla="*/ 3227814 h 3251912"/>
-                <a:gd name="connsiteX44" fmla="*/ 2650103 w 5324985"/>
-                <a:gd name="connsiteY44" fmla="*/ 3170836 h 3251912"/>
-                <a:gd name="connsiteX45" fmla="*/ 2305836 w 5324985"/>
-                <a:gd name="connsiteY45" fmla="*/ 3072514 h 3251912"/>
-                <a:gd name="connsiteX46" fmla="*/ 1978611 w 5324985"/>
-                <a:gd name="connsiteY46" fmla="*/ 2929952 h 3251912"/>
-                <a:gd name="connsiteX47" fmla="*/ 1678235 w 5324985"/>
-                <a:gd name="connsiteY47" fmla="*/ 2744424 h 3251912"/>
-                <a:gd name="connsiteX48" fmla="*/ 1175688 w 5324985"/>
-                <a:gd name="connsiteY48" fmla="*/ 2277018 h 3251912"/>
-                <a:gd name="connsiteX49" fmla="*/ 971310 w 5324985"/>
-                <a:gd name="connsiteY49" fmla="*/ 2012044 h 3251912"/>
-                <a:gd name="connsiteX50" fmla="*/ 790717 w 5324985"/>
-                <a:gd name="connsiteY50" fmla="*/ 1735723 h 3251912"/>
-                <a:gd name="connsiteX51" fmla="*/ 706488 w 5324985"/>
-                <a:gd name="connsiteY51" fmla="*/ 1598604 h 3251912"/>
-                <a:gd name="connsiteX52" fmla="*/ 618951 w 5324985"/>
-                <a:gd name="connsiteY52" fmla="*/ 1463802 h 3251912"/>
-                <a:gd name="connsiteX53" fmla="*/ 436273 w 5324985"/>
-                <a:gd name="connsiteY53" fmla="*/ 1195355 h 3251912"/>
-                <a:gd name="connsiteX54" fmla="*/ 346896 w 5324985"/>
-                <a:gd name="connsiteY54" fmla="*/ 1058816 h 3251912"/>
-                <a:gd name="connsiteX55" fmla="*/ 261809 w 5324985"/>
-                <a:gd name="connsiteY55" fmla="*/ 919264 h 3251912"/>
-                <a:gd name="connsiteX56" fmla="*/ 118487 w 5324985"/>
-                <a:gd name="connsiteY56" fmla="*/ 626498 h 3251912"/>
-                <a:gd name="connsiteX57" fmla="*/ 28130 w 5324985"/>
-                <a:gd name="connsiteY57" fmla="*/ 315781 h 3251912"/>
-                <a:gd name="connsiteX58" fmla="*/ 6751 w 5324985"/>
-                <a:gd name="connsiteY58" fmla="*/ 156195 h 3251912"/>
-              </a:gdLst>
-              <a:ahLst/>
-              <a:cxnLst>
-                <a:cxn ang="0">
-                  <a:pos x="connsiteX0" y="connsiteY0"/>
-                </a:cxn>
-                <a:cxn ang="0">
-                  <a:pos x="connsiteX1" y="connsiteY1"/>
-                </a:cxn>
-                <a:cxn ang="0">
-                  <a:pos x="connsiteX2" y="connsiteY2"/>
-                </a:cxn>
-                <a:cxn ang="0">
-                  <a:pos x="connsiteX3" y="connsiteY3"/>
-                </a:cxn>
-                <a:cxn ang="0">
-                  <a:pos x="connsiteX4" y="connsiteY4"/>
-                </a:cxn>
-                <a:cxn ang="0">
-                  <a:pos x="connsiteX5" y="connsiteY5"/>
-                </a:cxn>
-                <a:cxn ang="0">
-                  <a:pos x="connsiteX6" y="connsiteY6"/>
-                </a:cxn>
-                <a:cxn ang="0">
-                  <a:pos x="connsiteX7" y="connsiteY7"/>
-                </a:cxn>
-                <a:cxn ang="0">
-                  <a:pos x="connsiteX8" y="connsiteY8"/>
-                </a:cxn>
-                <a:cxn ang="0">
-                  <a:pos x="connsiteX9" y="connsiteY9"/>
-                </a:cxn>
-                <a:cxn ang="0">
-                  <a:pos x="connsiteX10" y="connsiteY10"/>
-                </a:cxn>
-                <a:cxn ang="0">
-                  <a:pos x="connsiteX11" y="connsiteY11"/>
-                </a:cxn>
-                <a:cxn ang="0">
-                  <a:pos x="connsiteX12" y="connsiteY12"/>
-                </a:cxn>
-                <a:cxn ang="0">
-                  <a:pos x="connsiteX13" y="connsiteY13"/>
-                </a:cxn>
-                <a:cxn ang="0">
-                  <a:pos x="connsiteX14" y="connsiteY14"/>
-                </a:cxn>
-                <a:cxn ang="0">
-                  <a:pos x="connsiteX15" y="connsiteY15"/>
-                </a:cxn>
-                <a:cxn ang="0">
-                  <a:pos x="connsiteX16" y="connsiteY16"/>
-                </a:cxn>
-                <a:cxn ang="0">
-                  <a:pos x="connsiteX17" y="connsiteY17"/>
-                </a:cxn>
-                <a:cxn ang="0">
-                  <a:pos x="connsiteX18" y="connsiteY18"/>
-                </a:cxn>
-                <a:cxn ang="0">
-                  <a:pos x="connsiteX19" y="connsiteY19"/>
-                </a:cxn>
-                <a:cxn ang="0">
-                  <a:pos x="connsiteX20" y="connsiteY20"/>
-                </a:cxn>
-                <a:cxn ang="0">
-                  <a:pos x="connsiteX21" y="connsiteY21"/>
-                </a:cxn>
-                <a:cxn ang="0">
-                  <a:pos x="connsiteX22" y="connsiteY22"/>
-                </a:cxn>
-                <a:cxn ang="0">
-                  <a:pos x="connsiteX23" y="connsiteY23"/>
-                </a:cxn>
-                <a:cxn ang="0">
-                  <a:pos x="connsiteX24" y="connsiteY24"/>
-                </a:cxn>
-                <a:cxn ang="0">
-                  <a:pos x="connsiteX25" y="connsiteY25"/>
-                </a:cxn>
-                <a:cxn ang="0">
-                  <a:pos x="connsiteX26" y="connsiteY26"/>
-                </a:cxn>
-                <a:cxn ang="0">
-                  <a:pos x="connsiteX27" y="connsiteY27"/>
-                </a:cxn>
-                <a:cxn ang="0">
-                  <a:pos x="connsiteX28" y="connsiteY28"/>
-                </a:cxn>
-                <a:cxn ang="0">
-                  <a:pos x="connsiteX29" y="connsiteY29"/>
-                </a:cxn>
-                <a:cxn ang="0">
-                  <a:pos x="connsiteX30" y="connsiteY30"/>
-                </a:cxn>
-                <a:cxn ang="0">
-                  <a:pos x="connsiteX31" y="connsiteY31"/>
-                </a:cxn>
-                <a:cxn ang="0">
-                  <a:pos x="connsiteX32" y="connsiteY32"/>
-                </a:cxn>
-                <a:cxn ang="0">
-                  <a:pos x="connsiteX33" y="connsiteY33"/>
-                </a:cxn>
-                <a:cxn ang="0">
-                  <a:pos x="connsiteX34" y="connsiteY34"/>
-                </a:cxn>
-                <a:cxn ang="0">
-                  <a:pos x="connsiteX35" y="connsiteY35"/>
-                </a:cxn>
-                <a:cxn ang="0">
-                  <a:pos x="connsiteX36" y="connsiteY36"/>
-                </a:cxn>
-                <a:cxn ang="0">
-                  <a:pos x="connsiteX37" y="connsiteY37"/>
-                </a:cxn>
-                <a:cxn ang="0">
-                  <a:pos x="connsiteX38" y="connsiteY38"/>
-                </a:cxn>
-                <a:cxn ang="0">
-                  <a:pos x="connsiteX39" y="connsiteY39"/>
-                </a:cxn>
-                <a:cxn ang="0">
-                  <a:pos x="connsiteX40" y="connsiteY40"/>
-                </a:cxn>
-                <a:cxn ang="0">
-                  <a:pos x="connsiteX41" y="connsiteY41"/>
-                </a:cxn>
-                <a:cxn ang="0">
-                  <a:pos x="connsiteX42" y="connsiteY42"/>
-                </a:cxn>
-                <a:cxn ang="0">
-                  <a:pos x="connsiteX43" y="connsiteY43"/>
-                </a:cxn>
-                <a:cxn ang="0">
-                  <a:pos x="connsiteX44" y="connsiteY44"/>
-                </a:cxn>
-                <a:cxn ang="0">
-                  <a:pos x="connsiteX45" y="connsiteY45"/>
-                </a:cxn>
-                <a:cxn ang="0">
-                  <a:pos x="connsiteX46" y="connsiteY46"/>
-                </a:cxn>
-                <a:cxn ang="0">
-                  <a:pos x="connsiteX47" y="connsiteY47"/>
-                </a:cxn>
-                <a:cxn ang="0">
-                  <a:pos x="connsiteX48" y="connsiteY48"/>
-                </a:cxn>
-                <a:cxn ang="0">
-                  <a:pos x="connsiteX49" y="connsiteY49"/>
-                </a:cxn>
-                <a:cxn ang="0">
-                  <a:pos x="connsiteX50" y="connsiteY50"/>
-                </a:cxn>
-                <a:cxn ang="0">
-                  <a:pos x="connsiteX51" y="connsiteY51"/>
-                </a:cxn>
-                <a:cxn ang="0">
-                  <a:pos x="connsiteX52" y="connsiteY52"/>
-                </a:cxn>
-                <a:cxn ang="0">
-                  <a:pos x="connsiteX53" y="connsiteY53"/>
-                </a:cxn>
-                <a:cxn ang="0">
-                  <a:pos x="connsiteX54" y="connsiteY54"/>
-                </a:cxn>
-                <a:cxn ang="0">
-                  <a:pos x="connsiteX55" y="connsiteY55"/>
-                </a:cxn>
-                <a:cxn ang="0">
-                  <a:pos x="connsiteX56" y="connsiteY56"/>
-                </a:cxn>
-                <a:cxn ang="0">
-                  <a:pos x="connsiteX57" y="connsiteY57"/>
-                </a:cxn>
-                <a:cxn ang="0">
-                  <a:pos x="connsiteX58" y="connsiteY58"/>
-                </a:cxn>
-              </a:cxnLst>
-              <a:rect l="l" t="t" r="r" b="b"/>
-              <a:pathLst>
-                <a:path w="5324985" h="3251912">
-                  <a:moveTo>
-                    <a:pt x="0" y="0"/>
-                  </a:moveTo>
-                  <a:lnTo>
-                    <a:pt x="36826" y="0"/>
-                  </a:lnTo>
-                  <a:lnTo>
-                    <a:pt x="45003" y="152909"/>
-                  </a:lnTo>
-                  <a:cubicBezTo>
-                    <a:pt x="50351" y="205154"/>
-                    <a:pt x="58290" y="257123"/>
-                    <a:pt x="68956" y="308600"/>
-                  </a:cubicBezTo>
-                  <a:cubicBezTo>
-                    <a:pt x="91393" y="411324"/>
-                    <a:pt x="123882" y="511847"/>
-                    <a:pt x="167774" y="607968"/>
-                  </a:cubicBezTo>
-                  <a:cubicBezTo>
-                    <a:pt x="178195" y="632173"/>
-                    <a:pt x="190333" y="655798"/>
-                    <a:pt x="201857" y="679539"/>
-                  </a:cubicBezTo>
-                  <a:cubicBezTo>
-                    <a:pt x="214363" y="702933"/>
-                    <a:pt x="226255" y="726557"/>
-                    <a:pt x="239741" y="749488"/>
-                  </a:cubicBezTo>
-                  <a:cubicBezTo>
-                    <a:pt x="265488" y="795812"/>
-                    <a:pt x="294176" y="840746"/>
-                    <a:pt x="323724" y="885101"/>
-                  </a:cubicBezTo>
-                  <a:cubicBezTo>
-                    <a:pt x="353149" y="929572"/>
-                    <a:pt x="384657" y="972885"/>
-                    <a:pt x="416412" y="1016081"/>
-                  </a:cubicBezTo>
-                  <a:cubicBezTo>
-                    <a:pt x="448655" y="1058931"/>
-                    <a:pt x="482127" y="1101202"/>
-                    <a:pt x="515719" y="1143356"/>
-                  </a:cubicBezTo>
-                  <a:cubicBezTo>
-                    <a:pt x="583027" y="1227782"/>
-                    <a:pt x="653402" y="1310470"/>
-                    <a:pt x="722427" y="1395127"/>
-                  </a:cubicBezTo>
-                  <a:cubicBezTo>
-                    <a:pt x="757123" y="1437282"/>
-                    <a:pt x="791697" y="1479783"/>
-                    <a:pt x="825780" y="1522749"/>
-                  </a:cubicBezTo>
-                  <a:cubicBezTo>
-                    <a:pt x="859742" y="1565367"/>
-                    <a:pt x="893457" y="1610649"/>
-                    <a:pt x="926314" y="1651992"/>
-                  </a:cubicBezTo>
-                  <a:cubicBezTo>
-                    <a:pt x="958927" y="1694379"/>
-                    <a:pt x="993132" y="1735492"/>
-                    <a:pt x="1026848" y="1776836"/>
-                  </a:cubicBezTo>
-                  <a:cubicBezTo>
-                    <a:pt x="1061545" y="1817485"/>
-                    <a:pt x="1095996" y="1858133"/>
-                    <a:pt x="1131918" y="1897393"/>
-                  </a:cubicBezTo>
-                  <a:cubicBezTo>
-                    <a:pt x="1203273" y="1976376"/>
-                    <a:pt x="1277447" y="2052463"/>
-                    <a:pt x="1354688" y="2124728"/>
-                  </a:cubicBezTo>
-                  <a:cubicBezTo>
-                    <a:pt x="1509411" y="2268911"/>
-                    <a:pt x="1676396" y="2397575"/>
-                    <a:pt x="1855027" y="2504236"/>
-                  </a:cubicBezTo>
-                  <a:cubicBezTo>
-                    <a:pt x="1944528" y="2557277"/>
-                    <a:pt x="2036357" y="2605917"/>
-                    <a:pt x="2131618" y="2646913"/>
-                  </a:cubicBezTo>
-                  <a:cubicBezTo>
-                    <a:pt x="2226267" y="2689068"/>
-                    <a:pt x="2323981" y="2724622"/>
-                    <a:pt x="2423534" y="2754732"/>
-                  </a:cubicBezTo>
-                  <a:cubicBezTo>
-                    <a:pt x="2523087" y="2784958"/>
-                    <a:pt x="2624602" y="2809394"/>
-                    <a:pt x="2727588" y="2829197"/>
-                  </a:cubicBezTo>
-                  <a:cubicBezTo>
-                    <a:pt x="2830698" y="2848653"/>
-                    <a:pt x="2935522" y="2861971"/>
-                    <a:pt x="3041083" y="2870890"/>
-                  </a:cubicBezTo>
-                  <a:cubicBezTo>
-                    <a:pt x="3146644" y="2879922"/>
-                    <a:pt x="3253307" y="2883860"/>
-                    <a:pt x="3360340" y="2883976"/>
-                  </a:cubicBezTo>
-                  <a:cubicBezTo>
-                    <a:pt x="3387067" y="2883976"/>
-                    <a:pt x="3414162" y="2884439"/>
-                    <a:pt x="3439663" y="2883396"/>
-                  </a:cubicBezTo>
-                  <a:lnTo>
-                    <a:pt x="3478529" y="2882471"/>
-                  </a:lnTo>
-                  <a:lnTo>
-                    <a:pt x="3517271" y="2880616"/>
-                  </a:lnTo>
-                  <a:cubicBezTo>
-                    <a:pt x="3568887" y="2878417"/>
-                    <a:pt x="3620257" y="2873552"/>
-                    <a:pt x="3671260" y="2867878"/>
-                  </a:cubicBezTo>
-                  <a:cubicBezTo>
-                    <a:pt x="3875515" y="2844253"/>
-                    <a:pt x="4074253" y="2792486"/>
-                    <a:pt x="4265268" y="2716283"/>
-                  </a:cubicBezTo>
-                  <a:cubicBezTo>
-                    <a:pt x="4361020" y="2678529"/>
-                    <a:pt x="4454444" y="2633710"/>
-                    <a:pt x="4546395" y="2584724"/>
-                  </a:cubicBezTo>
-                  <a:cubicBezTo>
-                    <a:pt x="4638470" y="2535967"/>
-                    <a:pt x="4728827" y="2481885"/>
-                    <a:pt x="4817837" y="2424674"/>
-                  </a:cubicBezTo>
-                  <a:cubicBezTo>
-                    <a:pt x="4906846" y="2367348"/>
-                    <a:pt x="4994385" y="2306317"/>
-                    <a:pt x="5081677" y="2243548"/>
-                  </a:cubicBezTo>
-                  <a:cubicBezTo>
-                    <a:pt x="5125201" y="2212164"/>
-                    <a:pt x="5168603" y="2179969"/>
-                    <a:pt x="5211881" y="2147658"/>
-                  </a:cubicBezTo>
-                  <a:lnTo>
-                    <a:pt x="5324985" y="2062128"/>
-                  </a:lnTo>
-                  <a:lnTo>
-                    <a:pt x="5324985" y="2514993"/>
-                  </a:lnTo>
-                  <a:lnTo>
-                    <a:pt x="5314867" y="2522881"/>
-                  </a:lnTo>
-                  <a:cubicBezTo>
-                    <a:pt x="5225490" y="2591325"/>
-                    <a:pt x="5133783" y="2658379"/>
-                    <a:pt x="5038276" y="2722421"/>
-                  </a:cubicBezTo>
-                  <a:cubicBezTo>
-                    <a:pt x="4942892" y="2786348"/>
-                    <a:pt x="4844810" y="2848422"/>
-                    <a:pt x="4741701" y="2904937"/>
-                  </a:cubicBezTo>
-                  <a:cubicBezTo>
-                    <a:pt x="4638592" y="2961337"/>
-                    <a:pt x="4531929" y="3013683"/>
-                    <a:pt x="4420728" y="3058848"/>
-                  </a:cubicBezTo>
-                  <a:cubicBezTo>
-                    <a:pt x="4199063" y="3150338"/>
-                    <a:pt x="3959621" y="3211485"/>
-                    <a:pt x="3717481" y="3237079"/>
-                  </a:cubicBezTo>
-                  <a:cubicBezTo>
-                    <a:pt x="3656914" y="3243101"/>
-                    <a:pt x="3596227" y="3247966"/>
-                    <a:pt x="3535661" y="3249934"/>
-                  </a:cubicBezTo>
-                  <a:lnTo>
-                    <a:pt x="3490175" y="3251555"/>
-                  </a:lnTo>
-                  <a:lnTo>
-                    <a:pt x="3444813" y="3251787"/>
-                  </a:lnTo>
-                  <a:cubicBezTo>
-                    <a:pt x="3414162" y="3252250"/>
-                    <a:pt x="3385105" y="3251324"/>
-                    <a:pt x="3355681" y="3250745"/>
-                  </a:cubicBezTo>
-                  <a:cubicBezTo>
-                    <a:pt x="3296954" y="3250050"/>
-                    <a:pt x="3237860" y="3246692"/>
-                    <a:pt x="3179011" y="3243795"/>
-                  </a:cubicBezTo>
-                  <a:cubicBezTo>
-                    <a:pt x="3120039" y="3239164"/>
-                    <a:pt x="3061067" y="3234878"/>
-                    <a:pt x="3002217" y="3227814"/>
-                  </a:cubicBezTo>
-                  <a:cubicBezTo>
-                    <a:pt x="2884397" y="3214496"/>
-                    <a:pt x="2766699" y="3196314"/>
-                    <a:pt x="2650103" y="3170836"/>
-                  </a:cubicBezTo>
-                  <a:cubicBezTo>
-                    <a:pt x="2533510" y="3145358"/>
-                    <a:pt x="2418263" y="3112583"/>
-                    <a:pt x="2305836" y="3072514"/>
-                  </a:cubicBezTo>
-                  <a:cubicBezTo>
-                    <a:pt x="2193410" y="3032328"/>
-                    <a:pt x="2083926" y="2984383"/>
-                    <a:pt x="1978611" y="2929952"/>
-                  </a:cubicBezTo>
-                  <a:cubicBezTo>
-                    <a:pt x="1873663" y="2874711"/>
-                    <a:pt x="1772884" y="2812985"/>
-                    <a:pt x="1678235" y="2744424"/>
-                  </a:cubicBezTo>
-                  <a:cubicBezTo>
-                    <a:pt x="1488201" y="2608001"/>
-                    <a:pt x="1321708" y="2448068"/>
-                    <a:pt x="1175688" y="2277018"/>
-                  </a:cubicBezTo>
-                  <a:cubicBezTo>
-                    <a:pt x="1102985" y="2191086"/>
-                    <a:pt x="1035309" y="2102377"/>
-                    <a:pt x="971310" y="2012044"/>
-                  </a:cubicBezTo>
-                  <a:cubicBezTo>
-                    <a:pt x="907188" y="1921714"/>
-                    <a:pt x="847358" y="1829413"/>
-                    <a:pt x="790717" y="1735723"/>
-                  </a:cubicBezTo>
-                  <a:cubicBezTo>
-                    <a:pt x="761782" y="1688357"/>
-                    <a:pt x="735300" y="1644002"/>
-                    <a:pt x="706488" y="1598604"/>
-                  </a:cubicBezTo>
-                  <a:cubicBezTo>
-                    <a:pt x="677922" y="1553555"/>
-                    <a:pt x="648866" y="1508505"/>
-                    <a:pt x="618951" y="1463802"/>
-                  </a:cubicBezTo>
-                  <a:lnTo>
-                    <a:pt x="436273" y="1195355"/>
-                  </a:lnTo>
-                  <a:cubicBezTo>
-                    <a:pt x="405990" y="1150189"/>
-                    <a:pt x="376075" y="1104792"/>
-                    <a:pt x="346896" y="1058816"/>
-                  </a:cubicBezTo>
-                  <a:cubicBezTo>
-                    <a:pt x="317716" y="1012838"/>
-                    <a:pt x="288782" y="966747"/>
-                    <a:pt x="261809" y="919264"/>
-                  </a:cubicBezTo>
-                  <a:cubicBezTo>
-                    <a:pt x="207742" y="824764"/>
-                    <a:pt x="158088" y="727485"/>
-                    <a:pt x="118487" y="626498"/>
-                  </a:cubicBezTo>
-                  <a:cubicBezTo>
-                    <a:pt x="78151" y="525859"/>
-                    <a:pt x="48237" y="421515"/>
-                    <a:pt x="28130" y="315781"/>
-                  </a:cubicBezTo>
-                  <a:cubicBezTo>
-                    <a:pt x="18506" y="262914"/>
-                    <a:pt x="11425" y="209642"/>
-                    <a:pt x="6751" y="156195"/>
-                  </a:cubicBezTo>
-                  <a:close/>
-                </a:path>
-              </a:pathLst>
-            </a:custGeom>
-            <a:gradFill>
-              <a:gsLst>
-                <a:gs pos="2000">
-                  <a:schemeClr val="bg1">
-                    <a:alpha val="10000"/>
-                  </a:schemeClr>
-                </a:gs>
-                <a:gs pos="16000">
-                  <a:schemeClr val="accent6">
-                    <a:alpha val="10000"/>
-                  </a:schemeClr>
-                </a:gs>
-                <a:gs pos="100000">
-                  <a:schemeClr val="bg1">
-                    <a:alpha val="10000"/>
-                  </a:schemeClr>
-                </a:gs>
-                <a:gs pos="85000">
-                  <a:schemeClr val="accent1">
-                    <a:alpha val="10000"/>
-                  </a:schemeClr>
-                </a:gs>
-              </a:gsLst>
-              <a:lin ang="12000000" scaled="0"/>
-            </a:gradFill>
-            <a:ln>
-              <a:noFill/>
-            </a:ln>
-          </p:spPr>
-          <p:style>
-            <a:lnRef idx="2">
-              <a:schemeClr val="accent1">
-                <a:shade val="50000"/>
-              </a:schemeClr>
-            </a:lnRef>
-            <a:fillRef idx="1">
-              <a:schemeClr val="accent1"/>
-            </a:fillRef>
-            <a:effectRef idx="0">
-              <a:schemeClr val="accent1"/>
-            </a:effectRef>
-            <a:fontRef idx="minor">
-              <a:schemeClr val="lt1"/>
-            </a:fontRef>
-          </p:style>
-          <p:txBody>
-            <a:bodyPr rtlCol="0" anchor="ctr"/>
-            <a:lstStyle/>
-            <a:p>
-              <a:pPr algn="ctr"/>
-              <a:endParaRPr lang="en-US"/>
-            </a:p>
-          </p:txBody>
-        </p:sp>
-        <p:sp>
-          <p:nvSpPr>
-            <p:cNvPr id="20" name="Freeform: Shape 19">
-              <a:extLst>
-                <a:ext uri="{FF2B5EF4-FFF2-40B4-BE49-F238E27FC236}">
-                  <a16:creationId xmlns:a16="http://schemas.microsoft.com/office/drawing/2014/main" id="{64AC8CFC-1164-4525-82A0-25F75ADCF4CD}"/>
-                </a:ext>
-                <a:ext uri="{C183D7F6-B498-43B3-948B-1728B52AA6E4}">
-                  <adec:decorative xmlns:adec="http://schemas.microsoft.com/office/drawing/2017/decorative" val="1"/>
-                </a:ext>
-              </a:extLst>
-            </p:cNvPr>
-            <p:cNvSpPr/>
-            <p:nvPr>
-              <p:extLst>
-                <p:ext uri="{386F3935-93C4-4BCD-93E2-E3B085C9AB24}">
-                  <p16:designElem xmlns:p16="http://schemas.microsoft.com/office/powerpoint/2015/main" val="1"/>
-                </p:ext>
-              </p:extLst>
-            </p:nvPr>
-          </p:nvSpPr>
-          <p:spPr>
-            <a:xfrm>
-              <a:off x="6916467" y="-1"/>
-              <a:ext cx="5275533" cy="2980757"/>
-            </a:xfrm>
-            <a:custGeom>
-              <a:avLst/>
-              <a:gdLst>
-                <a:gd name="connsiteX0" fmla="*/ 0 w 5275533"/>
-                <a:gd name="connsiteY0" fmla="*/ 0 h 2980757"/>
-                <a:gd name="connsiteX1" fmla="*/ 201166 w 5275533"/>
-                <a:gd name="connsiteY1" fmla="*/ 0 h 2980757"/>
-                <a:gd name="connsiteX2" fmla="*/ 206734 w 5275533"/>
-                <a:gd name="connsiteY2" fmla="*/ 89286 h 2980757"/>
-                <a:gd name="connsiteX3" fmla="*/ 232051 w 5275533"/>
-                <a:gd name="connsiteY3" fmla="*/ 226897 h 2980757"/>
-                <a:gd name="connsiteX4" fmla="*/ 332707 w 5275533"/>
-                <a:gd name="connsiteY4" fmla="*/ 487120 h 2980757"/>
-                <a:gd name="connsiteX5" fmla="*/ 402959 w 5275533"/>
-                <a:gd name="connsiteY5" fmla="*/ 609647 h 2980757"/>
-                <a:gd name="connsiteX6" fmla="*/ 483631 w 5275533"/>
-                <a:gd name="connsiteY6" fmla="*/ 728236 h 2980757"/>
-                <a:gd name="connsiteX7" fmla="*/ 669986 w 5275533"/>
-                <a:gd name="connsiteY7" fmla="*/ 957424 h 2980757"/>
-                <a:gd name="connsiteX8" fmla="*/ 871667 w 5275533"/>
-                <a:gd name="connsiteY8" fmla="*/ 1188348 h 2980757"/>
-                <a:gd name="connsiteX9" fmla="*/ 971956 w 5275533"/>
-                <a:gd name="connsiteY9" fmla="*/ 1308905 h 2980757"/>
-                <a:gd name="connsiteX10" fmla="*/ 1020139 w 5275533"/>
-                <a:gd name="connsiteY10" fmla="*/ 1368084 h 2980757"/>
-                <a:gd name="connsiteX11" fmla="*/ 1067340 w 5275533"/>
-                <a:gd name="connsiteY11" fmla="*/ 1424715 h 2980757"/>
-                <a:gd name="connsiteX12" fmla="*/ 1472909 w 5275533"/>
-                <a:gd name="connsiteY12" fmla="*/ 1843252 h 2980757"/>
-                <a:gd name="connsiteX13" fmla="*/ 1688567 w 5275533"/>
-                <a:gd name="connsiteY13" fmla="*/ 2031559 h 2980757"/>
-                <a:gd name="connsiteX14" fmla="*/ 1914401 w 5275533"/>
-                <a:gd name="connsiteY14" fmla="*/ 2205156 h 2980757"/>
-                <a:gd name="connsiteX15" fmla="*/ 2418909 w 5275533"/>
-                <a:gd name="connsiteY15" fmla="*/ 2479741 h 2980757"/>
-                <a:gd name="connsiteX16" fmla="*/ 2701141 w 5275533"/>
-                <a:gd name="connsiteY16" fmla="*/ 2557333 h 2980757"/>
-                <a:gd name="connsiteX17" fmla="*/ 2773475 w 5275533"/>
-                <a:gd name="connsiteY17" fmla="*/ 2570999 h 2980757"/>
-                <a:gd name="connsiteX18" fmla="*/ 2846424 w 5275533"/>
-                <a:gd name="connsiteY18" fmla="*/ 2582465 h 2980757"/>
-                <a:gd name="connsiteX19" fmla="*/ 2993669 w 5275533"/>
-                <a:gd name="connsiteY19" fmla="*/ 2598909 h 2980757"/>
-                <a:gd name="connsiteX20" fmla="*/ 3067721 w 5275533"/>
-                <a:gd name="connsiteY20" fmla="*/ 2604237 h 2980757"/>
-                <a:gd name="connsiteX21" fmla="*/ 3142019 w 5275533"/>
-                <a:gd name="connsiteY21" fmla="*/ 2607943 h 2980757"/>
-                <a:gd name="connsiteX22" fmla="*/ 3216561 w 5275533"/>
-                <a:gd name="connsiteY22" fmla="*/ 2609564 h 2980757"/>
-                <a:gd name="connsiteX23" fmla="*/ 3291225 w 5275533"/>
-                <a:gd name="connsiteY23" fmla="*/ 2609217 h 2980757"/>
-                <a:gd name="connsiteX24" fmla="*/ 3328619 w 5275533"/>
-                <a:gd name="connsiteY24" fmla="*/ 2608869 h 2980757"/>
-                <a:gd name="connsiteX25" fmla="*/ 3364665 w 5275533"/>
-                <a:gd name="connsiteY25" fmla="*/ 2607363 h 2980757"/>
-                <a:gd name="connsiteX26" fmla="*/ 3400587 w 5275533"/>
-                <a:gd name="connsiteY26" fmla="*/ 2605627 h 2980757"/>
-                <a:gd name="connsiteX27" fmla="*/ 3436387 w 5275533"/>
-                <a:gd name="connsiteY27" fmla="*/ 2602847 h 2980757"/>
-                <a:gd name="connsiteX28" fmla="*/ 3578361 w 5275533"/>
-                <a:gd name="connsiteY28" fmla="*/ 2586286 h 2980757"/>
-                <a:gd name="connsiteX29" fmla="*/ 4119159 w 5275533"/>
-                <a:gd name="connsiteY29" fmla="*/ 2418594 h 2980757"/>
-                <a:gd name="connsiteX30" fmla="*/ 4618765 w 5275533"/>
-                <a:gd name="connsiteY30" fmla="*/ 2124668 h 2980757"/>
-                <a:gd name="connsiteX31" fmla="*/ 4739895 w 5275533"/>
-                <a:gd name="connsiteY31" fmla="*/ 2038275 h 2980757"/>
-                <a:gd name="connsiteX32" fmla="*/ 4861027 w 5275533"/>
-                <a:gd name="connsiteY32" fmla="*/ 1948986 h 2980757"/>
-                <a:gd name="connsiteX33" fmla="*/ 5106354 w 5275533"/>
-                <a:gd name="connsiteY33" fmla="*/ 1763690 h 2980757"/>
-                <a:gd name="connsiteX34" fmla="*/ 5275533 w 5275533"/>
-                <a:gd name="connsiteY34" fmla="*/ 1641017 h 2980757"/>
-                <a:gd name="connsiteX35" fmla="*/ 5275533 w 5275533"/>
-                <a:gd name="connsiteY35" fmla="*/ 2257481 h 2980757"/>
-                <a:gd name="connsiteX36" fmla="*/ 5168881 w 5275533"/>
-                <a:gd name="connsiteY36" fmla="*/ 2332084 h 2980757"/>
-                <a:gd name="connsiteX37" fmla="*/ 5036225 w 5275533"/>
-                <a:gd name="connsiteY37" fmla="*/ 2421489 h 2980757"/>
-                <a:gd name="connsiteX38" fmla="*/ 4899401 w 5275533"/>
-                <a:gd name="connsiteY38" fmla="*/ 2508347 h 2980757"/>
-                <a:gd name="connsiteX39" fmla="*/ 4612145 w 5275533"/>
-                <a:gd name="connsiteY39" fmla="*/ 2671407 h 2980757"/>
-                <a:gd name="connsiteX40" fmla="*/ 4303187 w 5275533"/>
-                <a:gd name="connsiteY40" fmla="*/ 2810030 h 2980757"/>
-                <a:gd name="connsiteX41" fmla="*/ 3630835 w 5275533"/>
-                <a:gd name="connsiteY41" fmla="*/ 2969500 h 2980757"/>
-                <a:gd name="connsiteX42" fmla="*/ 3457719 w 5275533"/>
-                <a:gd name="connsiteY42" fmla="*/ 2979808 h 2980757"/>
-                <a:gd name="connsiteX43" fmla="*/ 3414441 w 5275533"/>
-                <a:gd name="connsiteY43" fmla="*/ 2980733 h 2980757"/>
-                <a:gd name="connsiteX44" fmla="*/ 3371285 w 5275533"/>
-                <a:gd name="connsiteY44" fmla="*/ 2980502 h 2980757"/>
-                <a:gd name="connsiteX45" fmla="*/ 3328252 w 5275533"/>
-                <a:gd name="connsiteY45" fmla="*/ 2980039 h 2980757"/>
-                <a:gd name="connsiteX46" fmla="*/ 3286445 w 5275533"/>
-                <a:gd name="connsiteY46" fmla="*/ 2978534 h 2980757"/>
-                <a:gd name="connsiteX47" fmla="*/ 2952475 w 5275533"/>
-                <a:gd name="connsiteY47" fmla="*/ 2953402 h 2980757"/>
-                <a:gd name="connsiteX48" fmla="*/ 2620591 w 5275533"/>
-                <a:gd name="connsiteY48" fmla="*/ 2898046 h 2980757"/>
-                <a:gd name="connsiteX49" fmla="*/ 2294591 w 5275533"/>
-                <a:gd name="connsiteY49" fmla="*/ 2811305 h 2980757"/>
-                <a:gd name="connsiteX50" fmla="*/ 1670544 w 5275533"/>
-                <a:gd name="connsiteY50" fmla="*/ 2550501 h 2980757"/>
-                <a:gd name="connsiteX51" fmla="*/ 1144703 w 5275533"/>
-                <a:gd name="connsiteY51" fmla="*/ 2144472 h 2980757"/>
-                <a:gd name="connsiteX52" fmla="*/ 931497 w 5275533"/>
-                <a:gd name="connsiteY52" fmla="*/ 1900114 h 2980757"/>
-                <a:gd name="connsiteX53" fmla="*/ 745265 w 5275533"/>
-                <a:gd name="connsiteY53" fmla="*/ 1641395 h 2980757"/>
-                <a:gd name="connsiteX54" fmla="*/ 701741 w 5275533"/>
-                <a:gd name="connsiteY54" fmla="*/ 1575500 h 2980757"/>
-                <a:gd name="connsiteX55" fmla="*/ 660178 w 5275533"/>
-                <a:gd name="connsiteY55" fmla="*/ 1511573 h 2980757"/>
-                <a:gd name="connsiteX56" fmla="*/ 578158 w 5275533"/>
-                <a:gd name="connsiteY56" fmla="*/ 1387656 h 2980757"/>
-                <a:gd name="connsiteX57" fmla="*/ 408230 w 5275533"/>
-                <a:gd name="connsiteY57" fmla="*/ 1134497 h 2980757"/>
-                <a:gd name="connsiteX58" fmla="*/ 242349 w 5275533"/>
-                <a:gd name="connsiteY58" fmla="*/ 866860 h 2980757"/>
-                <a:gd name="connsiteX59" fmla="*/ 167562 w 5275533"/>
-                <a:gd name="connsiteY59" fmla="*/ 724994 h 2980757"/>
-                <a:gd name="connsiteX60" fmla="*/ 104054 w 5275533"/>
-                <a:gd name="connsiteY60" fmla="*/ 576525 h 2980757"/>
-                <a:gd name="connsiteX61" fmla="*/ 55381 w 5275533"/>
-                <a:gd name="connsiteY61" fmla="*/ 422499 h 2980757"/>
-                <a:gd name="connsiteX62" fmla="*/ 37236 w 5275533"/>
-                <a:gd name="connsiteY62" fmla="*/ 343980 h 2980757"/>
-                <a:gd name="connsiteX63" fmla="*/ 29267 w 5275533"/>
-                <a:gd name="connsiteY63" fmla="*/ 304604 h 2980757"/>
-                <a:gd name="connsiteX64" fmla="*/ 22646 w 5275533"/>
-                <a:gd name="connsiteY64" fmla="*/ 265113 h 2980757"/>
-                <a:gd name="connsiteX65" fmla="*/ 3903 w 5275533"/>
-                <a:gd name="connsiteY65" fmla="*/ 106787 h 2980757"/>
-              </a:gdLst>
-              <a:ahLst/>
-              <a:cxnLst>
-                <a:cxn ang="0">
-                  <a:pos x="connsiteX0" y="connsiteY0"/>
-                </a:cxn>
-                <a:cxn ang="0">
-                  <a:pos x="connsiteX1" y="connsiteY1"/>
-                </a:cxn>
-                <a:cxn ang="0">
-                  <a:pos x="connsiteX2" y="connsiteY2"/>
-                </a:cxn>
-                <a:cxn ang="0">
-                  <a:pos x="connsiteX3" y="connsiteY3"/>
-                </a:cxn>
-                <a:cxn ang="0">
-                  <a:pos x="connsiteX4" y="connsiteY4"/>
-                </a:cxn>
-                <a:cxn ang="0">
-                  <a:pos x="connsiteX5" y="connsiteY5"/>
-                </a:cxn>
-                <a:cxn ang="0">
-                  <a:pos x="connsiteX6" y="connsiteY6"/>
-                </a:cxn>
-                <a:cxn ang="0">
-                  <a:pos x="connsiteX7" y="connsiteY7"/>
-                </a:cxn>
-                <a:cxn ang="0">
-                  <a:pos x="connsiteX8" y="connsiteY8"/>
-                </a:cxn>
-                <a:cxn ang="0">
-                  <a:pos x="connsiteX9" y="connsiteY9"/>
-                </a:cxn>
-                <a:cxn ang="0">
-                  <a:pos x="connsiteX10" y="connsiteY10"/>
-                </a:cxn>
-                <a:cxn ang="0">
-                  <a:pos x="connsiteX11" y="connsiteY11"/>
-                </a:cxn>
-                <a:cxn ang="0">
-                  <a:pos x="connsiteX12" y="connsiteY12"/>
-                </a:cxn>
-                <a:cxn ang="0">
-                  <a:pos x="connsiteX13" y="connsiteY13"/>
-                </a:cxn>
-                <a:cxn ang="0">
-                  <a:pos x="connsiteX14" y="connsiteY14"/>
-                </a:cxn>
-                <a:cxn ang="0">
-                  <a:pos x="connsiteX15" y="connsiteY15"/>
-                </a:cxn>
-                <a:cxn ang="0">
-                  <a:pos x="connsiteX16" y="connsiteY16"/>
-                </a:cxn>
-                <a:cxn ang="0">
-                  <a:pos x="connsiteX17" y="connsiteY17"/>
-                </a:cxn>
-                <a:cxn ang="0">
-                  <a:pos x="connsiteX18" y="connsiteY18"/>
-                </a:cxn>
-                <a:cxn ang="0">
-                  <a:pos x="connsiteX19" y="connsiteY19"/>
-                </a:cxn>
-                <a:cxn ang="0">
-                  <a:pos x="connsiteX20" y="connsiteY20"/>
-                </a:cxn>
-                <a:cxn ang="0">
-                  <a:pos x="connsiteX21" y="connsiteY21"/>
-                </a:cxn>
-                <a:cxn ang="0">
-                  <a:pos x="connsiteX22" y="connsiteY22"/>
-                </a:cxn>
-                <a:cxn ang="0">
-                  <a:pos x="connsiteX23" y="connsiteY23"/>
-                </a:cxn>
-                <a:cxn ang="0">
-                  <a:pos x="connsiteX24" y="connsiteY24"/>
-                </a:cxn>
-                <a:cxn ang="0">
-                  <a:pos x="connsiteX25" y="connsiteY25"/>
-                </a:cxn>
-                <a:cxn ang="0">
-                  <a:pos x="connsiteX26" y="connsiteY26"/>
-                </a:cxn>
-                <a:cxn ang="0">
-                  <a:pos x="connsiteX27" y="connsiteY27"/>
-                </a:cxn>
-                <a:cxn ang="0">
-                  <a:pos x="connsiteX28" y="connsiteY28"/>
-                </a:cxn>
-                <a:cxn ang="0">
-                  <a:pos x="connsiteX29" y="connsiteY29"/>
-                </a:cxn>
-                <a:cxn ang="0">
-                  <a:pos x="connsiteX30" y="connsiteY30"/>
-                </a:cxn>
-                <a:cxn ang="0">
-                  <a:pos x="connsiteX31" y="connsiteY31"/>
-                </a:cxn>
-                <a:cxn ang="0">
-                  <a:pos x="connsiteX32" y="connsiteY32"/>
-                </a:cxn>
-                <a:cxn ang="0">
-                  <a:pos x="connsiteX33" y="connsiteY33"/>
-                </a:cxn>
-                <a:cxn ang="0">
-                  <a:pos x="connsiteX34" y="connsiteY34"/>
-                </a:cxn>
-                <a:cxn ang="0">
-                  <a:pos x="connsiteX35" y="connsiteY35"/>
-                </a:cxn>
-                <a:cxn ang="0">
-                  <a:pos x="connsiteX36" y="connsiteY36"/>
-                </a:cxn>
-                <a:cxn ang="0">
-                  <a:pos x="connsiteX37" y="connsiteY37"/>
-                </a:cxn>
-                <a:cxn ang="0">
-                  <a:pos x="connsiteX38" y="connsiteY38"/>
-                </a:cxn>
-                <a:cxn ang="0">
-                  <a:pos x="connsiteX39" y="connsiteY39"/>
-                </a:cxn>
-                <a:cxn ang="0">
-                  <a:pos x="connsiteX40" y="connsiteY40"/>
-                </a:cxn>
-                <a:cxn ang="0">
-                  <a:pos x="connsiteX41" y="connsiteY41"/>
-                </a:cxn>
-                <a:cxn ang="0">
-                  <a:pos x="connsiteX42" y="connsiteY42"/>
-                </a:cxn>
-                <a:cxn ang="0">
-                  <a:pos x="connsiteX43" y="connsiteY43"/>
-                </a:cxn>
-                <a:cxn ang="0">
-                  <a:pos x="connsiteX44" y="connsiteY44"/>
-                </a:cxn>
-                <a:cxn ang="0">
-                  <a:pos x="connsiteX45" y="connsiteY45"/>
-                </a:cxn>
-                <a:cxn ang="0">
-                  <a:pos x="connsiteX46" y="connsiteY46"/>
-                </a:cxn>
-                <a:cxn ang="0">
-                  <a:pos x="connsiteX47" y="connsiteY47"/>
-                </a:cxn>
-                <a:cxn ang="0">
-                  <a:pos x="connsiteX48" y="connsiteY48"/>
-                </a:cxn>
-                <a:cxn ang="0">
-                  <a:pos x="connsiteX49" y="connsiteY49"/>
-                </a:cxn>
-                <a:cxn ang="0">
-                  <a:pos x="connsiteX50" y="connsiteY50"/>
-                </a:cxn>
-                <a:cxn ang="0">
-                  <a:pos x="connsiteX51" y="connsiteY51"/>
-                </a:cxn>
-                <a:cxn ang="0">
-                  <a:pos x="connsiteX52" y="connsiteY52"/>
-                </a:cxn>
-                <a:cxn ang="0">
-                  <a:pos x="connsiteX53" y="connsiteY53"/>
-                </a:cxn>
-                <a:cxn ang="0">
-                  <a:pos x="connsiteX54" y="connsiteY54"/>
-                </a:cxn>
-                <a:cxn ang="0">
-                  <a:pos x="connsiteX55" y="connsiteY55"/>
-                </a:cxn>
-                <a:cxn ang="0">
-                  <a:pos x="connsiteX56" y="connsiteY56"/>
-                </a:cxn>
-                <a:cxn ang="0">
-                  <a:pos x="connsiteX57" y="connsiteY57"/>
-                </a:cxn>
-                <a:cxn ang="0">
-                  <a:pos x="connsiteX58" y="connsiteY58"/>
-                </a:cxn>
-                <a:cxn ang="0">
-                  <a:pos x="connsiteX59" y="connsiteY59"/>
-                </a:cxn>
-                <a:cxn ang="0">
-                  <a:pos x="connsiteX60" y="connsiteY60"/>
-                </a:cxn>
-                <a:cxn ang="0">
-                  <a:pos x="connsiteX61" y="connsiteY61"/>
-                </a:cxn>
-                <a:cxn ang="0">
-                  <a:pos x="connsiteX62" y="connsiteY62"/>
-                </a:cxn>
-                <a:cxn ang="0">
-                  <a:pos x="connsiteX63" y="connsiteY63"/>
-                </a:cxn>
-                <a:cxn ang="0">
-                  <a:pos x="connsiteX64" y="connsiteY64"/>
-                </a:cxn>
-                <a:cxn ang="0">
-                  <a:pos x="connsiteX65" y="connsiteY65"/>
-                </a:cxn>
-              </a:cxnLst>
-              <a:rect l="l" t="t" r="r" b="b"/>
-              <a:pathLst>
-                <a:path w="5275533" h="2980757">
-                  <a:moveTo>
-                    <a:pt x="0" y="0"/>
-                  </a:moveTo>
-                  <a:lnTo>
-                    <a:pt x="201166" y="0"/>
-                  </a:lnTo>
-                  <a:lnTo>
-                    <a:pt x="206734" y="89286"/>
-                  </a:lnTo>
-                  <a:cubicBezTo>
-                    <a:pt x="212220" y="135755"/>
-                    <a:pt x="220465" y="181731"/>
-                    <a:pt x="232051" y="226897"/>
-                  </a:cubicBezTo>
-                  <a:cubicBezTo>
-                    <a:pt x="254855" y="317344"/>
-                    <a:pt x="290287" y="403854"/>
-                    <a:pt x="332707" y="487120"/>
-                  </a:cubicBezTo>
-                  <a:cubicBezTo>
-                    <a:pt x="354163" y="528696"/>
-                    <a:pt x="377948" y="569461"/>
-                    <a:pt x="402959" y="609647"/>
-                  </a:cubicBezTo>
-                  <a:cubicBezTo>
-                    <a:pt x="428337" y="649717"/>
-                    <a:pt x="455433" y="689209"/>
-                    <a:pt x="483631" y="728236"/>
-                  </a:cubicBezTo>
-                  <a:cubicBezTo>
-                    <a:pt x="540764" y="806061"/>
-                    <a:pt x="604271" y="881569"/>
-                    <a:pt x="669986" y="957424"/>
-                  </a:cubicBezTo>
-                  <a:cubicBezTo>
-                    <a:pt x="735701" y="1033395"/>
-                    <a:pt x="804359" y="1109366"/>
-                    <a:pt x="871667" y="1188348"/>
-                  </a:cubicBezTo>
-                  <a:cubicBezTo>
-                    <a:pt x="905383" y="1227723"/>
-                    <a:pt x="938731" y="1268025"/>
-                    <a:pt x="971956" y="1308905"/>
-                  </a:cubicBezTo>
-                  <a:lnTo>
-                    <a:pt x="1020139" y="1368084"/>
-                  </a:lnTo>
-                  <a:cubicBezTo>
-                    <a:pt x="1035954" y="1386962"/>
-                    <a:pt x="1051035" y="1406302"/>
-                    <a:pt x="1067340" y="1424715"/>
-                  </a:cubicBezTo>
-                  <a:cubicBezTo>
-                    <a:pt x="1194602" y="1574573"/>
-                    <a:pt x="1332652" y="1712503"/>
-                    <a:pt x="1472909" y="1843252"/>
-                  </a:cubicBezTo>
-                  <a:cubicBezTo>
-                    <a:pt x="1543406" y="1908337"/>
-                    <a:pt x="1615128" y="1971221"/>
-                    <a:pt x="1688567" y="2031559"/>
-                  </a:cubicBezTo>
-                  <a:cubicBezTo>
-                    <a:pt x="1762006" y="2091895"/>
-                    <a:pt x="1836793" y="2150263"/>
-                    <a:pt x="1914401" y="2205156"/>
-                  </a:cubicBezTo>
-                  <a:cubicBezTo>
-                    <a:pt x="2069003" y="2315176"/>
-                    <a:pt x="2235742" y="2413498"/>
-                    <a:pt x="2418909" y="2479741"/>
-                  </a:cubicBezTo>
-                  <a:cubicBezTo>
-                    <a:pt x="2510249" y="2512863"/>
-                    <a:pt x="2604898" y="2538225"/>
-                    <a:pt x="2701141" y="2557333"/>
-                  </a:cubicBezTo>
-                  <a:cubicBezTo>
-                    <a:pt x="2725293" y="2561850"/>
-                    <a:pt x="2749201" y="2567062"/>
-                    <a:pt x="2773475" y="2570999"/>
-                  </a:cubicBezTo>
-                  <a:lnTo>
-                    <a:pt x="2846424" y="2582465"/>
-                  </a:lnTo>
-                  <a:cubicBezTo>
-                    <a:pt x="2895343" y="2588602"/>
-                    <a:pt x="2944261" y="2595088"/>
-                    <a:pt x="2993669" y="2598909"/>
-                  </a:cubicBezTo>
-                  <a:cubicBezTo>
-                    <a:pt x="3018313" y="2601110"/>
-                    <a:pt x="3042956" y="2603195"/>
-                    <a:pt x="3067721" y="2604237"/>
-                  </a:cubicBezTo>
-                  <a:cubicBezTo>
-                    <a:pt x="3092487" y="2605394"/>
-                    <a:pt x="3117130" y="2607247"/>
-                    <a:pt x="3142019" y="2607943"/>
-                  </a:cubicBezTo>
-                  <a:lnTo>
-                    <a:pt x="3216561" y="2609564"/>
-                  </a:lnTo>
-                  <a:cubicBezTo>
-                    <a:pt x="3241326" y="2610142"/>
-                    <a:pt x="3266337" y="2609333"/>
-                    <a:pt x="3291225" y="2609217"/>
-                  </a:cubicBezTo>
-                  <a:lnTo>
-                    <a:pt x="3328619" y="2608869"/>
-                  </a:lnTo>
-                  <a:cubicBezTo>
-                    <a:pt x="3340757" y="2608522"/>
-                    <a:pt x="3352649" y="2607827"/>
-                    <a:pt x="3364665" y="2607363"/>
-                  </a:cubicBezTo>
-                  <a:cubicBezTo>
-                    <a:pt x="3376679" y="2606784"/>
-                    <a:pt x="3388695" y="2606438"/>
-                    <a:pt x="3400587" y="2605627"/>
-                  </a:cubicBezTo>
-                  <a:lnTo>
-                    <a:pt x="3436387" y="2602847"/>
-                  </a:lnTo>
-                  <a:cubicBezTo>
-                    <a:pt x="3484079" y="2599257"/>
-                    <a:pt x="3531404" y="2593235"/>
-                    <a:pt x="3578361" y="2586286"/>
-                  </a:cubicBezTo>
-                  <a:cubicBezTo>
-                    <a:pt x="3766310" y="2556871"/>
-                    <a:pt x="3947025" y="2499314"/>
-                    <a:pt x="4119159" y="2418594"/>
-                  </a:cubicBezTo>
-                  <a:cubicBezTo>
-                    <a:pt x="4291907" y="2338801"/>
-                    <a:pt x="4456317" y="2236657"/>
-                    <a:pt x="4618765" y="2124668"/>
-                  </a:cubicBezTo>
-                  <a:cubicBezTo>
-                    <a:pt x="4659346" y="2096759"/>
-                    <a:pt x="4699682" y="2067575"/>
-                    <a:pt x="4739895" y="2038275"/>
-                  </a:cubicBezTo>
-                  <a:cubicBezTo>
-                    <a:pt x="4780355" y="2008976"/>
-                    <a:pt x="4820691" y="1979212"/>
-                    <a:pt x="4861027" y="1948986"/>
-                  </a:cubicBezTo>
-                  <a:lnTo>
-                    <a:pt x="5106354" y="1763690"/>
-                  </a:lnTo>
-                  <a:lnTo>
-                    <a:pt x="5275533" y="1641017"/>
-                  </a:lnTo>
-                  <a:lnTo>
-                    <a:pt x="5275533" y="2257481"/>
-                  </a:lnTo>
-                  <a:lnTo>
-                    <a:pt x="5168881" y="2332084"/>
-                  </a:lnTo>
-                  <a:cubicBezTo>
-                    <a:pt x="5125235" y="2362079"/>
-                    <a:pt x="5081099" y="2391958"/>
-                    <a:pt x="5036225" y="2421489"/>
-                  </a:cubicBezTo>
-                  <a:cubicBezTo>
-                    <a:pt x="4991231" y="2450790"/>
-                    <a:pt x="4945867" y="2479857"/>
-                    <a:pt x="4899401" y="2508347"/>
-                  </a:cubicBezTo>
-                  <a:cubicBezTo>
-                    <a:pt x="4806959" y="2565440"/>
-                    <a:pt x="4711574" y="2620798"/>
-                    <a:pt x="4612145" y="2671407"/>
-                  </a:cubicBezTo>
-                  <a:cubicBezTo>
-                    <a:pt x="4512836" y="2722247"/>
-                    <a:pt x="4410095" y="2769496"/>
-                    <a:pt x="4303187" y="2810030"/>
-                  </a:cubicBezTo>
-                  <a:cubicBezTo>
-                    <a:pt x="4090349" y="2892256"/>
-                    <a:pt x="3861694" y="2947728"/>
-                    <a:pt x="3630835" y="2969500"/>
-                  </a:cubicBezTo>
-                  <a:cubicBezTo>
-                    <a:pt x="3573089" y="2974712"/>
-                    <a:pt x="3515343" y="2978649"/>
-                    <a:pt x="3457719" y="2979808"/>
-                  </a:cubicBezTo>
-                  <a:lnTo>
-                    <a:pt x="3414441" y="2980733"/>
-                  </a:lnTo>
-                  <a:cubicBezTo>
-                    <a:pt x="3400097" y="2980850"/>
-                    <a:pt x="3385630" y="2980502"/>
-                    <a:pt x="3371285" y="2980502"/>
-                  </a:cubicBezTo>
-                  <a:lnTo>
-                    <a:pt x="3328252" y="2980039"/>
-                  </a:lnTo>
-                  <a:lnTo>
-                    <a:pt x="3286445" y="2978534"/>
-                  </a:lnTo>
-                  <a:cubicBezTo>
-                    <a:pt x="3175121" y="2975174"/>
-                    <a:pt x="3063553" y="2966837"/>
-                    <a:pt x="2952475" y="2953402"/>
-                  </a:cubicBezTo>
-                  <a:cubicBezTo>
-                    <a:pt x="2841275" y="2940664"/>
-                    <a:pt x="2730319" y="2922365"/>
-                    <a:pt x="2620591" y="2898046"/>
-                  </a:cubicBezTo>
-                  <a:cubicBezTo>
-                    <a:pt x="2510984" y="2873494"/>
-                    <a:pt x="2402235" y="2844426"/>
-                    <a:pt x="2294591" y="2811305"/>
-                  </a:cubicBezTo>
-                  <a:cubicBezTo>
-                    <a:pt x="2079669" y="2744483"/>
-                    <a:pt x="1867198" y="2661331"/>
-                    <a:pt x="1670544" y="2550501"/>
-                  </a:cubicBezTo>
-                  <a:cubicBezTo>
-                    <a:pt x="1473767" y="2439903"/>
-                    <a:pt x="1298079" y="2299657"/>
-                    <a:pt x="1144703" y="2144472"/>
-                  </a:cubicBezTo>
-                  <a:cubicBezTo>
-                    <a:pt x="1067586" y="2066996"/>
-                    <a:pt x="997458" y="1984539"/>
-                    <a:pt x="931497" y="1900114"/>
-                  </a:cubicBezTo>
-                  <a:cubicBezTo>
-                    <a:pt x="865906" y="1815342"/>
-                    <a:pt x="803500" y="1729295"/>
-                    <a:pt x="745265" y="1641395"/>
-                  </a:cubicBezTo>
-                  <a:cubicBezTo>
-                    <a:pt x="730307" y="1619623"/>
-                    <a:pt x="716207" y="1597503"/>
-                    <a:pt x="701741" y="1575500"/>
-                  </a:cubicBezTo>
-                  <a:lnTo>
-                    <a:pt x="660178" y="1511573"/>
-                  </a:lnTo>
-                  <a:cubicBezTo>
-                    <a:pt x="633574" y="1470229"/>
-                    <a:pt x="605989" y="1429232"/>
-                    <a:pt x="578158" y="1387656"/>
-                  </a:cubicBezTo>
-                  <a:lnTo>
-                    <a:pt x="408230" y="1134497"/>
-                  </a:lnTo>
-                  <a:cubicBezTo>
-                    <a:pt x="351220" y="1048219"/>
-                    <a:pt x="294945" y="959392"/>
-                    <a:pt x="242349" y="866860"/>
-                  </a:cubicBezTo>
-                  <a:cubicBezTo>
-                    <a:pt x="216112" y="820536"/>
-                    <a:pt x="190734" y="773402"/>
-                    <a:pt x="167562" y="724994"/>
-                  </a:cubicBezTo>
-                  <a:cubicBezTo>
-                    <a:pt x="144513" y="676469"/>
-                    <a:pt x="123057" y="627019"/>
-                    <a:pt x="104054" y="576525"/>
-                  </a:cubicBezTo>
-                  <a:cubicBezTo>
-                    <a:pt x="85418" y="525917"/>
-                    <a:pt x="68867" y="474613"/>
-                    <a:pt x="55381" y="422499"/>
-                  </a:cubicBezTo>
-                  <a:cubicBezTo>
-                    <a:pt x="49006" y="396442"/>
-                    <a:pt x="42508" y="370269"/>
-                    <a:pt x="37236" y="343980"/>
-                  </a:cubicBezTo>
-                  <a:lnTo>
-                    <a:pt x="29267" y="304604"/>
-                  </a:lnTo>
-                  <a:lnTo>
-                    <a:pt x="22646" y="265113"/>
-                  </a:lnTo>
-                  <a:cubicBezTo>
-                    <a:pt x="14003" y="212420"/>
-                    <a:pt x="7872" y="159582"/>
-                    <a:pt x="3903" y="106787"/>
-                  </a:cubicBezTo>
-                  <a:close/>
-                </a:path>
-              </a:pathLst>
-            </a:custGeom>
-            <a:gradFill>
-              <a:gsLst>
-                <a:gs pos="2000">
-                  <a:schemeClr val="bg1">
-                    <a:alpha val="10000"/>
-                  </a:schemeClr>
-                </a:gs>
-                <a:gs pos="16000">
-                  <a:schemeClr val="accent6">
-                    <a:alpha val="10000"/>
-                  </a:schemeClr>
-                </a:gs>
-                <a:gs pos="100000">
-                  <a:schemeClr val="bg1">
-                    <a:alpha val="10000"/>
-                  </a:schemeClr>
-                </a:gs>
-                <a:gs pos="85000">
-                  <a:schemeClr val="accent1">
-                    <a:alpha val="10000"/>
-                  </a:schemeClr>
-                </a:gs>
-              </a:gsLst>
-              <a:lin ang="12000000" scaled="0"/>
-            </a:gradFill>
-            <a:ln>
-              <a:noFill/>
-            </a:ln>
-          </p:spPr>
-          <p:style>
-            <a:lnRef idx="2">
-              <a:schemeClr val="accent1">
-                <a:shade val="50000"/>
-              </a:schemeClr>
-            </a:lnRef>
-            <a:fillRef idx="1">
-              <a:schemeClr val="accent1"/>
-            </a:fillRef>
-            <a:effectRef idx="0">
-              <a:schemeClr val="accent1"/>
-            </a:effectRef>
-            <a:fontRef idx="minor">
-              <a:schemeClr val="lt1"/>
-            </a:fontRef>
-          </p:style>
-          <p:txBody>
-            <a:bodyPr rtlCol="0" anchor="ctr"/>
-            <a:lstStyle/>
-            <a:p>
-              <a:pPr algn="ctr"/>
-              <a:endParaRPr lang="en-US"/>
-            </a:p>
-          </p:txBody>
-        </p:sp>
-        <p:sp>
-          <p:nvSpPr>
-            <p:cNvPr id="21" name="Freeform: Shape 20">
-              <a:extLst>
-                <a:ext uri="{FF2B5EF4-FFF2-40B4-BE49-F238E27FC236}">
-                  <a16:creationId xmlns:a16="http://schemas.microsoft.com/office/drawing/2014/main" id="{6F35C856-5B70-4CA2-BB8F-A37197D8F94F}"/>
-                </a:ext>
-                <a:ext uri="{C183D7F6-B498-43B3-948B-1728B52AA6E4}">
-                  <adec:decorative xmlns:adec="http://schemas.microsoft.com/office/drawing/2017/decorative" val="1"/>
-                </a:ext>
-              </a:extLst>
-            </p:cNvPr>
-            <p:cNvSpPr/>
-            <p:nvPr>
-              <p:extLst>
-                <p:ext uri="{386F3935-93C4-4BCD-93E2-E3B085C9AB24}">
-                  <p16:designElem xmlns:p16="http://schemas.microsoft.com/office/powerpoint/2015/main" val="1"/>
-                </p:ext>
-              </p:extLst>
-            </p:nvPr>
-          </p:nvSpPr>
-          <p:spPr>
-            <a:xfrm>
-              <a:off x="6921214" y="-1"/>
-              <a:ext cx="5270786" cy="2927775"/>
-            </a:xfrm>
-            <a:custGeom>
-              <a:avLst/>
-              <a:gdLst>
-                <a:gd name="connsiteX0" fmla="*/ 0 w 5270786"/>
-                <a:gd name="connsiteY0" fmla="*/ 0 h 2927775"/>
-                <a:gd name="connsiteX1" fmla="*/ 613805 w 5270786"/>
-                <a:gd name="connsiteY1" fmla="*/ 0 h 2927775"/>
-                <a:gd name="connsiteX2" fmla="*/ 618487 w 5270786"/>
-                <a:gd name="connsiteY2" fmla="*/ 85404 h 2927775"/>
-                <a:gd name="connsiteX3" fmla="*/ 1054084 w 5270786"/>
-                <a:gd name="connsiteY3" fmla="*/ 895200 h 2927775"/>
-                <a:gd name="connsiteX4" fmla="*/ 1276976 w 5270786"/>
-                <a:gd name="connsiteY4" fmla="*/ 1191325 h 2927775"/>
-                <a:gd name="connsiteX5" fmla="*/ 3368450 w 5270786"/>
-                <a:gd name="connsiteY5" fmla="*/ 2348843 h 2927775"/>
-                <a:gd name="connsiteX6" fmla="*/ 4956151 w 5270786"/>
-                <a:gd name="connsiteY6" fmla="*/ 1636730 h 2927775"/>
-                <a:gd name="connsiteX7" fmla="*/ 5149372 w 5270786"/>
-                <a:gd name="connsiteY7" fmla="*/ 1495325 h 2927775"/>
-                <a:gd name="connsiteX8" fmla="*/ 5270786 w 5270786"/>
-                <a:gd name="connsiteY8" fmla="*/ 1406110 h 2927775"/>
-                <a:gd name="connsiteX9" fmla="*/ 5270786 w 5270786"/>
-                <a:gd name="connsiteY9" fmla="*/ 2138641 h 2927775"/>
-                <a:gd name="connsiteX10" fmla="*/ 5112925 w 5270786"/>
-                <a:gd name="connsiteY10" fmla="*/ 2253730 h 2927775"/>
-                <a:gd name="connsiteX11" fmla="*/ 3368327 w 5270786"/>
-                <a:gd name="connsiteY11" fmla="*/ 2927775 h 2927775"/>
-                <a:gd name="connsiteX12" fmla="*/ 769646 w 5270786"/>
-                <a:gd name="connsiteY12" fmla="*/ 1516288 h 2927775"/>
-                <a:gd name="connsiteX13" fmla="*/ 3149 w 5270786"/>
-                <a:gd name="connsiteY13" fmla="*/ 85252 h 2927775"/>
-              </a:gdLst>
-              <a:ahLst/>
-              <a:cxnLst>
-                <a:cxn ang="0">
-                  <a:pos x="connsiteX0" y="connsiteY0"/>
-                </a:cxn>
-                <a:cxn ang="0">
-                  <a:pos x="connsiteX1" y="connsiteY1"/>
-                </a:cxn>
-                <a:cxn ang="0">
-                  <a:pos x="connsiteX2" y="connsiteY2"/>
-                </a:cxn>
-                <a:cxn ang="0">
-                  <a:pos x="connsiteX3" y="connsiteY3"/>
-                </a:cxn>
-                <a:cxn ang="0">
-                  <a:pos x="connsiteX4" y="connsiteY4"/>
-                </a:cxn>
-                <a:cxn ang="0">
-                  <a:pos x="connsiteX5" y="connsiteY5"/>
-                </a:cxn>
-                <a:cxn ang="0">
-                  <a:pos x="connsiteX6" y="connsiteY6"/>
-                </a:cxn>
-                <a:cxn ang="0">
-                  <a:pos x="connsiteX7" y="connsiteY7"/>
-                </a:cxn>
-                <a:cxn ang="0">
-                  <a:pos x="connsiteX8" y="connsiteY8"/>
-                </a:cxn>
-                <a:cxn ang="0">
-                  <a:pos x="connsiteX9" y="connsiteY9"/>
-                </a:cxn>
-                <a:cxn ang="0">
-                  <a:pos x="connsiteX10" y="connsiteY10"/>
-                </a:cxn>
-                <a:cxn ang="0">
-                  <a:pos x="connsiteX11" y="connsiteY11"/>
-                </a:cxn>
-                <a:cxn ang="0">
-                  <a:pos x="connsiteX12" y="connsiteY12"/>
-                </a:cxn>
-                <a:cxn ang="0">
-                  <a:pos x="connsiteX13" y="connsiteY13"/>
-                </a:cxn>
-              </a:cxnLst>
-              <a:rect l="l" t="t" r="r" b="b"/>
-              <a:pathLst>
-                <a:path w="5270786" h="2927775">
-                  <a:moveTo>
-                    <a:pt x="0" y="0"/>
-                  </a:moveTo>
-                  <a:lnTo>
-                    <a:pt x="613805" y="0"/>
-                  </a:lnTo>
-                  <a:lnTo>
-                    <a:pt x="618487" y="85404"/>
-                  </a:lnTo>
-                  <a:cubicBezTo>
-                    <a:pt x="650052" y="360109"/>
-                    <a:pt x="792650" y="556543"/>
-                    <a:pt x="1054084" y="895200"/>
-                  </a:cubicBezTo>
-                  <a:cubicBezTo>
-                    <a:pt x="1126174" y="988542"/>
-                    <a:pt x="1200716" y="1085128"/>
-                    <a:pt x="1276976" y="1191325"/>
-                  </a:cubicBezTo>
-                  <a:cubicBezTo>
-                    <a:pt x="1859704" y="2002688"/>
-                    <a:pt x="2485223" y="2348843"/>
-                    <a:pt x="3368450" y="2348843"/>
-                  </a:cubicBezTo>
-                  <a:cubicBezTo>
-                    <a:pt x="3948114" y="2348843"/>
-                    <a:pt x="4373422" y="2066846"/>
-                    <a:pt x="4956151" y="1636730"/>
-                  </a:cubicBezTo>
-                  <a:cubicBezTo>
-                    <a:pt x="5021253" y="1588668"/>
-                    <a:pt x="5086356" y="1541186"/>
-                    <a:pt x="5149372" y="1495325"/>
-                  </a:cubicBezTo>
-                  <a:lnTo>
-                    <a:pt x="5270786" y="1406110"/>
-                  </a:lnTo>
-                  <a:lnTo>
-                    <a:pt x="5270786" y="2138641"/>
-                  </a:lnTo>
-                  <a:lnTo>
-                    <a:pt x="5112925" y="2253730"/>
-                  </a:lnTo>
-                  <a:cubicBezTo>
-                    <a:pt x="4598179" y="2621786"/>
-                    <a:pt x="4074961" y="2927775"/>
-                    <a:pt x="3368327" y="2927775"/>
-                  </a:cubicBezTo>
-                  <a:cubicBezTo>
-                    <a:pt x="2170746" y="2927775"/>
-                    <a:pt x="1393203" y="2384512"/>
-                    <a:pt x="769646" y="1516288"/>
-                  </a:cubicBezTo>
-                  <a:cubicBezTo>
-                    <a:pt x="418850" y="1027932"/>
-                    <a:pt x="48120" y="683401"/>
-                    <a:pt x="3149" y="85252"/>
-                  </a:cubicBezTo>
-                  <a:close/>
-                </a:path>
-              </a:pathLst>
-            </a:custGeom>
-            <a:gradFill>
-              <a:gsLst>
-                <a:gs pos="2000">
-                  <a:schemeClr val="bg1">
-                    <a:alpha val="10000"/>
-                  </a:schemeClr>
-                </a:gs>
-                <a:gs pos="16000">
-                  <a:schemeClr val="accent6">
-                    <a:alpha val="10000"/>
-                  </a:schemeClr>
-                </a:gs>
-                <a:gs pos="100000">
-                  <a:schemeClr val="bg1">
-                    <a:alpha val="10000"/>
-                  </a:schemeClr>
-                </a:gs>
-                <a:gs pos="85000">
-                  <a:schemeClr val="accent1">
-                    <a:alpha val="10000"/>
-                  </a:schemeClr>
-                </a:gs>
-              </a:gsLst>
-              <a:lin ang="12000000" scaled="0"/>
-            </a:gradFill>
-            <a:ln>
-              <a:noFill/>
-            </a:ln>
-          </p:spPr>
-          <p:style>
-            <a:lnRef idx="2">
-              <a:schemeClr val="accent1">
-                <a:shade val="50000"/>
-              </a:schemeClr>
-            </a:lnRef>
-            <a:fillRef idx="1">
-              <a:schemeClr val="accent1"/>
-            </a:fillRef>
-            <a:effectRef idx="0">
-              <a:schemeClr val="accent1"/>
-            </a:effectRef>
-            <a:fontRef idx="minor">
-              <a:schemeClr val="lt1"/>
-            </a:fontRef>
-          </p:style>
-          <p:txBody>
-            <a:bodyPr rtlCol="0" anchor="ctr"/>
-            <a:lstStyle/>
-            <a:p>
-              <a:pPr algn="ctr"/>
-              <a:endParaRPr lang="en-US"/>
-            </a:p>
-          </p:txBody>
-        </p:sp>
-        <p:sp>
-          <p:nvSpPr>
-            <p:cNvPr id="22" name="Freeform: Shape 21">
-              <a:extLst>
-                <a:ext uri="{FF2B5EF4-FFF2-40B4-BE49-F238E27FC236}">
-                  <a16:creationId xmlns:a16="http://schemas.microsoft.com/office/drawing/2014/main" id="{550FD8B0-DE97-47B1-84ED-67A3BD00FE2F}"/>
-                </a:ext>
-                <a:ext uri="{C183D7F6-B498-43B3-948B-1728B52AA6E4}">
-                  <adec:decorative xmlns:adec="http://schemas.microsoft.com/office/drawing/2017/decorative" val="1"/>
-                </a:ext>
-              </a:extLst>
-            </p:cNvPr>
-            <p:cNvSpPr/>
-            <p:nvPr>
-              <p:extLst>
-                <p:ext uri="{386F3935-93C4-4BCD-93E2-E3B085C9AB24}">
-                  <p16:designElem xmlns:p16="http://schemas.microsoft.com/office/powerpoint/2015/main" val="1"/>
-                </p:ext>
-              </p:extLst>
-            </p:nvPr>
-          </p:nvSpPr>
-          <p:spPr>
-            <a:xfrm>
-              <a:off x="6921214" y="-1"/>
-              <a:ext cx="5270786" cy="2927775"/>
-            </a:xfrm>
-            <a:custGeom>
-              <a:avLst/>
-              <a:gdLst>
-                <a:gd name="connsiteX0" fmla="*/ 0 w 5270786"/>
-                <a:gd name="connsiteY0" fmla="*/ 0 h 2927775"/>
-                <a:gd name="connsiteX1" fmla="*/ 736294 w 5270786"/>
-                <a:gd name="connsiteY1" fmla="*/ 0 h 2927775"/>
-                <a:gd name="connsiteX2" fmla="*/ 740298 w 5270786"/>
-                <a:gd name="connsiteY2" fmla="*/ 72745 h 2927775"/>
-                <a:gd name="connsiteX3" fmla="*/ 1153024 w 5270786"/>
-                <a:gd name="connsiteY3" fmla="*/ 826989 h 2927775"/>
-                <a:gd name="connsiteX4" fmla="*/ 1378368 w 5270786"/>
-                <a:gd name="connsiteY4" fmla="*/ 1126356 h 2927775"/>
-                <a:gd name="connsiteX5" fmla="*/ 2238056 w 5270786"/>
-                <a:gd name="connsiteY5" fmla="*/ 1955322 h 2927775"/>
-                <a:gd name="connsiteX6" fmla="*/ 3368327 w 5270786"/>
-                <a:gd name="connsiteY6" fmla="*/ 2233033 h 2927775"/>
-                <a:gd name="connsiteX7" fmla="*/ 4095360 w 5270786"/>
-                <a:gd name="connsiteY7" fmla="*/ 2056192 h 2927775"/>
-                <a:gd name="connsiteX8" fmla="*/ 4880506 w 5270786"/>
-                <a:gd name="connsiteY8" fmla="*/ 1545587 h 2927775"/>
-                <a:gd name="connsiteX9" fmla="*/ 5074340 w 5270786"/>
-                <a:gd name="connsiteY9" fmla="*/ 1403721 h 2927775"/>
-                <a:gd name="connsiteX10" fmla="*/ 5270786 w 5270786"/>
-                <a:gd name="connsiteY10" fmla="*/ 1259367 h 2927775"/>
-                <a:gd name="connsiteX11" fmla="*/ 5270786 w 5270786"/>
-                <a:gd name="connsiteY11" fmla="*/ 2138641 h 2927775"/>
-                <a:gd name="connsiteX12" fmla="*/ 5112925 w 5270786"/>
-                <a:gd name="connsiteY12" fmla="*/ 2253730 h 2927775"/>
-                <a:gd name="connsiteX13" fmla="*/ 3368327 w 5270786"/>
-                <a:gd name="connsiteY13" fmla="*/ 2927775 h 2927775"/>
-                <a:gd name="connsiteX14" fmla="*/ 769646 w 5270786"/>
-                <a:gd name="connsiteY14" fmla="*/ 1516288 h 2927775"/>
-                <a:gd name="connsiteX15" fmla="*/ 3149 w 5270786"/>
-                <a:gd name="connsiteY15" fmla="*/ 85252 h 2927775"/>
-              </a:gdLst>
-              <a:ahLst/>
-              <a:cxnLst>
-                <a:cxn ang="0">
-                  <a:pos x="connsiteX0" y="connsiteY0"/>
-                </a:cxn>
-                <a:cxn ang="0">
-                  <a:pos x="connsiteX1" y="connsiteY1"/>
-                </a:cxn>
-                <a:cxn ang="0">
-                  <a:pos x="connsiteX2" y="connsiteY2"/>
-                </a:cxn>
-                <a:cxn ang="0">
-                  <a:pos x="connsiteX3" y="connsiteY3"/>
-                </a:cxn>
-                <a:cxn ang="0">
-                  <a:pos x="connsiteX4" y="connsiteY4"/>
-                </a:cxn>
-                <a:cxn ang="0">
-                  <a:pos x="connsiteX5" y="connsiteY5"/>
-                </a:cxn>
-                <a:cxn ang="0">
-                  <a:pos x="connsiteX6" y="connsiteY6"/>
-                </a:cxn>
-                <a:cxn ang="0">
-                  <a:pos x="connsiteX7" y="connsiteY7"/>
-                </a:cxn>
-                <a:cxn ang="0">
-                  <a:pos x="connsiteX8" y="connsiteY8"/>
-                </a:cxn>
-                <a:cxn ang="0">
-                  <a:pos x="connsiteX9" y="connsiteY9"/>
-                </a:cxn>
-                <a:cxn ang="0">
-                  <a:pos x="connsiteX10" y="connsiteY10"/>
-                </a:cxn>
-                <a:cxn ang="0">
-                  <a:pos x="connsiteX11" y="connsiteY11"/>
-                </a:cxn>
-                <a:cxn ang="0">
-                  <a:pos x="connsiteX12" y="connsiteY12"/>
-                </a:cxn>
-                <a:cxn ang="0">
-                  <a:pos x="connsiteX13" y="connsiteY13"/>
-                </a:cxn>
-                <a:cxn ang="0">
-                  <a:pos x="connsiteX14" y="connsiteY14"/>
-                </a:cxn>
-                <a:cxn ang="0">
-                  <a:pos x="connsiteX15" y="connsiteY15"/>
-                </a:cxn>
-              </a:cxnLst>
-              <a:rect l="l" t="t" r="r" b="b"/>
-              <a:pathLst>
-                <a:path w="5270786" h="2927775">
-                  <a:moveTo>
-                    <a:pt x="0" y="0"/>
-                  </a:moveTo>
-                  <a:lnTo>
-                    <a:pt x="736294" y="0"/>
-                  </a:lnTo>
-                  <a:lnTo>
-                    <a:pt x="740298" y="72745"/>
-                  </a:lnTo>
-                  <a:cubicBezTo>
-                    <a:pt x="768839" y="319371"/>
-                    <a:pt x="898885" y="497858"/>
-                    <a:pt x="1153024" y="826989"/>
-                  </a:cubicBezTo>
-                  <a:cubicBezTo>
-                    <a:pt x="1225727" y="921142"/>
-                    <a:pt x="1300882" y="1018537"/>
-                    <a:pt x="1378368" y="1126356"/>
-                  </a:cubicBezTo>
-                  <a:cubicBezTo>
-                    <a:pt x="1652384" y="1507833"/>
-                    <a:pt x="1933512" y="1779060"/>
-                    <a:pt x="2238056" y="1955322"/>
-                  </a:cubicBezTo>
-                  <a:cubicBezTo>
-                    <a:pt x="2560868" y="2142238"/>
-                    <a:pt x="2930637" y="2233033"/>
-                    <a:pt x="3368327" y="2233033"/>
-                  </a:cubicBezTo>
-                  <a:cubicBezTo>
-                    <a:pt x="3616720" y="2233033"/>
-                    <a:pt x="3847703" y="2176866"/>
-                    <a:pt x="4095360" y="2056192"/>
-                  </a:cubicBezTo>
-                  <a:cubicBezTo>
-                    <a:pt x="4349636" y="1932276"/>
-                    <a:pt x="4601340" y="1751613"/>
-                    <a:pt x="4880506" y="1545587"/>
-                  </a:cubicBezTo>
-                  <a:cubicBezTo>
-                    <a:pt x="4945974" y="1497295"/>
-                    <a:pt x="5011199" y="1449697"/>
-                    <a:pt x="5074340" y="1403721"/>
-                  </a:cubicBezTo>
-                  <a:lnTo>
-                    <a:pt x="5270786" y="1259367"/>
-                  </a:lnTo>
-                  <a:lnTo>
-                    <a:pt x="5270786" y="2138641"/>
-                  </a:lnTo>
-                  <a:lnTo>
-                    <a:pt x="5112925" y="2253730"/>
-                  </a:lnTo>
-                  <a:cubicBezTo>
-                    <a:pt x="4598179" y="2621786"/>
-                    <a:pt x="4074961" y="2927775"/>
-                    <a:pt x="3368327" y="2927775"/>
-                  </a:cubicBezTo>
-                  <a:cubicBezTo>
-                    <a:pt x="2170746" y="2927775"/>
-                    <a:pt x="1393203" y="2384512"/>
-                    <a:pt x="769646" y="1516288"/>
-                  </a:cubicBezTo>
-                  <a:cubicBezTo>
-                    <a:pt x="418850" y="1027932"/>
-                    <a:pt x="48120" y="683401"/>
-                    <a:pt x="3149" y="85252"/>
-                  </a:cubicBezTo>
-                  <a:close/>
-                </a:path>
-              </a:pathLst>
-            </a:custGeom>
-            <a:gradFill>
-              <a:gsLst>
-                <a:gs pos="2000">
-                  <a:schemeClr val="bg1">
-                    <a:alpha val="10000"/>
-                  </a:schemeClr>
-                </a:gs>
-                <a:gs pos="16000">
-                  <a:schemeClr val="accent6">
-                    <a:alpha val="10000"/>
-                  </a:schemeClr>
-                </a:gs>
-                <a:gs pos="100000">
-                  <a:schemeClr val="bg1">
-                    <a:alpha val="10000"/>
-                  </a:schemeClr>
-                </a:gs>
-                <a:gs pos="85000">
-                  <a:schemeClr val="accent1">
-                    <a:alpha val="10000"/>
-                  </a:schemeClr>
-                </a:gs>
-              </a:gsLst>
-              <a:lin ang="12000000" scaled="0"/>
-            </a:gradFill>
-            <a:ln>
-              <a:noFill/>
-            </a:ln>
-          </p:spPr>
-          <p:style>
-            <a:lnRef idx="2">
-              <a:schemeClr val="accent1">
-                <a:shade val="50000"/>
-              </a:schemeClr>
-            </a:lnRef>
-            <a:fillRef idx="1">
-              <a:schemeClr val="accent1"/>
-            </a:fillRef>
-            <a:effectRef idx="0">
-              <a:schemeClr val="accent1"/>
-            </a:effectRef>
-            <a:fontRef idx="minor">
-              <a:schemeClr val="lt1"/>
-            </a:fontRef>
-          </p:style>
-          <p:txBody>
-            <a:bodyPr rtlCol="0" anchor="ctr"/>
-            <a:lstStyle/>
-            <a:p>
-              <a:pPr algn="ctr"/>
-              <a:endParaRPr lang="en-US"/>
-            </a:p>
-          </p:txBody>
-        </p:sp>
-      </p:grpSp>
-      <p:pic>
-        <p:nvPicPr>
-          <p:cNvPr id="4" name="Picture 3">
-            <a:extLst>
-              <a:ext uri="{FF2B5EF4-FFF2-40B4-BE49-F238E27FC236}">
-                <a16:creationId xmlns:a16="http://schemas.microsoft.com/office/drawing/2014/main" id="{572C17BC-BC82-E940-A7E6-5D98024699EC}"/>
-              </a:ext>
-            </a:extLst>
-          </p:cNvPr>
-          <p:cNvPicPr>
-            <a:picLocks noChangeAspect="1"/>
-          </p:cNvPicPr>
-          <p:nvPr/>
-        </p:nvPicPr>
-        <p:blipFill>
-          <a:blip r:embed="rId2"/>
-          <a:stretch>
-            <a:fillRect/>
-          </a:stretch>
-        </p:blipFill>
-        <p:spPr>
-          <a:xfrm>
-            <a:off x="6095847" y="1220281"/>
-            <a:ext cx="5046419" cy="3821386"/>
+            <a:off x="3366051" y="2245829"/>
+            <a:ext cx="1232452" cy="599662"/>
           </a:xfrm>
           <a:prstGeom prst="rect">
             <a:avLst/>
           </a:prstGeom>
         </p:spPr>
-      </p:pic>
-      <p:graphicFrame>
-        <p:nvGraphicFramePr>
-          <p:cNvPr id="5" name="Table 4">
-            <a:extLst>
-              <a:ext uri="{FF2B5EF4-FFF2-40B4-BE49-F238E27FC236}">
-                <a16:creationId xmlns:a16="http://schemas.microsoft.com/office/drawing/2014/main" id="{D5FCF9BC-4B7D-594F-8C1B-C0D0AC2ACED8}"/>
-              </a:ext>
-            </a:extLst>
-          </p:cNvPr>
-          <p:cNvGraphicFramePr>
-            <a:graphicFrameLocks noGrp="1"/>
-          </p:cNvGraphicFramePr>
-          <p:nvPr>
-            <p:extLst>
-              <p:ext uri="{D42A27DB-BD31-4B8C-83A1-F6EECF244321}">
-                <p14:modId xmlns:p14="http://schemas.microsoft.com/office/powerpoint/2010/main" val="3472373250"/>
-              </p:ext>
-            </p:extLst>
-          </p:nvPr>
-        </p:nvGraphicFramePr>
-        <p:xfrm>
-          <a:off x="3331354" y="5129070"/>
-          <a:ext cx="4831511" cy="1325563"/>
-        </p:xfrm>
-        <a:graphic>
-          <a:graphicData uri="http://schemas.openxmlformats.org/drawingml/2006/table">
-            <a:tbl>
-              <a:tblPr firstRow="1" firstCol="1" bandRow="1">
-                <a:tableStyleId>{0505E3EF-67EA-436B-97B2-0124C06EBD24}</a:tableStyleId>
-              </a:tblPr>
-              <a:tblGrid>
-                <a:gridCol w="1397528">
-                  <a:extLst>
-                    <a:ext uri="{9D8B030D-6E8A-4147-A177-3AD203B41FA5}">
-                      <a16:colId xmlns:a16="http://schemas.microsoft.com/office/drawing/2014/main" val="2081186769"/>
-                    </a:ext>
-                  </a:extLst>
-                </a:gridCol>
-                <a:gridCol w="962501">
-                  <a:extLst>
-                    <a:ext uri="{9D8B030D-6E8A-4147-A177-3AD203B41FA5}">
-                      <a16:colId xmlns:a16="http://schemas.microsoft.com/office/drawing/2014/main" val="825656724"/>
-                    </a:ext>
-                  </a:extLst>
-                </a:gridCol>
-                <a:gridCol w="861320">
-                  <a:extLst>
-                    <a:ext uri="{9D8B030D-6E8A-4147-A177-3AD203B41FA5}">
-                      <a16:colId xmlns:a16="http://schemas.microsoft.com/office/drawing/2014/main" val="2229700737"/>
-                    </a:ext>
-                  </a:extLst>
-                </a:gridCol>
-                <a:gridCol w="729324">
-                  <a:extLst>
-                    <a:ext uri="{9D8B030D-6E8A-4147-A177-3AD203B41FA5}">
-                      <a16:colId xmlns:a16="http://schemas.microsoft.com/office/drawing/2014/main" val="3367673610"/>
-                    </a:ext>
-                  </a:extLst>
-                </a:gridCol>
-                <a:gridCol w="880838">
-                  <a:extLst>
-                    <a:ext uri="{9D8B030D-6E8A-4147-A177-3AD203B41FA5}">
-                      <a16:colId xmlns:a16="http://schemas.microsoft.com/office/drawing/2014/main" val="2381621960"/>
-                    </a:ext>
-                  </a:extLst>
-                </a:gridCol>
-              </a:tblGrid>
-              <a:tr h="262229">
-                <a:tc>
-                  <a:txBody>
-                    <a:bodyPr/>
-                    <a:lstStyle/>
-                    <a:p>
-                      <a:pPr algn="ctr"/>
-                      <a:r>
-                        <a:rPr lang="en-US" sz="1400" dirty="0" err="1">
-                          <a:solidFill>
-                            <a:schemeClr val="tx1"/>
-                          </a:solidFill>
-                          <a:effectLst/>
-                          <a:latin typeface="Times" pitchFamily="2" charset="0"/>
-                        </a:rPr>
-                        <a:t>Leainer</a:t>
-                      </a:r>
-                      <a:r>
-                        <a:rPr lang="en-US" sz="1400" dirty="0">
-                          <a:solidFill>
-                            <a:schemeClr val="tx1"/>
-                          </a:solidFill>
-                          <a:effectLst/>
-                          <a:latin typeface="Times" pitchFamily="2" charset="0"/>
-                        </a:rPr>
-                        <a:t> reg</a:t>
-                      </a:r>
-                      <a:endParaRPr lang="en-SA" sz="1400" dirty="0">
-                        <a:solidFill>
-                          <a:schemeClr val="tx1"/>
-                        </a:solidFill>
-                        <a:effectLst/>
-                        <a:latin typeface="Times" pitchFamily="2" charset="0"/>
-                        <a:ea typeface="Calibri" panose="020F0502020204030204" pitchFamily="34" charset="0"/>
-                        <a:cs typeface="Arial" panose="020B0604020202020204" pitchFamily="34" charset="0"/>
-                      </a:endParaRPr>
-                    </a:p>
-                  </a:txBody>
-                  <a:tcPr marL="68580" marR="68580" marT="0" marB="0"/>
-                </a:tc>
-                <a:tc>
-                  <a:txBody>
-                    <a:bodyPr/>
-                    <a:lstStyle/>
-                    <a:p>
-                      <a:pPr algn="ctr"/>
-                      <a:r>
-                        <a:rPr lang="en-US" sz="1400">
-                          <a:solidFill>
-                            <a:schemeClr val="tx1"/>
-                          </a:solidFill>
-                          <a:effectLst/>
-                          <a:latin typeface="Times" pitchFamily="2" charset="0"/>
-                        </a:rPr>
-                        <a:t>R^2</a:t>
-                      </a:r>
-                      <a:endParaRPr lang="en-SA" sz="1400">
-                        <a:solidFill>
-                          <a:schemeClr val="tx1"/>
-                        </a:solidFill>
-                        <a:effectLst/>
-                        <a:latin typeface="Times" pitchFamily="2" charset="0"/>
-                        <a:ea typeface="Calibri" panose="020F0502020204030204" pitchFamily="34" charset="0"/>
-                        <a:cs typeface="Arial" panose="020B0604020202020204" pitchFamily="34" charset="0"/>
-                      </a:endParaRPr>
-                    </a:p>
-                  </a:txBody>
-                  <a:tcPr marL="68580" marR="68580" marT="0" marB="0"/>
-                </a:tc>
-                <a:tc>
-                  <a:txBody>
-                    <a:bodyPr/>
-                    <a:lstStyle/>
-                    <a:p>
-                      <a:pPr algn="ctr"/>
-                      <a:r>
-                        <a:rPr lang="en-US" sz="1400">
-                          <a:solidFill>
-                            <a:schemeClr val="tx1"/>
-                          </a:solidFill>
-                          <a:effectLst/>
-                          <a:latin typeface="Times" pitchFamily="2" charset="0"/>
-                        </a:rPr>
-                        <a:t>MAE</a:t>
-                      </a:r>
-                      <a:endParaRPr lang="en-SA" sz="1400">
-                        <a:solidFill>
-                          <a:schemeClr val="tx1"/>
-                        </a:solidFill>
-                        <a:effectLst/>
-                        <a:latin typeface="Times" pitchFamily="2" charset="0"/>
-                        <a:ea typeface="Calibri" panose="020F0502020204030204" pitchFamily="34" charset="0"/>
-                        <a:cs typeface="Arial" panose="020B0604020202020204" pitchFamily="34" charset="0"/>
-                      </a:endParaRPr>
-                    </a:p>
-                  </a:txBody>
-                  <a:tcPr marL="68580" marR="68580" marT="0" marB="0"/>
-                </a:tc>
-                <a:tc>
-                  <a:txBody>
-                    <a:bodyPr/>
-                    <a:lstStyle/>
-                    <a:p>
-                      <a:pPr algn="ctr"/>
-                      <a:r>
-                        <a:rPr lang="en-US" sz="1400" dirty="0">
-                          <a:solidFill>
-                            <a:schemeClr val="tx1"/>
-                          </a:solidFill>
-                          <a:effectLst/>
-                          <a:latin typeface="Times" pitchFamily="2" charset="0"/>
-                        </a:rPr>
-                        <a:t>MSE</a:t>
-                      </a:r>
-                      <a:endParaRPr lang="en-SA" sz="1400" dirty="0">
-                        <a:solidFill>
-                          <a:schemeClr val="tx1"/>
-                        </a:solidFill>
-                        <a:effectLst/>
-                        <a:latin typeface="Times" pitchFamily="2" charset="0"/>
-                        <a:ea typeface="Calibri" panose="020F0502020204030204" pitchFamily="34" charset="0"/>
-                        <a:cs typeface="Arial" panose="020B0604020202020204" pitchFamily="34" charset="0"/>
-                      </a:endParaRPr>
-                    </a:p>
-                  </a:txBody>
-                  <a:tcPr marL="68580" marR="68580" marT="0" marB="0"/>
-                </a:tc>
-                <a:tc>
-                  <a:txBody>
-                    <a:bodyPr/>
-                    <a:lstStyle/>
-                    <a:p>
-                      <a:pPr algn="ctr"/>
-                      <a:r>
-                        <a:rPr lang="en-US" sz="1400">
-                          <a:solidFill>
-                            <a:schemeClr val="tx1"/>
-                          </a:solidFill>
-                          <a:effectLst/>
-                          <a:latin typeface="Times" pitchFamily="2" charset="0"/>
-                        </a:rPr>
-                        <a:t>RMSR</a:t>
-                      </a:r>
-                      <a:endParaRPr lang="en-SA" sz="1400">
-                        <a:solidFill>
-                          <a:schemeClr val="tx1"/>
-                        </a:solidFill>
-                        <a:effectLst/>
-                        <a:latin typeface="Times" pitchFamily="2" charset="0"/>
-                        <a:ea typeface="Calibri" panose="020F0502020204030204" pitchFamily="34" charset="0"/>
-                        <a:cs typeface="Arial" panose="020B0604020202020204" pitchFamily="34" charset="0"/>
-                      </a:endParaRPr>
-                    </a:p>
-                  </a:txBody>
-                  <a:tcPr marL="68580" marR="68580" marT="0" marB="0"/>
-                </a:tc>
-                <a:extLst>
-                  <a:ext uri="{0D108BD9-81ED-4DB2-BD59-A6C34878D82A}">
-                    <a16:rowId xmlns:a16="http://schemas.microsoft.com/office/drawing/2014/main" val="3988630679"/>
-                  </a:ext>
-                </a:extLst>
-              </a:tr>
-              <a:tr h="592806">
-                <a:tc>
-                  <a:txBody>
-                    <a:bodyPr/>
-                    <a:lstStyle/>
-                    <a:p>
-                      <a:pPr algn="ctr"/>
-                      <a:r>
-                        <a:rPr lang="en-US" sz="1400" dirty="0">
-                          <a:solidFill>
-                            <a:schemeClr val="tx1"/>
-                          </a:solidFill>
-                          <a:effectLst/>
-                          <a:latin typeface="Times" pitchFamily="2" charset="0"/>
-                        </a:rPr>
-                        <a:t>Training</a:t>
-                      </a:r>
-                      <a:endParaRPr lang="en-SA" sz="1400" dirty="0">
-                        <a:solidFill>
-                          <a:schemeClr val="tx1"/>
-                        </a:solidFill>
-                        <a:effectLst/>
-                        <a:latin typeface="Times" pitchFamily="2" charset="0"/>
-                        <a:ea typeface="Calibri" panose="020F0502020204030204" pitchFamily="34" charset="0"/>
-                        <a:cs typeface="Arial" panose="020B0604020202020204" pitchFamily="34" charset="0"/>
-                      </a:endParaRPr>
-                    </a:p>
-                  </a:txBody>
-                  <a:tcPr marL="68580" marR="68580" marT="0" marB="0"/>
-                </a:tc>
-                <a:tc>
-                  <a:txBody>
-                    <a:bodyPr/>
-                    <a:lstStyle/>
-                    <a:p>
-                      <a:pPr algn="ctr"/>
-                      <a:r>
-                        <a:rPr lang="en-SA" sz="1400" dirty="0">
-                          <a:solidFill>
-                            <a:schemeClr val="tx1"/>
-                          </a:solidFill>
-                          <a:effectLst/>
-                          <a:latin typeface="Times" pitchFamily="2" charset="0"/>
-                        </a:rPr>
-                        <a:t>0.4425</a:t>
-                      </a:r>
-                    </a:p>
-                    <a:p>
-                      <a:pPr algn="ctr"/>
-                      <a:r>
-                        <a:rPr lang="en-US" sz="1400" dirty="0">
-                          <a:solidFill>
-                            <a:schemeClr val="tx1"/>
-                          </a:solidFill>
-                          <a:effectLst/>
-                          <a:latin typeface="Times" pitchFamily="2" charset="0"/>
-                        </a:rPr>
-                        <a:t> </a:t>
-                      </a:r>
-                      <a:endParaRPr lang="en-SA" sz="1400" dirty="0">
-                        <a:solidFill>
-                          <a:schemeClr val="tx1"/>
-                        </a:solidFill>
-                        <a:effectLst/>
-                        <a:latin typeface="Times" pitchFamily="2" charset="0"/>
-                        <a:ea typeface="Calibri" panose="020F0502020204030204" pitchFamily="34" charset="0"/>
-                        <a:cs typeface="Arial" panose="020B0604020202020204" pitchFamily="34" charset="0"/>
-                      </a:endParaRPr>
-                    </a:p>
-                  </a:txBody>
-                  <a:tcPr marL="68580" marR="68580" marT="0" marB="0"/>
-                </a:tc>
-                <a:tc>
-                  <a:txBody>
-                    <a:bodyPr/>
-                    <a:lstStyle/>
-                    <a:p>
-                      <a:pPr algn="ctr"/>
-                      <a:r>
-                        <a:rPr lang="en-SA" sz="1400">
-                          <a:solidFill>
-                            <a:schemeClr val="tx1"/>
-                          </a:solidFill>
-                          <a:effectLst/>
-                          <a:latin typeface="Times" pitchFamily="2" charset="0"/>
-                        </a:rPr>
-                        <a:t>0.1492</a:t>
-                      </a:r>
-                    </a:p>
-                    <a:p>
-                      <a:pPr algn="ctr"/>
-                      <a:r>
-                        <a:rPr lang="en-US" sz="1400">
-                          <a:solidFill>
-                            <a:schemeClr val="tx1"/>
-                          </a:solidFill>
-                          <a:effectLst/>
-                          <a:latin typeface="Times" pitchFamily="2" charset="0"/>
-                        </a:rPr>
-                        <a:t> </a:t>
-                      </a:r>
-                      <a:endParaRPr lang="en-SA" sz="1400">
-                        <a:solidFill>
-                          <a:schemeClr val="tx1"/>
-                        </a:solidFill>
-                        <a:effectLst/>
-                        <a:latin typeface="Times" pitchFamily="2" charset="0"/>
-                        <a:ea typeface="Calibri" panose="020F0502020204030204" pitchFamily="34" charset="0"/>
-                        <a:cs typeface="Arial" panose="020B0604020202020204" pitchFamily="34" charset="0"/>
-                      </a:endParaRPr>
-                    </a:p>
-                  </a:txBody>
-                  <a:tcPr marL="68580" marR="68580" marT="0" marB="0"/>
-                </a:tc>
-                <a:tc>
-                  <a:txBody>
-                    <a:bodyPr/>
-                    <a:lstStyle/>
-                    <a:p>
-                      <a:pPr algn="ctr"/>
-                      <a:r>
-                        <a:rPr lang="en-SA" sz="1400" dirty="0">
-                          <a:solidFill>
-                            <a:schemeClr val="tx1"/>
-                          </a:solidFill>
-                          <a:effectLst/>
-                          <a:latin typeface="Times" pitchFamily="2" charset="0"/>
-                        </a:rPr>
-                        <a:t>0.0393</a:t>
-                      </a:r>
-                    </a:p>
-                    <a:p>
-                      <a:pPr algn="ctr"/>
-                      <a:r>
-                        <a:rPr lang="en-US" sz="1400" dirty="0">
-                          <a:solidFill>
-                            <a:schemeClr val="tx1"/>
-                          </a:solidFill>
-                          <a:effectLst/>
-                          <a:latin typeface="Times" pitchFamily="2" charset="0"/>
-                        </a:rPr>
-                        <a:t> </a:t>
-                      </a:r>
-                      <a:endParaRPr lang="en-SA" sz="1400" dirty="0">
-                        <a:solidFill>
-                          <a:schemeClr val="tx1"/>
-                        </a:solidFill>
-                        <a:effectLst/>
-                        <a:latin typeface="Times" pitchFamily="2" charset="0"/>
-                        <a:ea typeface="Calibri" panose="020F0502020204030204" pitchFamily="34" charset="0"/>
-                        <a:cs typeface="Arial" panose="020B0604020202020204" pitchFamily="34" charset="0"/>
-                      </a:endParaRPr>
-                    </a:p>
-                  </a:txBody>
-                  <a:tcPr marL="68580" marR="68580" marT="0" marB="0"/>
-                </a:tc>
-                <a:tc>
-                  <a:txBody>
-                    <a:bodyPr/>
-                    <a:lstStyle/>
-                    <a:p>
-                      <a:pPr algn="ctr"/>
-                      <a:r>
-                        <a:rPr lang="en-SA" sz="1400">
-                          <a:solidFill>
-                            <a:schemeClr val="tx1"/>
-                          </a:solidFill>
-                          <a:effectLst/>
-                          <a:latin typeface="Times" pitchFamily="2" charset="0"/>
-                        </a:rPr>
-                        <a:t>0.1983</a:t>
-                      </a:r>
-                    </a:p>
-                    <a:p>
-                      <a:pPr algn="ctr"/>
-                      <a:r>
-                        <a:rPr lang="en-US" sz="1400">
-                          <a:solidFill>
-                            <a:schemeClr val="tx1"/>
-                          </a:solidFill>
-                          <a:effectLst/>
-                          <a:latin typeface="Times" pitchFamily="2" charset="0"/>
-                        </a:rPr>
-                        <a:t> </a:t>
-                      </a:r>
-                      <a:endParaRPr lang="en-SA" sz="1400">
-                        <a:solidFill>
-                          <a:schemeClr val="tx1"/>
-                        </a:solidFill>
-                        <a:effectLst/>
-                        <a:latin typeface="Times" pitchFamily="2" charset="0"/>
-                        <a:ea typeface="Calibri" panose="020F0502020204030204" pitchFamily="34" charset="0"/>
-                        <a:cs typeface="Arial" panose="020B0604020202020204" pitchFamily="34" charset="0"/>
-                      </a:endParaRPr>
-                    </a:p>
-                  </a:txBody>
-                  <a:tcPr marL="68580" marR="68580" marT="0" marB="0"/>
-                </a:tc>
-                <a:extLst>
-                  <a:ext uri="{0D108BD9-81ED-4DB2-BD59-A6C34878D82A}">
-                    <a16:rowId xmlns:a16="http://schemas.microsoft.com/office/drawing/2014/main" val="910196574"/>
-                  </a:ext>
-                </a:extLst>
-              </a:tr>
-              <a:tr h="470528">
-                <a:tc>
-                  <a:txBody>
-                    <a:bodyPr/>
-                    <a:lstStyle/>
-                    <a:p>
-                      <a:pPr algn="ctr"/>
-                      <a:r>
-                        <a:rPr lang="en-US" sz="1400">
-                          <a:solidFill>
-                            <a:schemeClr val="tx1"/>
-                          </a:solidFill>
-                          <a:effectLst/>
-                          <a:latin typeface="Times" pitchFamily="2" charset="0"/>
-                        </a:rPr>
-                        <a:t>Testing</a:t>
-                      </a:r>
-                      <a:endParaRPr lang="en-SA" sz="1400">
-                        <a:solidFill>
-                          <a:schemeClr val="tx1"/>
-                        </a:solidFill>
-                        <a:effectLst/>
-                        <a:latin typeface="Times" pitchFamily="2" charset="0"/>
-                        <a:ea typeface="Calibri" panose="020F0502020204030204" pitchFamily="34" charset="0"/>
-                        <a:cs typeface="Arial" panose="020B0604020202020204" pitchFamily="34" charset="0"/>
-                      </a:endParaRPr>
-                    </a:p>
-                  </a:txBody>
-                  <a:tcPr marL="68580" marR="68580" marT="0" marB="0"/>
-                </a:tc>
-                <a:tc>
-                  <a:txBody>
-                    <a:bodyPr/>
-                    <a:lstStyle/>
-                    <a:p>
-                      <a:pPr algn="ctr"/>
-                      <a:r>
-                        <a:rPr lang="en-SA" sz="1400" dirty="0">
-                          <a:solidFill>
-                            <a:schemeClr val="tx1"/>
-                          </a:solidFill>
-                          <a:effectLst/>
-                          <a:latin typeface="Times" pitchFamily="2" charset="0"/>
-                        </a:rPr>
-                        <a:t>-3.7696</a:t>
-                      </a:r>
-                    </a:p>
-                    <a:p>
-                      <a:pPr algn="ctr"/>
-                      <a:r>
-                        <a:rPr lang="en-US" sz="1400" dirty="0">
-                          <a:solidFill>
-                            <a:schemeClr val="tx1"/>
-                          </a:solidFill>
-                          <a:effectLst/>
-                          <a:latin typeface="Times" pitchFamily="2" charset="0"/>
-                        </a:rPr>
-                        <a:t> </a:t>
-                      </a:r>
-                      <a:endParaRPr lang="en-SA" sz="1400" dirty="0">
-                        <a:solidFill>
-                          <a:schemeClr val="tx1"/>
-                        </a:solidFill>
-                        <a:effectLst/>
-                        <a:latin typeface="Times" pitchFamily="2" charset="0"/>
-                        <a:ea typeface="Calibri" panose="020F0502020204030204" pitchFamily="34" charset="0"/>
-                        <a:cs typeface="Arial" panose="020B0604020202020204" pitchFamily="34" charset="0"/>
-                      </a:endParaRPr>
-                    </a:p>
-                  </a:txBody>
-                  <a:tcPr marL="68580" marR="68580" marT="0" marB="0"/>
-                </a:tc>
-                <a:tc>
-                  <a:txBody>
-                    <a:bodyPr/>
-                    <a:lstStyle/>
-                    <a:p>
-                      <a:pPr algn="ctr"/>
-                      <a:r>
-                        <a:rPr lang="en-SA" sz="1400" dirty="0">
-                          <a:solidFill>
-                            <a:schemeClr val="tx1"/>
-                          </a:solidFill>
-                          <a:effectLst/>
-                          <a:latin typeface="Times" pitchFamily="2" charset="0"/>
-                        </a:rPr>
-                        <a:t>96325</a:t>
-                      </a:r>
-                    </a:p>
-                    <a:p>
-                      <a:pPr algn="ctr"/>
-                      <a:r>
-                        <a:rPr lang="en-US" sz="1400" dirty="0">
-                          <a:solidFill>
-                            <a:schemeClr val="tx1"/>
-                          </a:solidFill>
-                          <a:effectLst/>
-                          <a:latin typeface="Times" pitchFamily="2" charset="0"/>
-                        </a:rPr>
-                        <a:t> </a:t>
-                      </a:r>
-                      <a:endParaRPr lang="en-SA" sz="1400" dirty="0">
-                        <a:solidFill>
-                          <a:schemeClr val="tx1"/>
-                        </a:solidFill>
-                        <a:effectLst/>
-                        <a:latin typeface="Times" pitchFamily="2" charset="0"/>
-                        <a:ea typeface="Calibri" panose="020F0502020204030204" pitchFamily="34" charset="0"/>
-                        <a:cs typeface="Arial" panose="020B0604020202020204" pitchFamily="34" charset="0"/>
-                      </a:endParaRPr>
-                    </a:p>
-                  </a:txBody>
-                  <a:tcPr marL="68580" marR="68580" marT="0" marB="0"/>
-                </a:tc>
-                <a:tc>
-                  <a:txBody>
-                    <a:bodyPr/>
-                    <a:lstStyle/>
-                    <a:p>
-                      <a:pPr algn="ctr"/>
-                      <a:r>
-                        <a:rPr lang="en-SA" sz="1400" dirty="0">
-                          <a:solidFill>
-                            <a:schemeClr val="tx1"/>
-                          </a:solidFill>
-                          <a:effectLst/>
-                          <a:latin typeface="Times" pitchFamily="2" charset="0"/>
-                        </a:rPr>
-                        <a:t>1148</a:t>
-                      </a:r>
-                    </a:p>
-                    <a:p>
-                      <a:pPr algn="ctr"/>
-                      <a:r>
-                        <a:rPr lang="en-US" sz="1400" dirty="0">
-                          <a:solidFill>
-                            <a:schemeClr val="tx1"/>
-                          </a:solidFill>
-                          <a:effectLst/>
-                          <a:latin typeface="Times" pitchFamily="2" charset="0"/>
-                        </a:rPr>
-                        <a:t> </a:t>
-                      </a:r>
-                      <a:endParaRPr lang="en-SA" sz="1400" dirty="0">
-                        <a:solidFill>
-                          <a:schemeClr val="tx1"/>
-                        </a:solidFill>
-                        <a:effectLst/>
-                        <a:latin typeface="Times" pitchFamily="2" charset="0"/>
-                        <a:ea typeface="Calibri" panose="020F0502020204030204" pitchFamily="34" charset="0"/>
-                        <a:cs typeface="Arial" panose="020B0604020202020204" pitchFamily="34" charset="0"/>
-                      </a:endParaRPr>
-                    </a:p>
-                  </a:txBody>
-                  <a:tcPr marL="68580" marR="68580" marT="0" marB="0"/>
-                </a:tc>
-                <a:tc>
-                  <a:txBody>
-                    <a:bodyPr/>
-                    <a:lstStyle/>
-                    <a:p>
-                      <a:pPr algn="ctr"/>
-                      <a:r>
-                        <a:rPr lang="en-SA" sz="1400" dirty="0">
-                          <a:solidFill>
-                            <a:schemeClr val="tx1"/>
-                          </a:solidFill>
-                          <a:effectLst/>
-                          <a:latin typeface="Times" pitchFamily="2" charset="0"/>
-                        </a:rPr>
-                        <a:t>10714</a:t>
-                      </a:r>
-                    </a:p>
-                    <a:p>
-                      <a:pPr algn="ctr"/>
-                      <a:r>
-                        <a:rPr lang="en-US" sz="1400" dirty="0">
-                          <a:solidFill>
-                            <a:schemeClr val="tx1"/>
-                          </a:solidFill>
-                          <a:effectLst/>
-                          <a:latin typeface="Times" pitchFamily="2" charset="0"/>
-                        </a:rPr>
-                        <a:t> </a:t>
-                      </a:r>
-                      <a:endParaRPr lang="en-SA" sz="1400" dirty="0">
-                        <a:solidFill>
-                          <a:schemeClr val="tx1"/>
-                        </a:solidFill>
-                        <a:effectLst/>
-                        <a:latin typeface="Times" pitchFamily="2" charset="0"/>
-                        <a:ea typeface="Calibri" panose="020F0502020204030204" pitchFamily="34" charset="0"/>
-                        <a:cs typeface="Arial" panose="020B0604020202020204" pitchFamily="34" charset="0"/>
-                      </a:endParaRPr>
-                    </a:p>
-                  </a:txBody>
-                  <a:tcPr marL="68580" marR="68580" marT="0" marB="0"/>
-                </a:tc>
-                <a:extLst>
-                  <a:ext uri="{0D108BD9-81ED-4DB2-BD59-A6C34878D82A}">
-                    <a16:rowId xmlns:a16="http://schemas.microsoft.com/office/drawing/2014/main" val="906683662"/>
-                  </a:ext>
-                </a:extLst>
-              </a:tr>
-            </a:tbl>
-          </a:graphicData>
-        </a:graphic>
-      </p:graphicFrame>
-      <p:pic>
-        <p:nvPicPr>
-          <p:cNvPr id="6" name="Picture 5">
-            <a:extLst>
-              <a:ext uri="{FF2B5EF4-FFF2-40B4-BE49-F238E27FC236}">
-                <a16:creationId xmlns:a16="http://schemas.microsoft.com/office/drawing/2014/main" id="{D20AE1FD-E3A3-5C46-AEE5-2ACE9CFBD52F}"/>
-              </a:ext>
-            </a:extLst>
-          </p:cNvPr>
-          <p:cNvPicPr>
-            <a:picLocks noChangeAspect="1"/>
-          </p:cNvPicPr>
+        <p:style>
+          <a:lnRef idx="1">
+            <a:schemeClr val="accent3"/>
+          </a:lnRef>
+          <a:fillRef idx="2">
+            <a:schemeClr val="accent3"/>
+          </a:fillRef>
+          <a:effectRef idx="1">
+            <a:schemeClr val="accent3"/>
+          </a:effectRef>
+          <a:fontRef idx="minor">
+            <a:schemeClr val="dk1"/>
+          </a:fontRef>
+        </p:style>
+        <p:txBody>
+          <a:bodyPr rtlCol="0" anchor="ctr"/>
+          <a:lstStyle/>
+          <a:p>
+            <a:pPr algn="ctr"/>
+            <a:r>
+              <a:rPr lang="en-SA" dirty="0"/>
+              <a:t>0.34</a:t>
+            </a:r>
+          </a:p>
+        </p:txBody>
+      </p:sp>
+      <p:sp>
+        <p:nvSpPr>
+          <p:cNvPr id="12" name="Rectangle 11">
+            <a:extLst>
+              <a:ext uri="{FF2B5EF4-FFF2-40B4-BE49-F238E27FC236}">
+                <a16:creationId xmlns:a16="http://schemas.microsoft.com/office/drawing/2014/main" id="{55CAF275-36EA-324E-BE08-3B18FFFC64C6}"/>
+              </a:ext>
+            </a:extLst>
+          </p:cNvPr>
+          <p:cNvSpPr/>
           <p:nvPr/>
-        </p:nvPicPr>
-        <p:blipFill>
-          <a:blip r:embed="rId3"/>
-          <a:stretch>
-            <a:fillRect/>
-          </a:stretch>
-        </p:blipFill>
+        </p:nvSpPr>
         <p:spPr>
           <a:xfrm>
-            <a:off x="1156759" y="1220281"/>
-            <a:ext cx="4649727" cy="3812372"/>
+            <a:off x="3379304" y="3135794"/>
+            <a:ext cx="1232452" cy="599662"/>
           </a:xfrm>
           <a:prstGeom prst="rect">
             <a:avLst/>
           </a:prstGeom>
         </p:spPr>
-      </p:pic>
+        <p:style>
+          <a:lnRef idx="1">
+            <a:schemeClr val="accent3"/>
+          </a:lnRef>
+          <a:fillRef idx="2">
+            <a:schemeClr val="accent3"/>
+          </a:fillRef>
+          <a:effectRef idx="1">
+            <a:schemeClr val="accent3"/>
+          </a:effectRef>
+          <a:fontRef idx="minor">
+            <a:schemeClr val="dk1"/>
+          </a:fontRef>
+        </p:style>
+        <p:txBody>
+          <a:bodyPr rtlCol="0" anchor="ctr"/>
+          <a:lstStyle/>
+          <a:p>
+            <a:pPr algn="ctr"/>
+            <a:r>
+              <a:rPr lang="en-SA" dirty="0"/>
+              <a:t>0.56</a:t>
+            </a:r>
+          </a:p>
+        </p:txBody>
+      </p:sp>
+      <p:sp>
+        <p:nvSpPr>
+          <p:cNvPr id="13" name="Rectangle 12">
+            <a:extLst>
+              <a:ext uri="{FF2B5EF4-FFF2-40B4-BE49-F238E27FC236}">
+                <a16:creationId xmlns:a16="http://schemas.microsoft.com/office/drawing/2014/main" id="{DBC3DBA0-5B17-7145-A186-45E47442F9DD}"/>
+              </a:ext>
+            </a:extLst>
+          </p:cNvPr>
+          <p:cNvSpPr/>
+          <p:nvPr/>
+        </p:nvSpPr>
+        <p:spPr>
+          <a:xfrm>
+            <a:off x="3366053" y="4051023"/>
+            <a:ext cx="1232452" cy="599662"/>
+          </a:xfrm>
+          <a:prstGeom prst="rect">
+            <a:avLst/>
+          </a:prstGeom>
+        </p:spPr>
+        <p:style>
+          <a:lnRef idx="1">
+            <a:schemeClr val="accent3"/>
+          </a:lnRef>
+          <a:fillRef idx="2">
+            <a:schemeClr val="accent3"/>
+          </a:fillRef>
+          <a:effectRef idx="1">
+            <a:schemeClr val="accent3"/>
+          </a:effectRef>
+          <a:fontRef idx="minor">
+            <a:schemeClr val="dk1"/>
+          </a:fontRef>
+        </p:style>
+        <p:txBody>
+          <a:bodyPr rtlCol="0" anchor="ctr"/>
+          <a:lstStyle/>
+          <a:p>
+            <a:pPr algn="ctr"/>
+            <a:r>
+              <a:rPr lang="en-SA" dirty="0"/>
+              <a:t>0.59</a:t>
+            </a:r>
+          </a:p>
+        </p:txBody>
+      </p:sp>
+      <p:sp>
+        <p:nvSpPr>
+          <p:cNvPr id="14" name="Rectangle 13">
+            <a:extLst>
+              <a:ext uri="{FF2B5EF4-FFF2-40B4-BE49-F238E27FC236}">
+                <a16:creationId xmlns:a16="http://schemas.microsoft.com/office/drawing/2014/main" id="{CAE7C61A-4C56-594B-85FA-07361063C33A}"/>
+              </a:ext>
+            </a:extLst>
+          </p:cNvPr>
+          <p:cNvSpPr/>
+          <p:nvPr/>
+        </p:nvSpPr>
+        <p:spPr>
+          <a:xfrm>
+            <a:off x="1325217" y="610016"/>
+            <a:ext cx="2040834" cy="477079"/>
+          </a:xfrm>
+          <a:prstGeom prst="rect">
+            <a:avLst/>
+          </a:prstGeom>
+        </p:spPr>
+        <p:style>
+          <a:lnRef idx="1">
+            <a:schemeClr val="accent6"/>
+          </a:lnRef>
+          <a:fillRef idx="2">
+            <a:schemeClr val="accent6"/>
+          </a:fillRef>
+          <a:effectRef idx="1">
+            <a:schemeClr val="accent6"/>
+          </a:effectRef>
+          <a:fontRef idx="minor">
+            <a:schemeClr val="dk1"/>
+          </a:fontRef>
+        </p:style>
+        <p:txBody>
+          <a:bodyPr rtlCol="0" anchor="ctr"/>
+          <a:lstStyle/>
+          <a:p>
+            <a:pPr algn="ctr"/>
+            <a:r>
+              <a:rPr lang="en-SA" dirty="0"/>
+              <a:t>Model 1</a:t>
+            </a:r>
+          </a:p>
+        </p:txBody>
+      </p:sp>
+      <p:sp>
+        <p:nvSpPr>
+          <p:cNvPr id="17" name="TextBox 16">
+            <a:extLst>
+              <a:ext uri="{FF2B5EF4-FFF2-40B4-BE49-F238E27FC236}">
+                <a16:creationId xmlns:a16="http://schemas.microsoft.com/office/drawing/2014/main" id="{2C7A8CC1-7233-6A48-B660-959D4ED416E9}"/>
+              </a:ext>
+            </a:extLst>
+          </p:cNvPr>
+          <p:cNvSpPr txBox="1"/>
+          <p:nvPr/>
+        </p:nvSpPr>
+        <p:spPr>
+          <a:xfrm>
+            <a:off x="67245" y="1318836"/>
+            <a:ext cx="4748416" cy="369332"/>
+          </a:xfrm>
+          <a:prstGeom prst="rect">
+            <a:avLst/>
+          </a:prstGeom>
+          <a:noFill/>
+        </p:spPr>
+        <p:txBody>
+          <a:bodyPr wrap="none" rtlCol="0">
+            <a:spAutoFit/>
+          </a:bodyPr>
+          <a:lstStyle/>
+          <a:p>
+            <a:r>
+              <a:rPr lang="en-US" dirty="0">
+                <a:latin typeface="Times" pitchFamily="2" charset="0"/>
+              </a:rPr>
+              <a:t>P</a:t>
+            </a:r>
+            <a:r>
+              <a:rPr lang="en-SA" dirty="0">
+                <a:latin typeface="Times" pitchFamily="2" charset="0"/>
+              </a:rPr>
+              <a:t>olynomial feature D=2 , column= 263 ,alph=0.1</a:t>
+            </a:r>
+          </a:p>
+        </p:txBody>
+      </p:sp>
+      <p:sp>
+        <p:nvSpPr>
+          <p:cNvPr id="18" name="Rectangle 17">
+            <a:extLst>
+              <a:ext uri="{FF2B5EF4-FFF2-40B4-BE49-F238E27FC236}">
+                <a16:creationId xmlns:a16="http://schemas.microsoft.com/office/drawing/2014/main" id="{57A703CC-5CA3-B74E-B747-A1367AF295A6}"/>
+              </a:ext>
+            </a:extLst>
+          </p:cNvPr>
+          <p:cNvSpPr/>
+          <p:nvPr/>
+        </p:nvSpPr>
+        <p:spPr>
+          <a:xfrm>
+            <a:off x="1040293" y="5203410"/>
+            <a:ext cx="2743200" cy="596348"/>
+          </a:xfrm>
+          <a:prstGeom prst="rect">
+            <a:avLst/>
+          </a:prstGeom>
+        </p:spPr>
+        <p:style>
+          <a:lnRef idx="1">
+            <a:schemeClr val="accent4"/>
+          </a:lnRef>
+          <a:fillRef idx="2">
+            <a:schemeClr val="accent4"/>
+          </a:fillRef>
+          <a:effectRef idx="1">
+            <a:schemeClr val="accent4"/>
+          </a:effectRef>
+          <a:fontRef idx="minor">
+            <a:schemeClr val="dk1"/>
+          </a:fontRef>
+        </p:style>
+        <p:txBody>
+          <a:bodyPr rtlCol="0" anchor="ctr"/>
+          <a:lstStyle/>
+          <a:p>
+            <a:pPr algn="ctr"/>
+            <a:r>
+              <a:rPr lang="en-US" dirty="0"/>
+              <a:t>R</a:t>
+            </a:r>
+            <a:r>
+              <a:rPr lang="en-SA" dirty="0"/>
+              <a:t>equired column=207</a:t>
+            </a:r>
+          </a:p>
+        </p:txBody>
+      </p:sp>
+      <p:cxnSp>
+        <p:nvCxnSpPr>
+          <p:cNvPr id="20" name="Straight Connector 19">
+            <a:extLst>
+              <a:ext uri="{FF2B5EF4-FFF2-40B4-BE49-F238E27FC236}">
+                <a16:creationId xmlns:a16="http://schemas.microsoft.com/office/drawing/2014/main" id="{3E7DD01F-E8DC-074E-AA2A-70954427033A}"/>
+              </a:ext>
+            </a:extLst>
+          </p:cNvPr>
+          <p:cNvCxnSpPr>
+            <a:stCxn id="18" idx="1"/>
+          </p:cNvCxnSpPr>
+          <p:nvPr/>
+        </p:nvCxnSpPr>
+        <p:spPr>
+          <a:xfrm flipH="1">
+            <a:off x="185530" y="5501584"/>
+            <a:ext cx="854763" cy="0"/>
+          </a:xfrm>
+          <a:prstGeom prst="line">
+            <a:avLst/>
+          </a:prstGeom>
+        </p:spPr>
+        <p:style>
+          <a:lnRef idx="1">
+            <a:schemeClr val="dk1"/>
+          </a:lnRef>
+          <a:fillRef idx="0">
+            <a:schemeClr val="dk1"/>
+          </a:fillRef>
+          <a:effectRef idx="0">
+            <a:schemeClr val="dk1"/>
+          </a:effectRef>
+          <a:fontRef idx="minor">
+            <a:schemeClr val="tx1"/>
+          </a:fontRef>
+        </p:style>
+      </p:cxnSp>
+      <p:cxnSp>
+        <p:nvCxnSpPr>
+          <p:cNvPr id="22" name="Straight Connector 21">
+            <a:extLst>
+              <a:ext uri="{FF2B5EF4-FFF2-40B4-BE49-F238E27FC236}">
+                <a16:creationId xmlns:a16="http://schemas.microsoft.com/office/drawing/2014/main" id="{9F010E4E-9E12-5C45-B4B6-2E20F73360FA}"/>
+              </a:ext>
+            </a:extLst>
+          </p:cNvPr>
+          <p:cNvCxnSpPr/>
+          <p:nvPr/>
+        </p:nvCxnSpPr>
+        <p:spPr>
+          <a:xfrm flipV="1">
+            <a:off x="185530" y="1934817"/>
+            <a:ext cx="0" cy="3566767"/>
+          </a:xfrm>
+          <a:prstGeom prst="line">
+            <a:avLst/>
+          </a:prstGeom>
+        </p:spPr>
+        <p:style>
+          <a:lnRef idx="1">
+            <a:schemeClr val="dk1"/>
+          </a:lnRef>
+          <a:fillRef idx="0">
+            <a:schemeClr val="dk1"/>
+          </a:fillRef>
+          <a:effectRef idx="0">
+            <a:schemeClr val="dk1"/>
+          </a:effectRef>
+          <a:fontRef idx="minor">
+            <a:schemeClr val="tx1"/>
+          </a:fontRef>
+        </p:style>
+      </p:cxnSp>
+      <p:cxnSp>
+        <p:nvCxnSpPr>
+          <p:cNvPr id="24" name="Straight Connector 23">
+            <a:extLst>
+              <a:ext uri="{FF2B5EF4-FFF2-40B4-BE49-F238E27FC236}">
+                <a16:creationId xmlns:a16="http://schemas.microsoft.com/office/drawing/2014/main" id="{6C30EE04-5572-DA47-8263-1B574A258BA0}"/>
+              </a:ext>
+            </a:extLst>
+          </p:cNvPr>
+          <p:cNvCxnSpPr/>
+          <p:nvPr/>
+        </p:nvCxnSpPr>
+        <p:spPr>
+          <a:xfrm>
+            <a:off x="185530" y="1908313"/>
+            <a:ext cx="854763" cy="0"/>
+          </a:xfrm>
+          <a:prstGeom prst="line">
+            <a:avLst/>
+          </a:prstGeom>
+        </p:spPr>
+        <p:style>
+          <a:lnRef idx="1">
+            <a:schemeClr val="dk1"/>
+          </a:lnRef>
+          <a:fillRef idx="0">
+            <a:schemeClr val="dk1"/>
+          </a:fillRef>
+          <a:effectRef idx="0">
+            <a:schemeClr val="dk1"/>
+          </a:effectRef>
+          <a:fontRef idx="minor">
+            <a:schemeClr val="tx1"/>
+          </a:fontRef>
+        </p:style>
+      </p:cxnSp>
+      <p:cxnSp>
+        <p:nvCxnSpPr>
+          <p:cNvPr id="26" name="Straight Arrow Connector 25">
+            <a:extLst>
+              <a:ext uri="{FF2B5EF4-FFF2-40B4-BE49-F238E27FC236}">
+                <a16:creationId xmlns:a16="http://schemas.microsoft.com/office/drawing/2014/main" id="{04BD56BE-7E01-F14A-92C4-9AEADCB926B9}"/>
+              </a:ext>
+            </a:extLst>
+          </p:cNvPr>
+          <p:cNvCxnSpPr>
+            <a:cxnSpLocks/>
+          </p:cNvCxnSpPr>
+          <p:nvPr/>
+        </p:nvCxnSpPr>
+        <p:spPr>
+          <a:xfrm>
+            <a:off x="1053548" y="1921565"/>
+            <a:ext cx="0" cy="174451"/>
+          </a:xfrm>
+          <a:prstGeom prst="straightConnector1">
+            <a:avLst/>
+          </a:prstGeom>
+          <a:ln>
+            <a:tailEnd type="triangle"/>
+          </a:ln>
+        </p:spPr>
+        <p:style>
+          <a:lnRef idx="1">
+            <a:schemeClr val="dk1"/>
+          </a:lnRef>
+          <a:fillRef idx="0">
+            <a:schemeClr val="dk1"/>
+          </a:fillRef>
+          <a:effectRef idx="0">
+            <a:schemeClr val="dk1"/>
+          </a:effectRef>
+          <a:fontRef idx="minor">
+            <a:schemeClr val="tx1"/>
+          </a:fontRef>
+        </p:style>
+      </p:cxnSp>
+      <p:cxnSp>
+        <p:nvCxnSpPr>
+          <p:cNvPr id="29" name="Straight Connector 28">
+            <a:extLst>
+              <a:ext uri="{FF2B5EF4-FFF2-40B4-BE49-F238E27FC236}">
+                <a16:creationId xmlns:a16="http://schemas.microsoft.com/office/drawing/2014/main" id="{5BAEB6C0-E2B3-AF4B-BF06-C486F21D1B71}"/>
+              </a:ext>
+            </a:extLst>
+          </p:cNvPr>
+          <p:cNvCxnSpPr>
+            <a:cxnSpLocks/>
+            <a:stCxn id="6" idx="3"/>
+          </p:cNvCxnSpPr>
+          <p:nvPr/>
+        </p:nvCxnSpPr>
+        <p:spPr>
+          <a:xfrm>
+            <a:off x="1762539" y="3449085"/>
+            <a:ext cx="278295" cy="0"/>
+          </a:xfrm>
+          <a:prstGeom prst="line">
+            <a:avLst/>
+          </a:prstGeom>
+        </p:spPr>
+        <p:style>
+          <a:lnRef idx="1">
+            <a:schemeClr val="dk1"/>
+          </a:lnRef>
+          <a:fillRef idx="0">
+            <a:schemeClr val="dk1"/>
+          </a:fillRef>
+          <a:effectRef idx="0">
+            <a:schemeClr val="dk1"/>
+          </a:effectRef>
+          <a:fontRef idx="minor">
+            <a:schemeClr val="tx1"/>
+          </a:fontRef>
+        </p:style>
+      </p:cxnSp>
+      <p:cxnSp>
+        <p:nvCxnSpPr>
+          <p:cNvPr id="32" name="Straight Arrow Connector 31">
+            <a:extLst>
+              <a:ext uri="{FF2B5EF4-FFF2-40B4-BE49-F238E27FC236}">
+                <a16:creationId xmlns:a16="http://schemas.microsoft.com/office/drawing/2014/main" id="{B01DF101-F3EA-0B44-B8ED-A59FAE1B0F16}"/>
+              </a:ext>
+            </a:extLst>
+          </p:cNvPr>
+          <p:cNvCxnSpPr/>
+          <p:nvPr/>
+        </p:nvCxnSpPr>
+        <p:spPr>
+          <a:xfrm>
+            <a:off x="2040834" y="3449085"/>
+            <a:ext cx="0" cy="1754325"/>
+          </a:xfrm>
+          <a:prstGeom prst="straightConnector1">
+            <a:avLst/>
+          </a:prstGeom>
+          <a:ln>
+            <a:tailEnd type="triangle"/>
+          </a:ln>
+        </p:spPr>
+        <p:style>
+          <a:lnRef idx="1">
+            <a:schemeClr val="dk1"/>
+          </a:lnRef>
+          <a:fillRef idx="0">
+            <a:schemeClr val="dk1"/>
+          </a:fillRef>
+          <a:effectRef idx="0">
+            <a:schemeClr val="dk1"/>
+          </a:effectRef>
+          <a:fontRef idx="minor">
+            <a:schemeClr val="tx1"/>
+          </a:fontRef>
+        </p:style>
+      </p:cxnSp>
+      <p:sp>
+        <p:nvSpPr>
+          <p:cNvPr id="33" name="TextBox 32">
+            <a:extLst>
+              <a:ext uri="{FF2B5EF4-FFF2-40B4-BE49-F238E27FC236}">
+                <a16:creationId xmlns:a16="http://schemas.microsoft.com/office/drawing/2014/main" id="{592116AE-A5D8-4943-82E6-17288E8479C9}"/>
+              </a:ext>
+            </a:extLst>
+          </p:cNvPr>
+          <p:cNvSpPr txBox="1"/>
+          <p:nvPr/>
+        </p:nvSpPr>
+        <p:spPr>
+          <a:xfrm>
+            <a:off x="8627165" y="2054087"/>
+            <a:ext cx="184731" cy="369332"/>
+          </a:xfrm>
+          <a:prstGeom prst="rect">
+            <a:avLst/>
+          </a:prstGeom>
+          <a:noFill/>
+        </p:spPr>
+        <p:txBody>
+          <a:bodyPr wrap="none" rtlCol="0">
+            <a:spAutoFit/>
+          </a:bodyPr>
+          <a:lstStyle/>
+          <a:p>
+            <a:endParaRPr lang="en-SA" dirty="0"/>
+          </a:p>
+        </p:txBody>
+      </p:sp>
+      <p:sp>
+        <p:nvSpPr>
+          <p:cNvPr id="34" name="TextBox 33">
+            <a:extLst>
+              <a:ext uri="{FF2B5EF4-FFF2-40B4-BE49-F238E27FC236}">
+                <a16:creationId xmlns:a16="http://schemas.microsoft.com/office/drawing/2014/main" id="{9135F885-FFDB-9B47-8928-C04E1399A590}"/>
+              </a:ext>
+            </a:extLst>
+          </p:cNvPr>
+          <p:cNvSpPr txBox="1"/>
+          <p:nvPr/>
+        </p:nvSpPr>
+        <p:spPr>
+          <a:xfrm>
+            <a:off x="8388626" y="1683026"/>
+            <a:ext cx="184731" cy="369332"/>
+          </a:xfrm>
+          <a:prstGeom prst="rect">
+            <a:avLst/>
+          </a:prstGeom>
+          <a:noFill/>
+        </p:spPr>
+        <p:txBody>
+          <a:bodyPr wrap="none" rtlCol="0">
+            <a:spAutoFit/>
+          </a:bodyPr>
+          <a:lstStyle/>
+          <a:p>
+            <a:endParaRPr lang="en-SA" dirty="0"/>
+          </a:p>
+        </p:txBody>
+      </p:sp>
+      <p:sp>
+        <p:nvSpPr>
+          <p:cNvPr id="54" name="TextBox 53">
+            <a:extLst>
+              <a:ext uri="{FF2B5EF4-FFF2-40B4-BE49-F238E27FC236}">
+                <a16:creationId xmlns:a16="http://schemas.microsoft.com/office/drawing/2014/main" id="{150BB1E9-8CA7-3044-92D4-324B0DE4E06E}"/>
+              </a:ext>
+            </a:extLst>
+          </p:cNvPr>
+          <p:cNvSpPr txBox="1"/>
+          <p:nvPr/>
+        </p:nvSpPr>
+        <p:spPr>
+          <a:xfrm>
+            <a:off x="8083826" y="2107096"/>
+            <a:ext cx="184731" cy="369332"/>
+          </a:xfrm>
+          <a:prstGeom prst="rect">
+            <a:avLst/>
+          </a:prstGeom>
+          <a:noFill/>
+        </p:spPr>
+        <p:txBody>
+          <a:bodyPr wrap="none" rtlCol="0">
+            <a:spAutoFit/>
+          </a:bodyPr>
+          <a:lstStyle/>
+          <a:p>
+            <a:endParaRPr lang="en-SA" dirty="0"/>
+          </a:p>
+        </p:txBody>
+      </p:sp>
+      <p:sp>
+        <p:nvSpPr>
+          <p:cNvPr id="55" name="Rectangle 54">
+            <a:extLst>
+              <a:ext uri="{FF2B5EF4-FFF2-40B4-BE49-F238E27FC236}">
+                <a16:creationId xmlns:a16="http://schemas.microsoft.com/office/drawing/2014/main" id="{2209A98A-CA82-634F-B9D7-18FEA3392525}"/>
+              </a:ext>
+            </a:extLst>
+          </p:cNvPr>
+          <p:cNvSpPr/>
+          <p:nvPr/>
+        </p:nvSpPr>
+        <p:spPr>
+          <a:xfrm>
+            <a:off x="6392931" y="2096016"/>
+            <a:ext cx="4373217" cy="2831032"/>
+          </a:xfrm>
+          <a:prstGeom prst="rect">
+            <a:avLst/>
+          </a:prstGeom>
+          <a:noFill/>
+          <a:ln w="9525" cap="flat" cmpd="sng" algn="ctr">
+            <a:solidFill>
+              <a:schemeClr val="dk1"/>
+            </a:solidFill>
+            <a:prstDash val="solid"/>
+            <a:round/>
+            <a:headEnd type="none" w="med" len="med"/>
+            <a:tailEnd type="none" w="med" len="med"/>
+          </a:ln>
+        </p:spPr>
+        <p:style>
+          <a:lnRef idx="0">
+            <a:scrgbClr r="0" g="0" b="0"/>
+          </a:lnRef>
+          <a:fillRef idx="0">
+            <a:scrgbClr r="0" g="0" b="0"/>
+          </a:fillRef>
+          <a:effectRef idx="0">
+            <a:scrgbClr r="0" g="0" b="0"/>
+          </a:effectRef>
+          <a:fontRef idx="minor">
+            <a:schemeClr val="dk1"/>
+          </a:fontRef>
+        </p:style>
+        <p:txBody>
+          <a:bodyPr rtlCol="0" anchor="ctr"/>
+          <a:lstStyle/>
+          <a:p>
+            <a:pPr algn="ctr"/>
+            <a:endParaRPr lang="en-SA"/>
+          </a:p>
+        </p:txBody>
+      </p:sp>
+      <p:sp>
+        <p:nvSpPr>
+          <p:cNvPr id="56" name="Rectangle 55">
+            <a:extLst>
+              <a:ext uri="{FF2B5EF4-FFF2-40B4-BE49-F238E27FC236}">
+                <a16:creationId xmlns:a16="http://schemas.microsoft.com/office/drawing/2014/main" id="{A6472075-4498-DD42-A4DD-8F1671DD6887}"/>
+              </a:ext>
+            </a:extLst>
+          </p:cNvPr>
+          <p:cNvSpPr/>
+          <p:nvPr/>
+        </p:nvSpPr>
+        <p:spPr>
+          <a:xfrm>
+            <a:off x="6392931" y="2223052"/>
+            <a:ext cx="1417982" cy="599662"/>
+          </a:xfrm>
+          <a:prstGeom prst="rect">
+            <a:avLst/>
+          </a:prstGeom>
+        </p:spPr>
+        <p:style>
+          <a:lnRef idx="1">
+            <a:schemeClr val="accent2"/>
+          </a:lnRef>
+          <a:fillRef idx="2">
+            <a:schemeClr val="accent2"/>
+          </a:fillRef>
+          <a:effectRef idx="1">
+            <a:schemeClr val="accent2"/>
+          </a:effectRef>
+          <a:fontRef idx="minor">
+            <a:schemeClr val="dk1"/>
+          </a:fontRef>
+        </p:style>
+        <p:txBody>
+          <a:bodyPr rtlCol="0" anchor="ctr"/>
+          <a:lstStyle/>
+          <a:p>
+            <a:pPr algn="ctr"/>
+            <a:r>
+              <a:rPr lang="en-US" dirty="0"/>
+              <a:t>L</a:t>
+            </a:r>
+            <a:r>
+              <a:rPr lang="en-SA" dirty="0"/>
+              <a:t>inear reg </a:t>
+            </a:r>
+          </a:p>
+        </p:txBody>
+      </p:sp>
+      <p:sp>
+        <p:nvSpPr>
+          <p:cNvPr id="57" name="Rectangle 56">
+            <a:extLst>
+              <a:ext uri="{FF2B5EF4-FFF2-40B4-BE49-F238E27FC236}">
+                <a16:creationId xmlns:a16="http://schemas.microsoft.com/office/drawing/2014/main" id="{E2079800-0E03-3C45-B6E9-BF1D44B86EE1}"/>
+              </a:ext>
+            </a:extLst>
+          </p:cNvPr>
+          <p:cNvSpPr/>
+          <p:nvPr/>
+        </p:nvSpPr>
+        <p:spPr>
+          <a:xfrm>
+            <a:off x="6392931" y="3149254"/>
+            <a:ext cx="1417982" cy="599662"/>
+          </a:xfrm>
+          <a:prstGeom prst="rect">
+            <a:avLst/>
+          </a:prstGeom>
+        </p:spPr>
+        <p:style>
+          <a:lnRef idx="1">
+            <a:schemeClr val="accent2"/>
+          </a:lnRef>
+          <a:fillRef idx="2">
+            <a:schemeClr val="accent2"/>
+          </a:fillRef>
+          <a:effectRef idx="1">
+            <a:schemeClr val="accent2"/>
+          </a:effectRef>
+          <a:fontRef idx="minor">
+            <a:schemeClr val="dk1"/>
+          </a:fontRef>
+        </p:style>
+        <p:txBody>
+          <a:bodyPr rtlCol="0" anchor="ctr"/>
+          <a:lstStyle/>
+          <a:p>
+            <a:pPr algn="ctr"/>
+            <a:r>
+              <a:rPr lang="en-SA" dirty="0"/>
+              <a:t>lasso</a:t>
+            </a:r>
+          </a:p>
+        </p:txBody>
+      </p:sp>
+      <p:sp>
+        <p:nvSpPr>
+          <p:cNvPr id="58" name="Rectangle 57">
+            <a:extLst>
+              <a:ext uri="{FF2B5EF4-FFF2-40B4-BE49-F238E27FC236}">
+                <a16:creationId xmlns:a16="http://schemas.microsoft.com/office/drawing/2014/main" id="{B343FF35-A060-2047-9558-2FC619B71129}"/>
+              </a:ext>
+            </a:extLst>
+          </p:cNvPr>
+          <p:cNvSpPr/>
+          <p:nvPr/>
+        </p:nvSpPr>
+        <p:spPr>
+          <a:xfrm>
+            <a:off x="6392931" y="4075457"/>
+            <a:ext cx="1417982" cy="599662"/>
+          </a:xfrm>
+          <a:prstGeom prst="rect">
+            <a:avLst/>
+          </a:prstGeom>
+        </p:spPr>
+        <p:style>
+          <a:lnRef idx="1">
+            <a:schemeClr val="accent2"/>
+          </a:lnRef>
+          <a:fillRef idx="2">
+            <a:schemeClr val="accent2"/>
+          </a:fillRef>
+          <a:effectRef idx="1">
+            <a:schemeClr val="accent2"/>
+          </a:effectRef>
+          <a:fontRef idx="minor">
+            <a:schemeClr val="dk1"/>
+          </a:fontRef>
+        </p:style>
+        <p:txBody>
+          <a:bodyPr rtlCol="0" anchor="ctr"/>
+          <a:lstStyle/>
+          <a:p>
+            <a:pPr algn="ctr"/>
+            <a:r>
+              <a:rPr lang="en-SA" dirty="0"/>
+              <a:t>Ridge</a:t>
+            </a:r>
+          </a:p>
+        </p:txBody>
+      </p:sp>
+      <p:sp>
+        <p:nvSpPr>
+          <p:cNvPr id="59" name="Rectangle 58">
+            <a:extLst>
+              <a:ext uri="{FF2B5EF4-FFF2-40B4-BE49-F238E27FC236}">
+                <a16:creationId xmlns:a16="http://schemas.microsoft.com/office/drawing/2014/main" id="{99B061A7-966C-1340-A525-06202ED66971}"/>
+              </a:ext>
+            </a:extLst>
+          </p:cNvPr>
+          <p:cNvSpPr/>
+          <p:nvPr/>
+        </p:nvSpPr>
+        <p:spPr>
+          <a:xfrm>
+            <a:off x="8248233" y="2223052"/>
+            <a:ext cx="980662" cy="599662"/>
+          </a:xfrm>
+          <a:prstGeom prst="rect">
+            <a:avLst/>
+          </a:prstGeom>
+        </p:spPr>
+        <p:style>
+          <a:lnRef idx="1">
+            <a:schemeClr val="accent3"/>
+          </a:lnRef>
+          <a:fillRef idx="2">
+            <a:schemeClr val="accent3"/>
+          </a:fillRef>
+          <a:effectRef idx="1">
+            <a:schemeClr val="accent3"/>
+          </a:effectRef>
+          <a:fontRef idx="minor">
+            <a:schemeClr val="dk1"/>
+          </a:fontRef>
+        </p:style>
+        <p:txBody>
+          <a:bodyPr rtlCol="0" anchor="ctr"/>
+          <a:lstStyle/>
+          <a:p>
+            <a:pPr algn="ctr"/>
+            <a:r>
+              <a:rPr lang="en-SA" dirty="0"/>
+              <a:t>0.64</a:t>
+            </a:r>
+          </a:p>
+        </p:txBody>
+      </p:sp>
+      <p:sp>
+        <p:nvSpPr>
+          <p:cNvPr id="60" name="Rectangle 59">
+            <a:extLst>
+              <a:ext uri="{FF2B5EF4-FFF2-40B4-BE49-F238E27FC236}">
+                <a16:creationId xmlns:a16="http://schemas.microsoft.com/office/drawing/2014/main" id="{BB7EDD12-2239-5B44-93F6-D44BB5402E21}"/>
+              </a:ext>
+            </a:extLst>
+          </p:cNvPr>
+          <p:cNvSpPr/>
+          <p:nvPr/>
+        </p:nvSpPr>
+        <p:spPr>
+          <a:xfrm>
+            <a:off x="8248234" y="3135794"/>
+            <a:ext cx="980661" cy="599662"/>
+          </a:xfrm>
+          <a:prstGeom prst="rect">
+            <a:avLst/>
+          </a:prstGeom>
+        </p:spPr>
+        <p:style>
+          <a:lnRef idx="1">
+            <a:schemeClr val="accent3"/>
+          </a:lnRef>
+          <a:fillRef idx="2">
+            <a:schemeClr val="accent3"/>
+          </a:fillRef>
+          <a:effectRef idx="1">
+            <a:schemeClr val="accent3"/>
+          </a:effectRef>
+          <a:fontRef idx="minor">
+            <a:schemeClr val="dk1"/>
+          </a:fontRef>
+        </p:style>
+        <p:txBody>
+          <a:bodyPr rtlCol="0" anchor="ctr"/>
+          <a:lstStyle/>
+          <a:p>
+            <a:pPr algn="ctr"/>
+            <a:r>
+              <a:rPr lang="en-SA" dirty="0"/>
+              <a:t>0.76</a:t>
+            </a:r>
+          </a:p>
+        </p:txBody>
+      </p:sp>
+      <p:sp>
+        <p:nvSpPr>
+          <p:cNvPr id="61" name="Rectangle 60">
+            <a:extLst>
+              <a:ext uri="{FF2B5EF4-FFF2-40B4-BE49-F238E27FC236}">
+                <a16:creationId xmlns:a16="http://schemas.microsoft.com/office/drawing/2014/main" id="{AE28DC46-3309-5D48-9194-A8EDD0F81331}"/>
+              </a:ext>
+            </a:extLst>
+          </p:cNvPr>
+          <p:cNvSpPr/>
+          <p:nvPr/>
+        </p:nvSpPr>
+        <p:spPr>
+          <a:xfrm>
+            <a:off x="8248234" y="4051023"/>
+            <a:ext cx="980662" cy="599662"/>
+          </a:xfrm>
+          <a:prstGeom prst="rect">
+            <a:avLst/>
+          </a:prstGeom>
+        </p:spPr>
+        <p:style>
+          <a:lnRef idx="1">
+            <a:schemeClr val="accent3"/>
+          </a:lnRef>
+          <a:fillRef idx="2">
+            <a:schemeClr val="accent3"/>
+          </a:fillRef>
+          <a:effectRef idx="1">
+            <a:schemeClr val="accent3"/>
+          </a:effectRef>
+          <a:fontRef idx="minor">
+            <a:schemeClr val="dk1"/>
+          </a:fontRef>
+        </p:style>
+        <p:txBody>
+          <a:bodyPr rtlCol="0" anchor="ctr"/>
+          <a:lstStyle/>
+          <a:p>
+            <a:pPr algn="ctr"/>
+            <a:r>
+              <a:rPr lang="en-SA" dirty="0"/>
+              <a:t>0.75</a:t>
+            </a:r>
+          </a:p>
+        </p:txBody>
+      </p:sp>
+      <p:sp>
+        <p:nvSpPr>
+          <p:cNvPr id="62" name="Rectangle 61">
+            <a:extLst>
+              <a:ext uri="{FF2B5EF4-FFF2-40B4-BE49-F238E27FC236}">
+                <a16:creationId xmlns:a16="http://schemas.microsoft.com/office/drawing/2014/main" id="{C83E92E3-6979-6B4C-808C-88F30EF050DE}"/>
+              </a:ext>
+            </a:extLst>
+          </p:cNvPr>
+          <p:cNvSpPr/>
+          <p:nvPr/>
+        </p:nvSpPr>
+        <p:spPr>
+          <a:xfrm>
+            <a:off x="9414425" y="2245829"/>
+            <a:ext cx="1232452" cy="599662"/>
+          </a:xfrm>
+          <a:prstGeom prst="rect">
+            <a:avLst/>
+          </a:prstGeom>
+        </p:spPr>
+        <p:style>
+          <a:lnRef idx="1">
+            <a:schemeClr val="accent3"/>
+          </a:lnRef>
+          <a:fillRef idx="2">
+            <a:schemeClr val="accent3"/>
+          </a:fillRef>
+          <a:effectRef idx="1">
+            <a:schemeClr val="accent3"/>
+          </a:effectRef>
+          <a:fontRef idx="minor">
+            <a:schemeClr val="dk1"/>
+          </a:fontRef>
+        </p:style>
+        <p:txBody>
+          <a:bodyPr rtlCol="0" anchor="ctr"/>
+          <a:lstStyle/>
+          <a:p>
+            <a:pPr algn="ctr"/>
+            <a:r>
+              <a:rPr lang="en-SA" dirty="0"/>
+              <a:t>0.60</a:t>
+            </a:r>
+          </a:p>
+        </p:txBody>
+      </p:sp>
+      <p:sp>
+        <p:nvSpPr>
+          <p:cNvPr id="63" name="Rectangle 62">
+            <a:extLst>
+              <a:ext uri="{FF2B5EF4-FFF2-40B4-BE49-F238E27FC236}">
+                <a16:creationId xmlns:a16="http://schemas.microsoft.com/office/drawing/2014/main" id="{55A79FAB-C4AE-344E-ADE3-2E1E732A97A7}"/>
+              </a:ext>
+            </a:extLst>
+          </p:cNvPr>
+          <p:cNvSpPr/>
+          <p:nvPr/>
+        </p:nvSpPr>
+        <p:spPr>
+          <a:xfrm>
+            <a:off x="9427678" y="3135794"/>
+            <a:ext cx="1232452" cy="599662"/>
+          </a:xfrm>
+          <a:prstGeom prst="rect">
+            <a:avLst/>
+          </a:prstGeom>
+        </p:spPr>
+        <p:style>
+          <a:lnRef idx="1">
+            <a:schemeClr val="accent3"/>
+          </a:lnRef>
+          <a:fillRef idx="2">
+            <a:schemeClr val="accent3"/>
+          </a:fillRef>
+          <a:effectRef idx="1">
+            <a:schemeClr val="accent3"/>
+          </a:effectRef>
+          <a:fontRef idx="minor">
+            <a:schemeClr val="dk1"/>
+          </a:fontRef>
+        </p:style>
+        <p:txBody>
+          <a:bodyPr rtlCol="0" anchor="ctr"/>
+          <a:lstStyle/>
+          <a:p>
+            <a:pPr algn="ctr"/>
+            <a:r>
+              <a:rPr lang="en-SA" dirty="0"/>
+              <a:t>0.69</a:t>
+            </a:r>
+          </a:p>
+        </p:txBody>
+      </p:sp>
+      <p:sp>
+        <p:nvSpPr>
+          <p:cNvPr id="64" name="Rectangle 63">
+            <a:extLst>
+              <a:ext uri="{FF2B5EF4-FFF2-40B4-BE49-F238E27FC236}">
+                <a16:creationId xmlns:a16="http://schemas.microsoft.com/office/drawing/2014/main" id="{07D66005-0A01-6B41-8AAF-904A800053FA}"/>
+              </a:ext>
+            </a:extLst>
+          </p:cNvPr>
+          <p:cNvSpPr/>
+          <p:nvPr/>
+        </p:nvSpPr>
+        <p:spPr>
+          <a:xfrm>
+            <a:off x="9414427" y="4051023"/>
+            <a:ext cx="1232452" cy="599662"/>
+          </a:xfrm>
+          <a:prstGeom prst="rect">
+            <a:avLst/>
+          </a:prstGeom>
+        </p:spPr>
+        <p:style>
+          <a:lnRef idx="1">
+            <a:schemeClr val="accent3"/>
+          </a:lnRef>
+          <a:fillRef idx="2">
+            <a:schemeClr val="accent3"/>
+          </a:fillRef>
+          <a:effectRef idx="1">
+            <a:schemeClr val="accent3"/>
+          </a:effectRef>
+          <a:fontRef idx="minor">
+            <a:schemeClr val="dk1"/>
+          </a:fontRef>
+        </p:style>
+        <p:txBody>
+          <a:bodyPr rtlCol="0" anchor="ctr"/>
+          <a:lstStyle/>
+          <a:p>
+            <a:pPr algn="ctr"/>
+            <a:r>
+              <a:rPr lang="en-SA" dirty="0"/>
+              <a:t>0.71</a:t>
+            </a:r>
+          </a:p>
+        </p:txBody>
+      </p:sp>
+      <p:sp>
+        <p:nvSpPr>
+          <p:cNvPr id="65" name="Rectangle 64">
+            <a:extLst>
+              <a:ext uri="{FF2B5EF4-FFF2-40B4-BE49-F238E27FC236}">
+                <a16:creationId xmlns:a16="http://schemas.microsoft.com/office/drawing/2014/main" id="{6F19A508-CE42-7E4D-B7FD-E056B3D6B53A}"/>
+              </a:ext>
+            </a:extLst>
+          </p:cNvPr>
+          <p:cNvSpPr/>
+          <p:nvPr/>
+        </p:nvSpPr>
+        <p:spPr>
+          <a:xfrm>
+            <a:off x="7373591" y="610016"/>
+            <a:ext cx="2040834" cy="477079"/>
+          </a:xfrm>
+          <a:prstGeom prst="rect">
+            <a:avLst/>
+          </a:prstGeom>
+        </p:spPr>
+        <p:style>
+          <a:lnRef idx="1">
+            <a:schemeClr val="accent6"/>
+          </a:lnRef>
+          <a:fillRef idx="2">
+            <a:schemeClr val="accent6"/>
+          </a:fillRef>
+          <a:effectRef idx="1">
+            <a:schemeClr val="accent6"/>
+          </a:effectRef>
+          <a:fontRef idx="minor">
+            <a:schemeClr val="dk1"/>
+          </a:fontRef>
+        </p:style>
+        <p:txBody>
+          <a:bodyPr rtlCol="0" anchor="ctr"/>
+          <a:lstStyle/>
+          <a:p>
+            <a:pPr algn="ctr"/>
+            <a:r>
+              <a:rPr lang="en-SA" dirty="0"/>
+              <a:t>Model 2</a:t>
+            </a:r>
+          </a:p>
+        </p:txBody>
+      </p:sp>
+      <p:sp>
+        <p:nvSpPr>
+          <p:cNvPr id="66" name="TextBox 65">
+            <a:extLst>
+              <a:ext uri="{FF2B5EF4-FFF2-40B4-BE49-F238E27FC236}">
+                <a16:creationId xmlns:a16="http://schemas.microsoft.com/office/drawing/2014/main" id="{B99B89AE-F94E-6A42-9B95-CB65C38763BE}"/>
+              </a:ext>
+            </a:extLst>
+          </p:cNvPr>
+          <p:cNvSpPr txBox="1"/>
+          <p:nvPr/>
+        </p:nvSpPr>
+        <p:spPr>
+          <a:xfrm>
+            <a:off x="6115619" y="1318836"/>
+            <a:ext cx="4863832" cy="369332"/>
+          </a:xfrm>
+          <a:prstGeom prst="rect">
+            <a:avLst/>
+          </a:prstGeom>
+          <a:noFill/>
+        </p:spPr>
+        <p:txBody>
+          <a:bodyPr wrap="none" rtlCol="0">
+            <a:spAutoFit/>
+          </a:bodyPr>
+          <a:lstStyle/>
+          <a:p>
+            <a:r>
+              <a:rPr lang="en-US" dirty="0">
+                <a:latin typeface="Times" pitchFamily="2" charset="0"/>
+              </a:rPr>
+              <a:t>P</a:t>
+            </a:r>
+            <a:r>
+              <a:rPr lang="en-SA" dirty="0">
+                <a:latin typeface="Times" pitchFamily="2" charset="0"/>
+              </a:rPr>
+              <a:t>olynomial feature D=3, column= 3654  ,alph=0.2</a:t>
+            </a:r>
+          </a:p>
+        </p:txBody>
+      </p:sp>
+      <p:sp>
+        <p:nvSpPr>
+          <p:cNvPr id="67" name="Rectangle 66">
+            <a:extLst>
+              <a:ext uri="{FF2B5EF4-FFF2-40B4-BE49-F238E27FC236}">
+                <a16:creationId xmlns:a16="http://schemas.microsoft.com/office/drawing/2014/main" id="{89565CDA-58B3-1842-BAAE-53E2F7AF09DB}"/>
+              </a:ext>
+            </a:extLst>
+          </p:cNvPr>
+          <p:cNvSpPr/>
+          <p:nvPr/>
+        </p:nvSpPr>
+        <p:spPr>
+          <a:xfrm>
+            <a:off x="7088667" y="5203410"/>
+            <a:ext cx="2743200" cy="596348"/>
+          </a:xfrm>
+          <a:prstGeom prst="rect">
+            <a:avLst/>
+          </a:prstGeom>
+        </p:spPr>
+        <p:style>
+          <a:lnRef idx="1">
+            <a:schemeClr val="accent4"/>
+          </a:lnRef>
+          <a:fillRef idx="2">
+            <a:schemeClr val="accent4"/>
+          </a:fillRef>
+          <a:effectRef idx="1">
+            <a:schemeClr val="accent4"/>
+          </a:effectRef>
+          <a:fontRef idx="minor">
+            <a:schemeClr val="dk1"/>
+          </a:fontRef>
+        </p:style>
+        <p:txBody>
+          <a:bodyPr rtlCol="0" anchor="ctr"/>
+          <a:lstStyle/>
+          <a:p>
+            <a:pPr algn="ctr"/>
+            <a:r>
+              <a:rPr lang="en-US" dirty="0"/>
+              <a:t>R</a:t>
+            </a:r>
+            <a:r>
+              <a:rPr lang="en-SA" dirty="0"/>
+              <a:t>equired column=501</a:t>
+            </a:r>
+          </a:p>
+        </p:txBody>
+      </p:sp>
+      <p:cxnSp>
+        <p:nvCxnSpPr>
+          <p:cNvPr id="68" name="Straight Connector 67">
+            <a:extLst>
+              <a:ext uri="{FF2B5EF4-FFF2-40B4-BE49-F238E27FC236}">
+                <a16:creationId xmlns:a16="http://schemas.microsoft.com/office/drawing/2014/main" id="{97813F84-0EA9-694B-AB12-8B6964FFE986}"/>
+              </a:ext>
+            </a:extLst>
+          </p:cNvPr>
+          <p:cNvCxnSpPr>
+            <a:stCxn id="67" idx="1"/>
+          </p:cNvCxnSpPr>
+          <p:nvPr/>
+        </p:nvCxnSpPr>
+        <p:spPr>
+          <a:xfrm flipH="1">
+            <a:off x="6233904" y="5501584"/>
+            <a:ext cx="854763" cy="0"/>
+          </a:xfrm>
+          <a:prstGeom prst="line">
+            <a:avLst/>
+          </a:prstGeom>
+        </p:spPr>
+        <p:style>
+          <a:lnRef idx="1">
+            <a:schemeClr val="dk1"/>
+          </a:lnRef>
+          <a:fillRef idx="0">
+            <a:schemeClr val="dk1"/>
+          </a:fillRef>
+          <a:effectRef idx="0">
+            <a:schemeClr val="dk1"/>
+          </a:effectRef>
+          <a:fontRef idx="minor">
+            <a:schemeClr val="tx1"/>
+          </a:fontRef>
+        </p:style>
+      </p:cxnSp>
+      <p:cxnSp>
+        <p:nvCxnSpPr>
+          <p:cNvPr id="69" name="Straight Connector 68">
+            <a:extLst>
+              <a:ext uri="{FF2B5EF4-FFF2-40B4-BE49-F238E27FC236}">
+                <a16:creationId xmlns:a16="http://schemas.microsoft.com/office/drawing/2014/main" id="{FF0DA519-3D77-AF43-B8FF-2192DE71A46D}"/>
+              </a:ext>
+            </a:extLst>
+          </p:cNvPr>
+          <p:cNvCxnSpPr/>
+          <p:nvPr/>
+        </p:nvCxnSpPr>
+        <p:spPr>
+          <a:xfrm flipV="1">
+            <a:off x="6233904" y="1934817"/>
+            <a:ext cx="0" cy="3566767"/>
+          </a:xfrm>
+          <a:prstGeom prst="line">
+            <a:avLst/>
+          </a:prstGeom>
+        </p:spPr>
+        <p:style>
+          <a:lnRef idx="1">
+            <a:schemeClr val="dk1"/>
+          </a:lnRef>
+          <a:fillRef idx="0">
+            <a:schemeClr val="dk1"/>
+          </a:fillRef>
+          <a:effectRef idx="0">
+            <a:schemeClr val="dk1"/>
+          </a:effectRef>
+          <a:fontRef idx="minor">
+            <a:schemeClr val="tx1"/>
+          </a:fontRef>
+        </p:style>
+      </p:cxnSp>
+      <p:cxnSp>
+        <p:nvCxnSpPr>
+          <p:cNvPr id="70" name="Straight Connector 69">
+            <a:extLst>
+              <a:ext uri="{FF2B5EF4-FFF2-40B4-BE49-F238E27FC236}">
+                <a16:creationId xmlns:a16="http://schemas.microsoft.com/office/drawing/2014/main" id="{7D960C4D-76D5-5847-B483-4C208628BB8B}"/>
+              </a:ext>
+            </a:extLst>
+          </p:cNvPr>
+          <p:cNvCxnSpPr/>
+          <p:nvPr/>
+        </p:nvCxnSpPr>
+        <p:spPr>
+          <a:xfrm>
+            <a:off x="6233904" y="1908313"/>
+            <a:ext cx="854763" cy="0"/>
+          </a:xfrm>
+          <a:prstGeom prst="line">
+            <a:avLst/>
+          </a:prstGeom>
+        </p:spPr>
+        <p:style>
+          <a:lnRef idx="1">
+            <a:schemeClr val="dk1"/>
+          </a:lnRef>
+          <a:fillRef idx="0">
+            <a:schemeClr val="dk1"/>
+          </a:fillRef>
+          <a:effectRef idx="0">
+            <a:schemeClr val="dk1"/>
+          </a:effectRef>
+          <a:fontRef idx="minor">
+            <a:schemeClr val="tx1"/>
+          </a:fontRef>
+        </p:style>
+      </p:cxnSp>
+      <p:cxnSp>
+        <p:nvCxnSpPr>
+          <p:cNvPr id="71" name="Straight Arrow Connector 70">
+            <a:extLst>
+              <a:ext uri="{FF2B5EF4-FFF2-40B4-BE49-F238E27FC236}">
+                <a16:creationId xmlns:a16="http://schemas.microsoft.com/office/drawing/2014/main" id="{9D6E043F-354E-5B43-90BE-C1F1B72885E8}"/>
+              </a:ext>
+            </a:extLst>
+          </p:cNvPr>
+          <p:cNvCxnSpPr>
+            <a:cxnSpLocks/>
+          </p:cNvCxnSpPr>
+          <p:nvPr/>
+        </p:nvCxnSpPr>
+        <p:spPr>
+          <a:xfrm>
+            <a:off x="7101922" y="1921565"/>
+            <a:ext cx="0" cy="174451"/>
+          </a:xfrm>
+          <a:prstGeom prst="straightConnector1">
+            <a:avLst/>
+          </a:prstGeom>
+          <a:ln>
+            <a:tailEnd type="triangle"/>
+          </a:ln>
+        </p:spPr>
+        <p:style>
+          <a:lnRef idx="1">
+            <a:schemeClr val="dk1"/>
+          </a:lnRef>
+          <a:fillRef idx="0">
+            <a:schemeClr val="dk1"/>
+          </a:fillRef>
+          <a:effectRef idx="0">
+            <a:schemeClr val="dk1"/>
+          </a:effectRef>
+          <a:fontRef idx="minor">
+            <a:schemeClr val="tx1"/>
+          </a:fontRef>
+        </p:style>
+      </p:cxnSp>
+      <p:cxnSp>
+        <p:nvCxnSpPr>
+          <p:cNvPr id="72" name="Straight Connector 71">
+            <a:extLst>
+              <a:ext uri="{FF2B5EF4-FFF2-40B4-BE49-F238E27FC236}">
+                <a16:creationId xmlns:a16="http://schemas.microsoft.com/office/drawing/2014/main" id="{9E4ACEC3-F82B-7449-A868-46907A51A795}"/>
+              </a:ext>
+            </a:extLst>
+          </p:cNvPr>
+          <p:cNvCxnSpPr>
+            <a:cxnSpLocks/>
+            <a:stCxn id="57" idx="3"/>
+          </p:cNvCxnSpPr>
+          <p:nvPr/>
+        </p:nvCxnSpPr>
+        <p:spPr>
+          <a:xfrm>
+            <a:off x="7810913" y="3449085"/>
+            <a:ext cx="278295" cy="0"/>
+          </a:xfrm>
+          <a:prstGeom prst="line">
+            <a:avLst/>
+          </a:prstGeom>
+        </p:spPr>
+        <p:style>
+          <a:lnRef idx="1">
+            <a:schemeClr val="dk1"/>
+          </a:lnRef>
+          <a:fillRef idx="0">
+            <a:schemeClr val="dk1"/>
+          </a:fillRef>
+          <a:effectRef idx="0">
+            <a:schemeClr val="dk1"/>
+          </a:effectRef>
+          <a:fontRef idx="minor">
+            <a:schemeClr val="tx1"/>
+          </a:fontRef>
+        </p:style>
+      </p:cxnSp>
+      <p:cxnSp>
+        <p:nvCxnSpPr>
+          <p:cNvPr id="73" name="Straight Arrow Connector 72">
+            <a:extLst>
+              <a:ext uri="{FF2B5EF4-FFF2-40B4-BE49-F238E27FC236}">
+                <a16:creationId xmlns:a16="http://schemas.microsoft.com/office/drawing/2014/main" id="{E4ED873D-E999-B44D-87BF-87D248489604}"/>
+              </a:ext>
+            </a:extLst>
+          </p:cNvPr>
+          <p:cNvCxnSpPr/>
+          <p:nvPr/>
+        </p:nvCxnSpPr>
+        <p:spPr>
+          <a:xfrm>
+            <a:off x="8089208" y="3449085"/>
+            <a:ext cx="0" cy="1754325"/>
+          </a:xfrm>
+          <a:prstGeom prst="straightConnector1">
+            <a:avLst/>
+          </a:prstGeom>
+          <a:ln>
+            <a:tailEnd type="triangle"/>
+          </a:ln>
+        </p:spPr>
+        <p:style>
+          <a:lnRef idx="1">
+            <a:schemeClr val="dk1"/>
+          </a:lnRef>
+          <a:fillRef idx="0">
+            <a:schemeClr val="dk1"/>
+          </a:fillRef>
+          <a:effectRef idx="0">
+            <a:schemeClr val="dk1"/>
+          </a:effectRef>
+          <a:fontRef idx="minor">
+            <a:schemeClr val="tx1"/>
+          </a:fontRef>
+        </p:style>
+      </p:cxnSp>
+      <p:sp>
+        <p:nvSpPr>
+          <p:cNvPr id="74" name="Rectangle 73">
+            <a:extLst>
+              <a:ext uri="{FF2B5EF4-FFF2-40B4-BE49-F238E27FC236}">
+                <a16:creationId xmlns:a16="http://schemas.microsoft.com/office/drawing/2014/main" id="{6AA24EB5-DF14-C643-9C74-C9B3B5777222}"/>
+              </a:ext>
+            </a:extLst>
+          </p:cNvPr>
+          <p:cNvSpPr/>
+          <p:nvPr/>
+        </p:nvSpPr>
+        <p:spPr>
+          <a:xfrm>
+            <a:off x="2199862" y="1625134"/>
+            <a:ext cx="980659" cy="533917"/>
+          </a:xfrm>
+          <a:prstGeom prst="rect">
+            <a:avLst/>
+          </a:prstGeom>
+        </p:spPr>
+        <p:style>
+          <a:lnRef idx="1">
+            <a:schemeClr val="accent4"/>
+          </a:lnRef>
+          <a:fillRef idx="2">
+            <a:schemeClr val="accent4"/>
+          </a:fillRef>
+          <a:effectRef idx="1">
+            <a:schemeClr val="accent4"/>
+          </a:effectRef>
+          <a:fontRef idx="minor">
+            <a:schemeClr val="dk1"/>
+          </a:fontRef>
+        </p:style>
+        <p:txBody>
+          <a:bodyPr rtlCol="0" anchor="ctr"/>
+          <a:lstStyle/>
+          <a:p>
+            <a:pPr algn="ctr"/>
+            <a:r>
+              <a:rPr lang="en-SA" dirty="0"/>
+              <a:t>R^2 train</a:t>
+            </a:r>
+          </a:p>
+        </p:txBody>
+      </p:sp>
+      <p:sp>
+        <p:nvSpPr>
+          <p:cNvPr id="75" name="Rectangle 74">
+            <a:extLst>
+              <a:ext uri="{FF2B5EF4-FFF2-40B4-BE49-F238E27FC236}">
+                <a16:creationId xmlns:a16="http://schemas.microsoft.com/office/drawing/2014/main" id="{A28F44D2-3011-0349-93FC-A90057CF7FCA}"/>
+              </a:ext>
+            </a:extLst>
+          </p:cNvPr>
+          <p:cNvSpPr/>
+          <p:nvPr/>
+        </p:nvSpPr>
+        <p:spPr>
+          <a:xfrm>
+            <a:off x="3451571" y="1652950"/>
+            <a:ext cx="980659" cy="533917"/>
+          </a:xfrm>
+          <a:prstGeom prst="rect">
+            <a:avLst/>
+          </a:prstGeom>
+        </p:spPr>
+        <p:style>
+          <a:lnRef idx="1">
+            <a:schemeClr val="accent4"/>
+          </a:lnRef>
+          <a:fillRef idx="2">
+            <a:schemeClr val="accent4"/>
+          </a:fillRef>
+          <a:effectRef idx="1">
+            <a:schemeClr val="accent4"/>
+          </a:effectRef>
+          <a:fontRef idx="minor">
+            <a:schemeClr val="dk1"/>
+          </a:fontRef>
+        </p:style>
+        <p:txBody>
+          <a:bodyPr rtlCol="0" anchor="ctr"/>
+          <a:lstStyle/>
+          <a:p>
+            <a:pPr algn="ctr"/>
+            <a:r>
+              <a:rPr lang="en-SA" dirty="0"/>
+              <a:t>R^2 </a:t>
+            </a:r>
+          </a:p>
+          <a:p>
+            <a:pPr algn="ctr"/>
+            <a:r>
+              <a:rPr lang="en-SA" dirty="0"/>
+              <a:t>test</a:t>
+            </a:r>
+          </a:p>
+        </p:txBody>
+      </p:sp>
+      <p:sp>
+        <p:nvSpPr>
+          <p:cNvPr id="76" name="Rectangle 75">
+            <a:extLst>
+              <a:ext uri="{FF2B5EF4-FFF2-40B4-BE49-F238E27FC236}">
+                <a16:creationId xmlns:a16="http://schemas.microsoft.com/office/drawing/2014/main" id="{86E5A80B-9BED-3A40-ACBC-2ED4443D7DBC}"/>
+              </a:ext>
+            </a:extLst>
+          </p:cNvPr>
+          <p:cNvSpPr/>
+          <p:nvPr/>
+        </p:nvSpPr>
+        <p:spPr>
+          <a:xfrm>
+            <a:off x="8258397" y="1711912"/>
+            <a:ext cx="980659" cy="533917"/>
+          </a:xfrm>
+          <a:prstGeom prst="rect">
+            <a:avLst/>
+          </a:prstGeom>
+        </p:spPr>
+        <p:style>
+          <a:lnRef idx="1">
+            <a:schemeClr val="accent4"/>
+          </a:lnRef>
+          <a:fillRef idx="2">
+            <a:schemeClr val="accent4"/>
+          </a:fillRef>
+          <a:effectRef idx="1">
+            <a:schemeClr val="accent4"/>
+          </a:effectRef>
+          <a:fontRef idx="minor">
+            <a:schemeClr val="dk1"/>
+          </a:fontRef>
+        </p:style>
+        <p:txBody>
+          <a:bodyPr rtlCol="0" anchor="ctr"/>
+          <a:lstStyle/>
+          <a:p>
+            <a:pPr algn="ctr"/>
+            <a:r>
+              <a:rPr lang="en-SA" dirty="0"/>
+              <a:t>R^2 train</a:t>
+            </a:r>
+          </a:p>
+        </p:txBody>
+      </p:sp>
+      <p:sp>
+        <p:nvSpPr>
+          <p:cNvPr id="78" name="Rectangle 77">
+            <a:extLst>
+              <a:ext uri="{FF2B5EF4-FFF2-40B4-BE49-F238E27FC236}">
+                <a16:creationId xmlns:a16="http://schemas.microsoft.com/office/drawing/2014/main" id="{3DB3AC4B-A936-4A42-AF59-B0B0256381D7}"/>
+              </a:ext>
+            </a:extLst>
+          </p:cNvPr>
+          <p:cNvSpPr/>
+          <p:nvPr/>
+        </p:nvSpPr>
+        <p:spPr>
+          <a:xfrm>
+            <a:off x="9506567" y="1707633"/>
+            <a:ext cx="980659" cy="533917"/>
+          </a:xfrm>
+          <a:prstGeom prst="rect">
+            <a:avLst/>
+          </a:prstGeom>
+        </p:spPr>
+        <p:style>
+          <a:lnRef idx="1">
+            <a:schemeClr val="accent4"/>
+          </a:lnRef>
+          <a:fillRef idx="2">
+            <a:schemeClr val="accent4"/>
+          </a:fillRef>
+          <a:effectRef idx="1">
+            <a:schemeClr val="accent4"/>
+          </a:effectRef>
+          <a:fontRef idx="minor">
+            <a:schemeClr val="dk1"/>
+          </a:fontRef>
+        </p:style>
+        <p:txBody>
+          <a:bodyPr rtlCol="0" anchor="ctr"/>
+          <a:lstStyle/>
+          <a:p>
+            <a:pPr algn="ctr"/>
+            <a:r>
+              <a:rPr lang="en-SA" dirty="0"/>
+              <a:t>R^2 </a:t>
+            </a:r>
+          </a:p>
+          <a:p>
+            <a:pPr algn="ctr"/>
+            <a:r>
+              <a:rPr lang="en-SA" dirty="0"/>
+              <a:t>test</a:t>
+            </a:r>
+          </a:p>
+        </p:txBody>
+      </p:sp>
     </p:spTree>
     <p:extLst>
       <p:ext uri="{BB962C8B-B14F-4D97-AF65-F5344CB8AC3E}">
-        <p14:creationId xmlns:p14="http://schemas.microsoft.com/office/powerpoint/2010/main" val="4050886802"/>
+        <p14:creationId xmlns:p14="http://schemas.microsoft.com/office/powerpoint/2010/main" val="2780677963"/>
       </p:ext>
     </p:extLst>
   </p:cSld>
@@ -17956,732 +16139,1912 @@
       </p:grpSpPr>
       <p:sp>
         <p:nvSpPr>
-          <p:cNvPr id="2" name="Title 1">
-            <a:extLst>
-              <a:ext uri="{FF2B5EF4-FFF2-40B4-BE49-F238E27FC236}">
-                <a16:creationId xmlns:a16="http://schemas.microsoft.com/office/drawing/2014/main" id="{0A345F4F-0C6E-3C4C-B548-B1BB5C00CCAA}"/>
-              </a:ext>
-            </a:extLst>
-          </p:cNvPr>
-          <p:cNvSpPr>
-            <a:spLocks noGrp="1"/>
-          </p:cNvSpPr>
-          <p:nvPr>
-            <p:ph type="title"/>
-          </p:nvPr>
+          <p:cNvPr id="4" name="Rectangle 3">
+            <a:extLst>
+              <a:ext uri="{FF2B5EF4-FFF2-40B4-BE49-F238E27FC236}">
+                <a16:creationId xmlns:a16="http://schemas.microsoft.com/office/drawing/2014/main" id="{BC9C3D92-7338-DB4F-A065-90C2343E3B37}"/>
+              </a:ext>
+            </a:extLst>
+          </p:cNvPr>
+          <p:cNvSpPr/>
+          <p:nvPr/>
         </p:nvSpPr>
-        <p:spPr/>
+        <p:spPr>
+          <a:xfrm>
+            <a:off x="848139" y="2036827"/>
+            <a:ext cx="4373217" cy="2831032"/>
+          </a:xfrm>
+          <a:prstGeom prst="rect">
+            <a:avLst/>
+          </a:prstGeom>
+          <a:noFill/>
+          <a:ln w="9525" cap="flat" cmpd="sng" algn="ctr">
+            <a:solidFill>
+              <a:schemeClr val="dk1"/>
+            </a:solidFill>
+            <a:prstDash val="solid"/>
+            <a:round/>
+            <a:headEnd type="none" w="med" len="med"/>
+            <a:tailEnd type="none" w="med" len="med"/>
+          </a:ln>
+        </p:spPr>
+        <p:style>
+          <a:lnRef idx="0">
+            <a:scrgbClr r="0" g="0" b="0"/>
+          </a:lnRef>
+          <a:fillRef idx="0">
+            <a:scrgbClr r="0" g="0" b="0"/>
+          </a:fillRef>
+          <a:effectRef idx="0">
+            <a:scrgbClr r="0" g="0" b="0"/>
+          </a:effectRef>
+          <a:fontRef idx="minor">
+            <a:schemeClr val="dk1"/>
+          </a:fontRef>
+        </p:style>
         <p:txBody>
-          <a:bodyPr>
-            <a:normAutofit/>
-          </a:bodyPr>
+          <a:bodyPr rtlCol="0" anchor="ctr"/>
           <a:lstStyle/>
           <a:p>
             <a:pPr algn="ctr"/>
-            <a:r>
-              <a:rPr lang="en-SA" sz="3600" b="1" dirty="0">
-                <a:latin typeface="Times" pitchFamily="2" charset="0"/>
-              </a:rPr>
-              <a:t>Lasso Regression</a:t>
-            </a:r>
+            <a:endParaRPr lang="en-SA"/>
           </a:p>
         </p:txBody>
       </p:sp>
-      <p:pic>
-        <p:nvPicPr>
-          <p:cNvPr id="4" name="Picture 3">
-            <a:extLst>
-              <a:ext uri="{FF2B5EF4-FFF2-40B4-BE49-F238E27FC236}">
-                <a16:creationId xmlns:a16="http://schemas.microsoft.com/office/drawing/2014/main" id="{6B1AAFB6-B35D-9044-BC8A-B2C011AD19B3}"/>
-              </a:ext>
-            </a:extLst>
-          </p:cNvPr>
-          <p:cNvPicPr>
-            <a:picLocks noChangeAspect="1"/>
-          </p:cNvPicPr>
+      <p:sp>
+        <p:nvSpPr>
+          <p:cNvPr id="5" name="Rectangle 4">
+            <a:extLst>
+              <a:ext uri="{FF2B5EF4-FFF2-40B4-BE49-F238E27FC236}">
+                <a16:creationId xmlns:a16="http://schemas.microsoft.com/office/drawing/2014/main" id="{1D78267C-7DCB-774A-96BF-9BE6F25ABDAE}"/>
+              </a:ext>
+            </a:extLst>
+          </p:cNvPr>
+          <p:cNvSpPr/>
           <p:nvPr/>
-        </p:nvPicPr>
-        <p:blipFill>
-          <a:blip r:embed="rId2"/>
-          <a:stretch>
-            <a:fillRect/>
-          </a:stretch>
-        </p:blipFill>
+        </p:nvSpPr>
         <p:spPr>
           <a:xfrm>
-            <a:off x="6592224" y="1459194"/>
-            <a:ext cx="5054600" cy="3530600"/>
+            <a:off x="848139" y="2163863"/>
+            <a:ext cx="1417982" cy="599662"/>
           </a:xfrm>
           <a:prstGeom prst="rect">
             <a:avLst/>
           </a:prstGeom>
         </p:spPr>
-      </p:pic>
-      <p:pic>
-        <p:nvPicPr>
-          <p:cNvPr id="5" name="Picture 4">
-            <a:extLst>
-              <a:ext uri="{FF2B5EF4-FFF2-40B4-BE49-F238E27FC236}">
-                <a16:creationId xmlns:a16="http://schemas.microsoft.com/office/drawing/2014/main" id="{63CD6E7D-75C1-AC46-A79B-F2B9F04BE14B}"/>
-              </a:ext>
-            </a:extLst>
-          </p:cNvPr>
-          <p:cNvPicPr>
-            <a:picLocks noChangeAspect="1"/>
-          </p:cNvPicPr>
+        <p:style>
+          <a:lnRef idx="1">
+            <a:schemeClr val="accent2"/>
+          </a:lnRef>
+          <a:fillRef idx="2">
+            <a:schemeClr val="accent2"/>
+          </a:fillRef>
+          <a:effectRef idx="1">
+            <a:schemeClr val="accent2"/>
+          </a:effectRef>
+          <a:fontRef idx="minor">
+            <a:schemeClr val="dk1"/>
+          </a:fontRef>
+        </p:style>
+        <p:txBody>
+          <a:bodyPr rtlCol="0" anchor="ctr"/>
+          <a:lstStyle/>
+          <a:p>
+            <a:pPr algn="ctr"/>
+            <a:r>
+              <a:rPr lang="en-US" dirty="0"/>
+              <a:t>L</a:t>
+            </a:r>
+            <a:r>
+              <a:rPr lang="en-SA" dirty="0"/>
+              <a:t>inear reg </a:t>
+            </a:r>
+          </a:p>
+        </p:txBody>
+      </p:sp>
+      <p:sp>
+        <p:nvSpPr>
+          <p:cNvPr id="6" name="Rectangle 5">
+            <a:extLst>
+              <a:ext uri="{FF2B5EF4-FFF2-40B4-BE49-F238E27FC236}">
+                <a16:creationId xmlns:a16="http://schemas.microsoft.com/office/drawing/2014/main" id="{E880341F-B402-7A48-8573-19FB5A1007D5}"/>
+              </a:ext>
+            </a:extLst>
+          </p:cNvPr>
+          <p:cNvSpPr/>
           <p:nvPr/>
-        </p:nvPicPr>
-        <p:blipFill>
-          <a:blip r:embed="rId3"/>
-          <a:stretch>
-            <a:fillRect/>
-          </a:stretch>
-        </p:blipFill>
+        </p:nvSpPr>
         <p:spPr>
           <a:xfrm>
-            <a:off x="701776" y="1459194"/>
-            <a:ext cx="5054600" cy="3530600"/>
+            <a:off x="848139" y="3090065"/>
+            <a:ext cx="1417982" cy="599662"/>
           </a:xfrm>
           <a:prstGeom prst="rect">
             <a:avLst/>
           </a:prstGeom>
         </p:spPr>
-      </p:pic>
-      <p:graphicFrame>
-        <p:nvGraphicFramePr>
-          <p:cNvPr id="6" name="Table 5">
-            <a:extLst>
-              <a:ext uri="{FF2B5EF4-FFF2-40B4-BE49-F238E27FC236}">
-                <a16:creationId xmlns:a16="http://schemas.microsoft.com/office/drawing/2014/main" id="{CBAC5AE7-6DC2-194C-956A-AFFC8C16A8D4}"/>
-              </a:ext>
-            </a:extLst>
-          </p:cNvPr>
-          <p:cNvGraphicFramePr>
-            <a:graphicFrameLocks noGrp="1"/>
-          </p:cNvGraphicFramePr>
-          <p:nvPr>
-            <p:extLst>
-              <p:ext uri="{D42A27DB-BD31-4B8C-83A1-F6EECF244321}">
-                <p14:modId xmlns:p14="http://schemas.microsoft.com/office/powerpoint/2010/main" val="1310105494"/>
-              </p:ext>
-            </p:extLst>
-          </p:nvPr>
-        </p:nvGraphicFramePr>
-        <p:xfrm>
-          <a:off x="3738623" y="5114006"/>
-          <a:ext cx="5239925" cy="1325563"/>
-        </p:xfrm>
-        <a:graphic>
-          <a:graphicData uri="http://schemas.openxmlformats.org/drawingml/2006/table">
-            <a:tbl>
-              <a:tblPr firstRow="1" firstCol="1" bandRow="1">
-                <a:tableStyleId>{0505E3EF-67EA-436B-97B2-0124C06EBD24}</a:tableStyleId>
-              </a:tblPr>
-              <a:tblGrid>
-                <a:gridCol w="1515663">
-                  <a:extLst>
-                    <a:ext uri="{9D8B030D-6E8A-4147-A177-3AD203B41FA5}">
-                      <a16:colId xmlns:a16="http://schemas.microsoft.com/office/drawing/2014/main" val="392650709"/>
-                    </a:ext>
-                  </a:extLst>
-                </a:gridCol>
-                <a:gridCol w="1043863">
-                  <a:extLst>
-                    <a:ext uri="{9D8B030D-6E8A-4147-A177-3AD203B41FA5}">
-                      <a16:colId xmlns:a16="http://schemas.microsoft.com/office/drawing/2014/main" val="3257614575"/>
-                    </a:ext>
-                  </a:extLst>
-                </a:gridCol>
-                <a:gridCol w="934129">
-                  <a:extLst>
-                    <a:ext uri="{9D8B030D-6E8A-4147-A177-3AD203B41FA5}">
-                      <a16:colId xmlns:a16="http://schemas.microsoft.com/office/drawing/2014/main" val="2927303253"/>
-                    </a:ext>
-                  </a:extLst>
-                </a:gridCol>
-                <a:gridCol w="790974">
-                  <a:extLst>
-                    <a:ext uri="{9D8B030D-6E8A-4147-A177-3AD203B41FA5}">
-                      <a16:colId xmlns:a16="http://schemas.microsoft.com/office/drawing/2014/main" val="4008615046"/>
-                    </a:ext>
-                  </a:extLst>
-                </a:gridCol>
-                <a:gridCol w="955296">
-                  <a:extLst>
-                    <a:ext uri="{9D8B030D-6E8A-4147-A177-3AD203B41FA5}">
-                      <a16:colId xmlns:a16="http://schemas.microsoft.com/office/drawing/2014/main" val="1343270985"/>
-                    </a:ext>
-                  </a:extLst>
-                </a:gridCol>
-              </a:tblGrid>
-              <a:tr h="284049">
-                <a:tc>
-                  <a:txBody>
-                    <a:bodyPr/>
-                    <a:lstStyle/>
-                    <a:p>
-                      <a:pPr algn="ctr"/>
-                      <a:r>
-                        <a:rPr lang="en-US" sz="1400" b="1" dirty="0">
-                          <a:solidFill>
-                            <a:schemeClr val="tx1"/>
-                          </a:solidFill>
-                          <a:effectLst/>
-                          <a:latin typeface="Times" pitchFamily="2" charset="0"/>
-                        </a:rPr>
-                        <a:t>Lasso</a:t>
-                      </a:r>
-                      <a:endParaRPr lang="en-SA" sz="1400" b="1" dirty="0">
-                        <a:solidFill>
-                          <a:schemeClr val="tx1"/>
-                        </a:solidFill>
-                        <a:effectLst/>
-                        <a:latin typeface="Times" pitchFamily="2" charset="0"/>
-                        <a:ea typeface="Calibri" panose="020F0502020204030204" pitchFamily="34" charset="0"/>
-                        <a:cs typeface="Arial" panose="020B0604020202020204" pitchFamily="34" charset="0"/>
-                      </a:endParaRPr>
-                    </a:p>
-                  </a:txBody>
-                  <a:tcPr marL="68580" marR="68580" marT="0" marB="0"/>
-                </a:tc>
-                <a:tc>
-                  <a:txBody>
-                    <a:bodyPr/>
-                    <a:lstStyle/>
-                    <a:p>
-                      <a:pPr algn="ctr"/>
-                      <a:r>
-                        <a:rPr lang="en-US" sz="1400" b="1">
-                          <a:solidFill>
-                            <a:schemeClr val="tx1"/>
-                          </a:solidFill>
-                          <a:effectLst/>
-                          <a:latin typeface="Times" pitchFamily="2" charset="0"/>
-                        </a:rPr>
-                        <a:t>R^2</a:t>
-                      </a:r>
-                      <a:endParaRPr lang="en-SA" sz="1400" b="1">
-                        <a:solidFill>
-                          <a:schemeClr val="tx1"/>
-                        </a:solidFill>
-                        <a:effectLst/>
-                        <a:latin typeface="Times" pitchFamily="2" charset="0"/>
-                        <a:ea typeface="Calibri" panose="020F0502020204030204" pitchFamily="34" charset="0"/>
-                        <a:cs typeface="Arial" panose="020B0604020202020204" pitchFamily="34" charset="0"/>
-                      </a:endParaRPr>
-                    </a:p>
-                  </a:txBody>
-                  <a:tcPr marL="68580" marR="68580" marT="0" marB="0"/>
-                </a:tc>
-                <a:tc>
-                  <a:txBody>
-                    <a:bodyPr/>
-                    <a:lstStyle/>
-                    <a:p>
-                      <a:pPr algn="ctr"/>
-                      <a:r>
-                        <a:rPr lang="en-US" sz="1400" b="1">
-                          <a:solidFill>
-                            <a:schemeClr val="tx1"/>
-                          </a:solidFill>
-                          <a:effectLst/>
-                          <a:latin typeface="Times" pitchFamily="2" charset="0"/>
-                        </a:rPr>
-                        <a:t>MAE</a:t>
-                      </a:r>
-                      <a:endParaRPr lang="en-SA" sz="1400" b="1">
-                        <a:solidFill>
-                          <a:schemeClr val="tx1"/>
-                        </a:solidFill>
-                        <a:effectLst/>
-                        <a:latin typeface="Times" pitchFamily="2" charset="0"/>
-                        <a:ea typeface="Calibri" panose="020F0502020204030204" pitchFamily="34" charset="0"/>
-                        <a:cs typeface="Arial" panose="020B0604020202020204" pitchFamily="34" charset="0"/>
-                      </a:endParaRPr>
-                    </a:p>
-                  </a:txBody>
-                  <a:tcPr marL="68580" marR="68580" marT="0" marB="0"/>
-                </a:tc>
-                <a:tc>
-                  <a:txBody>
-                    <a:bodyPr/>
-                    <a:lstStyle/>
-                    <a:p>
-                      <a:pPr algn="ctr"/>
-                      <a:r>
-                        <a:rPr lang="en-US" sz="1400" b="1">
-                          <a:solidFill>
-                            <a:schemeClr val="tx1"/>
-                          </a:solidFill>
-                          <a:effectLst/>
-                          <a:latin typeface="Times" pitchFamily="2" charset="0"/>
-                        </a:rPr>
-                        <a:t>MSE</a:t>
-                      </a:r>
-                      <a:endParaRPr lang="en-SA" sz="1400" b="1">
-                        <a:solidFill>
-                          <a:schemeClr val="tx1"/>
-                        </a:solidFill>
-                        <a:effectLst/>
-                        <a:latin typeface="Times" pitchFamily="2" charset="0"/>
-                        <a:ea typeface="Calibri" panose="020F0502020204030204" pitchFamily="34" charset="0"/>
-                        <a:cs typeface="Arial" panose="020B0604020202020204" pitchFamily="34" charset="0"/>
-                      </a:endParaRPr>
-                    </a:p>
-                  </a:txBody>
-                  <a:tcPr marL="68580" marR="68580" marT="0" marB="0"/>
-                </a:tc>
-                <a:tc>
-                  <a:txBody>
-                    <a:bodyPr/>
-                    <a:lstStyle/>
-                    <a:p>
-                      <a:pPr algn="ctr"/>
-                      <a:r>
-                        <a:rPr lang="en-US" sz="1400" b="1">
-                          <a:solidFill>
-                            <a:schemeClr val="tx1"/>
-                          </a:solidFill>
-                          <a:effectLst/>
-                          <a:latin typeface="Times" pitchFamily="2" charset="0"/>
-                        </a:rPr>
-                        <a:t>RMSR</a:t>
-                      </a:r>
-                      <a:endParaRPr lang="en-SA" sz="1400" b="1">
-                        <a:solidFill>
-                          <a:schemeClr val="tx1"/>
-                        </a:solidFill>
-                        <a:effectLst/>
-                        <a:latin typeface="Times" pitchFamily="2" charset="0"/>
-                        <a:ea typeface="Calibri" panose="020F0502020204030204" pitchFamily="34" charset="0"/>
-                        <a:cs typeface="Arial" panose="020B0604020202020204" pitchFamily="34" charset="0"/>
-                      </a:endParaRPr>
-                    </a:p>
-                  </a:txBody>
-                  <a:tcPr marL="68580" marR="68580" marT="0" marB="0"/>
-                </a:tc>
-                <a:extLst>
-                  <a:ext uri="{0D108BD9-81ED-4DB2-BD59-A6C34878D82A}">
-                    <a16:rowId xmlns:a16="http://schemas.microsoft.com/office/drawing/2014/main" val="1777298932"/>
-                  </a:ext>
-                </a:extLst>
-              </a:tr>
-              <a:tr h="520757">
-                <a:tc>
-                  <a:txBody>
-                    <a:bodyPr/>
-                    <a:lstStyle/>
-                    <a:p>
-                      <a:pPr algn="ctr"/>
-                      <a:r>
-                        <a:rPr lang="en-US" sz="1400" b="1" dirty="0">
-                          <a:solidFill>
-                            <a:schemeClr val="tx1"/>
-                          </a:solidFill>
-                          <a:effectLst/>
-                          <a:latin typeface="Times" pitchFamily="2" charset="0"/>
-                        </a:rPr>
-                        <a:t>Training</a:t>
-                      </a:r>
-                      <a:endParaRPr lang="en-SA" sz="1400" b="1" dirty="0">
-                        <a:solidFill>
-                          <a:schemeClr val="tx1"/>
-                        </a:solidFill>
-                        <a:effectLst/>
-                        <a:latin typeface="Times" pitchFamily="2" charset="0"/>
-                        <a:ea typeface="Calibri" panose="020F0502020204030204" pitchFamily="34" charset="0"/>
-                        <a:cs typeface="Arial" panose="020B0604020202020204" pitchFamily="34" charset="0"/>
-                      </a:endParaRPr>
-                    </a:p>
-                  </a:txBody>
-                  <a:tcPr marL="68580" marR="68580" marT="0" marB="0"/>
-                </a:tc>
-                <a:tc>
-                  <a:txBody>
-                    <a:bodyPr/>
-                    <a:lstStyle/>
-                    <a:p>
-                      <a:pPr algn="ctr"/>
-                      <a:r>
-                        <a:rPr lang="en-SA" sz="1400" b="0" dirty="0">
-                          <a:solidFill>
-                            <a:schemeClr val="tx1"/>
-                          </a:solidFill>
-                          <a:effectLst/>
-                          <a:latin typeface="Times" pitchFamily="2" charset="0"/>
-                        </a:rPr>
-                        <a:t>0.0</a:t>
-                      </a:r>
-                    </a:p>
-                    <a:p>
-                      <a:pPr algn="ctr"/>
-                      <a:r>
-                        <a:rPr lang="en-US" sz="1400" b="0" dirty="0">
-                          <a:solidFill>
-                            <a:schemeClr val="tx1"/>
-                          </a:solidFill>
-                          <a:effectLst/>
-                          <a:latin typeface="Times" pitchFamily="2" charset="0"/>
-                        </a:rPr>
-                        <a:t> </a:t>
-                      </a:r>
-                      <a:endParaRPr lang="en-SA" sz="1400" b="0" dirty="0">
-                        <a:solidFill>
-                          <a:schemeClr val="tx1"/>
-                        </a:solidFill>
-                        <a:effectLst/>
-                        <a:latin typeface="Times" pitchFamily="2" charset="0"/>
-                        <a:ea typeface="Calibri" panose="020F0502020204030204" pitchFamily="34" charset="0"/>
-                        <a:cs typeface="Arial" panose="020B0604020202020204" pitchFamily="34" charset="0"/>
-                      </a:endParaRPr>
-                    </a:p>
-                  </a:txBody>
-                  <a:tcPr marL="68580" marR="68580" marT="0" marB="0"/>
-                </a:tc>
-                <a:tc>
-                  <a:txBody>
-                    <a:bodyPr/>
-                    <a:lstStyle/>
-                    <a:p>
-                      <a:pPr algn="ctr"/>
-                      <a:r>
-                        <a:rPr lang="en-SA" sz="1400" b="0" dirty="0">
-                          <a:solidFill>
-                            <a:schemeClr val="tx1"/>
-                          </a:solidFill>
-                          <a:effectLst/>
-                          <a:latin typeface="Times" pitchFamily="2" charset="0"/>
-                        </a:rPr>
-                        <a:t>0.2107</a:t>
-                      </a:r>
-                    </a:p>
-                    <a:p>
-                      <a:pPr algn="ctr"/>
-                      <a:r>
-                        <a:rPr lang="en-US" sz="1400" b="0" dirty="0">
-                          <a:solidFill>
-                            <a:schemeClr val="tx1"/>
-                          </a:solidFill>
-                          <a:effectLst/>
-                          <a:latin typeface="Times" pitchFamily="2" charset="0"/>
-                        </a:rPr>
-                        <a:t> </a:t>
-                      </a:r>
-                      <a:endParaRPr lang="en-SA" sz="1400" b="0" dirty="0">
-                        <a:solidFill>
-                          <a:schemeClr val="tx1"/>
-                        </a:solidFill>
-                        <a:effectLst/>
-                        <a:latin typeface="Times" pitchFamily="2" charset="0"/>
-                        <a:ea typeface="Calibri" panose="020F0502020204030204" pitchFamily="34" charset="0"/>
-                        <a:cs typeface="Arial" panose="020B0604020202020204" pitchFamily="34" charset="0"/>
-                      </a:endParaRPr>
-                    </a:p>
-                  </a:txBody>
-                  <a:tcPr marL="68580" marR="68580" marT="0" marB="0"/>
-                </a:tc>
-                <a:tc>
-                  <a:txBody>
-                    <a:bodyPr/>
-                    <a:lstStyle/>
-                    <a:p>
-                      <a:pPr algn="ctr"/>
-                      <a:r>
-                        <a:rPr lang="en-SA" sz="1400" b="0">
-                          <a:solidFill>
-                            <a:schemeClr val="tx1"/>
-                          </a:solidFill>
-                          <a:effectLst/>
-                          <a:latin typeface="Times" pitchFamily="2" charset="0"/>
-                        </a:rPr>
-                        <a:t>7518</a:t>
-                      </a:r>
-                    </a:p>
-                    <a:p>
-                      <a:pPr algn="ctr"/>
-                      <a:r>
-                        <a:rPr lang="en-US" sz="1400" b="0">
-                          <a:solidFill>
-                            <a:schemeClr val="tx1"/>
-                          </a:solidFill>
-                          <a:effectLst/>
-                          <a:latin typeface="Times" pitchFamily="2" charset="0"/>
-                        </a:rPr>
-                        <a:t> </a:t>
-                      </a:r>
-                      <a:endParaRPr lang="en-SA" sz="1400" b="0">
-                        <a:solidFill>
-                          <a:schemeClr val="tx1"/>
-                        </a:solidFill>
-                        <a:effectLst/>
-                        <a:latin typeface="Times" pitchFamily="2" charset="0"/>
-                        <a:ea typeface="Calibri" panose="020F0502020204030204" pitchFamily="34" charset="0"/>
-                        <a:cs typeface="Arial" panose="020B0604020202020204" pitchFamily="34" charset="0"/>
-                      </a:endParaRPr>
-                    </a:p>
-                  </a:txBody>
-                  <a:tcPr marL="68580" marR="68580" marT="0" marB="0"/>
-                </a:tc>
-                <a:tc>
-                  <a:txBody>
-                    <a:bodyPr/>
-                    <a:lstStyle/>
-                    <a:p>
-                      <a:pPr algn="ctr"/>
-                      <a:r>
-                        <a:rPr lang="en-SA" sz="1400" b="0">
-                          <a:solidFill>
-                            <a:schemeClr val="tx1"/>
-                          </a:solidFill>
-                          <a:effectLst/>
-                          <a:latin typeface="Times" pitchFamily="2" charset="0"/>
-                        </a:rPr>
-                        <a:t>8670</a:t>
-                      </a:r>
-                    </a:p>
-                    <a:p>
-                      <a:pPr algn="ctr"/>
-                      <a:r>
-                        <a:rPr lang="en-US" sz="1400" b="0">
-                          <a:solidFill>
-                            <a:schemeClr val="tx1"/>
-                          </a:solidFill>
-                          <a:effectLst/>
-                          <a:latin typeface="Times" pitchFamily="2" charset="0"/>
-                        </a:rPr>
-                        <a:t> </a:t>
-                      </a:r>
-                      <a:endParaRPr lang="en-SA" sz="1400" b="0">
-                        <a:solidFill>
-                          <a:schemeClr val="tx1"/>
-                        </a:solidFill>
-                        <a:effectLst/>
-                        <a:latin typeface="Times" pitchFamily="2" charset="0"/>
-                        <a:ea typeface="Calibri" panose="020F0502020204030204" pitchFamily="34" charset="0"/>
-                        <a:cs typeface="Arial" panose="020B0604020202020204" pitchFamily="34" charset="0"/>
-                      </a:endParaRPr>
-                    </a:p>
-                  </a:txBody>
-                  <a:tcPr marL="68580" marR="68580" marT="0" marB="0"/>
-                </a:tc>
-                <a:extLst>
-                  <a:ext uri="{0D108BD9-81ED-4DB2-BD59-A6C34878D82A}">
-                    <a16:rowId xmlns:a16="http://schemas.microsoft.com/office/drawing/2014/main" val="1380155578"/>
-                  </a:ext>
-                </a:extLst>
-              </a:tr>
-              <a:tr h="520757">
-                <a:tc>
-                  <a:txBody>
-                    <a:bodyPr/>
-                    <a:lstStyle/>
-                    <a:p>
-                      <a:pPr algn="ctr"/>
-                      <a:r>
-                        <a:rPr lang="en-US" sz="1400" b="1" dirty="0">
-                          <a:solidFill>
-                            <a:schemeClr val="tx1"/>
-                          </a:solidFill>
-                          <a:effectLst/>
-                          <a:latin typeface="Times" pitchFamily="2" charset="0"/>
-                        </a:rPr>
-                        <a:t>Testing</a:t>
-                      </a:r>
-                      <a:endParaRPr lang="en-SA" sz="1400" b="1" dirty="0">
-                        <a:solidFill>
-                          <a:schemeClr val="tx1"/>
-                        </a:solidFill>
-                        <a:effectLst/>
-                        <a:latin typeface="Times" pitchFamily="2" charset="0"/>
-                        <a:ea typeface="Calibri" panose="020F0502020204030204" pitchFamily="34" charset="0"/>
-                        <a:cs typeface="Arial" panose="020B0604020202020204" pitchFamily="34" charset="0"/>
-                      </a:endParaRPr>
-                    </a:p>
-                  </a:txBody>
-                  <a:tcPr marL="68580" marR="68580" marT="0" marB="0"/>
-                </a:tc>
-                <a:tc>
-                  <a:txBody>
-                    <a:bodyPr/>
-                    <a:lstStyle/>
-                    <a:p>
-                      <a:pPr algn="ctr"/>
-                      <a:r>
-                        <a:rPr lang="en-SA" sz="1400" b="0" dirty="0">
-                          <a:solidFill>
-                            <a:schemeClr val="tx1"/>
-                          </a:solidFill>
-                          <a:effectLst/>
-                          <a:latin typeface="Times" pitchFamily="2" charset="0"/>
-                        </a:rPr>
-                        <a:t>-2.1235</a:t>
-                      </a:r>
-                    </a:p>
-                    <a:p>
-                      <a:pPr algn="ctr"/>
-                      <a:r>
-                        <a:rPr lang="en-US" sz="1400" b="0" dirty="0">
-                          <a:solidFill>
-                            <a:schemeClr val="tx1"/>
-                          </a:solidFill>
-                          <a:effectLst/>
-                          <a:latin typeface="Times" pitchFamily="2" charset="0"/>
-                        </a:rPr>
-                        <a:t> </a:t>
-                      </a:r>
-                      <a:endParaRPr lang="en-SA" sz="1400" b="0" dirty="0">
-                        <a:solidFill>
-                          <a:schemeClr val="tx1"/>
-                        </a:solidFill>
-                        <a:effectLst/>
-                        <a:latin typeface="Times" pitchFamily="2" charset="0"/>
-                        <a:ea typeface="Calibri" panose="020F0502020204030204" pitchFamily="34" charset="0"/>
-                        <a:cs typeface="Arial" panose="020B0604020202020204" pitchFamily="34" charset="0"/>
-                      </a:endParaRPr>
-                    </a:p>
-                  </a:txBody>
-                  <a:tcPr marL="68580" marR="68580" marT="0" marB="0"/>
-                </a:tc>
-                <a:tc>
-                  <a:txBody>
-                    <a:bodyPr/>
-                    <a:lstStyle/>
-                    <a:p>
-                      <a:pPr algn="ctr"/>
-                      <a:r>
-                        <a:rPr lang="en-SA" sz="1400" b="0" dirty="0">
-                          <a:solidFill>
-                            <a:schemeClr val="tx1"/>
-                          </a:solidFill>
-                          <a:effectLst/>
-                          <a:latin typeface="Times" pitchFamily="2" charset="0"/>
-                        </a:rPr>
-                        <a:t>71493</a:t>
-                      </a:r>
-                    </a:p>
-                    <a:p>
-                      <a:pPr algn="ctr"/>
-                      <a:r>
-                        <a:rPr lang="en-US" sz="1400" b="0" dirty="0">
-                          <a:solidFill>
-                            <a:schemeClr val="tx1"/>
-                          </a:solidFill>
-                          <a:effectLst/>
-                          <a:latin typeface="Times" pitchFamily="2" charset="0"/>
-                        </a:rPr>
-                        <a:t> </a:t>
-                      </a:r>
-                      <a:endParaRPr lang="en-SA" sz="1400" b="0" dirty="0">
-                        <a:solidFill>
-                          <a:schemeClr val="tx1"/>
-                        </a:solidFill>
-                        <a:effectLst/>
-                        <a:latin typeface="Times" pitchFamily="2" charset="0"/>
-                        <a:ea typeface="Calibri" panose="020F0502020204030204" pitchFamily="34" charset="0"/>
-                        <a:cs typeface="Arial" panose="020B0604020202020204" pitchFamily="34" charset="0"/>
-                      </a:endParaRPr>
-                    </a:p>
-                  </a:txBody>
-                  <a:tcPr marL="68580" marR="68580" marT="0" marB="0"/>
-                </a:tc>
-                <a:tc>
-                  <a:txBody>
-                    <a:bodyPr/>
-                    <a:lstStyle/>
-                    <a:p>
-                      <a:pPr algn="ctr"/>
-                      <a:r>
-                        <a:rPr lang="en-SA" sz="1400" b="0" dirty="0">
-                          <a:solidFill>
-                            <a:schemeClr val="tx1"/>
-                          </a:solidFill>
-                          <a:effectLst/>
-                          <a:latin typeface="Times" pitchFamily="2" charset="0"/>
-                        </a:rPr>
-                        <a:t>7518</a:t>
-                      </a:r>
-                    </a:p>
-                    <a:p>
-                      <a:pPr algn="ctr"/>
-                      <a:r>
-                        <a:rPr lang="en-US" sz="1400" b="0" dirty="0">
-                          <a:solidFill>
-                            <a:schemeClr val="tx1"/>
-                          </a:solidFill>
-                          <a:effectLst/>
-                          <a:latin typeface="Times" pitchFamily="2" charset="0"/>
-                        </a:rPr>
-                        <a:t> </a:t>
-                      </a:r>
-                      <a:endParaRPr lang="en-SA" sz="1400" b="0" dirty="0">
-                        <a:solidFill>
-                          <a:schemeClr val="tx1"/>
-                        </a:solidFill>
-                        <a:effectLst/>
-                        <a:latin typeface="Times" pitchFamily="2" charset="0"/>
-                        <a:ea typeface="Calibri" panose="020F0502020204030204" pitchFamily="34" charset="0"/>
-                        <a:cs typeface="Arial" panose="020B0604020202020204" pitchFamily="34" charset="0"/>
-                      </a:endParaRPr>
-                    </a:p>
-                  </a:txBody>
-                  <a:tcPr marL="68580" marR="68580" marT="0" marB="0"/>
-                </a:tc>
-                <a:tc>
-                  <a:txBody>
-                    <a:bodyPr/>
-                    <a:lstStyle/>
-                    <a:p>
-                      <a:pPr algn="ctr"/>
-                      <a:r>
-                        <a:rPr lang="en-SA" sz="1400" b="0" dirty="0">
-                          <a:solidFill>
-                            <a:schemeClr val="tx1"/>
-                          </a:solidFill>
-                          <a:effectLst/>
-                          <a:latin typeface="Times" pitchFamily="2" charset="0"/>
-                        </a:rPr>
-                        <a:t>8670</a:t>
-                      </a:r>
-                    </a:p>
-                    <a:p>
-                      <a:pPr algn="ctr"/>
-                      <a:r>
-                        <a:rPr lang="en-US" sz="1400" b="0" dirty="0">
-                          <a:solidFill>
-                            <a:schemeClr val="tx1"/>
-                          </a:solidFill>
-                          <a:effectLst/>
-                          <a:latin typeface="Times" pitchFamily="2" charset="0"/>
-                        </a:rPr>
-                        <a:t> </a:t>
-                      </a:r>
-                      <a:endParaRPr lang="en-SA" sz="1400" b="0" dirty="0">
-                        <a:solidFill>
-                          <a:schemeClr val="tx1"/>
-                        </a:solidFill>
-                        <a:effectLst/>
-                        <a:latin typeface="Times" pitchFamily="2" charset="0"/>
-                        <a:ea typeface="Calibri" panose="020F0502020204030204" pitchFamily="34" charset="0"/>
-                        <a:cs typeface="Arial" panose="020B0604020202020204" pitchFamily="34" charset="0"/>
-                      </a:endParaRPr>
-                    </a:p>
-                  </a:txBody>
-                  <a:tcPr marL="68580" marR="68580" marT="0" marB="0"/>
-                </a:tc>
-                <a:extLst>
-                  <a:ext uri="{0D108BD9-81ED-4DB2-BD59-A6C34878D82A}">
-                    <a16:rowId xmlns:a16="http://schemas.microsoft.com/office/drawing/2014/main" val="2842503702"/>
-                  </a:ext>
-                </a:extLst>
-              </a:tr>
-            </a:tbl>
-          </a:graphicData>
-        </a:graphic>
-      </p:graphicFrame>
+        <p:style>
+          <a:lnRef idx="1">
+            <a:schemeClr val="accent2"/>
+          </a:lnRef>
+          <a:fillRef idx="2">
+            <a:schemeClr val="accent2"/>
+          </a:fillRef>
+          <a:effectRef idx="1">
+            <a:schemeClr val="accent2"/>
+          </a:effectRef>
+          <a:fontRef idx="minor">
+            <a:schemeClr val="dk1"/>
+          </a:fontRef>
+        </p:style>
+        <p:txBody>
+          <a:bodyPr rtlCol="0" anchor="ctr"/>
+          <a:lstStyle/>
+          <a:p>
+            <a:pPr algn="ctr"/>
+            <a:r>
+              <a:rPr lang="en-SA" dirty="0"/>
+              <a:t>lassoCV</a:t>
+            </a:r>
+          </a:p>
+        </p:txBody>
+      </p:sp>
+      <p:sp>
+        <p:nvSpPr>
+          <p:cNvPr id="7" name="Rectangle 6">
+            <a:extLst>
+              <a:ext uri="{FF2B5EF4-FFF2-40B4-BE49-F238E27FC236}">
+                <a16:creationId xmlns:a16="http://schemas.microsoft.com/office/drawing/2014/main" id="{3ADBA3A8-6DC9-5E42-97D8-B840200F2E14}"/>
+              </a:ext>
+            </a:extLst>
+          </p:cNvPr>
+          <p:cNvSpPr/>
+          <p:nvPr/>
+        </p:nvSpPr>
+        <p:spPr>
+          <a:xfrm>
+            <a:off x="848139" y="4016268"/>
+            <a:ext cx="1417982" cy="599662"/>
+          </a:xfrm>
+          <a:prstGeom prst="rect">
+            <a:avLst/>
+          </a:prstGeom>
+        </p:spPr>
+        <p:style>
+          <a:lnRef idx="1">
+            <a:schemeClr val="accent2"/>
+          </a:lnRef>
+          <a:fillRef idx="2">
+            <a:schemeClr val="accent2"/>
+          </a:fillRef>
+          <a:effectRef idx="1">
+            <a:schemeClr val="accent2"/>
+          </a:effectRef>
+          <a:fontRef idx="minor">
+            <a:schemeClr val="dk1"/>
+          </a:fontRef>
+        </p:style>
+        <p:txBody>
+          <a:bodyPr rtlCol="0" anchor="ctr"/>
+          <a:lstStyle/>
+          <a:p>
+            <a:pPr algn="ctr"/>
+            <a:r>
+              <a:rPr lang="en-SA" dirty="0"/>
+              <a:t>RidgeCV</a:t>
+            </a:r>
+          </a:p>
+        </p:txBody>
+      </p:sp>
+      <p:sp>
+        <p:nvSpPr>
+          <p:cNvPr id="8" name="Rectangle 7">
+            <a:extLst>
+              <a:ext uri="{FF2B5EF4-FFF2-40B4-BE49-F238E27FC236}">
+                <a16:creationId xmlns:a16="http://schemas.microsoft.com/office/drawing/2014/main" id="{D8C1288B-107E-CD4A-BB07-A41950D9B90C}"/>
+              </a:ext>
+            </a:extLst>
+          </p:cNvPr>
+          <p:cNvSpPr/>
+          <p:nvPr/>
+        </p:nvSpPr>
+        <p:spPr>
+          <a:xfrm>
+            <a:off x="2703441" y="2163863"/>
+            <a:ext cx="980662" cy="599662"/>
+          </a:xfrm>
+          <a:prstGeom prst="rect">
+            <a:avLst/>
+          </a:prstGeom>
+        </p:spPr>
+        <p:style>
+          <a:lnRef idx="1">
+            <a:schemeClr val="accent3"/>
+          </a:lnRef>
+          <a:fillRef idx="2">
+            <a:schemeClr val="accent3"/>
+          </a:fillRef>
+          <a:effectRef idx="1">
+            <a:schemeClr val="accent3"/>
+          </a:effectRef>
+          <a:fontRef idx="minor">
+            <a:schemeClr val="dk1"/>
+          </a:fontRef>
+        </p:style>
+        <p:txBody>
+          <a:bodyPr rtlCol="0" anchor="ctr"/>
+          <a:lstStyle/>
+          <a:p>
+            <a:pPr algn="ctr"/>
+            <a:r>
+              <a:rPr lang="en-SA" dirty="0"/>
+              <a:t>0.64</a:t>
+            </a:r>
+          </a:p>
+        </p:txBody>
+      </p:sp>
+      <p:sp>
+        <p:nvSpPr>
+          <p:cNvPr id="9" name="Rectangle 8">
+            <a:extLst>
+              <a:ext uri="{FF2B5EF4-FFF2-40B4-BE49-F238E27FC236}">
+                <a16:creationId xmlns:a16="http://schemas.microsoft.com/office/drawing/2014/main" id="{EF055629-DE29-FB49-8FF9-5D97E1FFC15A}"/>
+              </a:ext>
+            </a:extLst>
+          </p:cNvPr>
+          <p:cNvSpPr/>
+          <p:nvPr/>
+        </p:nvSpPr>
+        <p:spPr>
+          <a:xfrm>
+            <a:off x="2703442" y="3076605"/>
+            <a:ext cx="980661" cy="599662"/>
+          </a:xfrm>
+          <a:prstGeom prst="rect">
+            <a:avLst/>
+          </a:prstGeom>
+        </p:spPr>
+        <p:style>
+          <a:lnRef idx="1">
+            <a:schemeClr val="accent3"/>
+          </a:lnRef>
+          <a:fillRef idx="2">
+            <a:schemeClr val="accent3"/>
+          </a:fillRef>
+          <a:effectRef idx="1">
+            <a:schemeClr val="accent3"/>
+          </a:effectRef>
+          <a:fontRef idx="minor">
+            <a:schemeClr val="dk1"/>
+          </a:fontRef>
+        </p:style>
+        <p:txBody>
+          <a:bodyPr rtlCol="0" anchor="ctr"/>
+          <a:lstStyle/>
+          <a:p>
+            <a:pPr algn="ctr"/>
+            <a:r>
+              <a:rPr lang="en-SA" dirty="0"/>
+              <a:t>0.78</a:t>
+            </a:r>
+          </a:p>
+        </p:txBody>
+      </p:sp>
+      <p:sp>
+        <p:nvSpPr>
+          <p:cNvPr id="10" name="Rectangle 9">
+            <a:extLst>
+              <a:ext uri="{FF2B5EF4-FFF2-40B4-BE49-F238E27FC236}">
+                <a16:creationId xmlns:a16="http://schemas.microsoft.com/office/drawing/2014/main" id="{63112C2F-E302-4D4B-8A87-5A3E8254D068}"/>
+              </a:ext>
+            </a:extLst>
+          </p:cNvPr>
+          <p:cNvSpPr/>
+          <p:nvPr/>
+        </p:nvSpPr>
+        <p:spPr>
+          <a:xfrm>
+            <a:off x="2703442" y="3991834"/>
+            <a:ext cx="980662" cy="599662"/>
+          </a:xfrm>
+          <a:prstGeom prst="rect">
+            <a:avLst/>
+          </a:prstGeom>
+        </p:spPr>
+        <p:style>
+          <a:lnRef idx="1">
+            <a:schemeClr val="accent3"/>
+          </a:lnRef>
+          <a:fillRef idx="2">
+            <a:schemeClr val="accent3"/>
+          </a:fillRef>
+          <a:effectRef idx="1">
+            <a:schemeClr val="accent3"/>
+          </a:effectRef>
+          <a:fontRef idx="minor">
+            <a:schemeClr val="dk1"/>
+          </a:fontRef>
+        </p:style>
+        <p:txBody>
+          <a:bodyPr rtlCol="0" anchor="ctr"/>
+          <a:lstStyle/>
+          <a:p>
+            <a:pPr algn="ctr"/>
+            <a:r>
+              <a:rPr lang="en-SA" dirty="0"/>
+              <a:t>0.78</a:t>
+            </a:r>
+          </a:p>
+        </p:txBody>
+      </p:sp>
+      <p:sp>
+        <p:nvSpPr>
+          <p:cNvPr id="11" name="Rectangle 10">
+            <a:extLst>
+              <a:ext uri="{FF2B5EF4-FFF2-40B4-BE49-F238E27FC236}">
+                <a16:creationId xmlns:a16="http://schemas.microsoft.com/office/drawing/2014/main" id="{88E3519C-518D-2549-AD7C-F3F142AEA6FE}"/>
+              </a:ext>
+            </a:extLst>
+          </p:cNvPr>
+          <p:cNvSpPr/>
+          <p:nvPr/>
+        </p:nvSpPr>
+        <p:spPr>
+          <a:xfrm>
+            <a:off x="3939217" y="2186640"/>
+            <a:ext cx="980662" cy="599662"/>
+          </a:xfrm>
+          <a:prstGeom prst="rect">
+            <a:avLst/>
+          </a:prstGeom>
+        </p:spPr>
+        <p:style>
+          <a:lnRef idx="1">
+            <a:schemeClr val="accent3"/>
+          </a:lnRef>
+          <a:fillRef idx="2">
+            <a:schemeClr val="accent3"/>
+          </a:fillRef>
+          <a:effectRef idx="1">
+            <a:schemeClr val="accent3"/>
+          </a:effectRef>
+          <a:fontRef idx="minor">
+            <a:schemeClr val="dk1"/>
+          </a:fontRef>
+        </p:style>
+        <p:txBody>
+          <a:bodyPr rtlCol="0" anchor="ctr"/>
+          <a:lstStyle/>
+          <a:p>
+            <a:pPr algn="ctr"/>
+            <a:r>
+              <a:rPr lang="en-SA" dirty="0"/>
+              <a:t>0.45</a:t>
+            </a:r>
+          </a:p>
+        </p:txBody>
+      </p:sp>
+      <p:sp>
+        <p:nvSpPr>
+          <p:cNvPr id="12" name="Rectangle 11">
+            <a:extLst>
+              <a:ext uri="{FF2B5EF4-FFF2-40B4-BE49-F238E27FC236}">
+                <a16:creationId xmlns:a16="http://schemas.microsoft.com/office/drawing/2014/main" id="{74207751-2A48-E540-8439-C08785BF851B}"/>
+              </a:ext>
+            </a:extLst>
+          </p:cNvPr>
+          <p:cNvSpPr/>
+          <p:nvPr/>
+        </p:nvSpPr>
+        <p:spPr>
+          <a:xfrm>
+            <a:off x="3990564" y="3090065"/>
+            <a:ext cx="980662" cy="599662"/>
+          </a:xfrm>
+          <a:prstGeom prst="rect">
+            <a:avLst/>
+          </a:prstGeom>
+        </p:spPr>
+        <p:style>
+          <a:lnRef idx="1">
+            <a:schemeClr val="accent3"/>
+          </a:lnRef>
+          <a:fillRef idx="2">
+            <a:schemeClr val="accent3"/>
+          </a:fillRef>
+          <a:effectRef idx="1">
+            <a:schemeClr val="accent3"/>
+          </a:effectRef>
+          <a:fontRef idx="minor">
+            <a:schemeClr val="dk1"/>
+          </a:fontRef>
+        </p:style>
+        <p:txBody>
+          <a:bodyPr rtlCol="0" anchor="ctr"/>
+          <a:lstStyle/>
+          <a:p>
+            <a:pPr algn="ctr"/>
+            <a:r>
+              <a:rPr lang="en-SA" dirty="0"/>
+              <a:t>0.67</a:t>
+            </a:r>
+          </a:p>
+        </p:txBody>
+      </p:sp>
+      <p:sp>
+        <p:nvSpPr>
+          <p:cNvPr id="13" name="Rectangle 12">
+            <a:extLst>
+              <a:ext uri="{FF2B5EF4-FFF2-40B4-BE49-F238E27FC236}">
+                <a16:creationId xmlns:a16="http://schemas.microsoft.com/office/drawing/2014/main" id="{93CD5AA5-D3DB-734B-8661-ECBBD0CD3B68}"/>
+              </a:ext>
+            </a:extLst>
+          </p:cNvPr>
+          <p:cNvSpPr/>
+          <p:nvPr/>
+        </p:nvSpPr>
+        <p:spPr>
+          <a:xfrm>
+            <a:off x="3934233" y="3991834"/>
+            <a:ext cx="1075092" cy="599662"/>
+          </a:xfrm>
+          <a:prstGeom prst="rect">
+            <a:avLst/>
+          </a:prstGeom>
+        </p:spPr>
+        <p:style>
+          <a:lnRef idx="1">
+            <a:schemeClr val="accent3"/>
+          </a:lnRef>
+          <a:fillRef idx="2">
+            <a:schemeClr val="accent3"/>
+          </a:fillRef>
+          <a:effectRef idx="1">
+            <a:schemeClr val="accent3"/>
+          </a:effectRef>
+          <a:fontRef idx="minor">
+            <a:schemeClr val="dk1"/>
+          </a:fontRef>
+        </p:style>
+        <p:txBody>
+          <a:bodyPr rtlCol="0" anchor="ctr"/>
+          <a:lstStyle/>
+          <a:p>
+            <a:pPr algn="ctr"/>
+            <a:r>
+              <a:rPr lang="en-SA" dirty="0"/>
+              <a:t>0.72</a:t>
+            </a:r>
+          </a:p>
+        </p:txBody>
+      </p:sp>
+      <p:sp>
+        <p:nvSpPr>
+          <p:cNvPr id="14" name="Rectangle 13">
+            <a:extLst>
+              <a:ext uri="{FF2B5EF4-FFF2-40B4-BE49-F238E27FC236}">
+                <a16:creationId xmlns:a16="http://schemas.microsoft.com/office/drawing/2014/main" id="{67FDF193-0183-6241-8BB5-A5395ADEF31F}"/>
+              </a:ext>
+            </a:extLst>
+          </p:cNvPr>
+          <p:cNvSpPr/>
+          <p:nvPr/>
+        </p:nvSpPr>
+        <p:spPr>
+          <a:xfrm>
+            <a:off x="1828799" y="550827"/>
+            <a:ext cx="2040834" cy="477079"/>
+          </a:xfrm>
+          <a:prstGeom prst="rect">
+            <a:avLst/>
+          </a:prstGeom>
+        </p:spPr>
+        <p:style>
+          <a:lnRef idx="1">
+            <a:schemeClr val="accent6"/>
+          </a:lnRef>
+          <a:fillRef idx="2">
+            <a:schemeClr val="accent6"/>
+          </a:fillRef>
+          <a:effectRef idx="1">
+            <a:schemeClr val="accent6"/>
+          </a:effectRef>
+          <a:fontRef idx="minor">
+            <a:schemeClr val="dk1"/>
+          </a:fontRef>
+        </p:style>
+        <p:txBody>
+          <a:bodyPr rtlCol="0" anchor="ctr"/>
+          <a:lstStyle/>
+          <a:p>
+            <a:pPr algn="ctr"/>
+            <a:r>
+              <a:rPr lang="en-SA" dirty="0"/>
+              <a:t>Model 3</a:t>
+            </a:r>
+          </a:p>
+        </p:txBody>
+      </p:sp>
+      <p:sp>
+        <p:nvSpPr>
+          <p:cNvPr id="15" name="TextBox 14">
+            <a:extLst>
+              <a:ext uri="{FF2B5EF4-FFF2-40B4-BE49-F238E27FC236}">
+                <a16:creationId xmlns:a16="http://schemas.microsoft.com/office/drawing/2014/main" id="{BD68F29F-AC95-1D47-B358-2008D37425E1}"/>
+              </a:ext>
+            </a:extLst>
+          </p:cNvPr>
+          <p:cNvSpPr txBox="1"/>
+          <p:nvPr/>
+        </p:nvSpPr>
+        <p:spPr>
+          <a:xfrm>
+            <a:off x="570827" y="1259647"/>
+            <a:ext cx="3990195" cy="369332"/>
+          </a:xfrm>
+          <a:prstGeom prst="rect">
+            <a:avLst/>
+          </a:prstGeom>
+          <a:noFill/>
+        </p:spPr>
+        <p:txBody>
+          <a:bodyPr wrap="none" rtlCol="0">
+            <a:spAutoFit/>
+          </a:bodyPr>
+          <a:lstStyle/>
+          <a:p>
+            <a:r>
+              <a:rPr lang="en-US" dirty="0">
+                <a:latin typeface="Times" pitchFamily="2" charset="0"/>
+              </a:rPr>
+              <a:t>P</a:t>
+            </a:r>
+            <a:r>
+              <a:rPr lang="en-SA" dirty="0">
+                <a:latin typeface="Times" pitchFamily="2" charset="0"/>
+              </a:rPr>
+              <a:t>olynomial feature D=3 , column= 3654 </a:t>
+            </a:r>
+          </a:p>
+        </p:txBody>
+      </p:sp>
+      <p:sp>
+        <p:nvSpPr>
+          <p:cNvPr id="16" name="Rectangle 15">
+            <a:extLst>
+              <a:ext uri="{FF2B5EF4-FFF2-40B4-BE49-F238E27FC236}">
+                <a16:creationId xmlns:a16="http://schemas.microsoft.com/office/drawing/2014/main" id="{FDA4A1E8-652D-B34B-A539-BB1C9A1ADAB9}"/>
+              </a:ext>
+            </a:extLst>
+          </p:cNvPr>
+          <p:cNvSpPr/>
+          <p:nvPr/>
+        </p:nvSpPr>
+        <p:spPr>
+          <a:xfrm>
+            <a:off x="1543875" y="5144221"/>
+            <a:ext cx="2743200" cy="596348"/>
+          </a:xfrm>
+          <a:prstGeom prst="rect">
+            <a:avLst/>
+          </a:prstGeom>
+        </p:spPr>
+        <p:style>
+          <a:lnRef idx="1">
+            <a:schemeClr val="accent4"/>
+          </a:lnRef>
+          <a:fillRef idx="2">
+            <a:schemeClr val="accent4"/>
+          </a:fillRef>
+          <a:effectRef idx="1">
+            <a:schemeClr val="accent4"/>
+          </a:effectRef>
+          <a:fontRef idx="minor">
+            <a:schemeClr val="dk1"/>
+          </a:fontRef>
+        </p:style>
+        <p:txBody>
+          <a:bodyPr rtlCol="0" anchor="ctr"/>
+          <a:lstStyle/>
+          <a:p>
+            <a:pPr algn="ctr"/>
+            <a:r>
+              <a:rPr lang="en-US" dirty="0"/>
+              <a:t>R</a:t>
+            </a:r>
+            <a:r>
+              <a:rPr lang="en-SA" dirty="0"/>
+              <a:t>equired column=645</a:t>
+            </a:r>
+          </a:p>
+        </p:txBody>
+      </p:sp>
+      <p:cxnSp>
+        <p:nvCxnSpPr>
+          <p:cNvPr id="17" name="Straight Connector 16">
+            <a:extLst>
+              <a:ext uri="{FF2B5EF4-FFF2-40B4-BE49-F238E27FC236}">
+                <a16:creationId xmlns:a16="http://schemas.microsoft.com/office/drawing/2014/main" id="{979114BA-8B45-B248-A86A-D87DB0585619}"/>
+              </a:ext>
+            </a:extLst>
+          </p:cNvPr>
+          <p:cNvCxnSpPr>
+            <a:stCxn id="16" idx="1"/>
+          </p:cNvCxnSpPr>
+          <p:nvPr/>
+        </p:nvCxnSpPr>
+        <p:spPr>
+          <a:xfrm flipH="1">
+            <a:off x="689112" y="5442395"/>
+            <a:ext cx="854763" cy="0"/>
+          </a:xfrm>
+          <a:prstGeom prst="line">
+            <a:avLst/>
+          </a:prstGeom>
+        </p:spPr>
+        <p:style>
+          <a:lnRef idx="1">
+            <a:schemeClr val="dk1"/>
+          </a:lnRef>
+          <a:fillRef idx="0">
+            <a:schemeClr val="dk1"/>
+          </a:fillRef>
+          <a:effectRef idx="0">
+            <a:schemeClr val="dk1"/>
+          </a:effectRef>
+          <a:fontRef idx="minor">
+            <a:schemeClr val="tx1"/>
+          </a:fontRef>
+        </p:style>
+      </p:cxnSp>
+      <p:cxnSp>
+        <p:nvCxnSpPr>
+          <p:cNvPr id="18" name="Straight Connector 17">
+            <a:extLst>
+              <a:ext uri="{FF2B5EF4-FFF2-40B4-BE49-F238E27FC236}">
+                <a16:creationId xmlns:a16="http://schemas.microsoft.com/office/drawing/2014/main" id="{0DC97472-DD98-E842-98B9-EB50502600DB}"/>
+              </a:ext>
+            </a:extLst>
+          </p:cNvPr>
+          <p:cNvCxnSpPr/>
+          <p:nvPr/>
+        </p:nvCxnSpPr>
+        <p:spPr>
+          <a:xfrm flipV="1">
+            <a:off x="689112" y="1875628"/>
+            <a:ext cx="0" cy="3566767"/>
+          </a:xfrm>
+          <a:prstGeom prst="line">
+            <a:avLst/>
+          </a:prstGeom>
+        </p:spPr>
+        <p:style>
+          <a:lnRef idx="1">
+            <a:schemeClr val="dk1"/>
+          </a:lnRef>
+          <a:fillRef idx="0">
+            <a:schemeClr val="dk1"/>
+          </a:fillRef>
+          <a:effectRef idx="0">
+            <a:schemeClr val="dk1"/>
+          </a:effectRef>
+          <a:fontRef idx="minor">
+            <a:schemeClr val="tx1"/>
+          </a:fontRef>
+        </p:style>
+      </p:cxnSp>
+      <p:cxnSp>
+        <p:nvCxnSpPr>
+          <p:cNvPr id="19" name="Straight Connector 18">
+            <a:extLst>
+              <a:ext uri="{FF2B5EF4-FFF2-40B4-BE49-F238E27FC236}">
+                <a16:creationId xmlns:a16="http://schemas.microsoft.com/office/drawing/2014/main" id="{4A5D0376-4949-4343-8D56-5050FBEFD086}"/>
+              </a:ext>
+            </a:extLst>
+          </p:cNvPr>
+          <p:cNvCxnSpPr/>
+          <p:nvPr/>
+        </p:nvCxnSpPr>
+        <p:spPr>
+          <a:xfrm>
+            <a:off x="689112" y="1849124"/>
+            <a:ext cx="854763" cy="0"/>
+          </a:xfrm>
+          <a:prstGeom prst="line">
+            <a:avLst/>
+          </a:prstGeom>
+        </p:spPr>
+        <p:style>
+          <a:lnRef idx="1">
+            <a:schemeClr val="dk1"/>
+          </a:lnRef>
+          <a:fillRef idx="0">
+            <a:schemeClr val="dk1"/>
+          </a:fillRef>
+          <a:effectRef idx="0">
+            <a:schemeClr val="dk1"/>
+          </a:effectRef>
+          <a:fontRef idx="minor">
+            <a:schemeClr val="tx1"/>
+          </a:fontRef>
+        </p:style>
+      </p:cxnSp>
+      <p:cxnSp>
+        <p:nvCxnSpPr>
+          <p:cNvPr id="20" name="Straight Arrow Connector 19">
+            <a:extLst>
+              <a:ext uri="{FF2B5EF4-FFF2-40B4-BE49-F238E27FC236}">
+                <a16:creationId xmlns:a16="http://schemas.microsoft.com/office/drawing/2014/main" id="{7AC489A3-D64C-0942-B6AA-3EE6BF59F28B}"/>
+              </a:ext>
+            </a:extLst>
+          </p:cNvPr>
+          <p:cNvCxnSpPr>
+            <a:cxnSpLocks/>
+          </p:cNvCxnSpPr>
+          <p:nvPr/>
+        </p:nvCxnSpPr>
+        <p:spPr>
+          <a:xfrm>
+            <a:off x="1557130" y="1862376"/>
+            <a:ext cx="0" cy="174451"/>
+          </a:xfrm>
+          <a:prstGeom prst="straightConnector1">
+            <a:avLst/>
+          </a:prstGeom>
+          <a:ln>
+            <a:tailEnd type="triangle"/>
+          </a:ln>
+        </p:spPr>
+        <p:style>
+          <a:lnRef idx="1">
+            <a:schemeClr val="dk1"/>
+          </a:lnRef>
+          <a:fillRef idx="0">
+            <a:schemeClr val="dk1"/>
+          </a:fillRef>
+          <a:effectRef idx="0">
+            <a:schemeClr val="dk1"/>
+          </a:effectRef>
+          <a:fontRef idx="minor">
+            <a:schemeClr val="tx1"/>
+          </a:fontRef>
+        </p:style>
+      </p:cxnSp>
+      <p:cxnSp>
+        <p:nvCxnSpPr>
+          <p:cNvPr id="21" name="Straight Connector 20">
+            <a:extLst>
+              <a:ext uri="{FF2B5EF4-FFF2-40B4-BE49-F238E27FC236}">
+                <a16:creationId xmlns:a16="http://schemas.microsoft.com/office/drawing/2014/main" id="{3A7B7E7E-0836-2642-BCA1-DE0BB7986816}"/>
+              </a:ext>
+            </a:extLst>
+          </p:cNvPr>
+          <p:cNvCxnSpPr>
+            <a:cxnSpLocks/>
+            <a:stCxn id="6" idx="3"/>
+          </p:cNvCxnSpPr>
+          <p:nvPr/>
+        </p:nvCxnSpPr>
+        <p:spPr>
+          <a:xfrm>
+            <a:off x="2266121" y="3389896"/>
+            <a:ext cx="278295" cy="0"/>
+          </a:xfrm>
+          <a:prstGeom prst="line">
+            <a:avLst/>
+          </a:prstGeom>
+        </p:spPr>
+        <p:style>
+          <a:lnRef idx="1">
+            <a:schemeClr val="dk1"/>
+          </a:lnRef>
+          <a:fillRef idx="0">
+            <a:schemeClr val="dk1"/>
+          </a:fillRef>
+          <a:effectRef idx="0">
+            <a:schemeClr val="dk1"/>
+          </a:effectRef>
+          <a:fontRef idx="minor">
+            <a:schemeClr val="tx1"/>
+          </a:fontRef>
+        </p:style>
+      </p:cxnSp>
+      <p:cxnSp>
+        <p:nvCxnSpPr>
+          <p:cNvPr id="22" name="Straight Arrow Connector 21">
+            <a:extLst>
+              <a:ext uri="{FF2B5EF4-FFF2-40B4-BE49-F238E27FC236}">
+                <a16:creationId xmlns:a16="http://schemas.microsoft.com/office/drawing/2014/main" id="{13FD869B-6945-9445-B347-012FDAC8271D}"/>
+              </a:ext>
+            </a:extLst>
+          </p:cNvPr>
+          <p:cNvCxnSpPr/>
+          <p:nvPr/>
+        </p:nvCxnSpPr>
+        <p:spPr>
+          <a:xfrm>
+            <a:off x="2544416" y="3389896"/>
+            <a:ext cx="0" cy="1754325"/>
+          </a:xfrm>
+          <a:prstGeom prst="straightConnector1">
+            <a:avLst/>
+          </a:prstGeom>
+          <a:ln>
+            <a:tailEnd type="triangle"/>
+          </a:ln>
+        </p:spPr>
+        <p:style>
+          <a:lnRef idx="1">
+            <a:schemeClr val="dk1"/>
+          </a:lnRef>
+          <a:fillRef idx="0">
+            <a:schemeClr val="dk1"/>
+          </a:fillRef>
+          <a:effectRef idx="0">
+            <a:schemeClr val="dk1"/>
+          </a:effectRef>
+          <a:fontRef idx="minor">
+            <a:schemeClr val="tx1"/>
+          </a:fontRef>
+        </p:style>
+      </p:cxnSp>
+      <p:sp>
+        <p:nvSpPr>
+          <p:cNvPr id="23" name="Rectangle 22">
+            <a:extLst>
+              <a:ext uri="{FF2B5EF4-FFF2-40B4-BE49-F238E27FC236}">
+                <a16:creationId xmlns:a16="http://schemas.microsoft.com/office/drawing/2014/main" id="{59CBC74C-C446-8547-9C1D-6DB7A736AC6E}"/>
+              </a:ext>
+            </a:extLst>
+          </p:cNvPr>
+          <p:cNvSpPr/>
+          <p:nvPr/>
+        </p:nvSpPr>
+        <p:spPr>
+          <a:xfrm>
+            <a:off x="6437240" y="2036827"/>
+            <a:ext cx="4373217" cy="2831032"/>
+          </a:xfrm>
+          <a:prstGeom prst="rect">
+            <a:avLst/>
+          </a:prstGeom>
+          <a:noFill/>
+          <a:ln w="9525" cap="flat" cmpd="sng" algn="ctr">
+            <a:solidFill>
+              <a:schemeClr val="dk1"/>
+            </a:solidFill>
+            <a:prstDash val="solid"/>
+            <a:round/>
+            <a:headEnd type="none" w="med" len="med"/>
+            <a:tailEnd type="none" w="med" len="med"/>
+          </a:ln>
+        </p:spPr>
+        <p:style>
+          <a:lnRef idx="0">
+            <a:scrgbClr r="0" g="0" b="0"/>
+          </a:lnRef>
+          <a:fillRef idx="0">
+            <a:scrgbClr r="0" g="0" b="0"/>
+          </a:fillRef>
+          <a:effectRef idx="0">
+            <a:scrgbClr r="0" g="0" b="0"/>
+          </a:effectRef>
+          <a:fontRef idx="minor">
+            <a:schemeClr val="dk1"/>
+          </a:fontRef>
+        </p:style>
+        <p:txBody>
+          <a:bodyPr rtlCol="0" anchor="ctr"/>
+          <a:lstStyle/>
+          <a:p>
+            <a:pPr algn="ctr"/>
+            <a:endParaRPr lang="en-SA"/>
+          </a:p>
+        </p:txBody>
+      </p:sp>
+      <p:sp>
+        <p:nvSpPr>
+          <p:cNvPr id="24" name="Rectangle 23">
+            <a:extLst>
+              <a:ext uri="{FF2B5EF4-FFF2-40B4-BE49-F238E27FC236}">
+                <a16:creationId xmlns:a16="http://schemas.microsoft.com/office/drawing/2014/main" id="{9F69DBB4-E3BC-CA46-BA3B-68A8BCB01D9E}"/>
+              </a:ext>
+            </a:extLst>
+          </p:cNvPr>
+          <p:cNvSpPr/>
+          <p:nvPr/>
+        </p:nvSpPr>
+        <p:spPr>
+          <a:xfrm>
+            <a:off x="6506821" y="2163863"/>
+            <a:ext cx="1417982" cy="599662"/>
+          </a:xfrm>
+          <a:prstGeom prst="rect">
+            <a:avLst/>
+          </a:prstGeom>
+        </p:spPr>
+        <p:style>
+          <a:lnRef idx="1">
+            <a:schemeClr val="accent2"/>
+          </a:lnRef>
+          <a:fillRef idx="2">
+            <a:schemeClr val="accent2"/>
+          </a:fillRef>
+          <a:effectRef idx="1">
+            <a:schemeClr val="accent2"/>
+          </a:effectRef>
+          <a:fontRef idx="minor">
+            <a:schemeClr val="dk1"/>
+          </a:fontRef>
+        </p:style>
+        <p:txBody>
+          <a:bodyPr rtlCol="0" anchor="ctr"/>
+          <a:lstStyle/>
+          <a:p>
+            <a:pPr algn="ctr"/>
+            <a:r>
+              <a:rPr lang="en-US" dirty="0"/>
+              <a:t>L</a:t>
+            </a:r>
+            <a:r>
+              <a:rPr lang="en-SA" dirty="0"/>
+              <a:t>inear reg </a:t>
+            </a:r>
+          </a:p>
+        </p:txBody>
+      </p:sp>
+      <p:sp>
+        <p:nvSpPr>
+          <p:cNvPr id="25" name="Rectangle 24">
+            <a:extLst>
+              <a:ext uri="{FF2B5EF4-FFF2-40B4-BE49-F238E27FC236}">
+                <a16:creationId xmlns:a16="http://schemas.microsoft.com/office/drawing/2014/main" id="{EB8012A3-454E-9846-9112-1CCAB50EC919}"/>
+              </a:ext>
+            </a:extLst>
+          </p:cNvPr>
+          <p:cNvSpPr/>
+          <p:nvPr/>
+        </p:nvSpPr>
+        <p:spPr>
+          <a:xfrm>
+            <a:off x="6506821" y="3090065"/>
+            <a:ext cx="1417982" cy="599662"/>
+          </a:xfrm>
+          <a:prstGeom prst="rect">
+            <a:avLst/>
+          </a:prstGeom>
+        </p:spPr>
+        <p:style>
+          <a:lnRef idx="1">
+            <a:schemeClr val="accent2"/>
+          </a:lnRef>
+          <a:fillRef idx="2">
+            <a:schemeClr val="accent2"/>
+          </a:fillRef>
+          <a:effectRef idx="1">
+            <a:schemeClr val="accent2"/>
+          </a:effectRef>
+          <a:fontRef idx="minor">
+            <a:schemeClr val="dk1"/>
+          </a:fontRef>
+        </p:style>
+        <p:txBody>
+          <a:bodyPr rtlCol="0" anchor="ctr"/>
+          <a:lstStyle/>
+          <a:p>
+            <a:pPr algn="ctr"/>
+            <a:r>
+              <a:rPr lang="en-SA" dirty="0"/>
+              <a:t>lassoCV</a:t>
+            </a:r>
+          </a:p>
+        </p:txBody>
+      </p:sp>
+      <p:sp>
+        <p:nvSpPr>
+          <p:cNvPr id="26" name="Rectangle 25">
+            <a:extLst>
+              <a:ext uri="{FF2B5EF4-FFF2-40B4-BE49-F238E27FC236}">
+                <a16:creationId xmlns:a16="http://schemas.microsoft.com/office/drawing/2014/main" id="{88CFD02F-113F-3443-929F-865E348B5614}"/>
+              </a:ext>
+            </a:extLst>
+          </p:cNvPr>
+          <p:cNvSpPr/>
+          <p:nvPr/>
+        </p:nvSpPr>
+        <p:spPr>
+          <a:xfrm>
+            <a:off x="6506821" y="4016268"/>
+            <a:ext cx="1417982" cy="599662"/>
+          </a:xfrm>
+          <a:prstGeom prst="rect">
+            <a:avLst/>
+          </a:prstGeom>
+        </p:spPr>
+        <p:style>
+          <a:lnRef idx="1">
+            <a:schemeClr val="accent2"/>
+          </a:lnRef>
+          <a:fillRef idx="2">
+            <a:schemeClr val="accent2"/>
+          </a:fillRef>
+          <a:effectRef idx="1">
+            <a:schemeClr val="accent2"/>
+          </a:effectRef>
+          <a:fontRef idx="minor">
+            <a:schemeClr val="dk1"/>
+          </a:fontRef>
+        </p:style>
+        <p:txBody>
+          <a:bodyPr rtlCol="0" anchor="ctr"/>
+          <a:lstStyle/>
+          <a:p>
+            <a:pPr algn="ctr"/>
+            <a:r>
+              <a:rPr lang="en-SA" dirty="0"/>
+              <a:t>RidgeCV</a:t>
+            </a:r>
+          </a:p>
+        </p:txBody>
+      </p:sp>
+      <p:sp>
+        <p:nvSpPr>
+          <p:cNvPr id="27" name="Rectangle 26">
+            <a:extLst>
+              <a:ext uri="{FF2B5EF4-FFF2-40B4-BE49-F238E27FC236}">
+                <a16:creationId xmlns:a16="http://schemas.microsoft.com/office/drawing/2014/main" id="{9A6028C9-5301-8745-90AB-693EBAE82784}"/>
+              </a:ext>
+            </a:extLst>
+          </p:cNvPr>
+          <p:cNvSpPr/>
+          <p:nvPr/>
+        </p:nvSpPr>
+        <p:spPr>
+          <a:xfrm>
+            <a:off x="8362123" y="2163863"/>
+            <a:ext cx="980662" cy="599662"/>
+          </a:xfrm>
+          <a:prstGeom prst="rect">
+            <a:avLst/>
+          </a:prstGeom>
+        </p:spPr>
+        <p:style>
+          <a:lnRef idx="1">
+            <a:schemeClr val="accent3"/>
+          </a:lnRef>
+          <a:fillRef idx="2">
+            <a:schemeClr val="accent3"/>
+          </a:fillRef>
+          <a:effectRef idx="1">
+            <a:schemeClr val="accent3"/>
+          </a:effectRef>
+          <a:fontRef idx="minor">
+            <a:schemeClr val="dk1"/>
+          </a:fontRef>
+        </p:style>
+        <p:txBody>
+          <a:bodyPr rtlCol="0" anchor="ctr"/>
+          <a:lstStyle/>
+          <a:p>
+            <a:pPr algn="ctr"/>
+            <a:r>
+              <a:rPr lang="en-SA" dirty="0"/>
+              <a:t>0.74</a:t>
+            </a:r>
+          </a:p>
+        </p:txBody>
+      </p:sp>
+      <p:sp>
+        <p:nvSpPr>
+          <p:cNvPr id="28" name="Rectangle 27">
+            <a:extLst>
+              <a:ext uri="{FF2B5EF4-FFF2-40B4-BE49-F238E27FC236}">
+                <a16:creationId xmlns:a16="http://schemas.microsoft.com/office/drawing/2014/main" id="{CF2E737F-E070-8A4C-AAF2-EC22B1033093}"/>
+              </a:ext>
+            </a:extLst>
+          </p:cNvPr>
+          <p:cNvSpPr/>
+          <p:nvPr/>
+        </p:nvSpPr>
+        <p:spPr>
+          <a:xfrm>
+            <a:off x="8362124" y="3076605"/>
+            <a:ext cx="980661" cy="599662"/>
+          </a:xfrm>
+          <a:prstGeom prst="rect">
+            <a:avLst/>
+          </a:prstGeom>
+        </p:spPr>
+        <p:style>
+          <a:lnRef idx="1">
+            <a:schemeClr val="accent3"/>
+          </a:lnRef>
+          <a:fillRef idx="2">
+            <a:schemeClr val="accent3"/>
+          </a:fillRef>
+          <a:effectRef idx="1">
+            <a:schemeClr val="accent3"/>
+          </a:effectRef>
+          <a:fontRef idx="minor">
+            <a:schemeClr val="dk1"/>
+          </a:fontRef>
+        </p:style>
+        <p:txBody>
+          <a:bodyPr rtlCol="0" anchor="ctr"/>
+          <a:lstStyle/>
+          <a:p>
+            <a:pPr algn="ctr"/>
+            <a:r>
+              <a:rPr lang="en-SA" dirty="0"/>
+              <a:t>0.81</a:t>
+            </a:r>
+          </a:p>
+        </p:txBody>
+      </p:sp>
+      <p:sp>
+        <p:nvSpPr>
+          <p:cNvPr id="29" name="Rectangle 28">
+            <a:extLst>
+              <a:ext uri="{FF2B5EF4-FFF2-40B4-BE49-F238E27FC236}">
+                <a16:creationId xmlns:a16="http://schemas.microsoft.com/office/drawing/2014/main" id="{39D63325-31A7-5248-BD1D-FFFD46463208}"/>
+              </a:ext>
+            </a:extLst>
+          </p:cNvPr>
+          <p:cNvSpPr/>
+          <p:nvPr/>
+        </p:nvSpPr>
+        <p:spPr>
+          <a:xfrm>
+            <a:off x="8362124" y="3991834"/>
+            <a:ext cx="980662" cy="599662"/>
+          </a:xfrm>
+          <a:prstGeom prst="rect">
+            <a:avLst/>
+          </a:prstGeom>
+        </p:spPr>
+        <p:style>
+          <a:lnRef idx="1">
+            <a:schemeClr val="accent3"/>
+          </a:lnRef>
+          <a:fillRef idx="2">
+            <a:schemeClr val="accent3"/>
+          </a:fillRef>
+          <a:effectRef idx="1">
+            <a:schemeClr val="accent3"/>
+          </a:effectRef>
+          <a:fontRef idx="minor">
+            <a:schemeClr val="dk1"/>
+          </a:fontRef>
+        </p:style>
+        <p:txBody>
+          <a:bodyPr rtlCol="0" anchor="ctr"/>
+          <a:lstStyle/>
+          <a:p>
+            <a:pPr algn="ctr"/>
+            <a:r>
+              <a:rPr lang="en-SA" dirty="0"/>
+              <a:t>0.85</a:t>
+            </a:r>
+          </a:p>
+        </p:txBody>
+      </p:sp>
+      <p:sp>
+        <p:nvSpPr>
+          <p:cNvPr id="30" name="Rectangle 29">
+            <a:extLst>
+              <a:ext uri="{FF2B5EF4-FFF2-40B4-BE49-F238E27FC236}">
+                <a16:creationId xmlns:a16="http://schemas.microsoft.com/office/drawing/2014/main" id="{36E77C4D-0055-B140-A024-FFE06D0A6D73}"/>
+              </a:ext>
+            </a:extLst>
+          </p:cNvPr>
+          <p:cNvSpPr/>
+          <p:nvPr/>
+        </p:nvSpPr>
+        <p:spPr>
+          <a:xfrm>
+            <a:off x="9528315" y="2186640"/>
+            <a:ext cx="993912" cy="599662"/>
+          </a:xfrm>
+          <a:prstGeom prst="rect">
+            <a:avLst/>
+          </a:prstGeom>
+        </p:spPr>
+        <p:style>
+          <a:lnRef idx="1">
+            <a:schemeClr val="accent3"/>
+          </a:lnRef>
+          <a:fillRef idx="2">
+            <a:schemeClr val="accent3"/>
+          </a:fillRef>
+          <a:effectRef idx="1">
+            <a:schemeClr val="accent3"/>
+          </a:effectRef>
+          <a:fontRef idx="minor">
+            <a:schemeClr val="dk1"/>
+          </a:fontRef>
+        </p:style>
+        <p:txBody>
+          <a:bodyPr rtlCol="0" anchor="ctr"/>
+          <a:lstStyle/>
+          <a:p>
+            <a:pPr algn="ctr"/>
+            <a:r>
+              <a:rPr lang="en-SA" dirty="0"/>
+              <a:t>0.62</a:t>
+            </a:r>
+          </a:p>
+        </p:txBody>
+      </p:sp>
+      <p:sp>
+        <p:nvSpPr>
+          <p:cNvPr id="31" name="Rectangle 30">
+            <a:extLst>
+              <a:ext uri="{FF2B5EF4-FFF2-40B4-BE49-F238E27FC236}">
+                <a16:creationId xmlns:a16="http://schemas.microsoft.com/office/drawing/2014/main" id="{34DB3109-C6D6-684B-B730-5EA139EFC275}"/>
+              </a:ext>
+            </a:extLst>
+          </p:cNvPr>
+          <p:cNvSpPr/>
+          <p:nvPr/>
+        </p:nvSpPr>
+        <p:spPr>
+          <a:xfrm>
+            <a:off x="9541568" y="3076605"/>
+            <a:ext cx="993912" cy="599662"/>
+          </a:xfrm>
+          <a:prstGeom prst="rect">
+            <a:avLst/>
+          </a:prstGeom>
+        </p:spPr>
+        <p:style>
+          <a:lnRef idx="1">
+            <a:schemeClr val="accent3"/>
+          </a:lnRef>
+          <a:fillRef idx="2">
+            <a:schemeClr val="accent3"/>
+          </a:fillRef>
+          <a:effectRef idx="1">
+            <a:schemeClr val="accent3"/>
+          </a:effectRef>
+          <a:fontRef idx="minor">
+            <a:schemeClr val="dk1"/>
+          </a:fontRef>
+        </p:style>
+        <p:txBody>
+          <a:bodyPr rtlCol="0" anchor="ctr"/>
+          <a:lstStyle/>
+          <a:p>
+            <a:pPr algn="ctr"/>
+            <a:r>
+              <a:rPr lang="en-SA" dirty="0"/>
+              <a:t>0.78</a:t>
+            </a:r>
+          </a:p>
+        </p:txBody>
+      </p:sp>
+      <p:sp>
+        <p:nvSpPr>
+          <p:cNvPr id="32" name="Rectangle 31">
+            <a:extLst>
+              <a:ext uri="{FF2B5EF4-FFF2-40B4-BE49-F238E27FC236}">
+                <a16:creationId xmlns:a16="http://schemas.microsoft.com/office/drawing/2014/main" id="{B5736B1F-387A-2348-AADD-AC61ABF65167}"/>
+              </a:ext>
+            </a:extLst>
+          </p:cNvPr>
+          <p:cNvSpPr/>
+          <p:nvPr/>
+        </p:nvSpPr>
+        <p:spPr>
+          <a:xfrm>
+            <a:off x="9528317" y="3991834"/>
+            <a:ext cx="1007163" cy="599662"/>
+          </a:xfrm>
+          <a:prstGeom prst="rect">
+            <a:avLst/>
+          </a:prstGeom>
+        </p:spPr>
+        <p:style>
+          <a:lnRef idx="1">
+            <a:schemeClr val="accent3"/>
+          </a:lnRef>
+          <a:fillRef idx="2">
+            <a:schemeClr val="accent3"/>
+          </a:fillRef>
+          <a:effectRef idx="1">
+            <a:schemeClr val="accent3"/>
+          </a:effectRef>
+          <a:fontRef idx="minor">
+            <a:schemeClr val="dk1"/>
+          </a:fontRef>
+        </p:style>
+        <p:txBody>
+          <a:bodyPr rtlCol="0" anchor="ctr"/>
+          <a:lstStyle/>
+          <a:p>
+            <a:pPr algn="ctr"/>
+            <a:r>
+              <a:rPr lang="en-SA" dirty="0"/>
+              <a:t>0.83</a:t>
+            </a:r>
+          </a:p>
+        </p:txBody>
+      </p:sp>
+      <p:sp>
+        <p:nvSpPr>
+          <p:cNvPr id="33" name="Rectangle 32">
+            <a:extLst>
+              <a:ext uri="{FF2B5EF4-FFF2-40B4-BE49-F238E27FC236}">
+                <a16:creationId xmlns:a16="http://schemas.microsoft.com/office/drawing/2014/main" id="{90E4DD12-C762-4948-9448-80F870893BAC}"/>
+              </a:ext>
+            </a:extLst>
+          </p:cNvPr>
+          <p:cNvSpPr/>
+          <p:nvPr/>
+        </p:nvSpPr>
+        <p:spPr>
+          <a:xfrm>
+            <a:off x="7487481" y="550827"/>
+            <a:ext cx="2040834" cy="477079"/>
+          </a:xfrm>
+          <a:prstGeom prst="rect">
+            <a:avLst/>
+          </a:prstGeom>
+        </p:spPr>
+        <p:style>
+          <a:lnRef idx="1">
+            <a:schemeClr val="accent6"/>
+          </a:lnRef>
+          <a:fillRef idx="2">
+            <a:schemeClr val="accent6"/>
+          </a:fillRef>
+          <a:effectRef idx="1">
+            <a:schemeClr val="accent6"/>
+          </a:effectRef>
+          <a:fontRef idx="minor">
+            <a:schemeClr val="dk1"/>
+          </a:fontRef>
+        </p:style>
+        <p:txBody>
+          <a:bodyPr rtlCol="0" anchor="ctr"/>
+          <a:lstStyle/>
+          <a:p>
+            <a:pPr algn="ctr"/>
+            <a:r>
+              <a:rPr lang="en-SA" dirty="0"/>
+              <a:t>Model 3</a:t>
+            </a:r>
+          </a:p>
+        </p:txBody>
+      </p:sp>
+      <p:sp>
+        <p:nvSpPr>
+          <p:cNvPr id="34" name="TextBox 33">
+            <a:extLst>
+              <a:ext uri="{FF2B5EF4-FFF2-40B4-BE49-F238E27FC236}">
+                <a16:creationId xmlns:a16="http://schemas.microsoft.com/office/drawing/2014/main" id="{770F834F-3256-8B4D-9B0D-B67DDB36DC64}"/>
+              </a:ext>
+            </a:extLst>
+          </p:cNvPr>
+          <p:cNvSpPr txBox="1"/>
+          <p:nvPr/>
+        </p:nvSpPr>
+        <p:spPr>
+          <a:xfrm>
+            <a:off x="6229509" y="1259647"/>
+            <a:ext cx="4105611" cy="369332"/>
+          </a:xfrm>
+          <a:prstGeom prst="rect">
+            <a:avLst/>
+          </a:prstGeom>
+          <a:noFill/>
+        </p:spPr>
+        <p:txBody>
+          <a:bodyPr wrap="none" rtlCol="0">
+            <a:spAutoFit/>
+          </a:bodyPr>
+          <a:lstStyle/>
+          <a:p>
+            <a:r>
+              <a:rPr lang="en-US" dirty="0">
+                <a:latin typeface="Times" pitchFamily="2" charset="0"/>
+              </a:rPr>
+              <a:t>P</a:t>
+            </a:r>
+            <a:r>
+              <a:rPr lang="en-SA" dirty="0">
+                <a:latin typeface="Times" pitchFamily="2" charset="0"/>
+              </a:rPr>
+              <a:t>olynomial feature D=4 , column= 27405 </a:t>
+            </a:r>
+          </a:p>
+        </p:txBody>
+      </p:sp>
+      <p:sp>
+        <p:nvSpPr>
+          <p:cNvPr id="35" name="Rectangle 34">
+            <a:extLst>
+              <a:ext uri="{FF2B5EF4-FFF2-40B4-BE49-F238E27FC236}">
+                <a16:creationId xmlns:a16="http://schemas.microsoft.com/office/drawing/2014/main" id="{153E19BA-799D-7F48-8644-845D23BB06EB}"/>
+              </a:ext>
+            </a:extLst>
+          </p:cNvPr>
+          <p:cNvSpPr/>
+          <p:nvPr/>
+        </p:nvSpPr>
+        <p:spPr>
+          <a:xfrm>
+            <a:off x="7202557" y="5144221"/>
+            <a:ext cx="2743200" cy="596348"/>
+          </a:xfrm>
+          <a:prstGeom prst="rect">
+            <a:avLst/>
+          </a:prstGeom>
+        </p:spPr>
+        <p:style>
+          <a:lnRef idx="1">
+            <a:schemeClr val="accent4"/>
+          </a:lnRef>
+          <a:fillRef idx="2">
+            <a:schemeClr val="accent4"/>
+          </a:fillRef>
+          <a:effectRef idx="1">
+            <a:schemeClr val="accent4"/>
+          </a:effectRef>
+          <a:fontRef idx="minor">
+            <a:schemeClr val="dk1"/>
+          </a:fontRef>
+        </p:style>
+        <p:txBody>
+          <a:bodyPr rtlCol="0" anchor="ctr"/>
+          <a:lstStyle/>
+          <a:p>
+            <a:pPr algn="ctr"/>
+            <a:r>
+              <a:rPr lang="en-US" dirty="0"/>
+              <a:t>R</a:t>
+            </a:r>
+            <a:r>
+              <a:rPr lang="en-SA" dirty="0"/>
+              <a:t>equired column=645</a:t>
+            </a:r>
+          </a:p>
+        </p:txBody>
+      </p:sp>
+      <p:cxnSp>
+        <p:nvCxnSpPr>
+          <p:cNvPr id="36" name="Straight Connector 35">
+            <a:extLst>
+              <a:ext uri="{FF2B5EF4-FFF2-40B4-BE49-F238E27FC236}">
+                <a16:creationId xmlns:a16="http://schemas.microsoft.com/office/drawing/2014/main" id="{99E6504B-57D8-2E49-8B7E-BF154BCDD69B}"/>
+              </a:ext>
+            </a:extLst>
+          </p:cNvPr>
+          <p:cNvCxnSpPr>
+            <a:stCxn id="35" idx="1"/>
+          </p:cNvCxnSpPr>
+          <p:nvPr/>
+        </p:nvCxnSpPr>
+        <p:spPr>
+          <a:xfrm flipH="1">
+            <a:off x="6347794" y="5442395"/>
+            <a:ext cx="854763" cy="0"/>
+          </a:xfrm>
+          <a:prstGeom prst="line">
+            <a:avLst/>
+          </a:prstGeom>
+        </p:spPr>
+        <p:style>
+          <a:lnRef idx="1">
+            <a:schemeClr val="dk1"/>
+          </a:lnRef>
+          <a:fillRef idx="0">
+            <a:schemeClr val="dk1"/>
+          </a:fillRef>
+          <a:effectRef idx="0">
+            <a:schemeClr val="dk1"/>
+          </a:effectRef>
+          <a:fontRef idx="minor">
+            <a:schemeClr val="tx1"/>
+          </a:fontRef>
+        </p:style>
+      </p:cxnSp>
+      <p:cxnSp>
+        <p:nvCxnSpPr>
+          <p:cNvPr id="37" name="Straight Connector 36">
+            <a:extLst>
+              <a:ext uri="{FF2B5EF4-FFF2-40B4-BE49-F238E27FC236}">
+                <a16:creationId xmlns:a16="http://schemas.microsoft.com/office/drawing/2014/main" id="{18523B82-BF94-5B4B-9B09-AA20E7E3E98C}"/>
+              </a:ext>
+            </a:extLst>
+          </p:cNvPr>
+          <p:cNvCxnSpPr/>
+          <p:nvPr/>
+        </p:nvCxnSpPr>
+        <p:spPr>
+          <a:xfrm flipV="1">
+            <a:off x="6347794" y="1875628"/>
+            <a:ext cx="0" cy="3566767"/>
+          </a:xfrm>
+          <a:prstGeom prst="line">
+            <a:avLst/>
+          </a:prstGeom>
+        </p:spPr>
+        <p:style>
+          <a:lnRef idx="1">
+            <a:schemeClr val="dk1"/>
+          </a:lnRef>
+          <a:fillRef idx="0">
+            <a:schemeClr val="dk1"/>
+          </a:fillRef>
+          <a:effectRef idx="0">
+            <a:schemeClr val="dk1"/>
+          </a:effectRef>
+          <a:fontRef idx="minor">
+            <a:schemeClr val="tx1"/>
+          </a:fontRef>
+        </p:style>
+      </p:cxnSp>
+      <p:cxnSp>
+        <p:nvCxnSpPr>
+          <p:cNvPr id="38" name="Straight Connector 37">
+            <a:extLst>
+              <a:ext uri="{FF2B5EF4-FFF2-40B4-BE49-F238E27FC236}">
+                <a16:creationId xmlns:a16="http://schemas.microsoft.com/office/drawing/2014/main" id="{42179903-F6C6-3748-853A-C6DE05292EA3}"/>
+              </a:ext>
+            </a:extLst>
+          </p:cNvPr>
+          <p:cNvCxnSpPr/>
+          <p:nvPr/>
+        </p:nvCxnSpPr>
+        <p:spPr>
+          <a:xfrm>
+            <a:off x="6347794" y="1849124"/>
+            <a:ext cx="854763" cy="0"/>
+          </a:xfrm>
+          <a:prstGeom prst="line">
+            <a:avLst/>
+          </a:prstGeom>
+        </p:spPr>
+        <p:style>
+          <a:lnRef idx="1">
+            <a:schemeClr val="dk1"/>
+          </a:lnRef>
+          <a:fillRef idx="0">
+            <a:schemeClr val="dk1"/>
+          </a:fillRef>
+          <a:effectRef idx="0">
+            <a:schemeClr val="dk1"/>
+          </a:effectRef>
+          <a:fontRef idx="minor">
+            <a:schemeClr val="tx1"/>
+          </a:fontRef>
+        </p:style>
+      </p:cxnSp>
+      <p:cxnSp>
+        <p:nvCxnSpPr>
+          <p:cNvPr id="39" name="Straight Arrow Connector 38">
+            <a:extLst>
+              <a:ext uri="{FF2B5EF4-FFF2-40B4-BE49-F238E27FC236}">
+                <a16:creationId xmlns:a16="http://schemas.microsoft.com/office/drawing/2014/main" id="{D48A40AB-60BD-1A4B-9827-9B77F6A31EC8}"/>
+              </a:ext>
+            </a:extLst>
+          </p:cNvPr>
+          <p:cNvCxnSpPr>
+            <a:cxnSpLocks/>
+          </p:cNvCxnSpPr>
+          <p:nvPr/>
+        </p:nvCxnSpPr>
+        <p:spPr>
+          <a:xfrm>
+            <a:off x="7215812" y="1862376"/>
+            <a:ext cx="0" cy="174451"/>
+          </a:xfrm>
+          <a:prstGeom prst="straightConnector1">
+            <a:avLst/>
+          </a:prstGeom>
+          <a:ln>
+            <a:tailEnd type="triangle"/>
+          </a:ln>
+        </p:spPr>
+        <p:style>
+          <a:lnRef idx="1">
+            <a:schemeClr val="dk1"/>
+          </a:lnRef>
+          <a:fillRef idx="0">
+            <a:schemeClr val="dk1"/>
+          </a:fillRef>
+          <a:effectRef idx="0">
+            <a:schemeClr val="dk1"/>
+          </a:effectRef>
+          <a:fontRef idx="minor">
+            <a:schemeClr val="tx1"/>
+          </a:fontRef>
+        </p:style>
+      </p:cxnSp>
+      <p:cxnSp>
+        <p:nvCxnSpPr>
+          <p:cNvPr id="40" name="Straight Connector 39">
+            <a:extLst>
+              <a:ext uri="{FF2B5EF4-FFF2-40B4-BE49-F238E27FC236}">
+                <a16:creationId xmlns:a16="http://schemas.microsoft.com/office/drawing/2014/main" id="{08F6FA16-06DD-0B40-B894-FC4707B5C3A1}"/>
+              </a:ext>
+            </a:extLst>
+          </p:cNvPr>
+          <p:cNvCxnSpPr>
+            <a:cxnSpLocks/>
+            <a:stCxn id="25" idx="3"/>
+          </p:cNvCxnSpPr>
+          <p:nvPr/>
+        </p:nvCxnSpPr>
+        <p:spPr>
+          <a:xfrm>
+            <a:off x="7924803" y="3389896"/>
+            <a:ext cx="278295" cy="0"/>
+          </a:xfrm>
+          <a:prstGeom prst="line">
+            <a:avLst/>
+          </a:prstGeom>
+        </p:spPr>
+        <p:style>
+          <a:lnRef idx="1">
+            <a:schemeClr val="dk1"/>
+          </a:lnRef>
+          <a:fillRef idx="0">
+            <a:schemeClr val="dk1"/>
+          </a:fillRef>
+          <a:effectRef idx="0">
+            <a:schemeClr val="dk1"/>
+          </a:effectRef>
+          <a:fontRef idx="minor">
+            <a:schemeClr val="tx1"/>
+          </a:fontRef>
+        </p:style>
+      </p:cxnSp>
+      <p:cxnSp>
+        <p:nvCxnSpPr>
+          <p:cNvPr id="41" name="Straight Arrow Connector 40">
+            <a:extLst>
+              <a:ext uri="{FF2B5EF4-FFF2-40B4-BE49-F238E27FC236}">
+                <a16:creationId xmlns:a16="http://schemas.microsoft.com/office/drawing/2014/main" id="{3E331B6F-6B0E-5245-A4CE-E252B47E3577}"/>
+              </a:ext>
+            </a:extLst>
+          </p:cNvPr>
+          <p:cNvCxnSpPr/>
+          <p:nvPr/>
+        </p:nvCxnSpPr>
+        <p:spPr>
+          <a:xfrm>
+            <a:off x="8203098" y="3389896"/>
+            <a:ext cx="0" cy="1754325"/>
+          </a:xfrm>
+          <a:prstGeom prst="straightConnector1">
+            <a:avLst/>
+          </a:prstGeom>
+          <a:ln>
+            <a:tailEnd type="triangle"/>
+          </a:ln>
+        </p:spPr>
+        <p:style>
+          <a:lnRef idx="1">
+            <a:schemeClr val="dk1"/>
+          </a:lnRef>
+          <a:fillRef idx="0">
+            <a:schemeClr val="dk1"/>
+          </a:fillRef>
+          <a:effectRef idx="0">
+            <a:schemeClr val="dk1"/>
+          </a:effectRef>
+          <a:fontRef idx="minor">
+            <a:schemeClr val="tx1"/>
+          </a:fontRef>
+        </p:style>
+      </p:cxnSp>
+      <p:sp>
+        <p:nvSpPr>
+          <p:cNvPr id="42" name="Rectangle 41">
+            <a:extLst>
+              <a:ext uri="{FF2B5EF4-FFF2-40B4-BE49-F238E27FC236}">
+                <a16:creationId xmlns:a16="http://schemas.microsoft.com/office/drawing/2014/main" id="{6F604A94-C734-C447-B9AC-C96C8C3790D1}"/>
+              </a:ext>
+            </a:extLst>
+          </p:cNvPr>
+          <p:cNvSpPr/>
+          <p:nvPr/>
+        </p:nvSpPr>
+        <p:spPr>
+          <a:xfrm>
+            <a:off x="2713377" y="1628979"/>
+            <a:ext cx="980659" cy="533917"/>
+          </a:xfrm>
+          <a:prstGeom prst="rect">
+            <a:avLst/>
+          </a:prstGeom>
+        </p:spPr>
+        <p:style>
+          <a:lnRef idx="1">
+            <a:schemeClr val="accent4"/>
+          </a:lnRef>
+          <a:fillRef idx="2">
+            <a:schemeClr val="accent4"/>
+          </a:fillRef>
+          <a:effectRef idx="1">
+            <a:schemeClr val="accent4"/>
+          </a:effectRef>
+          <a:fontRef idx="minor">
+            <a:schemeClr val="dk1"/>
+          </a:fontRef>
+        </p:style>
+        <p:txBody>
+          <a:bodyPr rtlCol="0" anchor="ctr"/>
+          <a:lstStyle/>
+          <a:p>
+            <a:pPr algn="ctr"/>
+            <a:r>
+              <a:rPr lang="en-SA" dirty="0"/>
+              <a:t>R^2 train</a:t>
+            </a:r>
+          </a:p>
+        </p:txBody>
+      </p:sp>
+      <p:sp>
+        <p:nvSpPr>
+          <p:cNvPr id="43" name="Rectangle 42">
+            <a:extLst>
+              <a:ext uri="{FF2B5EF4-FFF2-40B4-BE49-F238E27FC236}">
+                <a16:creationId xmlns:a16="http://schemas.microsoft.com/office/drawing/2014/main" id="{002AE6BF-46E2-D44F-B5CA-6ABE7E16F27E}"/>
+              </a:ext>
+            </a:extLst>
+          </p:cNvPr>
+          <p:cNvSpPr/>
+          <p:nvPr/>
+        </p:nvSpPr>
+        <p:spPr>
+          <a:xfrm>
+            <a:off x="3939220" y="1628979"/>
+            <a:ext cx="980659" cy="529362"/>
+          </a:xfrm>
+          <a:prstGeom prst="rect">
+            <a:avLst/>
+          </a:prstGeom>
+        </p:spPr>
+        <p:style>
+          <a:lnRef idx="1">
+            <a:schemeClr val="accent4"/>
+          </a:lnRef>
+          <a:fillRef idx="2">
+            <a:schemeClr val="accent4"/>
+          </a:fillRef>
+          <a:effectRef idx="1">
+            <a:schemeClr val="accent4"/>
+          </a:effectRef>
+          <a:fontRef idx="minor">
+            <a:schemeClr val="dk1"/>
+          </a:fontRef>
+        </p:style>
+        <p:txBody>
+          <a:bodyPr rtlCol="0" anchor="ctr"/>
+          <a:lstStyle/>
+          <a:p>
+            <a:pPr algn="ctr"/>
+            <a:r>
+              <a:rPr lang="en-SA" dirty="0"/>
+              <a:t>R^2</a:t>
+            </a:r>
+          </a:p>
+          <a:p>
+            <a:pPr algn="ctr"/>
+            <a:r>
+              <a:rPr lang="en-SA" dirty="0"/>
+              <a:t> test</a:t>
+            </a:r>
+          </a:p>
+        </p:txBody>
+      </p:sp>
+      <p:sp>
+        <p:nvSpPr>
+          <p:cNvPr id="44" name="Rectangle 43">
+            <a:extLst>
+              <a:ext uri="{FF2B5EF4-FFF2-40B4-BE49-F238E27FC236}">
+                <a16:creationId xmlns:a16="http://schemas.microsoft.com/office/drawing/2014/main" id="{B93C75E7-A5ED-D240-887A-5EFEEA89C30E}"/>
+              </a:ext>
+            </a:extLst>
+          </p:cNvPr>
+          <p:cNvSpPr/>
+          <p:nvPr/>
+        </p:nvSpPr>
+        <p:spPr>
+          <a:xfrm>
+            <a:off x="8362123" y="1608669"/>
+            <a:ext cx="980659" cy="533917"/>
+          </a:xfrm>
+          <a:prstGeom prst="rect">
+            <a:avLst/>
+          </a:prstGeom>
+        </p:spPr>
+        <p:style>
+          <a:lnRef idx="1">
+            <a:schemeClr val="accent4"/>
+          </a:lnRef>
+          <a:fillRef idx="2">
+            <a:schemeClr val="accent4"/>
+          </a:fillRef>
+          <a:effectRef idx="1">
+            <a:schemeClr val="accent4"/>
+          </a:effectRef>
+          <a:fontRef idx="minor">
+            <a:schemeClr val="dk1"/>
+          </a:fontRef>
+        </p:style>
+        <p:txBody>
+          <a:bodyPr rtlCol="0" anchor="ctr"/>
+          <a:lstStyle/>
+          <a:p>
+            <a:pPr algn="ctr"/>
+            <a:r>
+              <a:rPr lang="en-SA" dirty="0"/>
+              <a:t>R^2 train</a:t>
+            </a:r>
+          </a:p>
+        </p:txBody>
+      </p:sp>
+      <p:sp>
+        <p:nvSpPr>
+          <p:cNvPr id="45" name="Rectangle 44">
+            <a:extLst>
+              <a:ext uri="{FF2B5EF4-FFF2-40B4-BE49-F238E27FC236}">
+                <a16:creationId xmlns:a16="http://schemas.microsoft.com/office/drawing/2014/main" id="{B4383508-EBE2-9744-9799-7E7B702CAFB5}"/>
+              </a:ext>
+            </a:extLst>
+          </p:cNvPr>
+          <p:cNvSpPr/>
+          <p:nvPr/>
+        </p:nvSpPr>
+        <p:spPr>
+          <a:xfrm>
+            <a:off x="9528315" y="1621054"/>
+            <a:ext cx="980659" cy="529362"/>
+          </a:xfrm>
+          <a:prstGeom prst="rect">
+            <a:avLst/>
+          </a:prstGeom>
+        </p:spPr>
+        <p:style>
+          <a:lnRef idx="1">
+            <a:schemeClr val="accent4"/>
+          </a:lnRef>
+          <a:fillRef idx="2">
+            <a:schemeClr val="accent4"/>
+          </a:fillRef>
+          <a:effectRef idx="1">
+            <a:schemeClr val="accent4"/>
+          </a:effectRef>
+          <a:fontRef idx="minor">
+            <a:schemeClr val="dk1"/>
+          </a:fontRef>
+        </p:style>
+        <p:txBody>
+          <a:bodyPr rtlCol="0" anchor="ctr"/>
+          <a:lstStyle/>
+          <a:p>
+            <a:pPr algn="ctr"/>
+            <a:r>
+              <a:rPr lang="en-SA" dirty="0"/>
+              <a:t>R^2</a:t>
+            </a:r>
+          </a:p>
+          <a:p>
+            <a:pPr algn="ctr"/>
+            <a:r>
+              <a:rPr lang="en-SA" dirty="0"/>
+              <a:t> test</a:t>
+            </a:r>
+          </a:p>
+        </p:txBody>
+      </p:sp>
     </p:spTree>
     <p:extLst>
       <p:ext uri="{BB962C8B-B14F-4D97-AF65-F5344CB8AC3E}">
-        <p14:creationId xmlns:p14="http://schemas.microsoft.com/office/powerpoint/2010/main" val="1777169934"/>
+        <p14:creationId xmlns:p14="http://schemas.microsoft.com/office/powerpoint/2010/main" val="2053045140"/>
       </p:ext>
     </p:extLst>
   </p:cSld>
@@ -18713,7 +18076,109 @@
           <p:cNvPr id="2" name="Title 1">
             <a:extLst>
               <a:ext uri="{FF2B5EF4-FFF2-40B4-BE49-F238E27FC236}">
-                <a16:creationId xmlns:a16="http://schemas.microsoft.com/office/drawing/2014/main" id="{1B5163F7-C18E-F341-B964-BACD12FE954E}"/>
+                <a16:creationId xmlns:a16="http://schemas.microsoft.com/office/drawing/2014/main" id="{E3B5AB33-1964-F945-B417-7ACE716AAAE7}"/>
+              </a:ext>
+            </a:extLst>
+          </p:cNvPr>
+          <p:cNvSpPr>
+            <a:spLocks noGrp="1"/>
+          </p:cNvSpPr>
+          <p:nvPr>
+            <p:ph type="title"/>
+          </p:nvPr>
+        </p:nvSpPr>
+        <p:spPr>
+          <a:xfrm>
+            <a:off x="3369366" y="232603"/>
+            <a:ext cx="10515600" cy="1325563"/>
+          </a:xfrm>
+        </p:spPr>
+        <p:txBody>
+          <a:bodyPr>
+            <a:normAutofit/>
+          </a:bodyPr>
+          <a:lstStyle/>
+          <a:p>
+            <a:pPr algn="l"/>
+            <a:r>
+              <a:rPr lang="en-US" sz="2800" b="1" i="0" dirty="0">
+                <a:solidFill>
+                  <a:srgbClr val="000000"/>
+                </a:solidFill>
+                <a:effectLst/>
+                <a:latin typeface="Times" pitchFamily="2" charset="0"/>
+              </a:rPr>
+              <a:t>model performance</a:t>
+            </a:r>
+          </a:p>
+        </p:txBody>
+      </p:sp>
+      <p:pic>
+        <p:nvPicPr>
+          <p:cNvPr id="4" name="Picture 3">
+            <a:extLst>
+              <a:ext uri="{FF2B5EF4-FFF2-40B4-BE49-F238E27FC236}">
+                <a16:creationId xmlns:a16="http://schemas.microsoft.com/office/drawing/2014/main" id="{7FABD3DF-B587-BC47-BB7C-FD6544F35BE9}"/>
+              </a:ext>
+            </a:extLst>
+          </p:cNvPr>
+          <p:cNvPicPr>
+            <a:picLocks noChangeAspect="1"/>
+          </p:cNvPicPr>
+          <p:nvPr/>
+        </p:nvPicPr>
+        <p:blipFill>
+          <a:blip r:embed="rId2"/>
+          <a:stretch>
+            <a:fillRect/>
+          </a:stretch>
+        </p:blipFill>
+        <p:spPr>
+          <a:xfrm>
+            <a:off x="728871" y="1690688"/>
+            <a:ext cx="9236764" cy="4533900"/>
+          </a:xfrm>
+          <a:prstGeom prst="rect">
+            <a:avLst/>
+          </a:prstGeom>
+        </p:spPr>
+      </p:pic>
+    </p:spTree>
+    <p:extLst>
+      <p:ext uri="{BB962C8B-B14F-4D97-AF65-F5344CB8AC3E}">
+        <p14:creationId xmlns:p14="http://schemas.microsoft.com/office/powerpoint/2010/main" val="816748493"/>
+      </p:ext>
+    </p:extLst>
+  </p:cSld>
+  <p:clrMapOvr>
+    <a:masterClrMapping/>
+  </p:clrMapOvr>
+</p:sld>
+</file>
+
+<file path=ppt/slides/slide8.xml><?xml version="1.0" encoding="utf-8"?>
+<p:sld xmlns:a="http://schemas.openxmlformats.org/drawingml/2006/main" xmlns:r="http://schemas.openxmlformats.org/officeDocument/2006/relationships" xmlns:p="http://schemas.openxmlformats.org/presentationml/2006/main">
+  <p:cSld>
+    <p:spTree>
+      <p:nvGrpSpPr>
+        <p:cNvPr id="1" name=""/>
+        <p:cNvGrpSpPr/>
+        <p:nvPr/>
+      </p:nvGrpSpPr>
+      <p:grpSpPr>
+        <a:xfrm>
+          <a:off x="0" y="0"/>
+          <a:ext cx="0" cy="0"/>
+          <a:chOff x="0" y="0"/>
+          <a:chExt cx="0" cy="0"/>
+        </a:xfrm>
+      </p:grpSpPr>
+      <p:sp>
+        <p:nvSpPr>
+          <p:cNvPr id="2" name="Title 1">
+            <a:extLst>
+              <a:ext uri="{FF2B5EF4-FFF2-40B4-BE49-F238E27FC236}">
+                <a16:creationId xmlns:a16="http://schemas.microsoft.com/office/drawing/2014/main" id="{7123E1C7-A20A-9742-ACAD-ABEEBD47DCA6}"/>
               </a:ext>
             </a:extLst>
           </p:cNvPr>
@@ -18734,11 +18199,14 @@
               <a:rPr lang="en-US" dirty="0">
                 <a:latin typeface="Times" pitchFamily="2" charset="0"/>
               </a:rPr>
-              <a:t>Polynomial Regression</a:t>
-            </a:r>
-            <a:endParaRPr lang="en-SA" dirty="0">
-              <a:latin typeface="Times" pitchFamily="2" charset="0"/>
-            </a:endParaRPr>
+              <a:t>C</a:t>
+            </a:r>
+            <a:r>
+              <a:rPr lang="en-SA" dirty="0">
+                <a:latin typeface="Times" pitchFamily="2" charset="0"/>
+              </a:rPr>
+              <a:t>onclousion </a:t>
+            </a:r>
           </a:p>
         </p:txBody>
       </p:sp>
@@ -18747,7 +18215,7 @@
           <p:cNvPr id="3" name="Content Placeholder 2">
             <a:extLst>
               <a:ext uri="{FF2B5EF4-FFF2-40B4-BE49-F238E27FC236}">
-                <a16:creationId xmlns:a16="http://schemas.microsoft.com/office/drawing/2014/main" id="{B3DDEC1F-12F2-8F4B-B06C-76099ABD71C1}"/>
+                <a16:creationId xmlns:a16="http://schemas.microsoft.com/office/drawing/2014/main" id="{946860A1-7BCC-CE4E-B1C8-AD6D6E94305B}"/>
               </a:ext>
             </a:extLst>
           </p:cNvPr>
@@ -18763,14 +18231,191 @@
           <a:bodyPr/>
           <a:lstStyle/>
           <a:p>
-            <a:endParaRPr lang="en-SA"/>
+            <a:r>
+              <a:rPr lang="en-US" dirty="0">
+                <a:latin typeface="Times" pitchFamily="2" charset="0"/>
+              </a:rPr>
+              <a:t>T</a:t>
+            </a:r>
+            <a:r>
+              <a:rPr lang="en-SA" dirty="0">
+                <a:latin typeface="Times" pitchFamily="2" charset="0"/>
+              </a:rPr>
+              <a:t>he model has a good fitting for inexpensive cars </a:t>
+            </a:r>
+          </a:p>
+          <a:p>
+            <a:r>
+              <a:rPr lang="en-US" dirty="0">
+                <a:latin typeface="Times" pitchFamily="2" charset="0"/>
+              </a:rPr>
+              <a:t>E</a:t>
+            </a:r>
+            <a:r>
+              <a:rPr lang="en-SA" dirty="0">
+                <a:latin typeface="Times" pitchFamily="2" charset="0"/>
+              </a:rPr>
+              <a:t>xtract importance feature and retrain model has a good impact on rising R squre </a:t>
+            </a:r>
+          </a:p>
+          <a:p>
+            <a:r>
+              <a:rPr lang="en-US" dirty="0">
+                <a:latin typeface="Times" pitchFamily="2" charset="0"/>
+              </a:rPr>
+              <a:t>U</a:t>
+            </a:r>
+            <a:r>
+              <a:rPr lang="en-SA" dirty="0">
+                <a:latin typeface="Times" pitchFamily="2" charset="0"/>
+              </a:rPr>
+              <a:t>sing LasooCV or RidgeCV may work efficiently rather than tunig hyper parameter by your self </a:t>
+            </a:r>
+          </a:p>
+          <a:p>
+            <a:r>
+              <a:rPr lang="en-SA" dirty="0">
+                <a:latin typeface="Times" pitchFamily="2" charset="0"/>
+              </a:rPr>
+              <a:t>RidgeCV was the best model prediction </a:t>
+            </a:r>
+          </a:p>
+          <a:p>
+            <a:endParaRPr lang="en-SA" dirty="0"/>
           </a:p>
         </p:txBody>
       </p:sp>
     </p:spTree>
     <p:extLst>
       <p:ext uri="{BB962C8B-B14F-4D97-AF65-F5344CB8AC3E}">
-        <p14:creationId xmlns:p14="http://schemas.microsoft.com/office/powerpoint/2010/main" val="1366292910"/>
+        <p14:creationId xmlns:p14="http://schemas.microsoft.com/office/powerpoint/2010/main" val="3184891737"/>
+      </p:ext>
+    </p:extLst>
+  </p:cSld>
+  <p:clrMapOvr>
+    <a:masterClrMapping/>
+  </p:clrMapOvr>
+</p:sld>
+</file>
+
+<file path=ppt/slides/slide9.xml><?xml version="1.0" encoding="utf-8"?>
+<p:sld xmlns:a="http://schemas.openxmlformats.org/drawingml/2006/main" xmlns:r="http://schemas.openxmlformats.org/officeDocument/2006/relationships" xmlns:p="http://schemas.openxmlformats.org/presentationml/2006/main">
+  <p:cSld>
+    <p:spTree>
+      <p:nvGrpSpPr>
+        <p:cNvPr id="1" name=""/>
+        <p:cNvGrpSpPr/>
+        <p:nvPr/>
+      </p:nvGrpSpPr>
+      <p:grpSpPr>
+        <a:xfrm>
+          <a:off x="0" y="0"/>
+          <a:ext cx="0" cy="0"/>
+          <a:chOff x="0" y="0"/>
+          <a:chExt cx="0" cy="0"/>
+        </a:xfrm>
+      </p:grpSpPr>
+      <p:sp>
+        <p:nvSpPr>
+          <p:cNvPr id="2" name="Title 1">
+            <a:extLst>
+              <a:ext uri="{FF2B5EF4-FFF2-40B4-BE49-F238E27FC236}">
+                <a16:creationId xmlns:a16="http://schemas.microsoft.com/office/drawing/2014/main" id="{98A57F93-7403-8847-BD9B-DCFE5EDC4DB5}"/>
+              </a:ext>
+            </a:extLst>
+          </p:cNvPr>
+          <p:cNvSpPr>
+            <a:spLocks noGrp="1"/>
+          </p:cNvSpPr>
+          <p:nvPr>
+            <p:ph type="title"/>
+          </p:nvPr>
+        </p:nvSpPr>
+        <p:spPr/>
+        <p:txBody>
+          <a:bodyPr/>
+          <a:lstStyle/>
+          <a:p>
+            <a:r>
+              <a:rPr lang="en-SA" dirty="0">
+                <a:latin typeface="Times" pitchFamily="2" charset="0"/>
+              </a:rPr>
+              <a:t>Future work </a:t>
+            </a:r>
+          </a:p>
+        </p:txBody>
+      </p:sp>
+      <p:sp>
+        <p:nvSpPr>
+          <p:cNvPr id="3" name="Content Placeholder 2">
+            <a:extLst>
+              <a:ext uri="{FF2B5EF4-FFF2-40B4-BE49-F238E27FC236}">
+                <a16:creationId xmlns:a16="http://schemas.microsoft.com/office/drawing/2014/main" id="{1FC6C6E0-DF27-5A4F-A7B3-A7F7536D7858}"/>
+              </a:ext>
+            </a:extLst>
+          </p:cNvPr>
+          <p:cNvSpPr>
+            <a:spLocks noGrp="1"/>
+          </p:cNvSpPr>
+          <p:nvPr>
+            <p:ph idx="1"/>
+          </p:nvPr>
+        </p:nvSpPr>
+        <p:spPr/>
+        <p:txBody>
+          <a:bodyPr/>
+          <a:lstStyle/>
+          <a:p>
+            <a:r>
+              <a:rPr lang="en-US" dirty="0">
+                <a:latin typeface="Times" pitchFamily="2" charset="0"/>
+              </a:rPr>
+              <a:t>T</a:t>
+            </a:r>
+            <a:r>
+              <a:rPr lang="en-SA" dirty="0">
+                <a:latin typeface="Times" pitchFamily="2" charset="0"/>
+              </a:rPr>
+              <a:t>unig more hyper prameters </a:t>
+            </a:r>
+          </a:p>
+          <a:p>
+            <a:r>
+              <a:rPr lang="en-US" dirty="0">
+                <a:latin typeface="Times" pitchFamily="2" charset="0"/>
+              </a:rPr>
+              <a:t>U</a:t>
+            </a:r>
+            <a:r>
+              <a:rPr lang="en-SA" dirty="0">
+                <a:latin typeface="Times" pitchFamily="2" charset="0"/>
+              </a:rPr>
+              <a:t>sing Random forcement </a:t>
+            </a:r>
+          </a:p>
+          <a:p>
+            <a:r>
+              <a:rPr lang="en-US" dirty="0">
+                <a:latin typeface="Times" pitchFamily="2" charset="0"/>
+              </a:rPr>
+              <a:t>C</a:t>
+            </a:r>
+            <a:r>
+              <a:rPr lang="en-SA" dirty="0">
+                <a:latin typeface="Times" pitchFamily="2" charset="0"/>
+              </a:rPr>
+              <a:t>reating more features from esxited features</a:t>
+            </a:r>
+          </a:p>
+          <a:p>
+            <a:endParaRPr lang="en-SA" dirty="0"/>
+          </a:p>
+        </p:txBody>
+      </p:sp>
+    </p:spTree>
+    <p:extLst>
+      <p:ext uri="{BB962C8B-B14F-4D97-AF65-F5344CB8AC3E}">
+        <p14:creationId xmlns:p14="http://schemas.microsoft.com/office/powerpoint/2010/main" val="159154992"/>
       </p:ext>
     </p:extLst>
   </p:cSld>
